--- a/reports/SUICnotes.pptx
+++ b/reports/SUICnotes.pptx
@@ -6,25 +6,33 @@
   </p:sldMasterIdLst>
   <p:sldIdLst>
     <p:sldId id="256" r:id="rId2"/>
-    <p:sldId id="266" r:id="rId3"/>
-    <p:sldId id="257" r:id="rId4"/>
-    <p:sldId id="263" r:id="rId5"/>
-    <p:sldId id="262" r:id="rId6"/>
+    <p:sldId id="258" r:id="rId3"/>
+    <p:sldId id="262" r:id="rId4"/>
+    <p:sldId id="279" r:id="rId5"/>
+    <p:sldId id="261" r:id="rId6"/>
     <p:sldId id="265" r:id="rId7"/>
     <p:sldId id="264" r:id="rId8"/>
-    <p:sldId id="258" r:id="rId9"/>
-    <p:sldId id="261" r:id="rId10"/>
-    <p:sldId id="259" r:id="rId11"/>
-    <p:sldId id="260" r:id="rId12"/>
-    <p:sldId id="269" r:id="rId13"/>
+    <p:sldId id="266" r:id="rId9"/>
+    <p:sldId id="263" r:id="rId10"/>
+    <p:sldId id="280" r:id="rId11"/>
+    <p:sldId id="269" r:id="rId12"/>
+    <p:sldId id="281" r:id="rId13"/>
     <p:sldId id="270" r:id="rId14"/>
-    <p:sldId id="271" r:id="rId15"/>
-    <p:sldId id="272" r:id="rId16"/>
-    <p:sldId id="267" r:id="rId17"/>
-    <p:sldId id="273" r:id="rId18"/>
-    <p:sldId id="274" r:id="rId19"/>
-    <p:sldId id="275" r:id="rId20"/>
-    <p:sldId id="268" r:id="rId21"/>
+    <p:sldId id="283" r:id="rId15"/>
+    <p:sldId id="271" r:id="rId16"/>
+    <p:sldId id="272" r:id="rId17"/>
+    <p:sldId id="286" r:id="rId18"/>
+    <p:sldId id="287" r:id="rId19"/>
+    <p:sldId id="273" r:id="rId20"/>
+    <p:sldId id="284" r:id="rId21"/>
+    <p:sldId id="267" r:id="rId22"/>
+    <p:sldId id="288" r:id="rId23"/>
+    <p:sldId id="275" r:id="rId24"/>
+    <p:sldId id="278" r:id="rId25"/>
+    <p:sldId id="285" r:id="rId26"/>
+    <p:sldId id="257" r:id="rId27"/>
+    <p:sldId id="277" r:id="rId28"/>
+    <p:sldId id="276" r:id="rId29"/>
   </p:sldIdLst>
   <p:sldSz cx="12192000" cy="6858000"/>
   <p:notesSz cx="6858000" cy="9144000"/>
@@ -123,6 +131,11 @@
       </a:defRPr>
     </a:lvl9pPr>
   </p:defaultTextStyle>
+  <p:extLst>
+    <p:ext uri="{EFAFB233-063F-42B5-8137-9DF3F51BA10A}">
+      <p15:sldGuideLst xmlns:p15="http://schemas.microsoft.com/office/powerpoint/2012/main"/>
+    </p:ext>
+  </p:extLst>
 </p:presentation>
 </file>
 
@@ -176,7 +189,7 @@
           <a:noFill/>
           <a:extLst>
             <a:ext uri="{909E8E84-426E-40dd-AFC4-6F175D3DCCD1}">
-              <a14:hiddenFill xmlns:a14="http://schemas.microsoft.com/office/drawing/2010/main" xmlns="">
+              <a14:hiddenFill xmlns="" xmlns:a14="http://schemas.microsoft.com/office/drawing/2010/main">
                 <a:solidFill>
                   <a:srgbClr val="FFFFFF"/>
                 </a:solidFill>
@@ -236,7 +249,7 @@
             </a:ln>
             <a:extLst>
               <a:ext uri="{91240B29-F687-4f45-9708-019B960494DF}">
-                <a14:hiddenLine xmlns:a14="http://schemas.microsoft.com/office/drawing/2010/main" xmlns="" w="9525">
+                <a14:hiddenLine xmlns="" xmlns:a14="http://schemas.microsoft.com/office/drawing/2010/main" w="9525">
                   <a:solidFill>
                     <a:srgbClr val="000000"/>
                   </a:solidFill>
@@ -326,7 +339,7 @@
             </a:ln>
             <a:extLst>
               <a:ext uri="{91240B29-F687-4f45-9708-019B960494DF}">
-                <a14:hiddenLine xmlns:a14="http://schemas.microsoft.com/office/drawing/2010/main" xmlns="" w="9525">
+                <a14:hiddenLine xmlns="" xmlns:a14="http://schemas.microsoft.com/office/drawing/2010/main" w="9525">
                   <a:solidFill>
                     <a:srgbClr val="000000"/>
                   </a:solidFill>
@@ -416,7 +429,7 @@
             </a:ln>
             <a:extLst>
               <a:ext uri="{91240B29-F687-4f45-9708-019B960494DF}">
-                <a14:hiddenLine xmlns:a14="http://schemas.microsoft.com/office/drawing/2010/main" xmlns="" w="9525">
+                <a14:hiddenLine xmlns="" xmlns:a14="http://schemas.microsoft.com/office/drawing/2010/main" w="9525">
                   <a:solidFill>
                     <a:srgbClr val="000000"/>
                   </a:solidFill>
@@ -450,7 +463,7 @@
             </a:ln>
             <a:extLst>
               <a:ext uri="{91240B29-F687-4f45-9708-019B960494DF}">
-                <a14:hiddenLine xmlns:a14="http://schemas.microsoft.com/office/drawing/2010/main" xmlns="" w="9525">
+                <a14:hiddenLine xmlns="" xmlns:a14="http://schemas.microsoft.com/office/drawing/2010/main" w="9525">
                   <a:solidFill>
                     <a:srgbClr val="000000"/>
                   </a:solidFill>
@@ -540,7 +553,7 @@
             </a:ln>
             <a:extLst>
               <a:ext uri="{91240B29-F687-4f45-9708-019B960494DF}">
-                <a14:hiddenLine xmlns:a14="http://schemas.microsoft.com/office/drawing/2010/main" xmlns="" w="9525">
+                <a14:hiddenLine xmlns="" xmlns:a14="http://schemas.microsoft.com/office/drawing/2010/main" w="9525">
                   <a:solidFill>
                     <a:srgbClr val="000000"/>
                   </a:solidFill>
@@ -602,7 +615,7 @@
             </a:ln>
             <a:extLst>
               <a:ext uri="{91240B29-F687-4f45-9708-019B960494DF}">
-                <a14:hiddenLine xmlns:a14="http://schemas.microsoft.com/office/drawing/2010/main" xmlns="" w="9525">
+                <a14:hiddenLine xmlns="" xmlns:a14="http://schemas.microsoft.com/office/drawing/2010/main" w="9525">
                   <a:solidFill>
                     <a:srgbClr val="000000"/>
                   </a:solidFill>
@@ -664,7 +677,7 @@
             </a:ln>
             <a:extLst>
               <a:ext uri="{91240B29-F687-4f45-9708-019B960494DF}">
-                <a14:hiddenLine xmlns:a14="http://schemas.microsoft.com/office/drawing/2010/main" xmlns="" w="9525">
+                <a14:hiddenLine xmlns="" xmlns:a14="http://schemas.microsoft.com/office/drawing/2010/main" w="9525">
                   <a:solidFill>
                     <a:srgbClr val="000000"/>
                   </a:solidFill>
@@ -754,7 +767,7 @@
             </a:ln>
             <a:extLst>
               <a:ext uri="{91240B29-F687-4f45-9708-019B960494DF}">
-                <a14:hiddenLine xmlns:a14="http://schemas.microsoft.com/office/drawing/2010/main" xmlns="" w="9525">
+                <a14:hiddenLine xmlns="" xmlns:a14="http://schemas.microsoft.com/office/drawing/2010/main" w="9525">
                   <a:solidFill>
                     <a:srgbClr val="000000"/>
                   </a:solidFill>
@@ -816,7 +829,7 @@
             </a:ln>
             <a:extLst>
               <a:ext uri="{91240B29-F687-4f45-9708-019B960494DF}">
-                <a14:hiddenLine xmlns:a14="http://schemas.microsoft.com/office/drawing/2010/main" xmlns="" w="9525">
+                <a14:hiddenLine xmlns="" xmlns:a14="http://schemas.microsoft.com/office/drawing/2010/main" w="9525">
                   <a:solidFill>
                     <a:srgbClr val="000000"/>
                   </a:solidFill>
@@ -878,7 +891,7 @@
             </a:ln>
             <a:extLst>
               <a:ext uri="{91240B29-F687-4f45-9708-019B960494DF}">
-                <a14:hiddenLine xmlns:a14="http://schemas.microsoft.com/office/drawing/2010/main" xmlns="" w="9525">
+                <a14:hiddenLine xmlns="" xmlns:a14="http://schemas.microsoft.com/office/drawing/2010/main" w="9525">
                   <a:solidFill>
                     <a:srgbClr val="000000"/>
                   </a:solidFill>
@@ -968,7 +981,7 @@
             </a:ln>
             <a:extLst>
               <a:ext uri="{91240B29-F687-4f45-9708-019B960494DF}">
-                <a14:hiddenLine xmlns:a14="http://schemas.microsoft.com/office/drawing/2010/main" xmlns="" w="9525">
+                <a14:hiddenLine xmlns="" xmlns:a14="http://schemas.microsoft.com/office/drawing/2010/main" w="9525">
                   <a:solidFill>
                     <a:srgbClr val="000000"/>
                   </a:solidFill>
@@ -1058,7 +1071,7 @@
             </a:ln>
             <a:extLst>
               <a:ext uri="{91240B29-F687-4f45-9708-019B960494DF}">
-                <a14:hiddenLine xmlns:a14="http://schemas.microsoft.com/office/drawing/2010/main" xmlns="" w="9525">
+                <a14:hiddenLine xmlns="" xmlns:a14="http://schemas.microsoft.com/office/drawing/2010/main" w="9525">
                   <a:solidFill>
                     <a:srgbClr val="000000"/>
                   </a:solidFill>
@@ -1120,7 +1133,7 @@
             </a:ln>
             <a:extLst>
               <a:ext uri="{91240B29-F687-4f45-9708-019B960494DF}">
-                <a14:hiddenLine xmlns:a14="http://schemas.microsoft.com/office/drawing/2010/main" xmlns="" w="9525">
+                <a14:hiddenLine xmlns="" xmlns:a14="http://schemas.microsoft.com/office/drawing/2010/main" w="9525">
                   <a:solidFill>
                     <a:srgbClr val="000000"/>
                   </a:solidFill>
@@ -1230,7 +1243,7 @@
             </a:ln>
             <a:extLst>
               <a:ext uri="{91240B29-F687-4f45-9708-019B960494DF}">
-                <a14:hiddenLine xmlns:a14="http://schemas.microsoft.com/office/drawing/2010/main" xmlns="" w="9525">
+                <a14:hiddenLine xmlns="" xmlns:a14="http://schemas.microsoft.com/office/drawing/2010/main" w="9525">
                   <a:solidFill>
                     <a:srgbClr val="000000"/>
                   </a:solidFill>
@@ -1292,7 +1305,7 @@
             </a:ln>
             <a:extLst>
               <a:ext uri="{91240B29-F687-4f45-9708-019B960494DF}">
-                <a14:hiddenLine xmlns:a14="http://schemas.microsoft.com/office/drawing/2010/main" xmlns="" w="9525">
+                <a14:hiddenLine xmlns="" xmlns:a14="http://schemas.microsoft.com/office/drawing/2010/main" w="9525">
                   <a:solidFill>
                     <a:srgbClr val="000000"/>
                   </a:solidFill>
@@ -1382,7 +1395,7 @@
             </a:ln>
             <a:extLst>
               <a:ext uri="{91240B29-F687-4f45-9708-019B960494DF}">
-                <a14:hiddenLine xmlns:a14="http://schemas.microsoft.com/office/drawing/2010/main" xmlns="" w="9525">
+                <a14:hiddenLine xmlns="" xmlns:a14="http://schemas.microsoft.com/office/drawing/2010/main" w="9525">
                   <a:solidFill>
                     <a:srgbClr val="000000"/>
                   </a:solidFill>
@@ -1472,7 +1485,7 @@
             </a:ln>
             <a:extLst>
               <a:ext uri="{91240B29-F687-4f45-9708-019B960494DF}">
-                <a14:hiddenLine xmlns:a14="http://schemas.microsoft.com/office/drawing/2010/main" xmlns="" w="9525">
+                <a14:hiddenLine xmlns="" xmlns:a14="http://schemas.microsoft.com/office/drawing/2010/main" w="9525">
                   <a:solidFill>
                     <a:srgbClr val="000000"/>
                   </a:solidFill>
@@ -1534,7 +1547,7 @@
             </a:ln>
             <a:extLst>
               <a:ext uri="{91240B29-F687-4f45-9708-019B960494DF}">
-                <a14:hiddenLine xmlns:a14="http://schemas.microsoft.com/office/drawing/2010/main" xmlns="" w="9525">
+                <a14:hiddenLine xmlns="" xmlns:a14="http://schemas.microsoft.com/office/drawing/2010/main" w="9525">
                   <a:solidFill>
                     <a:srgbClr val="000000"/>
                   </a:solidFill>
@@ -1624,7 +1637,7 @@
             </a:ln>
             <a:extLst>
               <a:ext uri="{91240B29-F687-4f45-9708-019B960494DF}">
-                <a14:hiddenLine xmlns:a14="http://schemas.microsoft.com/office/drawing/2010/main" xmlns="" w="9525">
+                <a14:hiddenLine xmlns="" xmlns:a14="http://schemas.microsoft.com/office/drawing/2010/main" w="9525">
                   <a:solidFill>
                     <a:srgbClr val="000000"/>
                   </a:solidFill>
@@ -1714,7 +1727,7 @@
             </a:ln>
             <a:extLst>
               <a:ext uri="{91240B29-F687-4f45-9708-019B960494DF}">
-                <a14:hiddenLine xmlns:a14="http://schemas.microsoft.com/office/drawing/2010/main" xmlns="" w="9525">
+                <a14:hiddenLine xmlns="" xmlns:a14="http://schemas.microsoft.com/office/drawing/2010/main" w="9525">
                   <a:solidFill>
                     <a:srgbClr val="000000"/>
                   </a:solidFill>
@@ -1770,7 +1783,7 @@
             </a:ln>
             <a:extLst>
               <a:ext uri="{91240B29-F687-4f45-9708-019B960494DF}">
-                <a14:hiddenLine xmlns:a14="http://schemas.microsoft.com/office/drawing/2010/main" xmlns="" w="9525">
+                <a14:hiddenLine xmlns="" xmlns:a14="http://schemas.microsoft.com/office/drawing/2010/main" w="9525">
                   <a:solidFill>
                     <a:srgbClr val="000000"/>
                   </a:solidFill>
@@ -1860,7 +1873,7 @@
             </a:ln>
             <a:extLst>
               <a:ext uri="{91240B29-F687-4f45-9708-019B960494DF}">
-                <a14:hiddenLine xmlns:a14="http://schemas.microsoft.com/office/drawing/2010/main" xmlns="" w="9525">
+                <a14:hiddenLine xmlns="" xmlns:a14="http://schemas.microsoft.com/office/drawing/2010/main" w="9525">
                   <a:solidFill>
                     <a:srgbClr val="000000"/>
                   </a:solidFill>
@@ -1916,7 +1929,7 @@
             </a:ln>
             <a:extLst>
               <a:ext uri="{91240B29-F687-4f45-9708-019B960494DF}">
-                <a14:hiddenLine xmlns:a14="http://schemas.microsoft.com/office/drawing/2010/main" xmlns="" w="9525">
+                <a14:hiddenLine xmlns="" xmlns:a14="http://schemas.microsoft.com/office/drawing/2010/main" w="9525">
                   <a:solidFill>
                     <a:srgbClr val="000000"/>
                   </a:solidFill>
@@ -2006,7 +2019,7 @@
             </a:ln>
             <a:extLst>
               <a:ext uri="{91240B29-F687-4f45-9708-019B960494DF}">
-                <a14:hiddenLine xmlns:a14="http://schemas.microsoft.com/office/drawing/2010/main" xmlns="" w="9525">
+                <a14:hiddenLine xmlns="" xmlns:a14="http://schemas.microsoft.com/office/drawing/2010/main" w="9525">
                   <a:solidFill>
                     <a:srgbClr val="000000"/>
                   </a:solidFill>
@@ -2074,7 +2087,7 @@
             </a:ln>
             <a:extLst>
               <a:ext uri="{91240B29-F687-4f45-9708-019B960494DF}">
-                <a14:hiddenLine xmlns:a14="http://schemas.microsoft.com/office/drawing/2010/main" xmlns="" w="9525">
+                <a14:hiddenLine xmlns="" xmlns:a14="http://schemas.microsoft.com/office/drawing/2010/main" w="9525">
                   <a:solidFill>
                     <a:srgbClr val="000000"/>
                   </a:solidFill>
@@ -2164,7 +2177,7 @@
             </a:ln>
             <a:extLst>
               <a:ext uri="{91240B29-F687-4f45-9708-019B960494DF}">
-                <a14:hiddenLine xmlns:a14="http://schemas.microsoft.com/office/drawing/2010/main" xmlns="" w="9525">
+                <a14:hiddenLine xmlns="" xmlns:a14="http://schemas.microsoft.com/office/drawing/2010/main" w="9525">
                   <a:solidFill>
                     <a:srgbClr val="000000"/>
                   </a:solidFill>
@@ -2232,7 +2245,7 @@
             </a:ln>
             <a:extLst>
               <a:ext uri="{91240B29-F687-4f45-9708-019B960494DF}">
-                <a14:hiddenLine xmlns:a14="http://schemas.microsoft.com/office/drawing/2010/main" xmlns="" w="9525">
+                <a14:hiddenLine xmlns="" xmlns:a14="http://schemas.microsoft.com/office/drawing/2010/main" w="9525">
                   <a:solidFill>
                     <a:srgbClr val="000000"/>
                   </a:solidFill>
@@ -2322,7 +2335,7 @@
             </a:ln>
             <a:extLst>
               <a:ext uri="{91240B29-F687-4f45-9708-019B960494DF}">
-                <a14:hiddenLine xmlns:a14="http://schemas.microsoft.com/office/drawing/2010/main" xmlns="" w="9525">
+                <a14:hiddenLine xmlns="" xmlns:a14="http://schemas.microsoft.com/office/drawing/2010/main" w="9525">
                   <a:solidFill>
                     <a:srgbClr val="000000"/>
                   </a:solidFill>
@@ -2356,7 +2369,7 @@
             </a:ln>
             <a:extLst>
               <a:ext uri="{91240B29-F687-4f45-9708-019B960494DF}">
-                <a14:hiddenLine xmlns:a14="http://schemas.microsoft.com/office/drawing/2010/main" xmlns="" w="9525">
+                <a14:hiddenLine xmlns="" xmlns:a14="http://schemas.microsoft.com/office/drawing/2010/main" w="9525">
                   <a:solidFill>
                     <a:srgbClr val="000000"/>
                   </a:solidFill>
@@ -2446,7 +2459,7 @@
             </a:ln>
             <a:extLst>
               <a:ext uri="{91240B29-F687-4f45-9708-019B960494DF}">
-                <a14:hiddenLine xmlns:a14="http://schemas.microsoft.com/office/drawing/2010/main" xmlns="" w="9525">
+                <a14:hiddenLine xmlns="" xmlns:a14="http://schemas.microsoft.com/office/drawing/2010/main" w="9525">
                   <a:solidFill>
                     <a:srgbClr val="000000"/>
                   </a:solidFill>
@@ -2508,7 +2521,7 @@
             </a:ln>
             <a:extLst>
               <a:ext uri="{91240B29-F687-4f45-9708-019B960494DF}">
-                <a14:hiddenLine xmlns:a14="http://schemas.microsoft.com/office/drawing/2010/main" xmlns="" w="9525">
+                <a14:hiddenLine xmlns="" xmlns:a14="http://schemas.microsoft.com/office/drawing/2010/main" w="9525">
                   <a:solidFill>
                     <a:srgbClr val="000000"/>
                   </a:solidFill>
@@ -2570,7 +2583,7 @@
             </a:ln>
             <a:extLst>
               <a:ext uri="{91240B29-F687-4f45-9708-019B960494DF}">
-                <a14:hiddenLine xmlns:a14="http://schemas.microsoft.com/office/drawing/2010/main" xmlns="" w="9525">
+                <a14:hiddenLine xmlns="" xmlns:a14="http://schemas.microsoft.com/office/drawing/2010/main" w="9525">
                   <a:solidFill>
                     <a:srgbClr val="000000"/>
                   </a:solidFill>
@@ -2660,7 +2673,7 @@
             </a:ln>
             <a:extLst>
               <a:ext uri="{91240B29-F687-4f45-9708-019B960494DF}">
-                <a14:hiddenLine xmlns:a14="http://schemas.microsoft.com/office/drawing/2010/main" xmlns="" w="9525">
+                <a14:hiddenLine xmlns="" xmlns:a14="http://schemas.microsoft.com/office/drawing/2010/main" w="9525">
                   <a:solidFill>
                     <a:srgbClr val="000000"/>
                   </a:solidFill>
@@ -2728,7 +2741,7 @@
             </a:ln>
             <a:extLst>
               <a:ext uri="{91240B29-F687-4f45-9708-019B960494DF}">
-                <a14:hiddenLine xmlns:a14="http://schemas.microsoft.com/office/drawing/2010/main" xmlns="" w="9525">
+                <a14:hiddenLine xmlns="" xmlns:a14="http://schemas.microsoft.com/office/drawing/2010/main" w="9525">
                   <a:solidFill>
                     <a:srgbClr val="000000"/>
                   </a:solidFill>
@@ -2790,7 +2803,7 @@
             </a:ln>
             <a:extLst>
               <a:ext uri="{91240B29-F687-4f45-9708-019B960494DF}">
-                <a14:hiddenLine xmlns:a14="http://schemas.microsoft.com/office/drawing/2010/main" xmlns="" w="9525">
+                <a14:hiddenLine xmlns="" xmlns:a14="http://schemas.microsoft.com/office/drawing/2010/main" w="9525">
                   <a:solidFill>
                     <a:srgbClr val="000000"/>
                   </a:solidFill>
@@ -2880,7 +2893,7 @@
             </a:ln>
             <a:extLst>
               <a:ext uri="{91240B29-F687-4f45-9708-019B960494DF}">
-                <a14:hiddenLine xmlns:a14="http://schemas.microsoft.com/office/drawing/2010/main" xmlns="" w="9525">
+                <a14:hiddenLine xmlns="" xmlns:a14="http://schemas.microsoft.com/office/drawing/2010/main" w="9525">
                   <a:solidFill>
                     <a:srgbClr val="000000"/>
                   </a:solidFill>
@@ -2942,7 +2955,7 @@
             </a:ln>
             <a:extLst>
               <a:ext uri="{91240B29-F687-4f45-9708-019B960494DF}">
-                <a14:hiddenLine xmlns:a14="http://schemas.microsoft.com/office/drawing/2010/main" xmlns="" w="9525">
+                <a14:hiddenLine xmlns="" xmlns:a14="http://schemas.microsoft.com/office/drawing/2010/main" w="9525">
                   <a:solidFill>
                     <a:srgbClr val="000000"/>
                   </a:solidFill>
@@ -3032,7 +3045,7 @@
             </a:ln>
             <a:extLst>
               <a:ext uri="{91240B29-F687-4f45-9708-019B960494DF}">
-                <a14:hiddenLine xmlns:a14="http://schemas.microsoft.com/office/drawing/2010/main" xmlns="" w="9525">
+                <a14:hiddenLine xmlns="" xmlns:a14="http://schemas.microsoft.com/office/drawing/2010/main" w="9525">
                   <a:solidFill>
                     <a:srgbClr val="000000"/>
                   </a:solidFill>
@@ -3094,7 +3107,7 @@
             </a:ln>
             <a:extLst>
               <a:ext uri="{91240B29-F687-4f45-9708-019B960494DF}">
-                <a14:hiddenLine xmlns:a14="http://schemas.microsoft.com/office/drawing/2010/main" xmlns="" w="9525">
+                <a14:hiddenLine xmlns="" xmlns:a14="http://schemas.microsoft.com/office/drawing/2010/main" w="9525">
                   <a:solidFill>
                     <a:srgbClr val="000000"/>
                   </a:solidFill>
@@ -3184,7 +3197,7 @@
             </a:ln>
             <a:extLst>
               <a:ext uri="{91240B29-F687-4f45-9708-019B960494DF}">
-                <a14:hiddenLine xmlns:a14="http://schemas.microsoft.com/office/drawing/2010/main" xmlns="" w="9525">
+                <a14:hiddenLine xmlns="" xmlns:a14="http://schemas.microsoft.com/office/drawing/2010/main" w="9525">
                   <a:solidFill>
                     <a:srgbClr val="000000"/>
                   </a:solidFill>
@@ -3218,7 +3231,7 @@
             </a:ln>
             <a:extLst>
               <a:ext uri="{91240B29-F687-4f45-9708-019B960494DF}">
-                <a14:hiddenLine xmlns:a14="http://schemas.microsoft.com/office/drawing/2010/main" xmlns="" w="9525">
+                <a14:hiddenLine xmlns="" xmlns:a14="http://schemas.microsoft.com/office/drawing/2010/main" w="9525">
                   <a:solidFill>
                     <a:srgbClr val="000000"/>
                   </a:solidFill>
@@ -3283,7 +3296,7 @@
             </a:ln>
             <a:extLst>
               <a:ext uri="{91240B29-F687-4f45-9708-019B960494DF}">
-                <a14:hiddenLine xmlns:a14="http://schemas.microsoft.com/office/drawing/2010/main" xmlns="" w="9525">
+                <a14:hiddenLine xmlns="" xmlns:a14="http://schemas.microsoft.com/office/drawing/2010/main" w="9525">
                   <a:solidFill>
                     <a:srgbClr val="000000"/>
                   </a:solidFill>
@@ -3373,7 +3386,7 @@
             </a:ln>
             <a:extLst>
               <a:ext uri="{91240B29-F687-4f45-9708-019B960494DF}">
-                <a14:hiddenLine xmlns:a14="http://schemas.microsoft.com/office/drawing/2010/main" xmlns="" w="9525">
+                <a14:hiddenLine xmlns="" xmlns:a14="http://schemas.microsoft.com/office/drawing/2010/main" w="9525">
                   <a:solidFill>
                     <a:srgbClr val="000000"/>
                   </a:solidFill>
@@ -3435,7 +3448,7 @@
             </a:ln>
             <a:extLst>
               <a:ext uri="{91240B29-F687-4f45-9708-019B960494DF}">
-                <a14:hiddenLine xmlns:a14="http://schemas.microsoft.com/office/drawing/2010/main" xmlns="" w="9525">
+                <a14:hiddenLine xmlns="" xmlns:a14="http://schemas.microsoft.com/office/drawing/2010/main" w="9525">
                   <a:solidFill>
                     <a:srgbClr val="000000"/>
                   </a:solidFill>
@@ -3525,7 +3538,7 @@
             </a:ln>
             <a:extLst>
               <a:ext uri="{91240B29-F687-4f45-9708-019B960494DF}">
-                <a14:hiddenLine xmlns:a14="http://schemas.microsoft.com/office/drawing/2010/main" xmlns="" w="9525">
+                <a14:hiddenLine xmlns="" xmlns:a14="http://schemas.microsoft.com/office/drawing/2010/main" w="9525">
                   <a:solidFill>
                     <a:srgbClr val="000000"/>
                   </a:solidFill>
@@ -3615,7 +3628,7 @@
             </a:ln>
             <a:extLst>
               <a:ext uri="{91240B29-F687-4f45-9708-019B960494DF}">
-                <a14:hiddenLine xmlns:a14="http://schemas.microsoft.com/office/drawing/2010/main" xmlns="" w="9525">
+                <a14:hiddenLine xmlns="" xmlns:a14="http://schemas.microsoft.com/office/drawing/2010/main" w="9525">
                   <a:solidFill>
                     <a:srgbClr val="000000"/>
                   </a:solidFill>
@@ -3680,7 +3693,7 @@
             </a:ln>
             <a:extLst>
               <a:ext uri="{91240B29-F687-4f45-9708-019B960494DF}">
-                <a14:hiddenLine xmlns:a14="http://schemas.microsoft.com/office/drawing/2010/main" xmlns="" w="9525">
+                <a14:hiddenLine xmlns="" xmlns:a14="http://schemas.microsoft.com/office/drawing/2010/main" w="9525">
                   <a:solidFill>
                     <a:srgbClr val="000000"/>
                   </a:solidFill>
@@ -3742,7 +3755,7 @@
             </a:ln>
             <a:extLst>
               <a:ext uri="{91240B29-F687-4f45-9708-019B960494DF}">
-                <a14:hiddenLine xmlns:a14="http://schemas.microsoft.com/office/drawing/2010/main" xmlns="" w="9525">
+                <a14:hiddenLine xmlns="" xmlns:a14="http://schemas.microsoft.com/office/drawing/2010/main" w="9525">
                   <a:solidFill>
                     <a:srgbClr val="000000"/>
                   </a:solidFill>
@@ -3832,7 +3845,7 @@
             </a:ln>
             <a:extLst>
               <a:ext uri="{91240B29-F687-4f45-9708-019B960494DF}">
-                <a14:hiddenLine xmlns:a14="http://schemas.microsoft.com/office/drawing/2010/main" xmlns="" w="9525">
+                <a14:hiddenLine xmlns="" xmlns:a14="http://schemas.microsoft.com/office/drawing/2010/main" w="9525">
                   <a:solidFill>
                     <a:srgbClr val="000000"/>
                   </a:solidFill>
@@ -3922,7 +3935,7 @@
             </a:ln>
             <a:extLst>
               <a:ext uri="{91240B29-F687-4f45-9708-019B960494DF}">
-                <a14:hiddenLine xmlns:a14="http://schemas.microsoft.com/office/drawing/2010/main" xmlns="" w="9525">
+                <a14:hiddenLine xmlns="" xmlns:a14="http://schemas.microsoft.com/office/drawing/2010/main" w="9525">
                   <a:solidFill>
                     <a:srgbClr val="000000"/>
                   </a:solidFill>
@@ -3984,7 +3997,7 @@
             </a:ln>
             <a:extLst>
               <a:ext uri="{91240B29-F687-4f45-9708-019B960494DF}">
-                <a14:hiddenLine xmlns:a14="http://schemas.microsoft.com/office/drawing/2010/main" xmlns="" w="9525">
+                <a14:hiddenLine xmlns="" xmlns:a14="http://schemas.microsoft.com/office/drawing/2010/main" w="9525">
                   <a:solidFill>
                     <a:srgbClr val="000000"/>
                   </a:solidFill>
@@ -4104,7 +4117,7 @@
             </a:ln>
             <a:extLst>
               <a:ext uri="{91240B29-F687-4f45-9708-019B960494DF}">
-                <a14:hiddenLine xmlns:a14="http://schemas.microsoft.com/office/drawing/2010/main" xmlns="" w="9525">
+                <a14:hiddenLine xmlns="" xmlns:a14="http://schemas.microsoft.com/office/drawing/2010/main" w="9525">
                   <a:solidFill>
                     <a:srgbClr val="000000"/>
                   </a:solidFill>
@@ -4172,7 +4185,7 @@
             </a:ln>
             <a:extLst>
               <a:ext uri="{91240B29-F687-4f45-9708-019B960494DF}">
-                <a14:hiddenLine xmlns:a14="http://schemas.microsoft.com/office/drawing/2010/main" xmlns="" w="9525">
+                <a14:hiddenLine xmlns="" xmlns:a14="http://schemas.microsoft.com/office/drawing/2010/main" w="9525">
                   <a:solidFill>
                     <a:srgbClr val="000000"/>
                   </a:solidFill>
@@ -4262,7 +4275,7 @@
             </a:ln>
             <a:extLst>
               <a:ext uri="{91240B29-F687-4f45-9708-019B960494DF}">
-                <a14:hiddenLine xmlns:a14="http://schemas.microsoft.com/office/drawing/2010/main" xmlns="" w="9525">
+                <a14:hiddenLine xmlns="" xmlns:a14="http://schemas.microsoft.com/office/drawing/2010/main" w="9525">
                   <a:solidFill>
                     <a:srgbClr val="000000"/>
                   </a:solidFill>
@@ -4402,7 +4415,7 @@
           <a:p>
             <a:fld id="{48A87A34-81AB-432B-8DAE-1953F412C126}" type="datetimeFigureOut">
               <a:rPr lang="en-US" dirty="0"/>
-              <a:t>3/27/19</a:t>
+              <a:t>3/28/19</a:t>
             </a:fld>
             <a:endParaRPr lang="en-US" dirty="0"/>
           </a:p>
@@ -4664,7 +4677,7 @@
           <a:p>
             <a:fld id="{48A87A34-81AB-432B-8DAE-1953F412C126}" type="datetimeFigureOut">
               <a:rPr lang="en-US" dirty="0"/>
-              <a:t>3/27/19</a:t>
+              <a:t>3/28/19</a:t>
             </a:fld>
             <a:endParaRPr lang="en-US" dirty="0"/>
           </a:p>
@@ -4855,7 +4868,7 @@
           <a:p>
             <a:fld id="{48A87A34-81AB-432B-8DAE-1953F412C126}" type="datetimeFigureOut">
               <a:rPr lang="en-US" dirty="0"/>
-              <a:t>3/27/19</a:t>
+              <a:t>3/28/19</a:t>
             </a:fld>
             <a:endParaRPr lang="en-US" dirty="0"/>
           </a:p>
@@ -5113,7 +5126,7 @@
           <a:p>
             <a:fld id="{48A87A34-81AB-432B-8DAE-1953F412C126}" type="datetimeFigureOut">
               <a:rPr lang="en-US" dirty="0"/>
-              <a:t>3/27/19</a:t>
+              <a:t>3/28/19</a:t>
             </a:fld>
             <a:endParaRPr lang="en-US" dirty="0"/>
           </a:p>
@@ -5542,7 +5555,7 @@
           <a:p>
             <a:fld id="{48A87A34-81AB-432B-8DAE-1953F412C126}" type="datetimeFigureOut">
               <a:rPr lang="en-US" dirty="0"/>
-              <a:t>3/27/19</a:t>
+              <a:t>3/28/19</a:t>
             </a:fld>
             <a:endParaRPr lang="en-US" dirty="0"/>
           </a:p>
@@ -6083,7 +6096,7 @@
           <a:p>
             <a:fld id="{48A87A34-81AB-432B-8DAE-1953F412C126}" type="datetimeFigureOut">
               <a:rPr lang="en-US" dirty="0"/>
-              <a:t>3/27/19</a:t>
+              <a:t>3/28/19</a:t>
             </a:fld>
             <a:endParaRPr lang="en-US" dirty="0"/>
           </a:p>
@@ -6798,7 +6811,7 @@
           <a:p>
             <a:fld id="{48A87A34-81AB-432B-8DAE-1953F412C126}" type="datetimeFigureOut">
               <a:rPr lang="en-US" dirty="0"/>
-              <a:t>3/27/19</a:t>
+              <a:t>3/28/19</a:t>
             </a:fld>
             <a:endParaRPr lang="en-US" dirty="0"/>
           </a:p>
@@ -6963,7 +6976,7 @@
           <a:p>
             <a:fld id="{48A87A34-81AB-432B-8DAE-1953F412C126}" type="datetimeFigureOut">
               <a:rPr lang="en-US" dirty="0"/>
-              <a:t>3/27/19</a:t>
+              <a:t>3/28/19</a:t>
             </a:fld>
             <a:endParaRPr lang="en-US" dirty="0"/>
           </a:p>
@@ -7138,7 +7151,7 @@
           <a:p>
             <a:fld id="{48A87A34-81AB-432B-8DAE-1953F412C126}" type="datetimeFigureOut">
               <a:rPr lang="en-US" dirty="0"/>
-              <a:t>3/27/19</a:t>
+              <a:t>3/28/19</a:t>
             </a:fld>
             <a:endParaRPr lang="en-US" dirty="0"/>
           </a:p>
@@ -7303,7 +7316,7 @@
           <a:p>
             <a:fld id="{48A87A34-81AB-432B-8DAE-1953F412C126}" type="datetimeFigureOut">
               <a:rPr lang="en-US" dirty="0"/>
-              <a:t>3/27/19</a:t>
+              <a:t>3/28/19</a:t>
             </a:fld>
             <a:endParaRPr lang="en-US" dirty="0"/>
           </a:p>
@@ -7548,7 +7561,7 @@
           <a:p>
             <a:fld id="{48A87A34-81AB-432B-8DAE-1953F412C126}" type="datetimeFigureOut">
               <a:rPr lang="en-US" dirty="0"/>
-              <a:t>3/27/19</a:t>
+              <a:t>3/28/19</a:t>
             </a:fld>
             <a:endParaRPr lang="en-US" dirty="0"/>
           </a:p>
@@ -7775,7 +7788,7 @@
           <a:p>
             <a:fld id="{48A87A34-81AB-432B-8DAE-1953F412C126}" type="datetimeFigureOut">
               <a:rPr lang="en-US" dirty="0"/>
-              <a:t>3/27/19</a:t>
+              <a:t>3/28/19</a:t>
             </a:fld>
             <a:endParaRPr lang="en-US" dirty="0"/>
           </a:p>
@@ -8151,7 +8164,7 @@
           <a:p>
             <a:fld id="{48A87A34-81AB-432B-8DAE-1953F412C126}" type="datetimeFigureOut">
               <a:rPr lang="en-US" dirty="0"/>
-              <a:t>3/27/19</a:t>
+              <a:t>3/28/19</a:t>
             </a:fld>
             <a:endParaRPr lang="en-US" dirty="0"/>
           </a:p>
@@ -8264,7 +8277,7 @@
           <a:p>
             <a:fld id="{48A87A34-81AB-432B-8DAE-1953F412C126}" type="datetimeFigureOut">
               <a:rPr lang="en-US" dirty="0"/>
-              <a:t>3/27/19</a:t>
+              <a:t>3/28/19</a:t>
             </a:fld>
             <a:endParaRPr lang="en-US" dirty="0"/>
           </a:p>
@@ -8354,7 +8367,7 @@
           <a:p>
             <a:fld id="{48A87A34-81AB-432B-8DAE-1953F412C126}" type="datetimeFigureOut">
               <a:rPr lang="en-US" dirty="0"/>
-              <a:t>3/27/19</a:t>
+              <a:t>3/28/19</a:t>
             </a:fld>
             <a:endParaRPr lang="en-US" dirty="0"/>
           </a:p>
@@ -8598,7 +8611,7 @@
           <a:p>
             <a:fld id="{48A87A34-81AB-432B-8DAE-1953F412C126}" type="datetimeFigureOut">
               <a:rPr lang="en-US" dirty="0"/>
-              <a:t>3/27/19</a:t>
+              <a:t>3/28/19</a:t>
             </a:fld>
             <a:endParaRPr lang="en-US" dirty="0"/>
           </a:p>
@@ -8873,7 +8886,7 @@
           <a:p>
             <a:fld id="{48A87A34-81AB-432B-8DAE-1953F412C126}" type="datetimeFigureOut">
               <a:rPr lang="en-US" dirty="0"/>
-              <a:t>3/27/19</a:t>
+              <a:t>3/28/19</a:t>
             </a:fld>
             <a:endParaRPr lang="en-US" dirty="0"/>
           </a:p>
@@ -8984,7 +8997,7 @@
           <a:noFill/>
           <a:extLst>
             <a:ext uri="{909E8E84-426E-40dd-AFC4-6F175D3DCCD1}">
-              <a14:hiddenFill xmlns:a14="http://schemas.microsoft.com/office/drawing/2010/main" xmlns="">
+              <a14:hiddenFill xmlns="" xmlns:a14="http://schemas.microsoft.com/office/drawing/2010/main">
                 <a:solidFill>
                   <a:srgbClr val="FFFFFF"/>
                 </a:solidFill>
@@ -9058,7 +9071,7 @@
               </a:ln>
               <a:extLst>
                 <a:ext uri="{91240B29-F687-4f45-9708-019B960494DF}">
-                  <a14:hiddenLine xmlns:a14="http://schemas.microsoft.com/office/drawing/2010/main" xmlns="" w="9525">
+                  <a14:hiddenLine xmlns="" xmlns:a14="http://schemas.microsoft.com/office/drawing/2010/main" w="9525">
                     <a:solidFill>
                       <a:srgbClr val="000000"/>
                     </a:solidFill>
@@ -9148,7 +9161,7 @@
               </a:ln>
               <a:extLst>
                 <a:ext uri="{91240B29-F687-4f45-9708-019B960494DF}">
-                  <a14:hiddenLine xmlns:a14="http://schemas.microsoft.com/office/drawing/2010/main" xmlns="" w="9525">
+                  <a14:hiddenLine xmlns="" xmlns:a14="http://schemas.microsoft.com/office/drawing/2010/main" w="9525">
                     <a:solidFill>
                       <a:srgbClr val="000000"/>
                     </a:solidFill>
@@ -9238,7 +9251,7 @@
               </a:ln>
               <a:extLst>
                 <a:ext uri="{91240B29-F687-4f45-9708-019B960494DF}">
-                  <a14:hiddenLine xmlns:a14="http://schemas.microsoft.com/office/drawing/2010/main" xmlns="" w="9525">
+                  <a14:hiddenLine xmlns="" xmlns:a14="http://schemas.microsoft.com/office/drawing/2010/main" w="9525">
                     <a:solidFill>
                       <a:srgbClr val="000000"/>
                     </a:solidFill>
@@ -9300,7 +9313,7 @@
               </a:ln>
               <a:extLst>
                 <a:ext uri="{91240B29-F687-4f45-9708-019B960494DF}">
-                  <a14:hiddenLine xmlns:a14="http://schemas.microsoft.com/office/drawing/2010/main" xmlns="" w="9525">
+                  <a14:hiddenLine xmlns="" xmlns:a14="http://schemas.microsoft.com/office/drawing/2010/main" w="9525">
                     <a:solidFill>
                       <a:srgbClr val="000000"/>
                     </a:solidFill>
@@ -9390,7 +9403,7 @@
               </a:ln>
               <a:extLst>
                 <a:ext uri="{91240B29-F687-4f45-9708-019B960494DF}">
-                  <a14:hiddenLine xmlns:a14="http://schemas.microsoft.com/office/drawing/2010/main" xmlns="" w="9525">
+                  <a14:hiddenLine xmlns="" xmlns:a14="http://schemas.microsoft.com/office/drawing/2010/main" w="9525">
                     <a:solidFill>
                       <a:srgbClr val="000000"/>
                     </a:solidFill>
@@ -9452,7 +9465,7 @@
               </a:ln>
               <a:extLst>
                 <a:ext uri="{91240B29-F687-4f45-9708-019B960494DF}">
-                  <a14:hiddenLine xmlns:a14="http://schemas.microsoft.com/office/drawing/2010/main" xmlns="" w="9525">
+                  <a14:hiddenLine xmlns="" xmlns:a14="http://schemas.microsoft.com/office/drawing/2010/main" w="9525">
                     <a:solidFill>
                       <a:srgbClr val="000000"/>
                     </a:solidFill>
@@ -9514,7 +9527,7 @@
               </a:ln>
               <a:extLst>
                 <a:ext uri="{91240B29-F687-4f45-9708-019B960494DF}">
-                  <a14:hiddenLine xmlns:a14="http://schemas.microsoft.com/office/drawing/2010/main" xmlns="" w="9525">
+                  <a14:hiddenLine xmlns="" xmlns:a14="http://schemas.microsoft.com/office/drawing/2010/main" w="9525">
                     <a:solidFill>
                       <a:srgbClr val="000000"/>
                     </a:solidFill>
@@ -9604,7 +9617,7 @@
               </a:ln>
               <a:extLst>
                 <a:ext uri="{91240B29-F687-4f45-9708-019B960494DF}">
-                  <a14:hiddenLine xmlns:a14="http://schemas.microsoft.com/office/drawing/2010/main" xmlns="" w="9525">
+                  <a14:hiddenLine xmlns="" xmlns:a14="http://schemas.microsoft.com/office/drawing/2010/main" w="9525">
                     <a:solidFill>
                       <a:srgbClr val="000000"/>
                     </a:solidFill>
@@ -9694,7 +9707,7 @@
               </a:ln>
               <a:extLst>
                 <a:ext uri="{91240B29-F687-4f45-9708-019B960494DF}">
-                  <a14:hiddenLine xmlns:a14="http://schemas.microsoft.com/office/drawing/2010/main" xmlns="" w="9525">
+                  <a14:hiddenLine xmlns="" xmlns:a14="http://schemas.microsoft.com/office/drawing/2010/main" w="9525">
                     <a:solidFill>
                       <a:srgbClr val="000000"/>
                     </a:solidFill>
@@ -9756,7 +9769,7 @@
               </a:ln>
               <a:extLst>
                 <a:ext uri="{91240B29-F687-4f45-9708-019B960494DF}">
-                  <a14:hiddenLine xmlns:a14="http://schemas.microsoft.com/office/drawing/2010/main" xmlns="" w="9525">
+                  <a14:hiddenLine xmlns="" xmlns:a14="http://schemas.microsoft.com/office/drawing/2010/main" w="9525">
                     <a:solidFill>
                       <a:srgbClr val="000000"/>
                     </a:solidFill>
@@ -9866,7 +9879,7 @@
               </a:ln>
               <a:extLst>
                 <a:ext uri="{91240B29-F687-4f45-9708-019B960494DF}">
-                  <a14:hiddenLine xmlns:a14="http://schemas.microsoft.com/office/drawing/2010/main" xmlns="" w="9525">
+                  <a14:hiddenLine xmlns="" xmlns:a14="http://schemas.microsoft.com/office/drawing/2010/main" w="9525">
                     <a:solidFill>
                       <a:srgbClr val="000000"/>
                     </a:solidFill>
@@ -9950,7 +9963,7 @@
               </a:ln>
               <a:extLst>
                 <a:ext uri="{91240B29-F687-4f45-9708-019B960494DF}">
-                  <a14:hiddenLine xmlns:a14="http://schemas.microsoft.com/office/drawing/2010/main" xmlns="" w="9525">
+                  <a14:hiddenLine xmlns="" xmlns:a14="http://schemas.microsoft.com/office/drawing/2010/main" w="9525">
                     <a:solidFill>
                       <a:srgbClr val="000000"/>
                     </a:solidFill>
@@ -10012,7 +10025,7 @@
               </a:ln>
               <a:extLst>
                 <a:ext uri="{91240B29-F687-4f45-9708-019B960494DF}">
-                  <a14:hiddenLine xmlns:a14="http://schemas.microsoft.com/office/drawing/2010/main" xmlns="" w="9525">
+                  <a14:hiddenLine xmlns="" xmlns:a14="http://schemas.microsoft.com/office/drawing/2010/main" w="9525">
                     <a:solidFill>
                       <a:srgbClr val="000000"/>
                     </a:solidFill>
@@ -10074,7 +10087,7 @@
               </a:ln>
               <a:extLst>
                 <a:ext uri="{91240B29-F687-4f45-9708-019B960494DF}">
-                  <a14:hiddenLine xmlns:a14="http://schemas.microsoft.com/office/drawing/2010/main" xmlns="" w="9525">
+                  <a14:hiddenLine xmlns="" xmlns:a14="http://schemas.microsoft.com/office/drawing/2010/main" w="9525">
                     <a:solidFill>
                       <a:srgbClr val="000000"/>
                     </a:solidFill>
@@ -10164,7 +10177,7 @@
               </a:ln>
               <a:extLst>
                 <a:ext uri="{91240B29-F687-4f45-9708-019B960494DF}">
-                  <a14:hiddenLine xmlns:a14="http://schemas.microsoft.com/office/drawing/2010/main" xmlns="" w="9525">
+                  <a14:hiddenLine xmlns="" xmlns:a14="http://schemas.microsoft.com/office/drawing/2010/main" w="9525">
                     <a:solidFill>
                       <a:srgbClr val="000000"/>
                     </a:solidFill>
@@ -10198,7 +10211,7 @@
               </a:ln>
               <a:extLst>
                 <a:ext uri="{91240B29-F687-4f45-9708-019B960494DF}">
-                  <a14:hiddenLine xmlns:a14="http://schemas.microsoft.com/office/drawing/2010/main" xmlns="" w="9525">
+                  <a14:hiddenLine xmlns="" xmlns:a14="http://schemas.microsoft.com/office/drawing/2010/main" w="9525">
                     <a:solidFill>
                       <a:srgbClr val="000000"/>
                     </a:solidFill>
@@ -10263,7 +10276,7 @@
               </a:ln>
               <a:extLst>
                 <a:ext uri="{91240B29-F687-4f45-9708-019B960494DF}">
-                  <a14:hiddenLine xmlns:a14="http://schemas.microsoft.com/office/drawing/2010/main" xmlns="" w="9525">
+                  <a14:hiddenLine xmlns="" xmlns:a14="http://schemas.microsoft.com/office/drawing/2010/main" w="9525">
                     <a:solidFill>
                       <a:srgbClr val="000000"/>
                     </a:solidFill>
@@ -10353,7 +10366,7 @@
               </a:ln>
               <a:extLst>
                 <a:ext uri="{91240B29-F687-4f45-9708-019B960494DF}">
-                  <a14:hiddenLine xmlns:a14="http://schemas.microsoft.com/office/drawing/2010/main" xmlns="" w="9525">
+                  <a14:hiddenLine xmlns="" xmlns:a14="http://schemas.microsoft.com/office/drawing/2010/main" w="9525">
                     <a:solidFill>
                       <a:srgbClr val="000000"/>
                     </a:solidFill>
@@ -10415,7 +10428,7 @@
               </a:ln>
               <a:extLst>
                 <a:ext uri="{91240B29-F687-4f45-9708-019B960494DF}">
-                  <a14:hiddenLine xmlns:a14="http://schemas.microsoft.com/office/drawing/2010/main" xmlns="" w="9525">
+                  <a14:hiddenLine xmlns="" xmlns:a14="http://schemas.microsoft.com/office/drawing/2010/main" w="9525">
                     <a:solidFill>
                       <a:srgbClr val="000000"/>
                     </a:solidFill>
@@ -10505,7 +10518,7 @@
               </a:ln>
               <a:extLst>
                 <a:ext uri="{91240B29-F687-4f45-9708-019B960494DF}">
-                  <a14:hiddenLine xmlns:a14="http://schemas.microsoft.com/office/drawing/2010/main" xmlns="" w="9525">
+                  <a14:hiddenLine xmlns="" xmlns:a14="http://schemas.microsoft.com/office/drawing/2010/main" w="9525">
                     <a:solidFill>
                       <a:srgbClr val="000000"/>
                     </a:solidFill>
@@ -10570,7 +10583,7 @@
               </a:ln>
               <a:extLst>
                 <a:ext uri="{91240B29-F687-4f45-9708-019B960494DF}">
-                  <a14:hiddenLine xmlns:a14="http://schemas.microsoft.com/office/drawing/2010/main" xmlns="" w="9525">
+                  <a14:hiddenLine xmlns="" xmlns:a14="http://schemas.microsoft.com/office/drawing/2010/main" w="9525">
                     <a:solidFill>
                       <a:srgbClr val="000000"/>
                     </a:solidFill>
@@ -10632,7 +10645,7 @@
               </a:ln>
               <a:extLst>
                 <a:ext uri="{91240B29-F687-4f45-9708-019B960494DF}">
-                  <a14:hiddenLine xmlns:a14="http://schemas.microsoft.com/office/drawing/2010/main" xmlns="" w="9525">
+                  <a14:hiddenLine xmlns="" xmlns:a14="http://schemas.microsoft.com/office/drawing/2010/main" w="9525">
                     <a:solidFill>
                       <a:srgbClr val="000000"/>
                     </a:solidFill>
@@ -10722,7 +10735,7 @@
               </a:ln>
               <a:extLst>
                 <a:ext uri="{91240B29-F687-4f45-9708-019B960494DF}">
-                  <a14:hiddenLine xmlns:a14="http://schemas.microsoft.com/office/drawing/2010/main" xmlns="" w="9525">
+                  <a14:hiddenLine xmlns="" xmlns:a14="http://schemas.microsoft.com/office/drawing/2010/main" w="9525">
                     <a:solidFill>
                       <a:srgbClr val="000000"/>
                     </a:solidFill>
@@ -10812,7 +10825,7 @@
               </a:ln>
               <a:extLst>
                 <a:ext uri="{91240B29-F687-4f45-9708-019B960494DF}">
-                  <a14:hiddenLine xmlns:a14="http://schemas.microsoft.com/office/drawing/2010/main" xmlns="" w="9525">
+                  <a14:hiddenLine xmlns="" xmlns:a14="http://schemas.microsoft.com/office/drawing/2010/main" w="9525">
                     <a:solidFill>
                       <a:srgbClr val="000000"/>
                     </a:solidFill>
@@ -10877,7 +10890,7 @@
               </a:ln>
               <a:extLst>
                 <a:ext uri="{91240B29-F687-4f45-9708-019B960494DF}">
-                  <a14:hiddenLine xmlns:a14="http://schemas.microsoft.com/office/drawing/2010/main" xmlns="" w="9525">
+                  <a14:hiddenLine xmlns="" xmlns:a14="http://schemas.microsoft.com/office/drawing/2010/main" w="9525">
                     <a:solidFill>
                       <a:srgbClr val="000000"/>
                     </a:solidFill>
@@ -10997,7 +11010,7 @@
               </a:ln>
               <a:extLst>
                 <a:ext uri="{91240B29-F687-4f45-9708-019B960494DF}">
-                  <a14:hiddenLine xmlns:a14="http://schemas.microsoft.com/office/drawing/2010/main" xmlns="" w="9525">
+                  <a14:hiddenLine xmlns="" xmlns:a14="http://schemas.microsoft.com/office/drawing/2010/main" w="9525">
                     <a:solidFill>
                       <a:srgbClr val="000000"/>
                     </a:solidFill>
@@ -11095,7 +11108,7 @@
               </a:ln>
               <a:extLst>
                 <a:ext uri="{91240B29-F687-4f45-9708-019B960494DF}">
-                  <a14:hiddenLine xmlns:a14="http://schemas.microsoft.com/office/drawing/2010/main" xmlns="" w="9525">
+                  <a14:hiddenLine xmlns="" xmlns:a14="http://schemas.microsoft.com/office/drawing/2010/main" w="9525">
                     <a:solidFill>
                       <a:srgbClr val="000000"/>
                     </a:solidFill>
@@ -11210,7 +11223,7 @@
               </a:ln>
               <a:extLst>
                 <a:ext uri="{91240B29-F687-4f45-9708-019B960494DF}">
-                  <a14:hiddenLine xmlns:a14="http://schemas.microsoft.com/office/drawing/2010/main" xmlns="" w="9525">
+                  <a14:hiddenLine xmlns="" xmlns:a14="http://schemas.microsoft.com/office/drawing/2010/main" w="9525">
                     <a:solidFill>
                       <a:srgbClr val="000000"/>
                     </a:solidFill>
@@ -11300,7 +11313,7 @@
               </a:ln>
               <a:extLst>
                 <a:ext uri="{91240B29-F687-4f45-9708-019B960494DF}">
-                  <a14:hiddenLine xmlns:a14="http://schemas.microsoft.com/office/drawing/2010/main" xmlns="" w="9525">
+                  <a14:hiddenLine xmlns="" xmlns:a14="http://schemas.microsoft.com/office/drawing/2010/main" w="9525">
                     <a:solidFill>
                       <a:srgbClr val="000000"/>
                     </a:solidFill>
@@ -11365,7 +11378,7 @@
               </a:ln>
               <a:extLst>
                 <a:ext uri="{91240B29-F687-4f45-9708-019B960494DF}">
-                  <a14:hiddenLine xmlns:a14="http://schemas.microsoft.com/office/drawing/2010/main" xmlns="" w="9525">
+                  <a14:hiddenLine xmlns="" xmlns:a14="http://schemas.microsoft.com/office/drawing/2010/main" w="9525">
                     <a:solidFill>
                       <a:srgbClr val="000000"/>
                     </a:solidFill>
@@ -11455,7 +11468,7 @@
               </a:ln>
               <a:extLst>
                 <a:ext uri="{91240B29-F687-4f45-9708-019B960494DF}">
-                  <a14:hiddenLine xmlns:a14="http://schemas.microsoft.com/office/drawing/2010/main" xmlns="" w="9525">
+                  <a14:hiddenLine xmlns="" xmlns:a14="http://schemas.microsoft.com/office/drawing/2010/main" w="9525">
                     <a:solidFill>
                       <a:srgbClr val="000000"/>
                     </a:solidFill>
@@ -11523,7 +11536,7 @@
               </a:ln>
               <a:extLst>
                 <a:ext uri="{91240B29-F687-4f45-9708-019B960494DF}">
-                  <a14:hiddenLine xmlns:a14="http://schemas.microsoft.com/office/drawing/2010/main" xmlns="" w="9525">
+                  <a14:hiddenLine xmlns="" xmlns:a14="http://schemas.microsoft.com/office/drawing/2010/main" w="9525">
                     <a:solidFill>
                       <a:srgbClr val="000000"/>
                     </a:solidFill>
@@ -11613,7 +11626,7 @@
               </a:ln>
               <a:extLst>
                 <a:ext uri="{91240B29-F687-4f45-9708-019B960494DF}">
-                  <a14:hiddenLine xmlns:a14="http://schemas.microsoft.com/office/drawing/2010/main" xmlns="" w="9525">
+                  <a14:hiddenLine xmlns="" xmlns:a14="http://schemas.microsoft.com/office/drawing/2010/main" w="9525">
                     <a:solidFill>
                       <a:srgbClr val="000000"/>
                     </a:solidFill>
@@ -11681,7 +11694,7 @@
               </a:ln>
               <a:extLst>
                 <a:ext uri="{91240B29-F687-4f45-9708-019B960494DF}">
-                  <a14:hiddenLine xmlns:a14="http://schemas.microsoft.com/office/drawing/2010/main" xmlns="" w="9525">
+                  <a14:hiddenLine xmlns="" xmlns:a14="http://schemas.microsoft.com/office/drawing/2010/main" w="9525">
                     <a:solidFill>
                       <a:srgbClr val="000000"/>
                     </a:solidFill>
@@ -11771,7 +11784,7 @@
               </a:ln>
               <a:extLst>
                 <a:ext uri="{91240B29-F687-4f45-9708-019B960494DF}">
-                  <a14:hiddenLine xmlns:a14="http://schemas.microsoft.com/office/drawing/2010/main" xmlns="" w="9525">
+                  <a14:hiddenLine xmlns="" xmlns:a14="http://schemas.microsoft.com/office/drawing/2010/main" w="9525">
                     <a:solidFill>
                       <a:srgbClr val="000000"/>
                     </a:solidFill>
@@ -11805,7 +11818,7 @@
               </a:ln>
               <a:extLst>
                 <a:ext uri="{91240B29-F687-4f45-9708-019B960494DF}">
-                  <a14:hiddenLine xmlns:a14="http://schemas.microsoft.com/office/drawing/2010/main" xmlns="" w="9525">
+                  <a14:hiddenLine xmlns="" xmlns:a14="http://schemas.microsoft.com/office/drawing/2010/main" w="9525">
                     <a:solidFill>
                       <a:srgbClr val="000000"/>
                     </a:solidFill>
@@ -11946,7 +11959,7 @@
             <a:fld id="{48A87A34-81AB-432B-8DAE-1953F412C126}" type="datetimeFigureOut">
               <a:rPr lang="en-US" dirty="0"/>
               <a:pPr/>
-              <a:t>3/27/19</a:t>
+              <a:t>3/28/19</a:t>
             </a:fld>
             <a:endParaRPr lang="en-US" dirty="0"/>
           </a:p>
@@ -12391,11 +12404,12 @@
           <a:lstStyle/>
           <a:p>
             <a:r>
-              <a:rPr lang="en-US" sz="6000" dirty="0">
-                <a:effectLst>
-                  <a:outerShdw blurRad="76200" dist="38100" dir="3000000" algn="ctr" rotWithShape="0">
-                    <a:srgbClr val="48175A">
-                      <a:alpha val="63922"/>
+              <a:rPr lang="en-US" sz="6000" cap="none" dirty="0">
+                <a:ln w="0"/>
+                <a:effectLst>
+                  <a:outerShdw blurRad="76200" dist="50800" dir="2700000" algn="tl" rotWithShape="0">
+                    <a:srgbClr val="4C1960">
+                      <a:alpha val="65000"/>
                     </a:srgbClr>
                   </a:outerShdw>
                 </a:effectLst>
@@ -12424,7 +12438,7 @@
         <p:spPr>
           <a:xfrm>
             <a:off x="2536824" y="3060700"/>
-            <a:ext cx="7280276" cy="3124200"/>
+            <a:ext cx="8931276" cy="3124200"/>
           </a:xfrm>
         </p:spPr>
         <p:txBody>
@@ -12434,80 +12448,62 @@
           <a:lstStyle/>
           <a:p>
             <a:r>
-              <a:rPr lang="en-US" sz="3600" b="1" cap="none" dirty="0">
-                <a:effectLst>
-                  <a:outerShdw blurRad="76200" dist="50800" dir="3600000" algn="ctr" rotWithShape="0">
-                    <a:srgbClr val="4C1960">
-                      <a:alpha val="65098"/>
+              <a:rPr lang="en-US" sz="3600" cap="none" dirty="0">
+                <a:ln w="0"/>
+                <a:solidFill>
+                  <a:schemeClr val="tx1"/>
+                </a:solidFill>
+                <a:effectLst>
+                  <a:outerShdw blurRad="76200" dist="50800" dir="2700000" algn="tl" rotWithShape="0">
+                    <a:srgbClr val="4C1960">
+                      <a:alpha val="65000"/>
                     </a:srgbClr>
                   </a:outerShdw>
                 </a:effectLst>
                 <a:latin typeface="Klee Medium" panose="02020600000000000000" pitchFamily="18" charset="-128"/>
                 <a:ea typeface="Klee Medium" panose="02020600000000000000" pitchFamily="18" charset="-128"/>
               </a:rPr>
-              <a:t>Do suicide rates vary </a:t>
-            </a:r>
-          </a:p>
-          <a:p>
-            <a:r>
-              <a:rPr lang="en-US" sz="3600" b="1" cap="none" dirty="0">
-                <a:effectLst>
-                  <a:outerShdw blurRad="76200" dist="50800" dir="3600000" algn="ctr" rotWithShape="0">
-                    <a:srgbClr val="4C1960">
-                      <a:alpha val="65098"/>
+              <a:t>Do suicide rates vary with age? </a:t>
+            </a:r>
+          </a:p>
+          <a:p>
+            <a:r>
+              <a:rPr lang="en-US" sz="3200" cap="none" dirty="0">
+                <a:ln w="0"/>
+                <a:solidFill>
+                  <a:schemeClr val="tx1"/>
+                </a:solidFill>
+                <a:effectLst>
+                  <a:outerShdw blurRad="76200" dist="50800" dir="2700000" algn="tl" rotWithShape="0">
+                    <a:srgbClr val="4C1960">
+                      <a:alpha val="65000"/>
                     </a:srgbClr>
                   </a:outerShdw>
                 </a:effectLst>
                 <a:latin typeface="Klee Medium" panose="02020600000000000000" pitchFamily="18" charset="-128"/>
                 <a:ea typeface="Klee Medium" panose="02020600000000000000" pitchFamily="18" charset="-128"/>
               </a:rPr>
-              <a:t>in accordance with age,</a:t>
-            </a:r>
-            <a:r>
-              <a:rPr lang="en-US" sz="3200" b="1" cap="none" dirty="0">
-                <a:effectLst>
-                  <a:outerShdw blurRad="76200" dist="50800" dir="3600000" algn="ctr" rotWithShape="0">
-                    <a:srgbClr val="4C1960">
-                      <a:alpha val="65098"/>
+              <a:t>	Nationally vs. World-wide? </a:t>
+            </a:r>
+          </a:p>
+          <a:p>
+            <a:r>
+              <a:rPr lang="en-US" sz="3200" cap="none" dirty="0">
+                <a:ln w="0"/>
+                <a:solidFill>
+                  <a:schemeClr val="tx1"/>
+                </a:solidFill>
+                <a:effectLst>
+                  <a:outerShdw blurRad="76200" dist="50800" dir="2700000" algn="tl" rotWithShape="0">
+                    <a:srgbClr val="4C1960">
+                      <a:alpha val="65000"/>
                     </a:srgbClr>
                   </a:outerShdw>
                 </a:effectLst>
                 <a:latin typeface="Klee Medium" panose="02020600000000000000" pitchFamily="18" charset="-128"/>
                 <a:ea typeface="Klee Medium" panose="02020600000000000000" pitchFamily="18" charset="-128"/>
               </a:rPr>
-              <a:t> </a:t>
-            </a:r>
-          </a:p>
-          <a:p>
-            <a:r>
-              <a:rPr lang="en-US" sz="3200" b="1" cap="none" dirty="0">
-                <a:effectLst>
-                  <a:outerShdw blurRad="76200" dist="50800" dir="3600000" algn="ctr" rotWithShape="0">
-                    <a:srgbClr val="4C1960">
-                      <a:alpha val="65098"/>
-                    </a:srgbClr>
-                  </a:outerShdw>
-                </a:effectLst>
-                <a:latin typeface="Klee Medium" panose="02020600000000000000" pitchFamily="18" charset="-128"/>
-                <a:ea typeface="Klee Medium" panose="02020600000000000000" pitchFamily="18" charset="-128"/>
-              </a:rPr>
-              <a:t>Treatment facility density, or  </a:t>
-            </a:r>
-          </a:p>
-          <a:p>
-            <a:r>
-              <a:rPr lang="en-US" sz="3200" b="1" cap="none" dirty="0">
-                <a:effectLst>
-                  <a:outerShdw blurRad="76200" dist="50800" dir="3600000" algn="ctr" rotWithShape="0">
-                    <a:srgbClr val="4C1960">
-                      <a:alpha val="65098"/>
-                    </a:srgbClr>
-                  </a:outerShdw>
-                </a:effectLst>
-                <a:latin typeface="Klee Medium" panose="02020600000000000000" pitchFamily="18" charset="-128"/>
-                <a:ea typeface="Klee Medium" panose="02020600000000000000" pitchFamily="18" charset="-128"/>
-              </a:rPr>
-              <a:t>spending on mental health?</a:t>
+              <a:t>Does access to mental health treatment or government spending affect suicide rates?</a:t>
             </a:r>
           </a:p>
         </p:txBody>
@@ -12547,7 +12543,7 @@
           <p:cNvPr id="2" name="Title 1">
             <a:extLst>
               <a:ext uri="{FF2B5EF4-FFF2-40B4-BE49-F238E27FC236}">
-                <a16:creationId xmlns:a16="http://schemas.microsoft.com/office/drawing/2014/main" id="{293C8136-5745-D348-B819-C4D8039D5816}"/>
+                <a16:creationId xmlns:a16="http://schemas.microsoft.com/office/drawing/2014/main" id="{E9764EEB-23E1-1149-8DA2-7C33C0261F3A}"/>
               </a:ext>
             </a:extLst>
           </p:cNvPr>
@@ -12558,58 +12554,95 @@
             <p:ph type="title"/>
           </p:nvPr>
         </p:nvSpPr>
-        <p:spPr/>
+        <p:spPr>
+          <a:xfrm>
+            <a:off x="1143001" y="240629"/>
+            <a:ext cx="9905998" cy="1659461"/>
+          </a:xfrm>
+        </p:spPr>
         <p:txBody>
-          <a:bodyPr/>
+          <a:bodyPr>
+            <a:normAutofit/>
+          </a:bodyPr>
           <a:lstStyle/>
           <a:p>
-            <a:endParaRPr lang="en-US"/>
+            <a:pPr>
+              <a:spcAft>
+                <a:spcPts val="1800"/>
+              </a:spcAft>
+            </a:pPr>
+            <a:r>
+              <a:rPr lang="en-US" sz="4000" cap="none" dirty="0">
+                <a:effectLst>
+                  <a:outerShdw blurRad="63500" dist="50800" dir="2700000" algn="tl" rotWithShape="0">
+                    <a:srgbClr val="4C1960">
+                      <a:alpha val="65000"/>
+                    </a:srgbClr>
+                  </a:outerShdw>
+                </a:effectLst>
+              </a:rPr>
+              <a:t>Total US Suicides By Year and Age Range, </a:t>
+            </a:r>
+            <a:br>
+              <a:rPr lang="en-US" sz="4000" cap="none" dirty="0">
+                <a:effectLst>
+                  <a:outerShdw blurRad="63500" dist="50800" dir="2700000" algn="tl" rotWithShape="0">
+                    <a:srgbClr val="4C1960">
+                      <a:alpha val="65000"/>
+                    </a:srgbClr>
+                  </a:outerShdw>
+                </a:effectLst>
+              </a:rPr>
+            </a:br>
+            <a:r>
+              <a:rPr lang="en-US" sz="4000" cap="none" dirty="0">
+                <a:effectLst>
+                  <a:outerShdw blurRad="63500" dist="50800" dir="2700000" algn="tl" rotWithShape="0">
+                    <a:srgbClr val="4C1960">
+                      <a:alpha val="65000"/>
+                    </a:srgbClr>
+                  </a:outerShdw>
+                </a:effectLst>
+              </a:rPr>
+              <a:t>1985 - 2015</a:t>
+            </a:r>
           </a:p>
         </p:txBody>
       </p:sp>
-      <p:sp>
-        <p:nvSpPr>
-          <p:cNvPr id="3" name="Content Placeholder 2">
+      <p:pic>
+        <p:nvPicPr>
+          <p:cNvPr id="5" name="Picture 4">
             <a:extLst>
               <a:ext uri="{FF2B5EF4-FFF2-40B4-BE49-F238E27FC236}">
-                <a16:creationId xmlns:a16="http://schemas.microsoft.com/office/drawing/2014/main" id="{3D02872C-0679-7843-BAAA-E55EC56F8B6E}"/>
+                <a16:creationId xmlns:a16="http://schemas.microsoft.com/office/drawing/2014/main" id="{13849B16-6DB0-484E-9AA8-A720D7B04FC5}"/>
               </a:ext>
             </a:extLst>
           </p:cNvPr>
-          <p:cNvSpPr>
-            <a:spLocks noGrp="1"/>
-          </p:cNvSpPr>
-          <p:nvPr>
-            <p:ph idx="1"/>
-          </p:nvPr>
-        </p:nvSpPr>
-        <p:spPr/>
-        <p:txBody>
-          <a:bodyPr/>
-          <a:lstStyle/>
-          <a:p>
-            <a:r>
-              <a:rPr lang="en-US" dirty="0"/>
-              <a:t>U.S. Department of Health and Human Services, Substance Abuse and Mental Health Services Administration (SAMHSA), Locator Map, accessed at https://</a:t>
-            </a:r>
-            <a:r>
-              <a:rPr lang="en-US" dirty="0" err="1"/>
-              <a:t>findtreatment.samhsa.gov</a:t>
-            </a:r>
-            <a:r>
-              <a:rPr lang="en-US" dirty="0"/>
-              <a:t>/locator</a:t>
-            </a:r>
-          </a:p>
-          <a:p>
-            <a:endParaRPr lang="en-US" dirty="0"/>
-          </a:p>
-        </p:txBody>
-      </p:sp>
+          <p:cNvPicPr>
+            <a:picLocks noChangeAspect="1"/>
+          </p:cNvPicPr>
+          <p:nvPr/>
+        </p:nvPicPr>
+        <p:blipFill>
+          <a:blip r:embed="rId2"/>
+          <a:stretch>
+            <a:fillRect/>
+          </a:stretch>
+        </p:blipFill>
+        <p:spPr>
+          <a:xfrm>
+            <a:off x="272716" y="2271737"/>
+            <a:ext cx="11646568" cy="3882189"/>
+          </a:xfrm>
+          <a:prstGeom prst="rect">
+            <a:avLst/>
+          </a:prstGeom>
+        </p:spPr>
+      </p:pic>
     </p:spTree>
     <p:extLst>
       <p:ext uri="{BB962C8B-B14F-4D97-AF65-F5344CB8AC3E}">
-        <p14:creationId xmlns:p14="http://schemas.microsoft.com/office/powerpoint/2010/main" val="1256989637"/>
+        <p14:creationId xmlns:p14="http://schemas.microsoft.com/office/powerpoint/2010/main" val="1582973942"/>
       </p:ext>
     </p:extLst>
   </p:cSld>
@@ -12641,7 +12674,7 @@
           <p:cNvPr id="2" name="Title 1">
             <a:extLst>
               <a:ext uri="{FF2B5EF4-FFF2-40B4-BE49-F238E27FC236}">
-                <a16:creationId xmlns:a16="http://schemas.microsoft.com/office/drawing/2014/main" id="{48E49CC8-B789-1A44-B70E-8F778FE413EC}"/>
+                <a16:creationId xmlns:a16="http://schemas.microsoft.com/office/drawing/2014/main" id="{E9764EEB-23E1-1149-8DA2-7C33C0261F3A}"/>
               </a:ext>
             </a:extLst>
           </p:cNvPr>
@@ -12652,199 +12685,200 @@
             <p:ph type="title"/>
           </p:nvPr>
         </p:nvSpPr>
-        <p:spPr/>
+        <p:spPr>
+          <a:xfrm>
+            <a:off x="1143001" y="240629"/>
+            <a:ext cx="9905998" cy="1659461"/>
+          </a:xfrm>
+        </p:spPr>
         <p:txBody>
           <a:bodyPr>
             <a:normAutofit/>
           </a:bodyPr>
           <a:lstStyle/>
           <a:p>
-            <a:r>
-              <a:rPr lang="en-US" sz="4400" dirty="0">
-                <a:effectLst>
-                  <a:outerShdw blurRad="50800" dist="38100" dir="2700000" algn="tl" rotWithShape="0">
-                    <a:srgbClr val="48175A">
-                      <a:alpha val="40000"/>
-                    </a:srgbClr>
-                  </a:outerShdw>
-                </a:effectLst>
-              </a:rPr>
-              <a:t>Henry J Kaiser Family Foundation</a:t>
+            <a:pPr>
+              <a:spcAft>
+                <a:spcPts val="1800"/>
+              </a:spcAft>
+            </a:pPr>
+            <a:r>
+              <a:rPr lang="en-US" sz="4000" cap="none" dirty="0">
+                <a:effectLst>
+                  <a:outerShdw blurRad="63500" dist="50800" dir="2700000" algn="tl" rotWithShape="0">
+                    <a:srgbClr val="4C1960">
+                      <a:alpha val="65000"/>
+                    </a:srgbClr>
+                  </a:outerShdw>
+                </a:effectLst>
+              </a:rPr>
+              <a:t>Total US Suicides By Year and Age Range, </a:t>
+            </a:r>
+            <a:br>
+              <a:rPr lang="en-US" sz="4000" cap="none" dirty="0">
+                <a:effectLst>
+                  <a:outerShdw blurRad="63500" dist="50800" dir="2700000" algn="tl" rotWithShape="0">
+                    <a:srgbClr val="4C1960">
+                      <a:alpha val="65000"/>
+                    </a:srgbClr>
+                  </a:outerShdw>
+                </a:effectLst>
+              </a:rPr>
+            </a:br>
+            <a:r>
+              <a:rPr lang="en-US" sz="4000" cap="none" dirty="0">
+                <a:effectLst>
+                  <a:outerShdw blurRad="63500" dist="50800" dir="2700000" algn="tl" rotWithShape="0">
+                    <a:srgbClr val="4C1960">
+                      <a:alpha val="65000"/>
+                    </a:srgbClr>
+                  </a:outerShdw>
+                </a:effectLst>
+              </a:rPr>
+              <a:t>1985 - 2015</a:t>
             </a:r>
           </a:p>
         </p:txBody>
       </p:sp>
       <p:sp>
         <p:nvSpPr>
-          <p:cNvPr id="3" name="Content Placeholder 2">
+          <p:cNvPr id="3" name="Title 1">
             <a:extLst>
               <a:ext uri="{FF2B5EF4-FFF2-40B4-BE49-F238E27FC236}">
-                <a16:creationId xmlns:a16="http://schemas.microsoft.com/office/drawing/2014/main" id="{3D198A0B-3988-4D45-BF3C-A29B6DE9C772}"/>
+                <a16:creationId xmlns:a16="http://schemas.microsoft.com/office/drawing/2014/main" id="{0F16C06A-AB36-7C45-B032-B30371572B30}"/>
               </a:ext>
             </a:extLst>
           </p:cNvPr>
-          <p:cNvSpPr>
-            <a:spLocks noGrp="1"/>
+          <p:cNvSpPr txBox="1">
+            <a:spLocks/>
           </p:cNvSpPr>
-          <p:nvPr>
-            <p:ph idx="1"/>
-          </p:nvPr>
+          <p:nvPr/>
         </p:nvSpPr>
         <p:spPr>
           <a:xfrm>
-            <a:off x="1540041" y="2249486"/>
-            <a:ext cx="8791075" cy="4327777"/>
+            <a:off x="1143001" y="2357294"/>
+            <a:ext cx="9905998" cy="4260077"/>
           </a:xfrm>
+          <a:prstGeom prst="rect">
+            <a:avLst/>
+          </a:prstGeom>
         </p:spPr>
         <p:txBody>
-          <a:bodyPr>
-            <a:normAutofit fontScale="55000" lnSpcReduction="20000"/>
+          <a:bodyPr vert="horz" lIns="91440" tIns="45720" rIns="91440" bIns="45720" rtlCol="0" anchor="ctr">
+            <a:normAutofit/>
           </a:bodyPr>
-          <a:lstStyle/>
-          <a:p>
-            <a:r>
-              <a:rPr lang="en-US" sz="5100" dirty="0">
-                <a:effectLst>
-                  <a:outerShdw blurRad="50800" dist="38100" dir="2700000" algn="tl" rotWithShape="0">
-                    <a:srgbClr val="48175A">
-                      <a:alpha val="40000"/>
-                    </a:srgbClr>
-                  </a:outerShdw>
-                </a:effectLst>
-              </a:rPr>
-              <a:t>State Health Facts, </a:t>
-            </a:r>
-          </a:p>
-          <a:p>
-            <a:pPr marL="914400" lvl="2" indent="0">
-              <a:buNone/>
+          <a:lstStyle>
+            <a:lvl1pPr algn="l" defTabSz="914400" rtl="0" eaLnBrk="1" latinLnBrk="0" hangingPunct="1">
+              <a:lnSpc>
+                <a:spcPct val="90000"/>
+              </a:lnSpc>
+              <a:spcBef>
+                <a:spcPct val="0"/>
+              </a:spcBef>
+              <a:buNone/>
+              <a:defRPr sz="3600" kern="1200" cap="all" baseline="0">
+                <a:solidFill>
+                  <a:schemeClr val="tx1"/>
+                </a:solidFill>
+                <a:latin typeface="+mj-lt"/>
+                <a:ea typeface="+mj-ea"/>
+                <a:cs typeface="+mj-cs"/>
+              </a:defRPr>
+            </a:lvl1pPr>
+          </a:lstStyle>
+          <a:p>
+            <a:pPr marL="571500" indent="-571500">
+              <a:spcAft>
+                <a:spcPts val="1800"/>
+              </a:spcAft>
+              <a:buFont typeface="Arial" panose="020B0604020202020204" pitchFamily="34" charset="0"/>
+              <a:buChar char="•"/>
             </a:pPr>
             <a:r>
-              <a:rPr lang="en-US" sz="5100" dirty="0">
-                <a:effectLst>
-                  <a:outerShdw blurRad="50800" dist="38100" dir="2700000" algn="tl" rotWithShape="0">
-                    <a:srgbClr val="48175A">
-                      <a:alpha val="40000"/>
-                    </a:srgbClr>
-                  </a:outerShdw>
-                </a:effectLst>
-              </a:rPr>
-              <a:t>Health Costs &amp; Budgets, </a:t>
-            </a:r>
-          </a:p>
-          <a:p>
-            <a:pPr marL="1371600" lvl="3" indent="0">
-              <a:buNone/>
+              <a:rPr lang="en-US" cap="none" dirty="0">
+                <a:effectLst>
+                  <a:outerShdw blurRad="63500" dist="50800" dir="2700000" algn="tl" rotWithShape="0">
+                    <a:srgbClr val="4C1960">
+                      <a:alpha val="65000"/>
+                    </a:srgbClr>
+                  </a:outerShdw>
+                </a:effectLst>
+              </a:rPr>
+              <a:t>Orig. impression: prevention focuses on teens/20s.</a:t>
+            </a:r>
+          </a:p>
+          <a:p>
+            <a:pPr marL="571500" indent="-571500">
+              <a:spcAft>
+                <a:spcPts val="1200"/>
+              </a:spcAft>
+              <a:buFont typeface="Arial" panose="020B0604020202020204" pitchFamily="34" charset="0"/>
+              <a:buChar char="•"/>
             </a:pPr>
             <a:r>
-              <a:rPr lang="en-US" sz="5100" dirty="0">
-                <a:effectLst>
-                  <a:outerShdw blurRad="50800" dist="38100" dir="2700000" algn="tl" rotWithShape="0">
-                    <a:srgbClr val="48175A">
-                      <a:alpha val="40000"/>
-                    </a:srgbClr>
-                  </a:outerShdw>
-                </a:effectLst>
-              </a:rPr>
-              <a:t>Mental Health Agency Expenditures, </a:t>
-            </a:r>
-          </a:p>
-          <a:p>
-            <a:pPr marL="0" indent="0">
-              <a:buNone/>
+              <a:rPr lang="en-US" cap="none" dirty="0">
+                <a:effectLst>
+                  <a:outerShdw blurRad="63500" dist="50800" dir="2700000" algn="tl" rotWithShape="0">
+                    <a:srgbClr val="4C1960">
+                      <a:alpha val="65000"/>
+                    </a:srgbClr>
+                  </a:outerShdw>
+                </a:effectLst>
+              </a:rPr>
+              <a:t>BUT highest, and climbing, is 35-54y/o</a:t>
+            </a:r>
+          </a:p>
+          <a:p>
+            <a:pPr marL="571500" indent="-571500">
+              <a:spcAft>
+                <a:spcPts val="1200"/>
+              </a:spcAft>
+              <a:buFont typeface="Arial" panose="020B0604020202020204" pitchFamily="34" charset="0"/>
+              <a:buChar char="•"/>
             </a:pPr>
             <a:r>
-              <a:rPr lang="en-US" sz="5100" dirty="0">
-                <a:effectLst>
-                  <a:outerShdw blurRad="50800" dist="38100" dir="2700000" algn="tl" rotWithShape="0">
-                    <a:srgbClr val="48175A">
-                      <a:alpha val="40000"/>
-                    </a:srgbClr>
-                  </a:outerShdw>
-                </a:effectLst>
-              </a:rPr>
-              <a:t>“State Mental Health Agency (SMHA) Per Capita </a:t>
-            </a:r>
-          </a:p>
-          <a:p>
-            <a:pPr marL="0" indent="0">
-              <a:buNone/>
+              <a:rPr lang="en-US" cap="none" dirty="0">
+                <a:effectLst>
+                  <a:outerShdw blurRad="63500" dist="50800" dir="2700000" algn="tl" rotWithShape="0">
+                    <a:srgbClr val="4C1960">
+                      <a:alpha val="65000"/>
+                    </a:srgbClr>
+                  </a:outerShdw>
+                </a:effectLst>
+              </a:rPr>
+              <a:t>    Followed by 55-74y/o, climbing since 2000 </a:t>
+            </a:r>
+          </a:p>
+          <a:p>
+            <a:pPr marL="571500" indent="-571500">
+              <a:spcAft>
+                <a:spcPts val="1200"/>
+              </a:spcAft>
+              <a:buFont typeface="Arial" panose="020B0604020202020204" pitchFamily="34" charset="0"/>
+              <a:buChar char="•"/>
             </a:pPr>
             <a:r>
-              <a:rPr lang="en-US" sz="5100" dirty="0">
-                <a:effectLst>
-                  <a:outerShdw blurRad="50800" dist="38100" dir="2700000" algn="tl" rotWithShape="0">
-                    <a:srgbClr val="48175A">
-                      <a:alpha val="40000"/>
-                    </a:srgbClr>
-                  </a:outerShdw>
-                </a:effectLst>
-              </a:rPr>
-              <a:t>  Mental Health Services Expenditures”</a:t>
-            </a:r>
-          </a:p>
-          <a:p>
-            <a:pPr marL="0" indent="0">
-              <a:buNone/>
+              <a:rPr lang="en-US" cap="none" dirty="0">
+                <a:effectLst>
+                  <a:outerShdw blurRad="63500" dist="50800" dir="2700000" algn="tl" rotWithShape="0">
+                    <a:srgbClr val="4C1960">
+                      <a:alpha val="65000"/>
+                    </a:srgbClr>
+                  </a:outerShdw>
+                </a:effectLst>
+              </a:rPr>
+              <a:t>Ages under 35 and over 75y/o unchanging, low.</a:t>
+            </a:r>
+          </a:p>
+          <a:p>
+            <a:pPr marL="742950" indent="-742950">
+              <a:buAutoNum type="arabicPeriod"/>
             </a:pPr>
-            <a:endParaRPr lang="en-US" dirty="0">
+            <a:endParaRPr lang="en-US" cap="none" dirty="0">
               <a:effectLst>
-                <a:outerShdw blurRad="50800" dist="38100" dir="2700000" algn="tl" rotWithShape="0">
-                  <a:srgbClr val="48175A">
-                    <a:alpha val="40000"/>
-                  </a:srgbClr>
-                </a:outerShdw>
-              </a:effectLst>
-            </a:endParaRPr>
-          </a:p>
-          <a:p>
-            <a:r>
-              <a:rPr lang="en-US" sz="3600" dirty="0">
-                <a:effectLst>
-                  <a:outerShdw blurRad="50800" dist="38100" dir="2700000" algn="tl" rotWithShape="0">
-                    <a:srgbClr val="48175A">
-                      <a:alpha val="40000"/>
-                    </a:srgbClr>
-                  </a:outerShdw>
-                </a:effectLst>
-              </a:rPr>
-              <a:t>retrieved at </a:t>
-            </a:r>
-            <a:r>
-              <a:rPr lang="en-US" sz="3600" b="1" u="sng" dirty="0">
-                <a:effectLst>
-                  <a:outerShdw blurRad="50800" dist="38100" dir="2700000" algn="tl" rotWithShape="0">
-                    <a:srgbClr val="48175A">
-                      <a:alpha val="40000"/>
-                    </a:srgbClr>
-                  </a:outerShdw>
-                </a:effectLst>
-                <a:hlinkClick r:id="rId2">
-                  <a:extLst>
-                    <a:ext uri="{A12FA001-AC4F-418D-AE19-62706E023703}">
-                      <ahyp:hlinkClr xmlns:ahyp="http://schemas.microsoft.com/office/drawing/2018/hyperlinkcolor" val="tx"/>
-                    </a:ext>
-                  </a:extLst>
-                </a:hlinkClick>
-              </a:rPr>
-              <a:t>https://www.kff.org/other/state-indicator/smha-expenditures-per-capita/?currentTimeframe=0&amp;sortModel=%7B%22colId%22:%22Location%22,%22sort%22:%22asc%22%7D</a:t>
-            </a:r>
-            <a:endParaRPr lang="en-US" sz="3600" b="1" dirty="0">
-              <a:effectLst>
-                <a:outerShdw blurRad="50800" dist="38100" dir="2700000" algn="tl" rotWithShape="0">
-                  <a:srgbClr val="48175A">
-                    <a:alpha val="40000"/>
-                  </a:srgbClr>
-                </a:outerShdw>
-              </a:effectLst>
-            </a:endParaRPr>
-          </a:p>
-          <a:p>
-            <a:endParaRPr lang="en-US" dirty="0">
-              <a:effectLst>
-                <a:outerShdw blurRad="50800" dist="38100" dir="2700000" algn="tl" rotWithShape="0">
-                  <a:srgbClr val="48175A">
-                    <a:alpha val="40000"/>
+                <a:outerShdw blurRad="63500" dist="50800" dir="2700000" algn="tl" rotWithShape="0">
+                  <a:srgbClr val="4C1960">
+                    <a:alpha val="65000"/>
                   </a:srgbClr>
                 </a:outerShdw>
               </a:effectLst>
@@ -12855,7 +12889,7 @@
     </p:spTree>
     <p:extLst>
       <p:ext uri="{BB962C8B-B14F-4D97-AF65-F5344CB8AC3E}">
-        <p14:creationId xmlns:p14="http://schemas.microsoft.com/office/powerpoint/2010/main" val="2828438201"/>
+        <p14:creationId xmlns:p14="http://schemas.microsoft.com/office/powerpoint/2010/main" val="299135859"/>
       </p:ext>
     </p:extLst>
   </p:cSld>
@@ -12900,12 +12934,14 @@
         </p:nvSpPr>
         <p:spPr>
           <a:xfrm>
-            <a:off x="1143001" y="240629"/>
+            <a:off x="1143001" y="0"/>
             <a:ext cx="9905998" cy="1659461"/>
           </a:xfrm>
         </p:spPr>
         <p:txBody>
-          <a:bodyPr/>
+          <a:bodyPr>
+            <a:normAutofit/>
+          </a:bodyPr>
           <a:lstStyle/>
           <a:p>
             <a:pPr>
@@ -12914,306 +12950,54 @@
               </a:spcAft>
             </a:pPr>
             <a:r>
-              <a:rPr lang="en-US" cap="none" dirty="0">
-                <a:effectLst>
-                  <a:outerShdw blurRad="50800" dist="88900" dir="2700000" algn="tl" rotWithShape="0">
-                    <a:srgbClr val="4C1960">
-                      <a:alpha val="40000"/>
-                    </a:srgbClr>
-                  </a:outerShdw>
-                </a:effectLst>
-              </a:rPr>
-              <a:t>Amy:  </a:t>
-            </a:r>
-            <a:br>
-              <a:rPr lang="en-US" cap="none" dirty="0">
-                <a:effectLst>
-                  <a:outerShdw blurRad="50800" dist="88900" dir="2700000" algn="tl" rotWithShape="0">
-                    <a:srgbClr val="4C1960">
-                      <a:alpha val="40000"/>
-                    </a:srgbClr>
-                  </a:outerShdw>
-                </a:effectLst>
-              </a:rPr>
-            </a:br>
-            <a:r>
-              <a:rPr lang="en-US" cap="none" dirty="0">
-                <a:effectLst>
-                  <a:outerShdw blurRad="50800" dist="88900" dir="2700000" algn="tl" rotWithShape="0">
-                    <a:srgbClr val="4C1960">
-                      <a:alpha val="40000"/>
-                    </a:srgbClr>
-                  </a:outerShdw>
-                </a:effectLst>
-              </a:rPr>
-              <a:t>Total US Suicides By Year and Age Range, </a:t>
-            </a:r>
-            <a:br>
-              <a:rPr lang="en-US" cap="none" dirty="0">
-                <a:effectLst>
-                  <a:outerShdw blurRad="50800" dist="88900" dir="2700000" algn="tl" rotWithShape="0">
-                    <a:srgbClr val="4C1960">
-                      <a:alpha val="40000"/>
-                    </a:srgbClr>
-                  </a:outerShdw>
-                </a:effectLst>
-              </a:rPr>
-            </a:br>
-            <a:r>
-              <a:rPr lang="en-US" cap="none" dirty="0">
-                <a:effectLst>
-                  <a:outerShdw blurRad="50800" dist="88900" dir="2700000" algn="tl" rotWithShape="0">
-                    <a:srgbClr val="4C1960">
-                      <a:alpha val="40000"/>
-                    </a:srgbClr>
-                  </a:outerShdw>
-                </a:effectLst>
-              </a:rPr>
-              <a:t>1985 - 2015</a:t>
+              <a:rPr lang="en-US" sz="4000" cap="none" dirty="0">
+                <a:effectLst>
+                  <a:outerShdw blurRad="63500" dist="50800" dir="2700000" algn="tl" rotWithShape="0">
+                    <a:srgbClr val="4C1960">
+                      <a:alpha val="65000"/>
+                    </a:srgbClr>
+                  </a:outerShdw>
+                </a:effectLst>
+              </a:rPr>
+              <a:t>US vs. World Suicide Rates, 1985-2015</a:t>
             </a:r>
           </a:p>
         </p:txBody>
       </p:sp>
-      <p:sp>
-        <p:nvSpPr>
-          <p:cNvPr id="3" name="Title 1">
+      <p:pic>
+        <p:nvPicPr>
+          <p:cNvPr id="5" name="Picture 4">
             <a:extLst>
               <a:ext uri="{FF2B5EF4-FFF2-40B4-BE49-F238E27FC236}">
-                <a16:creationId xmlns:a16="http://schemas.microsoft.com/office/drawing/2014/main" id="{0F16C06A-AB36-7C45-B032-B30371572B30}"/>
+                <a16:creationId xmlns:a16="http://schemas.microsoft.com/office/drawing/2014/main" id="{778B41A6-8C9E-2E43-8DDD-194D1C5E5B6F}"/>
               </a:ext>
             </a:extLst>
           </p:cNvPr>
-          <p:cNvSpPr txBox="1">
-            <a:spLocks/>
-          </p:cNvSpPr>
+          <p:cNvPicPr>
+            <a:picLocks noChangeAspect="1"/>
+          </p:cNvPicPr>
           <p:nvPr/>
-        </p:nvSpPr>
+        </p:nvPicPr>
+        <p:blipFill>
+          <a:blip r:embed="rId2"/>
+          <a:stretch>
+            <a:fillRect/>
+          </a:stretch>
+        </p:blipFill>
         <p:spPr>
           <a:xfrm>
-            <a:off x="1143001" y="2357294"/>
-            <a:ext cx="9905998" cy="4260077"/>
+            <a:off x="289268" y="1876372"/>
+            <a:ext cx="11613463" cy="3484039"/>
           </a:xfrm>
           <a:prstGeom prst="rect">
             <a:avLst/>
           </a:prstGeom>
         </p:spPr>
-        <p:txBody>
-          <a:bodyPr vert="horz" lIns="91440" tIns="45720" rIns="91440" bIns="45720" rtlCol="0" anchor="ctr">
-            <a:normAutofit/>
-          </a:bodyPr>
-          <a:lstStyle>
-            <a:lvl1pPr algn="l" defTabSz="914400" rtl="0" eaLnBrk="1" latinLnBrk="0" hangingPunct="1">
-              <a:lnSpc>
-                <a:spcPct val="90000"/>
-              </a:lnSpc>
-              <a:spcBef>
-                <a:spcPct val="0"/>
-              </a:spcBef>
-              <a:buNone/>
-              <a:defRPr sz="3600" kern="1200" cap="all" baseline="0">
-                <a:solidFill>
-                  <a:schemeClr val="tx1"/>
-                </a:solidFill>
-                <a:latin typeface="+mj-lt"/>
-                <a:ea typeface="+mj-ea"/>
-                <a:cs typeface="+mj-cs"/>
-              </a:defRPr>
-            </a:lvl1pPr>
-          </a:lstStyle>
-          <a:p>
-            <a:pPr marL="571500" indent="-571500">
-              <a:spcAft>
-                <a:spcPts val="1800"/>
-              </a:spcAft>
-              <a:buFont typeface="Arial" panose="020B0604020202020204" pitchFamily="34" charset="0"/>
-              <a:buChar char="•"/>
-            </a:pPr>
-            <a:r>
-              <a:rPr lang="en-US" cap="none" dirty="0">
-                <a:effectLst>
-                  <a:outerShdw blurRad="50800" dist="88900" dir="2700000" algn="tl" rotWithShape="0">
-                    <a:srgbClr val="4C1960">
-                      <a:alpha val="40000"/>
-                    </a:srgbClr>
-                  </a:outerShdw>
-                </a:effectLst>
-              </a:rPr>
-              <a:t>Orig. impression: prevention focuses on teens/20s.</a:t>
-            </a:r>
-          </a:p>
-          <a:p>
-            <a:pPr marL="571500" indent="-571500">
-              <a:spcAft>
-                <a:spcPts val="1200"/>
-              </a:spcAft>
-              <a:buFont typeface="Arial" panose="020B0604020202020204" pitchFamily="34" charset="0"/>
-              <a:buChar char="•"/>
-            </a:pPr>
-            <a:r>
-              <a:rPr lang="en-US" cap="none" dirty="0">
-                <a:effectLst>
-                  <a:outerShdw blurRad="50800" dist="88900" dir="2700000" algn="tl" rotWithShape="0">
-                    <a:srgbClr val="4C1960">
-                      <a:alpha val="40000"/>
-                    </a:srgbClr>
-                  </a:outerShdw>
-                </a:effectLst>
-              </a:rPr>
-              <a:t>BUT highest, and climbing, is 35-54y/o</a:t>
-            </a:r>
-          </a:p>
-          <a:p>
-            <a:pPr marL="571500" indent="-571500">
-              <a:spcAft>
-                <a:spcPts val="1200"/>
-              </a:spcAft>
-              <a:buFont typeface="Arial" panose="020B0604020202020204" pitchFamily="34" charset="0"/>
-              <a:buChar char="•"/>
-            </a:pPr>
-            <a:r>
-              <a:rPr lang="en-US" cap="none" dirty="0">
-                <a:effectLst>
-                  <a:outerShdw blurRad="50800" dist="88900" dir="2700000" algn="tl" rotWithShape="0">
-                    <a:srgbClr val="4C1960">
-                      <a:alpha val="40000"/>
-                    </a:srgbClr>
-                  </a:outerShdw>
-                </a:effectLst>
-              </a:rPr>
-              <a:t>Followed by 55-74y/o, climbing since 2000 </a:t>
-            </a:r>
-          </a:p>
-          <a:p>
-            <a:pPr marL="571500" indent="-571500">
-              <a:spcAft>
-                <a:spcPts val="1200"/>
-              </a:spcAft>
-              <a:buFont typeface="Arial" panose="020B0604020202020204" pitchFamily="34" charset="0"/>
-              <a:buChar char="•"/>
-            </a:pPr>
-            <a:r>
-              <a:rPr lang="en-US" cap="none" dirty="0">
-                <a:effectLst>
-                  <a:outerShdw blurRad="50800" dist="88900" dir="2700000" algn="tl" rotWithShape="0">
-                    <a:srgbClr val="4C1960">
-                      <a:alpha val="40000"/>
-                    </a:srgbClr>
-                  </a:outerShdw>
-                </a:effectLst>
-              </a:rPr>
-              <a:t>Ages under 35 and over 75y/o unchanging, low.</a:t>
-            </a:r>
-          </a:p>
-          <a:p>
-            <a:pPr marL="571500" indent="-571500">
-              <a:spcAft>
-                <a:spcPts val="1200"/>
-              </a:spcAft>
-              <a:buFont typeface="Arial" panose="020B0604020202020204" pitchFamily="34" charset="0"/>
-              <a:buChar char="•"/>
-            </a:pPr>
-            <a:r>
-              <a:rPr lang="en-US" cap="none" dirty="0">
-                <a:effectLst>
-                  <a:outerShdw blurRad="50800" dist="88900" dir="2700000" algn="tl" rotWithShape="0">
-                    <a:srgbClr val="4C1960">
-                      <a:alpha val="40000"/>
-                    </a:srgbClr>
-                  </a:outerShdw>
-                </a:effectLst>
-              </a:rPr>
-              <a:t>Generation: </a:t>
-            </a:r>
-            <a:r>
-              <a:rPr lang="en-US" cap="none" dirty="0" err="1">
-                <a:effectLst>
-                  <a:outerShdw blurRad="50800" dist="88900" dir="2700000" algn="tl" rotWithShape="0">
-                    <a:srgbClr val="4C1960">
-                      <a:alpha val="40000"/>
-                    </a:srgbClr>
-                  </a:outerShdw>
-                </a:effectLst>
-              </a:rPr>
-              <a:t>NaN</a:t>
-            </a:r>
-            <a:r>
-              <a:rPr lang="en-US" cap="none" dirty="0">
-                <a:effectLst>
-                  <a:outerShdw blurRad="50800" dist="88900" dir="2700000" algn="tl" rotWithShape="0">
-                    <a:srgbClr val="4C1960">
-                      <a:alpha val="40000"/>
-                    </a:srgbClr>
-                  </a:outerShdw>
-                </a:effectLst>
-              </a:rPr>
-              <a:t> for young </a:t>
-            </a:r>
-            <a:r>
-              <a:rPr lang="en-US" cap="none" dirty="0" err="1">
-                <a:effectLst>
-                  <a:outerShdw blurRad="50800" dist="88900" dir="2700000" algn="tl" rotWithShape="0">
-                    <a:srgbClr val="4C1960">
-                      <a:alpha val="40000"/>
-                    </a:srgbClr>
-                  </a:outerShdw>
-                </a:effectLst>
-              </a:rPr>
-              <a:t>GenSilent</a:t>
-            </a:r>
-            <a:r>
-              <a:rPr lang="en-US" cap="none" dirty="0">
-                <a:effectLst>
-                  <a:outerShdw blurRad="50800" dist="88900" dir="2700000" algn="tl" rotWithShape="0">
-                    <a:srgbClr val="4C1960">
-                      <a:alpha val="40000"/>
-                    </a:srgbClr>
-                  </a:outerShdw>
-                </a:effectLst>
-              </a:rPr>
-              <a:t>, Boomers</a:t>
-            </a:r>
-          </a:p>
-          <a:p>
-            <a:pPr marL="571500" indent="-571500">
-              <a:spcAft>
-                <a:spcPts val="1200"/>
-              </a:spcAft>
-              <a:buFont typeface="Arial" panose="020B0604020202020204" pitchFamily="34" charset="0"/>
-              <a:buChar char="•"/>
-            </a:pPr>
-            <a:r>
-              <a:rPr lang="en-US" cap="none" dirty="0">
-                <a:effectLst>
-                  <a:outerShdw blurRad="50800" dist="88900" dir="2700000" algn="tl" rotWithShape="0">
-                    <a:srgbClr val="4C1960">
-                      <a:alpha val="40000"/>
-                    </a:srgbClr>
-                  </a:outerShdw>
-                </a:effectLst>
-              </a:rPr>
-              <a:t>Confounding variables with age/generation.</a:t>
-            </a:r>
-          </a:p>
-          <a:p>
-            <a:pPr marL="742950" indent="-742950">
-              <a:buAutoNum type="arabicPeriod"/>
-            </a:pPr>
-            <a:endParaRPr lang="en-US" cap="none" dirty="0">
-              <a:effectLst>
-                <a:outerShdw blurRad="50800" dist="88900" dir="2700000" algn="tl" rotWithShape="0">
-                  <a:srgbClr val="4C1960">
-                    <a:alpha val="40000"/>
-                  </a:srgbClr>
-                </a:outerShdw>
-              </a:effectLst>
-            </a:endParaRPr>
-          </a:p>
-        </p:txBody>
-      </p:sp>
+      </p:pic>
     </p:spTree>
     <p:extLst>
       <p:ext uri="{BB962C8B-B14F-4D97-AF65-F5344CB8AC3E}">
-        <p14:creationId xmlns:p14="http://schemas.microsoft.com/office/powerpoint/2010/main" val="299135859"/>
+        <p14:creationId xmlns:p14="http://schemas.microsoft.com/office/powerpoint/2010/main" val="2366337929"/>
       </p:ext>
     </p:extLst>
   </p:cSld>
@@ -13263,7 +13047,9 @@
           </a:xfrm>
         </p:spPr>
         <p:txBody>
-          <a:bodyPr/>
+          <a:bodyPr>
+            <a:normAutofit/>
+          </a:bodyPr>
           <a:lstStyle/>
           <a:p>
             <a:pPr>
@@ -13272,34 +13058,11 @@
               </a:spcAft>
             </a:pPr>
             <a:r>
-              <a:rPr lang="en-US" cap="none" dirty="0">
-                <a:effectLst>
-                  <a:outerShdw blurRad="50800" dist="88900" dir="2700000" algn="tl" rotWithShape="0">
-                    <a:srgbClr val="4C1960">
-                      <a:alpha val="40000"/>
-                    </a:srgbClr>
-                  </a:outerShdw>
-                </a:effectLst>
-              </a:rPr>
-              <a:t>Amy:  </a:t>
-            </a:r>
-            <a:br>
-              <a:rPr lang="en-US" cap="none" dirty="0">
-                <a:effectLst>
-                  <a:outerShdw blurRad="50800" dist="88900" dir="2700000" algn="tl" rotWithShape="0">
-                    <a:srgbClr val="4C1960">
-                      <a:alpha val="40000"/>
-                    </a:srgbClr>
-                  </a:outerShdw>
-                </a:effectLst>
-              </a:rPr>
-            </a:br>
-            <a:r>
-              <a:rPr lang="en-US" cap="none" dirty="0">
-                <a:effectLst>
-                  <a:outerShdw blurRad="50800" dist="88900" dir="2700000" algn="tl" rotWithShape="0">
-                    <a:srgbClr val="4C1960">
-                      <a:alpha val="40000"/>
+              <a:rPr lang="en-US" sz="4000" cap="none" dirty="0">
+                <a:effectLst>
+                  <a:outerShdw blurRad="63500" dist="50800" dir="2700000" algn="tl" rotWithShape="0">
+                    <a:srgbClr val="4C1960">
+                      <a:alpha val="65000"/>
                     </a:srgbClr>
                   </a:outerShdw>
                 </a:effectLst>
@@ -13325,7 +13088,7 @@
         </p:nvSpPr>
         <p:spPr>
           <a:xfrm>
-            <a:off x="1143001" y="2405420"/>
+            <a:off x="1320801" y="1846620"/>
             <a:ext cx="9905998" cy="4260077"/>
           </a:xfrm>
           <a:prstGeom prst="rect">
@@ -13363,9 +13126,9 @@
             <a:r>
               <a:rPr lang="en-US" cap="none" dirty="0">
                 <a:effectLst>
-                  <a:outerShdw blurRad="50800" dist="88900" dir="2700000" algn="tl" rotWithShape="0">
-                    <a:srgbClr val="4C1960">
-                      <a:alpha val="40000"/>
+                  <a:outerShdw blurRad="63500" dist="50800" dir="2700000" algn="tl" rotWithShape="0">
+                    <a:srgbClr val="4C1960">
+                      <a:alpha val="65000"/>
                     </a:srgbClr>
                   </a:outerShdw>
                 </a:effectLst>
@@ -13380,9 +13143,9 @@
             </a:pPr>
             <a:endParaRPr lang="en-US" cap="none" dirty="0">
               <a:effectLst>
-                <a:outerShdw blurRad="50800" dist="88900" dir="2700000" algn="tl" rotWithShape="0">
+                <a:outerShdw blurRad="63500" dist="50800" dir="2700000" algn="tl" rotWithShape="0">
                   <a:srgbClr val="4C1960">
-                    <a:alpha val="40000"/>
+                    <a:alpha val="65000"/>
                   </a:srgbClr>
                 </a:outerShdw>
               </a:effectLst>
@@ -13396,9 +13159,9 @@
             <a:r>
               <a:rPr lang="en-US" cap="none" dirty="0">
                 <a:effectLst>
-                  <a:outerShdw blurRad="50800" dist="88900" dir="2700000" algn="tl" rotWithShape="0">
-                    <a:srgbClr val="4C1960">
-                      <a:alpha val="40000"/>
+                  <a:outerShdw blurRad="63500" dist="50800" dir="2700000" algn="tl" rotWithShape="0">
+                    <a:srgbClr val="4C1960">
+                      <a:alpha val="65000"/>
                     </a:srgbClr>
                   </a:outerShdw>
                 </a:effectLst>
@@ -13414,9 +13177,9 @@
             <a:r>
               <a:rPr lang="en-US" cap="none" dirty="0">
                 <a:effectLst>
-                  <a:outerShdw blurRad="50800" dist="88900" dir="2700000" algn="tl" rotWithShape="0">
-                    <a:srgbClr val="4C1960">
-                      <a:alpha val="40000"/>
+                  <a:outerShdw blurRad="63500" dist="50800" dir="2700000" algn="tl" rotWithShape="0">
+                    <a:srgbClr val="4C1960">
+                      <a:alpha val="65000"/>
                     </a:srgbClr>
                   </a:outerShdw>
                 </a:effectLst>
@@ -13431,9 +13194,9 @@
             </a:pPr>
             <a:endParaRPr lang="en-US" cap="none" dirty="0">
               <a:effectLst>
-                <a:outerShdw blurRad="50800" dist="88900" dir="2700000" algn="tl" rotWithShape="0">
+                <a:outerShdw blurRad="63500" dist="50800" dir="2700000" algn="tl" rotWithShape="0">
                   <a:srgbClr val="4C1960">
-                    <a:alpha val="40000"/>
+                    <a:alpha val="65000"/>
                   </a:srgbClr>
                 </a:outerShdw>
               </a:effectLst>
@@ -13447,9 +13210,9 @@
             <a:r>
               <a:rPr lang="en-US" cap="none" dirty="0">
                 <a:effectLst>
-                  <a:outerShdw blurRad="50800" dist="88900" dir="2700000" algn="tl" rotWithShape="0">
-                    <a:srgbClr val="4C1960">
-                      <a:alpha val="40000"/>
+                  <a:outerShdw blurRad="63500" dist="50800" dir="2700000" algn="tl" rotWithShape="0">
+                    <a:srgbClr val="4C1960">
+                      <a:alpha val="65000"/>
                     </a:srgbClr>
                   </a:outerShdw>
                 </a:effectLst>
@@ -13463,9 +13226,9 @@
             </a:pPr>
             <a:endParaRPr lang="en-US" cap="none" dirty="0">
               <a:effectLst>
-                <a:outerShdw blurRad="50800" dist="88900" dir="2700000" algn="tl" rotWithShape="0">
+                <a:outerShdw blurRad="63500" dist="50800" dir="2700000" algn="tl" rotWithShape="0">
                   <a:srgbClr val="4C1960">
-                    <a:alpha val="40000"/>
+                    <a:alpha val="65000"/>
                   </a:srgbClr>
                 </a:outerShdw>
               </a:effectLst>
@@ -13521,12 +13284,14 @@
         </p:nvSpPr>
         <p:spPr>
           <a:xfrm>
-            <a:off x="1143001" y="0"/>
-            <a:ext cx="9905998" cy="1659461"/>
+            <a:off x="7959435" y="101600"/>
+            <a:ext cx="4045953" cy="6477000"/>
           </a:xfrm>
         </p:spPr>
         <p:txBody>
-          <a:bodyPr/>
+          <a:bodyPr>
+            <a:normAutofit/>
+          </a:bodyPr>
           <a:lstStyle/>
           <a:p>
             <a:pPr>
@@ -13535,263 +13300,146 @@
               </a:spcAft>
             </a:pPr>
             <a:r>
-              <a:rPr lang="en-US" cap="none" dirty="0">
-                <a:effectLst>
-                  <a:outerShdw blurRad="50800" dist="88900" dir="2700000" algn="tl" rotWithShape="0">
-                    <a:srgbClr val="4C1960">
-                      <a:alpha val="40000"/>
-                    </a:srgbClr>
-                  </a:outerShdw>
-                </a:effectLst>
-              </a:rPr>
-              <a:t>Susan</a:t>
+              <a:rPr lang="en-US" sz="4800" cap="none" dirty="0">
+                <a:effectLst>
+                  <a:outerShdw blurRad="63500" dist="50800" dir="2700000" algn="tl" rotWithShape="0">
+                    <a:srgbClr val="4C1960">
+                      <a:alpha val="65000"/>
+                    </a:srgbClr>
+                  </a:outerShdw>
+                </a:effectLst>
+              </a:rPr>
+              <a:t>World </a:t>
             </a:r>
             <a:br>
-              <a:rPr lang="en-US" cap="none" dirty="0">
-                <a:effectLst>
-                  <a:outerShdw blurRad="50800" dist="88900" dir="2700000" algn="tl" rotWithShape="0">
-                    <a:srgbClr val="4C1960">
-                      <a:alpha val="40000"/>
+              <a:rPr lang="en-US" sz="4800" cap="none" dirty="0">
+                <a:effectLst>
+                  <a:outerShdw blurRad="63500" dist="50800" dir="2700000" algn="tl" rotWithShape="0">
+                    <a:srgbClr val="4C1960">
+                      <a:alpha val="65000"/>
                     </a:srgbClr>
                   </a:outerShdw>
                 </a:effectLst>
               </a:rPr>
             </a:br>
             <a:r>
-              <a:rPr lang="en-US" cap="none" dirty="0">
-                <a:effectLst>
-                  <a:outerShdw blurRad="50800" dist="88900" dir="2700000" algn="tl" rotWithShape="0">
-                    <a:srgbClr val="4C1960">
-                      <a:alpha val="40000"/>
-                    </a:srgbClr>
-                  </a:outerShdw>
-                </a:effectLst>
-              </a:rPr>
-              <a:t>World Suicide Rates, 2014, by country (EURO)</a:t>
+              <a:rPr lang="en-US" sz="4800" cap="none" dirty="0">
+                <a:effectLst>
+                  <a:outerShdw blurRad="63500" dist="50800" dir="2700000" algn="tl" rotWithShape="0">
+                    <a:srgbClr val="4C1960">
+                      <a:alpha val="65000"/>
+                    </a:srgbClr>
+                  </a:outerShdw>
+                </a:effectLst>
+              </a:rPr>
+              <a:t>Suicide Rates, </a:t>
+            </a:r>
+            <a:br>
+              <a:rPr lang="en-US" sz="4800" cap="none" dirty="0">
+                <a:effectLst>
+                  <a:outerShdw blurRad="63500" dist="50800" dir="2700000" algn="tl" rotWithShape="0">
+                    <a:srgbClr val="4C1960">
+                      <a:alpha val="65000"/>
+                    </a:srgbClr>
+                  </a:outerShdw>
+                </a:effectLst>
+              </a:rPr>
+            </a:br>
+            <a:r>
+              <a:rPr lang="en-US" sz="4800" cap="none" dirty="0">
+                <a:effectLst>
+                  <a:outerShdw blurRad="63500" dist="50800" dir="2700000" algn="tl" rotWithShape="0">
+                    <a:srgbClr val="4C1960">
+                      <a:alpha val="65000"/>
+                    </a:srgbClr>
+                  </a:outerShdw>
+                </a:effectLst>
+              </a:rPr>
+              <a:t>2014, </a:t>
+            </a:r>
+            <a:br>
+              <a:rPr lang="en-US" sz="4800" cap="none" dirty="0">
+                <a:effectLst>
+                  <a:outerShdw blurRad="63500" dist="50800" dir="2700000" algn="tl" rotWithShape="0">
+                    <a:srgbClr val="4C1960">
+                      <a:alpha val="65000"/>
+                    </a:srgbClr>
+                  </a:outerShdw>
+                </a:effectLst>
+              </a:rPr>
+            </a:br>
+            <a:r>
+              <a:rPr lang="en-US" sz="4800" cap="none" dirty="0">
+                <a:effectLst>
+                  <a:outerShdw blurRad="63500" dist="50800" dir="2700000" algn="tl" rotWithShape="0">
+                    <a:srgbClr val="4C1960">
+                      <a:alpha val="65000"/>
+                    </a:srgbClr>
+                  </a:outerShdw>
+                </a:effectLst>
+              </a:rPr>
+              <a:t>by country </a:t>
+            </a:r>
+            <a:br>
+              <a:rPr lang="en-US" sz="4800" cap="none" dirty="0">
+                <a:effectLst>
+                  <a:outerShdw blurRad="63500" dist="50800" dir="2700000" algn="tl" rotWithShape="0">
+                    <a:srgbClr val="4C1960">
+                      <a:alpha val="65000"/>
+                    </a:srgbClr>
+                  </a:outerShdw>
+                </a:effectLst>
+              </a:rPr>
+            </a:br>
+            <a:r>
+              <a:rPr lang="en-US" sz="4800" cap="none" dirty="0">
+                <a:effectLst>
+                  <a:outerShdw blurRad="63500" dist="50800" dir="2700000" algn="tl" rotWithShape="0">
+                    <a:srgbClr val="4C1960">
+                      <a:alpha val="65000"/>
+                    </a:srgbClr>
+                  </a:outerShdw>
+                </a:effectLst>
+              </a:rPr>
+              <a:t>(EURO)</a:t>
             </a:r>
           </a:p>
         </p:txBody>
       </p:sp>
-      <p:sp>
-        <p:nvSpPr>
-          <p:cNvPr id="3" name="Title 1">
+      <p:pic>
+        <p:nvPicPr>
+          <p:cNvPr id="6" name="Picture 5">
             <a:extLst>
               <a:ext uri="{FF2B5EF4-FFF2-40B4-BE49-F238E27FC236}">
-                <a16:creationId xmlns:a16="http://schemas.microsoft.com/office/drawing/2014/main" id="{0F16C06A-AB36-7C45-B032-B30371572B30}"/>
+                <a16:creationId xmlns:a16="http://schemas.microsoft.com/office/drawing/2014/main" id="{1FE1EB8E-92EB-C44D-8605-2B9827FE0BB2}"/>
               </a:ext>
             </a:extLst>
           </p:cNvPr>
-          <p:cNvSpPr txBox="1">
-            <a:spLocks/>
-          </p:cNvSpPr>
+          <p:cNvPicPr>
+            <a:picLocks noChangeAspect="1"/>
+          </p:cNvPicPr>
           <p:nvPr/>
-        </p:nvSpPr>
+        </p:nvPicPr>
+        <p:blipFill>
+          <a:blip r:embed="rId2"/>
+          <a:stretch>
+            <a:fillRect/>
+          </a:stretch>
+        </p:blipFill>
         <p:spPr>
           <a:xfrm>
-            <a:off x="1143001" y="2405420"/>
-            <a:ext cx="9905998" cy="4260077"/>
+            <a:off x="1754155" y="87122"/>
+            <a:ext cx="5747657" cy="6692108"/>
           </a:xfrm>
           <a:prstGeom prst="rect">
             <a:avLst/>
           </a:prstGeom>
         </p:spPr>
-        <p:txBody>
-          <a:bodyPr vert="horz" lIns="91440" tIns="45720" rIns="91440" bIns="45720" rtlCol="0" anchor="ctr">
-            <a:normAutofit/>
-          </a:bodyPr>
-          <a:lstStyle>
-            <a:lvl1pPr algn="l" defTabSz="914400" rtl="0" eaLnBrk="1" latinLnBrk="0" hangingPunct="1">
-              <a:lnSpc>
-                <a:spcPct val="90000"/>
-              </a:lnSpc>
-              <a:spcBef>
-                <a:spcPct val="0"/>
-              </a:spcBef>
-              <a:buNone/>
-              <a:defRPr sz="3600" kern="1200" cap="all" baseline="0">
-                <a:solidFill>
-                  <a:schemeClr val="tx1"/>
-                </a:solidFill>
-                <a:latin typeface="+mj-lt"/>
-                <a:ea typeface="+mj-ea"/>
-                <a:cs typeface="+mj-cs"/>
-              </a:defRPr>
-            </a:lvl1pPr>
-          </a:lstStyle>
-          <a:p>
-            <a:pPr marL="571500" indent="-571500">
-              <a:buFont typeface="Arial" panose="020B0604020202020204" pitchFamily="34" charset="0"/>
-              <a:buChar char="•"/>
-            </a:pPr>
-            <a:r>
-              <a:rPr lang="en-US" cap="none" dirty="0">
-                <a:effectLst>
-                  <a:outerShdw blurRad="50800" dist="88900" dir="2700000" algn="tl" rotWithShape="0">
-                    <a:srgbClr val="4C1960">
-                      <a:alpha val="40000"/>
-                    </a:srgbClr>
-                  </a:outerShdw>
-                </a:effectLst>
-              </a:rPr>
-              <a:t>Orig. impression: US more suicides. Well, Japan...</a:t>
-            </a:r>
-          </a:p>
-          <a:p>
-            <a:pPr marL="571500" indent="-571500">
-              <a:buFont typeface="Arial" panose="020B0604020202020204" pitchFamily="34" charset="0"/>
-              <a:buChar char="•"/>
-            </a:pPr>
-            <a:endParaRPr lang="en-US" cap="none" dirty="0">
-              <a:effectLst>
-                <a:outerShdw blurRad="50800" dist="88900" dir="2700000" algn="tl" rotWithShape="0">
-                  <a:srgbClr val="4C1960">
-                    <a:alpha val="40000"/>
-                  </a:srgbClr>
-                </a:outerShdw>
-              </a:effectLst>
-            </a:endParaRPr>
-          </a:p>
-          <a:p>
-            <a:pPr marL="571500" indent="-571500">
-              <a:buFont typeface="Arial" panose="020B0604020202020204" pitchFamily="34" charset="0"/>
-              <a:buChar char="•"/>
-            </a:pPr>
-            <a:r>
-              <a:rPr lang="en-US" cap="none" dirty="0">
-                <a:effectLst>
-                  <a:outerShdw blurRad="50800" dist="88900" dir="2700000" algn="tl" rotWithShape="0">
-                    <a:srgbClr val="4C1960">
-                      <a:alpha val="40000"/>
-                    </a:srgbClr>
-                  </a:outerShdw>
-                </a:effectLst>
-              </a:rPr>
-              <a:t>US  upper 1/3</a:t>
-            </a:r>
-            <a:r>
-              <a:rPr lang="en-US" cap="none" baseline="30000" dirty="0">
-                <a:effectLst>
-                  <a:outerShdw blurRad="50800" dist="88900" dir="2700000" algn="tl" rotWithShape="0">
-                    <a:srgbClr val="4C1960">
-                      <a:alpha val="40000"/>
-                    </a:srgbClr>
-                  </a:outerShdw>
-                </a:effectLst>
-              </a:rPr>
-              <a:t>rd</a:t>
-            </a:r>
-            <a:r>
-              <a:rPr lang="en-US" cap="none" dirty="0">
-                <a:effectLst>
-                  <a:outerShdw blurRad="50800" dist="88900" dir="2700000" algn="tl" rotWithShape="0">
-                    <a:srgbClr val="4C1960">
-                      <a:alpha val="40000"/>
-                    </a:srgbClr>
-                  </a:outerShdw>
-                </a:effectLst>
-              </a:rPr>
-              <a:t>,  out of 38 Euro-centric countries</a:t>
-            </a:r>
-          </a:p>
-          <a:p>
-            <a:pPr marL="571500" indent="-571500">
-              <a:buFont typeface="Arial" panose="020B0604020202020204" pitchFamily="34" charset="0"/>
-              <a:buChar char="•"/>
-            </a:pPr>
-            <a:r>
-              <a:rPr lang="en-US" cap="none" dirty="0">
-                <a:effectLst>
-                  <a:outerShdw blurRad="50800" dist="88900" dir="2700000" algn="tl" rotWithShape="0">
-                    <a:srgbClr val="4C1960">
-                      <a:alpha val="40000"/>
-                    </a:srgbClr>
-                  </a:outerShdw>
-                </a:effectLst>
-              </a:rPr>
-              <a:t>[</a:t>
-            </a:r>
-            <a:r>
-              <a:rPr lang="en-US" cap="none" dirty="0" err="1">
-                <a:effectLst>
-                  <a:outerShdw blurRad="50800" dist="88900" dir="2700000" algn="tl" rotWithShape="0">
-                    <a:srgbClr val="4C1960">
-                      <a:alpha val="40000"/>
-                    </a:srgbClr>
-                  </a:outerShdw>
-                </a:effectLst>
-              </a:rPr>
-              <a:t>Prev</a:t>
-            </a:r>
-            <a:r>
-              <a:rPr lang="en-US" cap="none" dirty="0">
-                <a:effectLst>
-                  <a:outerShdw blurRad="50800" dist="88900" dir="2700000" algn="tl" rotWithShape="0">
-                    <a:srgbClr val="4C1960">
-                      <a:alpha val="40000"/>
-                    </a:srgbClr>
-                  </a:outerShdw>
-                </a:effectLst>
-              </a:rPr>
-              <a:t>] was 101 countries, wider range of GDPs;    Implication: Eurocentric countries higher than Non.</a:t>
-            </a:r>
-          </a:p>
-          <a:p>
-            <a:pPr marL="571500" indent="-571500">
-              <a:buFont typeface="Arial" panose="020B0604020202020204" pitchFamily="34" charset="0"/>
-              <a:buChar char="•"/>
-            </a:pPr>
-            <a:r>
-              <a:rPr lang="en-US" cap="none" dirty="0">
-                <a:effectLst>
-                  <a:outerShdw blurRad="50800" dist="88900" dir="2700000" algn="tl" rotWithShape="0">
-                    <a:srgbClr val="4C1960">
-                      <a:alpha val="40000"/>
-                    </a:srgbClr>
-                  </a:outerShdw>
-                </a:effectLst>
-              </a:rPr>
-              <a:t>Japan up there, but not highest.</a:t>
-            </a:r>
-          </a:p>
-          <a:p>
-            <a:pPr marL="571500" indent="-571500">
-              <a:buFont typeface="Arial" panose="020B0604020202020204" pitchFamily="34" charset="0"/>
-              <a:buChar char="•"/>
-            </a:pPr>
-            <a:endParaRPr lang="en-US" cap="none" dirty="0">
-              <a:effectLst>
-                <a:outerShdw blurRad="50800" dist="88900" dir="2700000" algn="tl" rotWithShape="0">
-                  <a:srgbClr val="4C1960">
-                    <a:alpha val="40000"/>
-                  </a:srgbClr>
-                </a:outerShdw>
-              </a:effectLst>
-            </a:endParaRPr>
-          </a:p>
-          <a:p>
-            <a:pPr marL="571500" indent="-571500">
-              <a:buFont typeface="Arial" panose="020B0604020202020204" pitchFamily="34" charset="0"/>
-              <a:buChar char="•"/>
-            </a:pPr>
-            <a:r>
-              <a:rPr lang="en-US" cap="none" dirty="0">
-                <a:effectLst>
-                  <a:outerShdw blurRad="50800" dist="88900" dir="2700000" algn="tl" rotWithShape="0">
-                    <a:srgbClr val="4C1960">
-                      <a:alpha val="40000"/>
-                    </a:srgbClr>
-                  </a:outerShdw>
-                </a:effectLst>
-              </a:rPr>
-              <a:t>Lowest rates: is it culture? Not reporting?</a:t>
-            </a:r>
-          </a:p>
-        </p:txBody>
-      </p:sp>
+      </p:pic>
     </p:spTree>
     <p:extLst>
       <p:ext uri="{BB962C8B-B14F-4D97-AF65-F5344CB8AC3E}">
-        <p14:creationId xmlns:p14="http://schemas.microsoft.com/office/powerpoint/2010/main" val="1433740258"/>
+        <p14:creationId xmlns:p14="http://schemas.microsoft.com/office/powerpoint/2010/main" val="3583820420"/>
       </p:ext>
     </p:extLst>
   </p:cSld>
@@ -13841,7 +13489,9 @@
           </a:xfrm>
         </p:spPr>
         <p:txBody>
-          <a:bodyPr/>
+          <a:bodyPr>
+            <a:normAutofit/>
+          </a:bodyPr>
           <a:lstStyle/>
           <a:p>
             <a:pPr>
@@ -13850,39 +13500,16 @@
               </a:spcAft>
             </a:pPr>
             <a:r>
-              <a:rPr lang="en-US" cap="none" dirty="0">
-                <a:effectLst>
-                  <a:outerShdw blurRad="50800" dist="88900" dir="2700000" algn="tl" rotWithShape="0">
-                    <a:srgbClr val="4C1960">
-                      <a:alpha val="40000"/>
-                    </a:srgbClr>
-                  </a:outerShdw>
-                </a:effectLst>
-              </a:rPr>
-              <a:t>Impressions busted,</a:t>
-            </a:r>
-            <a:br>
-              <a:rPr lang="en-US" cap="none" dirty="0">
-                <a:effectLst>
-                  <a:outerShdw blurRad="50800" dist="88900" dir="2700000" algn="tl" rotWithShape="0">
-                    <a:srgbClr val="4C1960">
-                      <a:alpha val="40000"/>
-                    </a:srgbClr>
-                  </a:outerShdw>
-                </a:effectLst>
-              </a:rPr>
-            </a:br>
-            <a:r>
-              <a:rPr lang="en-US" cap="none" dirty="0">
-                <a:effectLst>
-                  <a:outerShdw blurRad="50800" dist="88900" dir="2700000" algn="tl" rotWithShape="0">
-                    <a:srgbClr val="4C1960">
-                      <a:alpha val="40000"/>
-                    </a:srgbClr>
-                  </a:outerShdw>
-                </a:effectLst>
-              </a:rPr>
-              <a:t>Shift of focus, find more data</a:t>
+              <a:rPr lang="en-US" sz="4000" cap="none" dirty="0">
+                <a:effectLst>
+                  <a:outerShdw blurRad="63500" dist="50800" dir="2700000" algn="tl" rotWithShape="0">
+                    <a:srgbClr val="4C1960">
+                      <a:alpha val="65000"/>
+                    </a:srgbClr>
+                  </a:outerShdw>
+                </a:effectLst>
+              </a:rPr>
+              <a:t>World Suicide Rates, 2014, by country (EURO)</a:t>
             </a:r>
           </a:p>
         </p:txBody>
@@ -13903,7 +13530,7 @@
         </p:nvSpPr>
         <p:spPr>
           <a:xfrm>
-            <a:off x="1143001" y="1956241"/>
+            <a:off x="1143001" y="1783120"/>
             <a:ext cx="9905998" cy="4260077"/>
           </a:xfrm>
           <a:prstGeom prst="rect">
@@ -13941,14 +13568,14 @@
             <a:r>
               <a:rPr lang="en-US" cap="none" dirty="0">
                 <a:effectLst>
-                  <a:outerShdw blurRad="50800" dist="88900" dir="2700000" algn="tl" rotWithShape="0">
-                    <a:srgbClr val="4C1960">
-                      <a:alpha val="40000"/>
-                    </a:srgbClr>
-                  </a:outerShdw>
-                </a:effectLst>
-              </a:rPr>
-              <a:t>What influences suicide rates? Money? Access?</a:t>
+                  <a:outerShdw blurRad="63500" dist="50800" dir="2700000" algn="tl" rotWithShape="0">
+                    <a:srgbClr val="4C1960">
+                      <a:alpha val="65000"/>
+                    </a:srgbClr>
+                  </a:outerShdw>
+                </a:effectLst>
+              </a:rPr>
+              <a:t>Orig. impression: US more suicides. Well, Japan...</a:t>
             </a:r>
           </a:p>
           <a:p>
@@ -13958,9 +13585,9 @@
             </a:pPr>
             <a:endParaRPr lang="en-US" cap="none" dirty="0">
               <a:effectLst>
-                <a:outerShdw blurRad="50800" dist="88900" dir="2700000" algn="tl" rotWithShape="0">
+                <a:outerShdw blurRad="63500" dist="50800" dir="2700000" algn="tl" rotWithShape="0">
                   <a:srgbClr val="4C1960">
-                    <a:alpha val="40000"/>
+                    <a:alpha val="65000"/>
                   </a:srgbClr>
                 </a:outerShdw>
               </a:effectLst>
@@ -13974,14 +13601,98 @@
             <a:r>
               <a:rPr lang="en-US" cap="none" dirty="0">
                 <a:effectLst>
-                  <a:outerShdw blurRad="50800" dist="88900" dir="2700000" algn="tl" rotWithShape="0">
-                    <a:srgbClr val="4C1960">
-                      <a:alpha val="40000"/>
-                    </a:srgbClr>
-                  </a:outerShdw>
-                </a:effectLst>
-              </a:rPr>
-              <a:t>Codification of data recording changed in 1999.   Does that help explain the US climb? </a:t>
+                  <a:outerShdw blurRad="63500" dist="50800" dir="2700000" algn="tl" rotWithShape="0">
+                    <a:srgbClr val="4C1960">
+                      <a:alpha val="65000"/>
+                    </a:srgbClr>
+                  </a:outerShdw>
+                </a:effectLst>
+              </a:rPr>
+              <a:t>US  upper 1/3</a:t>
+            </a:r>
+            <a:r>
+              <a:rPr lang="en-US" cap="none" baseline="30000" dirty="0">
+                <a:effectLst>
+                  <a:outerShdw blurRad="63500" dist="50800" dir="2700000" algn="tl" rotWithShape="0">
+                    <a:srgbClr val="4C1960">
+                      <a:alpha val="65000"/>
+                    </a:srgbClr>
+                  </a:outerShdw>
+                </a:effectLst>
+              </a:rPr>
+              <a:t>rd</a:t>
+            </a:r>
+            <a:r>
+              <a:rPr lang="en-US" cap="none" dirty="0">
+                <a:effectLst>
+                  <a:outerShdw blurRad="63500" dist="50800" dir="2700000" algn="tl" rotWithShape="0">
+                    <a:srgbClr val="4C1960">
+                      <a:alpha val="65000"/>
+                    </a:srgbClr>
+                  </a:outerShdw>
+                </a:effectLst>
+              </a:rPr>
+              <a:t>,  out of 38 Euro-centric countries</a:t>
+            </a:r>
+          </a:p>
+          <a:p>
+            <a:pPr marL="571500" indent="-571500">
+              <a:buFont typeface="Arial" panose="020B0604020202020204" pitchFamily="34" charset="0"/>
+              <a:buChar char="•"/>
+            </a:pPr>
+            <a:r>
+              <a:rPr lang="en-US" cap="none" dirty="0">
+                <a:effectLst>
+                  <a:outerShdw blurRad="63500" dist="50800" dir="2700000" algn="tl" rotWithShape="0">
+                    <a:srgbClr val="4C1960">
+                      <a:alpha val="65000"/>
+                    </a:srgbClr>
+                  </a:outerShdw>
+                </a:effectLst>
+              </a:rPr>
+              <a:t>[</a:t>
+            </a:r>
+            <a:r>
+              <a:rPr lang="en-US" cap="none" dirty="0" err="1">
+                <a:effectLst>
+                  <a:outerShdw blurRad="63500" dist="50800" dir="2700000" algn="tl" rotWithShape="0">
+                    <a:srgbClr val="4C1960">
+                      <a:alpha val="65000"/>
+                    </a:srgbClr>
+                  </a:outerShdw>
+                </a:effectLst>
+              </a:rPr>
+              <a:t>Prev</a:t>
+            </a:r>
+            <a:r>
+              <a:rPr lang="en-US" cap="none" dirty="0">
+                <a:effectLst>
+                  <a:outerShdw blurRad="63500" dist="50800" dir="2700000" algn="tl" rotWithShape="0">
+                    <a:srgbClr val="4C1960">
+                      <a:alpha val="65000"/>
+                    </a:srgbClr>
+                  </a:outerShdw>
+                </a:effectLst>
+              </a:rPr>
+              <a:t>] was 101 countries, wider range of GDPs;    Implication: Eurocentric countries higher than Non.</a:t>
+            </a:r>
+          </a:p>
+          <a:p>
+            <a:pPr marL="571500" indent="-571500">
+              <a:buFont typeface="Arial" panose="020B0604020202020204" pitchFamily="34" charset="0"/>
+              <a:buChar char="•"/>
+            </a:pPr>
+            <a:r>
+              <a:rPr lang="en-US" cap="none" dirty="0">
+                <a:effectLst>
+                  <a:outerShdw blurRad="63500" dist="50800" dir="2700000" algn="tl" rotWithShape="0">
+                    <a:srgbClr val="4C1960">
+                      <a:alpha val="65000"/>
+                    </a:srgbClr>
+                  </a:outerShdw>
+                </a:effectLst>
+              </a:rPr>
+              <a:t>Japan up there, but not highest.</a:t>
             </a:r>
           </a:p>
           <a:p>
@@ -13991,9 +13702,9 @@
             </a:pPr>
             <a:endParaRPr lang="en-US" cap="none" dirty="0">
               <a:effectLst>
-                <a:outerShdw blurRad="50800" dist="88900" dir="2700000" algn="tl" rotWithShape="0">
+                <a:outerShdw blurRad="63500" dist="50800" dir="2700000" algn="tl" rotWithShape="0">
                   <a:srgbClr val="4C1960">
-                    <a:alpha val="40000"/>
+                    <a:alpha val="65000"/>
                   </a:srgbClr>
                 </a:outerShdw>
               </a:effectLst>
@@ -14007,14 +13718,14 @@
             <a:r>
               <a:rPr lang="en-US" cap="none" dirty="0">
                 <a:effectLst>
-                  <a:outerShdw blurRad="50800" dist="88900" dir="2700000" algn="tl" rotWithShape="0">
-                    <a:srgbClr val="4C1960">
-                      <a:alpha val="40000"/>
-                    </a:srgbClr>
-                  </a:outerShdw>
-                </a:effectLst>
-              </a:rPr>
-              <a:t>Comparable US vs. world? Restrict to US, compare state to state (enough variation!)</a:t>
+                  <a:outerShdw blurRad="63500" dist="50800" dir="2700000" algn="tl" rotWithShape="0">
+                    <a:srgbClr val="4C1960">
+                      <a:alpha val="65000"/>
+                    </a:srgbClr>
+                  </a:outerShdw>
+                </a:effectLst>
+              </a:rPr>
+              <a:t>Lowest rates: is it culture? Not reporting?</a:t>
             </a:r>
           </a:p>
         </p:txBody>
@@ -14022,7 +13733,7 @@
     </p:spTree>
     <p:extLst>
       <p:ext uri="{BB962C8B-B14F-4D97-AF65-F5344CB8AC3E}">
-        <p14:creationId xmlns:p14="http://schemas.microsoft.com/office/powerpoint/2010/main" val="2811172670"/>
+        <p14:creationId xmlns:p14="http://schemas.microsoft.com/office/powerpoint/2010/main" val="1433740258"/>
       </p:ext>
     </p:extLst>
   </p:cSld>
@@ -14067,7 +13778,7 @@
         </p:nvSpPr>
         <p:spPr>
           <a:xfrm>
-            <a:off x="1143001" y="385008"/>
+            <a:off x="1143001" y="0"/>
             <a:ext cx="9905998" cy="1659461"/>
           </a:xfrm>
         </p:spPr>
@@ -14081,139 +13792,54 @@
               </a:spcAft>
             </a:pPr>
             <a:r>
-              <a:rPr lang="en-US" cap="none" dirty="0"/>
-              <a:t>Bennet:  </a:t>
-            </a:r>
-            <a:br>
-              <a:rPr lang="en-US" cap="none" dirty="0"/>
-            </a:br>
-            <a:r>
-              <a:rPr lang="en-US" cap="none" dirty="0"/>
-              <a:t>Spending on Mental Health vs. Suicide Rates (SR) </a:t>
-            </a:r>
-            <a:br>
-              <a:rPr lang="en-US" cap="none" dirty="0"/>
-            </a:br>
-            <a:r>
-              <a:rPr lang="en-US" cap="none" dirty="0"/>
-              <a:t>in US states, 2004-2013,  and only 2004+2013</a:t>
+              <a:rPr lang="en-US" cap="none" dirty="0">
+                <a:effectLst>
+                  <a:outerShdw blurRad="63500" dist="50800" dir="2700000" algn="tl" rotWithShape="0">
+                    <a:srgbClr val="4C1960">
+                      <a:alpha val="65000"/>
+                    </a:srgbClr>
+                  </a:outerShdw>
+                </a:effectLst>
+              </a:rPr>
+              <a:t>US suicide rates, by State, 2017</a:t>
             </a:r>
           </a:p>
         </p:txBody>
       </p:sp>
-      <p:sp>
-        <p:nvSpPr>
-          <p:cNvPr id="3" name="Title 1">
+      <p:pic>
+        <p:nvPicPr>
+          <p:cNvPr id="6" name="Picture 5">
             <a:extLst>
               <a:ext uri="{FF2B5EF4-FFF2-40B4-BE49-F238E27FC236}">
-                <a16:creationId xmlns:a16="http://schemas.microsoft.com/office/drawing/2014/main" id="{0F16C06A-AB36-7C45-B032-B30371572B30}"/>
+                <a16:creationId xmlns:a16="http://schemas.microsoft.com/office/drawing/2014/main" id="{470F6E47-1647-9843-A55E-B9DAC97C99F8}"/>
               </a:ext>
             </a:extLst>
           </p:cNvPr>
-          <p:cNvSpPr txBox="1">
-            <a:spLocks/>
-          </p:cNvSpPr>
+          <p:cNvPicPr>
+            <a:picLocks noChangeAspect="1"/>
+          </p:cNvPicPr>
           <p:nvPr/>
-        </p:nvSpPr>
+        </p:nvPicPr>
+        <p:blipFill>
+          <a:blip r:embed="rId2"/>
+          <a:stretch>
+            <a:fillRect/>
+          </a:stretch>
+        </p:blipFill>
         <p:spPr>
           <a:xfrm>
-            <a:off x="1143001" y="2510587"/>
-            <a:ext cx="9905998" cy="3793959"/>
+            <a:off x="576015" y="1309137"/>
+            <a:ext cx="11105912" cy="5242388"/>
           </a:xfrm>
           <a:prstGeom prst="rect">
             <a:avLst/>
           </a:prstGeom>
         </p:spPr>
-        <p:txBody>
-          <a:bodyPr vert="horz" lIns="91440" tIns="45720" rIns="91440" bIns="45720" rtlCol="0" anchor="ctr">
-            <a:normAutofit lnSpcReduction="10000"/>
-          </a:bodyPr>
-          <a:lstStyle>
-            <a:lvl1pPr algn="l" defTabSz="914400" rtl="0" eaLnBrk="1" latinLnBrk="0" hangingPunct="1">
-              <a:lnSpc>
-                <a:spcPct val="90000"/>
-              </a:lnSpc>
-              <a:spcBef>
-                <a:spcPct val="0"/>
-              </a:spcBef>
-              <a:buNone/>
-              <a:defRPr sz="3600" kern="1200" cap="all" baseline="0">
-                <a:solidFill>
-                  <a:schemeClr val="tx1"/>
-                </a:solidFill>
-                <a:latin typeface="+mj-lt"/>
-                <a:ea typeface="+mj-ea"/>
-                <a:cs typeface="+mj-cs"/>
-              </a:defRPr>
-            </a:lvl1pPr>
-          </a:lstStyle>
-          <a:p>
-            <a:pPr marL="571500" indent="-571500">
-              <a:spcAft>
-                <a:spcPts val="1800"/>
-              </a:spcAft>
-              <a:buFont typeface="Arial" panose="020B0604020202020204" pitchFamily="34" charset="0"/>
-              <a:buChar char="•"/>
-            </a:pPr>
-            <a:r>
-              <a:rPr lang="en-US" cap="none" dirty="0"/>
-              <a:t>Low costs in most states, with wide variation SR. Outliers high cost with similar wide variation SF. </a:t>
-            </a:r>
-          </a:p>
-          <a:p>
-            <a:pPr marL="571500" indent="-571500">
-              <a:spcAft>
-                <a:spcPts val="1200"/>
-              </a:spcAft>
-              <a:buFont typeface="Arial" panose="020B0604020202020204" pitchFamily="34" charset="0"/>
-              <a:buChar char="•"/>
-            </a:pPr>
-            <a:r>
-              <a:rPr lang="en-US" cap="none" dirty="0"/>
-              <a:t>NO association of better result for more spent.   In a scatter plot, Lower Left corner desirable, or linear distribution </a:t>
-            </a:r>
-            <a:r>
-              <a:rPr lang="en-US" cap="none" dirty="0" err="1"/>
-              <a:t>UpperLeft</a:t>
-            </a:r>
-            <a:r>
-              <a:rPr lang="en-US" cap="none" dirty="0"/>
-              <a:t> to </a:t>
-            </a:r>
-            <a:r>
-              <a:rPr lang="en-US" cap="none" dirty="0" err="1"/>
-              <a:t>LowerRight</a:t>
-            </a:r>
-            <a:r>
-              <a:rPr lang="en-US" cap="none" dirty="0"/>
-              <a:t>. </a:t>
-            </a:r>
-          </a:p>
-          <a:p>
-            <a:pPr marL="571500" indent="-571500">
-              <a:spcAft>
-                <a:spcPts val="1200"/>
-              </a:spcAft>
-              <a:buFont typeface="Arial" panose="020B0604020202020204" pitchFamily="34" charset="0"/>
-              <a:buChar char="•"/>
-            </a:pPr>
-            <a:r>
-              <a:rPr lang="en-US" cap="none" dirty="0"/>
-              <a:t>Range $25mil and $400mil overall;            Suicide rates 40-90/100,000 population</a:t>
-            </a:r>
-          </a:p>
-          <a:p>
-            <a:pPr marL="742950" indent="-742950">
-              <a:buAutoNum type="arabicPeriod"/>
-            </a:pPr>
-            <a:endParaRPr lang="en-US" cap="none" dirty="0"/>
-          </a:p>
-        </p:txBody>
-      </p:sp>
+      </p:pic>
     </p:spTree>
     <p:extLst>
       <p:ext uri="{BB962C8B-B14F-4D97-AF65-F5344CB8AC3E}">
-        <p14:creationId xmlns:p14="http://schemas.microsoft.com/office/powerpoint/2010/main" val="1985503516"/>
+        <p14:creationId xmlns:p14="http://schemas.microsoft.com/office/powerpoint/2010/main" val="2811172670"/>
       </p:ext>
     </p:extLst>
   </p:cSld>
@@ -14274,37 +13900,14 @@
             <a:r>
               <a:rPr lang="en-US" cap="none" dirty="0">
                 <a:effectLst>
-                  <a:outerShdw blurRad="50800" dist="88900" dir="2700000" algn="tl" rotWithShape="0">
-                    <a:srgbClr val="4C1960">
-                      <a:alpha val="40000"/>
-                    </a:srgbClr>
-                  </a:outerShdw>
-                </a:effectLst>
-              </a:rPr>
-              <a:t>Amy2: </a:t>
-            </a:r>
-            <a:br>
-              <a:rPr lang="en-US" cap="none" dirty="0">
-                <a:effectLst>
-                  <a:outerShdw blurRad="50800" dist="88900" dir="2700000" algn="tl" rotWithShape="0">
-                    <a:srgbClr val="4C1960">
-                      <a:alpha val="40000"/>
-                    </a:srgbClr>
-                  </a:outerShdw>
-                </a:effectLst>
-              </a:rPr>
-            </a:br>
-            <a:r>
-              <a:rPr lang="en-US" cap="none" dirty="0">
-                <a:effectLst>
-                  <a:outerShdw blurRad="50800" dist="88900" dir="2700000" algn="tl" rotWithShape="0">
-                    <a:srgbClr val="4C1960">
-                      <a:alpha val="40000"/>
-                    </a:srgbClr>
-                  </a:outerShdw>
-                </a:effectLst>
-              </a:rPr>
-              <a:t>#US Mental Health Facilities / state, vs. Population</a:t>
+                  <a:outerShdw blurRad="63500" dist="50800" dir="2700000" algn="tl" rotWithShape="0">
+                    <a:srgbClr val="4C1960">
+                      <a:alpha val="65000"/>
+                    </a:srgbClr>
+                  </a:outerShdw>
+                </a:effectLst>
+              </a:rPr>
+              <a:t>US suicide rates, by State, 2017</a:t>
             </a:r>
           </a:p>
         </p:txBody>
@@ -14325,7 +13928,7 @@
         </p:nvSpPr>
         <p:spPr>
           <a:xfrm>
-            <a:off x="1143001" y="1956241"/>
+            <a:off x="1422401" y="1659461"/>
             <a:ext cx="9905998" cy="4260077"/>
           </a:xfrm>
           <a:prstGeom prst="rect">
@@ -14334,7 +13937,7 @@
         </p:spPr>
         <p:txBody>
           <a:bodyPr vert="horz" lIns="91440" tIns="45720" rIns="91440" bIns="45720" rtlCol="0" anchor="ctr">
-            <a:normAutofit lnSpcReduction="10000"/>
+            <a:normAutofit/>
           </a:bodyPr>
           <a:lstStyle>
             <a:lvl1pPr algn="l" defTabSz="914400" rtl="0" eaLnBrk="1" latinLnBrk="0" hangingPunct="1">
@@ -14363,38 +13966,14 @@
             <a:r>
               <a:rPr lang="en-US" cap="none" dirty="0">
                 <a:effectLst>
-                  <a:outerShdw blurRad="50800" dist="88900" dir="2700000" algn="tl" rotWithShape="0">
-                    <a:srgbClr val="4C1960">
-                      <a:alpha val="40000"/>
-                    </a:srgbClr>
-                  </a:outerShdw>
-                </a:effectLst>
-              </a:rPr>
-              <a:t>Surprise, </a:t>
-            </a:r>
-            <a:r>
-              <a:rPr lang="en-US" cap="none" dirty="0" err="1">
-                <a:effectLst>
-                  <a:outerShdw blurRad="50800" dist="88900" dir="2700000" algn="tl" rotWithShape="0">
-                    <a:srgbClr val="4C1960">
-                      <a:alpha val="40000"/>
-                    </a:srgbClr>
-                  </a:outerShdw>
-                </a:effectLst>
-              </a:rPr>
-              <a:t>lotsa</a:t>
-            </a:r>
-            <a:r>
-              <a:rPr lang="en-US" cap="none" dirty="0">
-                <a:effectLst>
-                  <a:outerShdw blurRad="50800" dist="88900" dir="2700000" algn="tl" rotWithShape="0">
-                    <a:srgbClr val="4C1960">
-                      <a:alpha val="40000"/>
-                    </a:srgbClr>
-                  </a:outerShdw>
-                </a:effectLst>
-              </a:rPr>
-              <a:t> variation. </a:t>
+                  <a:outerShdw blurRad="63500" dist="50800" dir="2700000" algn="tl" rotWithShape="0">
+                    <a:srgbClr val="4C1960">
+                      <a:alpha val="65000"/>
+                    </a:srgbClr>
+                  </a:outerShdw>
+                </a:effectLst>
+              </a:rPr>
+              <a:t>Smooth distribution, gradual trend across states</a:t>
             </a:r>
           </a:p>
           <a:p>
@@ -14404,9 +13983,9 @@
             </a:pPr>
             <a:endParaRPr lang="en-US" cap="none" dirty="0">
               <a:effectLst>
-                <a:outerShdw blurRad="50800" dist="88900" dir="2700000" algn="tl" rotWithShape="0">
+                <a:outerShdw blurRad="63500" dist="50800" dir="2700000" algn="tl" rotWithShape="0">
                   <a:srgbClr val="4C1960">
-                    <a:alpha val="40000"/>
+                    <a:alpha val="65000"/>
                   </a:srgbClr>
                 </a:outerShdw>
               </a:effectLst>
@@ -14420,38 +13999,14 @@
             <a:r>
               <a:rPr lang="en-US" cap="none" dirty="0">
                 <a:effectLst>
-                  <a:outerShdw blurRad="50800" dist="88900" dir="2700000" algn="tl" rotWithShape="0">
-                    <a:srgbClr val="4C1960">
-                      <a:alpha val="40000"/>
-                    </a:srgbClr>
-                  </a:outerShdw>
-                </a:effectLst>
-              </a:rPr>
-              <a:t>NY has </a:t>
-            </a:r>
-            <a:r>
-              <a:rPr lang="en-US" cap="none" dirty="0" err="1">
-                <a:effectLst>
-                  <a:outerShdw blurRad="50800" dist="88900" dir="2700000" algn="tl" rotWithShape="0">
-                    <a:srgbClr val="4C1960">
-                      <a:alpha val="40000"/>
-                    </a:srgbClr>
-                  </a:outerShdw>
-                </a:effectLst>
-              </a:rPr>
-              <a:t>LOTsa</a:t>
-            </a:r>
-            <a:r>
-              <a:rPr lang="en-US" cap="none" dirty="0">
-                <a:effectLst>
-                  <a:outerShdw blurRad="50800" dist="88900" dir="2700000" algn="tl" rotWithShape="0">
-                    <a:srgbClr val="4C1960">
-                      <a:alpha val="40000"/>
-                    </a:srgbClr>
-                  </a:outerShdw>
-                </a:effectLst>
-              </a:rPr>
-              <a:t> facilities and LOW Pop. </a:t>
+                  <a:outerShdw blurRad="63500" dist="50800" dir="2700000" algn="tl" rotWithShape="0">
+                    <a:srgbClr val="4C1960">
+                      <a:alpha val="65000"/>
+                    </a:srgbClr>
+                  </a:outerShdw>
+                </a:effectLst>
+              </a:rPr>
+              <a:t>NY, CA, Hawaii, TX lowest  -- </a:t>
             </a:r>
           </a:p>
           <a:p>
@@ -14462,74 +14017,14 @@
             <a:r>
               <a:rPr lang="en-US" cap="none" dirty="0">
                 <a:effectLst>
-                  <a:outerShdw blurRad="50800" dist="88900" dir="2700000" algn="tl" rotWithShape="0">
-                    <a:srgbClr val="4C1960">
-                      <a:alpha val="40000"/>
-                    </a:srgbClr>
-                  </a:outerShdw>
-                </a:effectLst>
-              </a:rPr>
-              <a:t>CA has </a:t>
-            </a:r>
-            <a:r>
-              <a:rPr lang="en-US" cap="none" dirty="0" err="1">
-                <a:effectLst>
-                  <a:outerShdw blurRad="50800" dist="88900" dir="2700000" algn="tl" rotWithShape="0">
-                    <a:srgbClr val="4C1960">
-                      <a:alpha val="40000"/>
-                    </a:srgbClr>
-                  </a:outerShdw>
-                </a:effectLst>
-              </a:rPr>
-              <a:t>LOTsa</a:t>
-            </a:r>
-            <a:r>
-              <a:rPr lang="en-US" cap="none" dirty="0">
-                <a:effectLst>
-                  <a:outerShdw blurRad="50800" dist="88900" dir="2700000" algn="tl" rotWithShape="0">
-                    <a:srgbClr val="4C1960">
-                      <a:alpha val="40000"/>
-                    </a:srgbClr>
-                  </a:outerShdw>
-                </a:effectLst>
-              </a:rPr>
-              <a:t> facilities, and HIGH Pop.</a:t>
-            </a:r>
-          </a:p>
-          <a:p>
-            <a:pPr marL="571500" indent="-571500">
-              <a:buFont typeface="Arial" panose="020B0604020202020204" pitchFamily="34" charset="0"/>
-              <a:buChar char="•"/>
-            </a:pPr>
-            <a:r>
-              <a:rPr lang="en-US" cap="none" dirty="0">
-                <a:effectLst>
-                  <a:outerShdw blurRad="50800" dist="88900" dir="2700000" algn="tl" rotWithShape="0">
-                    <a:srgbClr val="4C1960">
-                      <a:alpha val="40000"/>
-                    </a:srgbClr>
-                  </a:outerShdw>
-                </a:effectLst>
-              </a:rPr>
-              <a:t> </a:t>
-            </a:r>
-          </a:p>
-          <a:p>
-            <a:pPr marL="571500" indent="-571500">
-              <a:buFont typeface="Arial" panose="020B0604020202020204" pitchFamily="34" charset="0"/>
-              <a:buChar char="•"/>
-            </a:pPr>
-            <a:r>
-              <a:rPr lang="en-US" cap="none" dirty="0">
-                <a:effectLst>
-                  <a:outerShdw blurRad="50800" dist="88900" dir="2700000" algn="tl" rotWithShape="0">
-                    <a:srgbClr val="4C1960">
-                      <a:alpha val="40000"/>
-                    </a:srgbClr>
-                  </a:outerShdw>
-                </a:effectLst>
-              </a:rPr>
-              <a:t>Generally, low pop with low facilities,  BUT the ONLY state FEW facilities and HIGH Pop: Texas.</a:t>
+                  <a:outerShdw blurRad="63500" dist="50800" dir="2700000" algn="tl" rotWithShape="0">
+                    <a:srgbClr val="4C1960">
+                      <a:alpha val="65000"/>
+                    </a:srgbClr>
+                  </a:outerShdw>
+                </a:effectLst>
+              </a:rPr>
+              <a:t>WV, Alaska, New Mexico, Kentucky highest</a:t>
             </a:r>
           </a:p>
           <a:p>
@@ -14539,9 +14034,9 @@
             </a:pPr>
             <a:endParaRPr lang="en-US" cap="none" dirty="0">
               <a:effectLst>
-                <a:outerShdw blurRad="50800" dist="88900" dir="2700000" algn="tl" rotWithShape="0">
+                <a:outerShdw blurRad="63500" dist="50800" dir="2700000" algn="tl" rotWithShape="0">
                   <a:srgbClr val="4C1960">
-                    <a:alpha val="40000"/>
+                    <a:alpha val="65000"/>
                   </a:srgbClr>
                 </a:outerShdw>
               </a:effectLst>
@@ -14553,51 +14048,24 @@
               <a:buChar char="•"/>
             </a:pPr>
             <a:r>
-              <a:rPr lang="en-US" cap="none" dirty="0" err="1">
-                <a:effectLst>
-                  <a:outerShdw blurRad="50800" dist="88900" dir="2700000" algn="tl" rotWithShape="0">
-                    <a:srgbClr val="4C1960">
-                      <a:alpha val="40000"/>
-                    </a:srgbClr>
-                  </a:outerShdw>
-                </a:effectLst>
-              </a:rPr>
-              <a:t>Add’l</a:t>
-            </a:r>
-            <a:r>
               <a:rPr lang="en-US" cap="none" dirty="0">
                 <a:effectLst>
-                  <a:outerShdw blurRad="50800" dist="88900" dir="2700000" algn="tl" rotWithShape="0">
-                    <a:srgbClr val="4C1960">
-                      <a:alpha val="40000"/>
-                    </a:srgbClr>
-                  </a:outerShdw>
-                </a:effectLst>
-              </a:rPr>
-              <a:t> ques: overlay suicide rates, </a:t>
-            </a:r>
-          </a:p>
-          <a:p>
-            <a:pPr marL="571500" indent="-571500">
-              <a:buFont typeface="Arial" panose="020B0604020202020204" pitchFamily="34" charset="0"/>
-              <a:buChar char="•"/>
-            </a:pPr>
-            <a:endParaRPr lang="en-US" cap="none" dirty="0">
-              <a:effectLst>
-                <a:outerShdw blurRad="50800" dist="88900" dir="2700000" algn="tl" rotWithShape="0">
-                  <a:srgbClr val="4C1960">
-                    <a:alpha val="40000"/>
-                  </a:srgbClr>
-                </a:outerShdw>
-              </a:effectLst>
-            </a:endParaRPr>
+                  <a:outerShdw blurRad="63500" dist="50800" dir="2700000" algn="tl" rotWithShape="0">
+                    <a:srgbClr val="4C1960">
+                      <a:alpha val="65000"/>
+                    </a:srgbClr>
+                  </a:outerShdw>
+                </a:effectLst>
+              </a:rPr>
+              <a:t>Economic? Geographic? Access?</a:t>
+            </a:r>
           </a:p>
         </p:txBody>
       </p:sp>
     </p:spTree>
     <p:extLst>
       <p:ext uri="{BB962C8B-B14F-4D97-AF65-F5344CB8AC3E}">
-        <p14:creationId xmlns:p14="http://schemas.microsoft.com/office/powerpoint/2010/main" val="641378108"/>
+        <p14:creationId xmlns:p14="http://schemas.microsoft.com/office/powerpoint/2010/main" val="2892515415"/>
       </p:ext>
     </p:extLst>
   </p:cSld>
@@ -14658,228 +14126,52 @@
             <a:r>
               <a:rPr lang="en-US" cap="none" dirty="0">
                 <a:effectLst>
-                  <a:outerShdw blurRad="50800" dist="88900" dir="2700000" algn="tl" rotWithShape="0">
-                    <a:srgbClr val="4C1960">
-                      <a:alpha val="40000"/>
-                    </a:srgbClr>
-                  </a:outerShdw>
-                </a:effectLst>
-              </a:rPr>
-              <a:t>Susan2: </a:t>
-            </a:r>
-            <a:br>
-              <a:rPr lang="en-US" cap="none" dirty="0">
-                <a:effectLst>
-                  <a:outerShdw blurRad="50800" dist="88900" dir="2700000" algn="tl" rotWithShape="0">
-                    <a:srgbClr val="4C1960">
-                      <a:alpha val="40000"/>
-                    </a:srgbClr>
-                  </a:outerShdw>
-                </a:effectLst>
-              </a:rPr>
-            </a:br>
-            <a:r>
-              <a:rPr lang="en-US" cap="none" dirty="0">
-                <a:effectLst>
-                  <a:outerShdw blurRad="50800" dist="88900" dir="2700000" algn="tl" rotWithShape="0">
-                    <a:srgbClr val="4C1960">
-                      <a:alpha val="40000"/>
-                    </a:srgbClr>
-                  </a:outerShdw>
-                </a:effectLst>
-              </a:rPr>
-              <a:t>#US suicide rates/ state, vs. Population</a:t>
+                  <a:outerShdw blurRad="63500" dist="50800" dir="2700000" algn="tl" rotWithShape="0">
+                    <a:srgbClr val="4C1960">
+                      <a:alpha val="65000"/>
+                    </a:srgbClr>
+                  </a:outerShdw>
+                </a:effectLst>
+              </a:rPr>
+              <a:t>#US Mental Health Facilities / state, vs. Population</a:t>
             </a:r>
           </a:p>
         </p:txBody>
       </p:sp>
-      <p:sp>
-        <p:nvSpPr>
-          <p:cNvPr id="3" name="Title 1">
+      <p:pic>
+        <p:nvPicPr>
+          <p:cNvPr id="5" name="Picture 4">
             <a:extLst>
               <a:ext uri="{FF2B5EF4-FFF2-40B4-BE49-F238E27FC236}">
-                <a16:creationId xmlns:a16="http://schemas.microsoft.com/office/drawing/2014/main" id="{0F16C06A-AB36-7C45-B032-B30371572B30}"/>
+                <a16:creationId xmlns:a16="http://schemas.microsoft.com/office/drawing/2014/main" id="{0BE80E73-235A-1540-8511-AD5CF8CF654D}"/>
               </a:ext>
             </a:extLst>
           </p:cNvPr>
-          <p:cNvSpPr txBox="1">
-            <a:spLocks/>
-          </p:cNvSpPr>
+          <p:cNvPicPr>
+            <a:picLocks noChangeAspect="1"/>
+          </p:cNvPicPr>
           <p:nvPr/>
-        </p:nvSpPr>
+        </p:nvPicPr>
+        <p:blipFill>
+          <a:blip r:embed="rId2"/>
+          <a:stretch>
+            <a:fillRect/>
+          </a:stretch>
+        </p:blipFill>
         <p:spPr>
           <a:xfrm>
-            <a:off x="1143001" y="1956241"/>
-            <a:ext cx="9905998" cy="4260077"/>
+            <a:off x="0" y="1659461"/>
+            <a:ext cx="12192000" cy="3725339"/>
           </a:xfrm>
           <a:prstGeom prst="rect">
             <a:avLst/>
           </a:prstGeom>
         </p:spPr>
-        <p:txBody>
-          <a:bodyPr vert="horz" lIns="91440" tIns="45720" rIns="91440" bIns="45720" rtlCol="0" anchor="ctr">
-            <a:normAutofit/>
-          </a:bodyPr>
-          <a:lstStyle>
-            <a:lvl1pPr algn="l" defTabSz="914400" rtl="0" eaLnBrk="1" latinLnBrk="0" hangingPunct="1">
-              <a:lnSpc>
-                <a:spcPct val="90000"/>
-              </a:lnSpc>
-              <a:spcBef>
-                <a:spcPct val="0"/>
-              </a:spcBef>
-              <a:buNone/>
-              <a:defRPr sz="3600" kern="1200" cap="all" baseline="0">
-                <a:solidFill>
-                  <a:schemeClr val="tx1"/>
-                </a:solidFill>
-                <a:latin typeface="+mj-lt"/>
-                <a:ea typeface="+mj-ea"/>
-                <a:cs typeface="+mj-cs"/>
-              </a:defRPr>
-            </a:lvl1pPr>
-          </a:lstStyle>
-          <a:p>
-            <a:pPr marL="571500" indent="-571500">
-              <a:buFont typeface="Arial" panose="020B0604020202020204" pitchFamily="34" charset="0"/>
-              <a:buChar char="•"/>
-            </a:pPr>
-            <a:r>
-              <a:rPr lang="en-US" cap="none" dirty="0">
-                <a:effectLst>
-                  <a:outerShdw blurRad="50800" dist="88900" dir="2700000" algn="tl" rotWithShape="0">
-                    <a:srgbClr val="4C1960">
-                      <a:alpha val="40000"/>
-                    </a:srgbClr>
-                  </a:outerShdw>
-                </a:effectLst>
-              </a:rPr>
-              <a:t>xxx. </a:t>
-            </a:r>
-          </a:p>
-          <a:p>
-            <a:pPr marL="571500" indent="-571500">
-              <a:buFont typeface="Arial" panose="020B0604020202020204" pitchFamily="34" charset="0"/>
-              <a:buChar char="•"/>
-            </a:pPr>
-            <a:endParaRPr lang="en-US" cap="none" dirty="0">
-              <a:effectLst>
-                <a:outerShdw blurRad="50800" dist="88900" dir="2700000" algn="tl" rotWithShape="0">
-                  <a:srgbClr val="4C1960">
-                    <a:alpha val="40000"/>
-                  </a:srgbClr>
-                </a:outerShdw>
-              </a:effectLst>
-            </a:endParaRPr>
-          </a:p>
-          <a:p>
-            <a:pPr marL="571500" indent="-571500">
-              <a:buFont typeface="Arial" panose="020B0604020202020204" pitchFamily="34" charset="0"/>
-              <a:buChar char="•"/>
-            </a:pPr>
-            <a:r>
-              <a:rPr lang="en-US" cap="none" dirty="0">
-                <a:effectLst>
-                  <a:outerShdw blurRad="50800" dist="88900" dir="2700000" algn="tl" rotWithShape="0">
-                    <a:srgbClr val="4C1960">
-                      <a:alpha val="40000"/>
-                    </a:srgbClr>
-                  </a:outerShdw>
-                </a:effectLst>
-              </a:rPr>
-              <a:t>xx. </a:t>
-            </a:r>
-          </a:p>
-          <a:p>
-            <a:pPr marL="571500" indent="-571500">
-              <a:buFont typeface="Arial" panose="020B0604020202020204" pitchFamily="34" charset="0"/>
-              <a:buChar char="•"/>
-            </a:pPr>
-            <a:r>
-              <a:rPr lang="en-US" cap="none" dirty="0">
-                <a:effectLst>
-                  <a:outerShdw blurRad="50800" dist="88900" dir="2700000" algn="tl" rotWithShape="0">
-                    <a:srgbClr val="4C1960">
-                      <a:alpha val="40000"/>
-                    </a:srgbClr>
-                  </a:outerShdw>
-                </a:effectLst>
-              </a:rPr>
-              <a:t>xx</a:t>
-            </a:r>
-          </a:p>
-          <a:p>
-            <a:pPr marL="571500" indent="-571500">
-              <a:buFont typeface="Arial" panose="020B0604020202020204" pitchFamily="34" charset="0"/>
-              <a:buChar char="•"/>
-            </a:pPr>
-            <a:r>
-              <a:rPr lang="en-US" cap="none" dirty="0">
-                <a:effectLst>
-                  <a:outerShdw blurRad="50800" dist="88900" dir="2700000" algn="tl" rotWithShape="0">
-                    <a:srgbClr val="4C1960">
-                      <a:alpha val="40000"/>
-                    </a:srgbClr>
-                  </a:outerShdw>
-                </a:effectLst>
-              </a:rPr>
-              <a:t>xx.</a:t>
-            </a:r>
-          </a:p>
-          <a:p>
-            <a:pPr marL="571500" indent="-571500">
-              <a:buFont typeface="Arial" panose="020B0604020202020204" pitchFamily="34" charset="0"/>
-              <a:buChar char="•"/>
-            </a:pPr>
-            <a:endParaRPr lang="en-US" cap="none" dirty="0">
-              <a:effectLst>
-                <a:outerShdw blurRad="50800" dist="88900" dir="2700000" algn="tl" rotWithShape="0">
-                  <a:srgbClr val="4C1960">
-                    <a:alpha val="40000"/>
-                  </a:srgbClr>
-                </a:outerShdw>
-              </a:effectLst>
-            </a:endParaRPr>
-          </a:p>
-          <a:p>
-            <a:pPr marL="571500" indent="-571500">
-              <a:buFont typeface="Arial" panose="020B0604020202020204" pitchFamily="34" charset="0"/>
-              <a:buChar char="•"/>
-            </a:pPr>
-            <a:r>
-              <a:rPr lang="en-US" cap="none" dirty="0">
-                <a:effectLst>
-                  <a:outerShdw blurRad="50800" dist="88900" dir="2700000" algn="tl" rotWithShape="0">
-                    <a:srgbClr val="4C1960">
-                      <a:alpha val="40000"/>
-                    </a:srgbClr>
-                  </a:outerShdw>
-                </a:effectLst>
-              </a:rPr>
-              <a:t>xx, </a:t>
-            </a:r>
-          </a:p>
-          <a:p>
-            <a:pPr marL="571500" indent="-571500">
-              <a:buFont typeface="Arial" panose="020B0604020202020204" pitchFamily="34" charset="0"/>
-              <a:buChar char="•"/>
-            </a:pPr>
-            <a:endParaRPr lang="en-US" cap="none" dirty="0">
-              <a:effectLst>
-                <a:outerShdw blurRad="50800" dist="88900" dir="2700000" algn="tl" rotWithShape="0">
-                  <a:srgbClr val="4C1960">
-                    <a:alpha val="40000"/>
-                  </a:srgbClr>
-                </a:outerShdw>
-              </a:effectLst>
-            </a:endParaRPr>
-          </a:p>
-        </p:txBody>
-      </p:sp>
+      </p:pic>
     </p:spTree>
     <p:extLst>
       <p:ext uri="{BB962C8B-B14F-4D97-AF65-F5344CB8AC3E}">
-        <p14:creationId xmlns:p14="http://schemas.microsoft.com/office/powerpoint/2010/main" val="4153401212"/>
+        <p14:creationId xmlns:p14="http://schemas.microsoft.com/office/powerpoint/2010/main" val="203764542"/>
       </p:ext>
     </p:extLst>
   </p:cSld>
@@ -14940,80 +14232,1258 @@
             <a:r>
               <a:rPr lang="en-US" cap="none" dirty="0">
                 <a:effectLst>
-                  <a:outerShdw blurRad="50800" dist="88900" dir="2700000" algn="tl" rotWithShape="0">
-                    <a:srgbClr val="4C1960">
-                      <a:alpha val="40000"/>
-                    </a:srgbClr>
-                  </a:outerShdw>
-                </a:effectLst>
-              </a:rPr>
-              <a:t>Jerome: </a:t>
+                  <a:outerShdw blurRad="63500" dist="50800" dir="2700000" algn="tl" rotWithShape="0">
+                    <a:srgbClr val="4C1960">
+                      <a:alpha val="65000"/>
+                    </a:srgbClr>
+                  </a:outerShdw>
+                </a:effectLst>
+              </a:rPr>
+              <a:t> #US Mental Health Facilities / state, vs. Population</a:t>
+            </a:r>
+          </a:p>
+        </p:txBody>
+      </p:sp>
+      <p:sp>
+        <p:nvSpPr>
+          <p:cNvPr id="3" name="Title 1">
+            <a:extLst>
+              <a:ext uri="{FF2B5EF4-FFF2-40B4-BE49-F238E27FC236}">
+                <a16:creationId xmlns:a16="http://schemas.microsoft.com/office/drawing/2014/main" id="{0F16C06A-AB36-7C45-B032-B30371572B30}"/>
+              </a:ext>
+            </a:extLst>
+          </p:cNvPr>
+          <p:cNvSpPr txBox="1">
+            <a:spLocks/>
+          </p:cNvSpPr>
+          <p:nvPr/>
+        </p:nvSpPr>
+        <p:spPr>
+          <a:xfrm>
+            <a:off x="1308101" y="1880041"/>
+            <a:ext cx="9905998" cy="4260077"/>
+          </a:xfrm>
+          <a:prstGeom prst="rect">
+            <a:avLst/>
+          </a:prstGeom>
+        </p:spPr>
+        <p:txBody>
+          <a:bodyPr vert="horz" lIns="91440" tIns="45720" rIns="91440" bIns="45720" rtlCol="0" anchor="ctr">
+            <a:normAutofit lnSpcReduction="10000"/>
+          </a:bodyPr>
+          <a:lstStyle>
+            <a:lvl1pPr algn="l" defTabSz="914400" rtl="0" eaLnBrk="1" latinLnBrk="0" hangingPunct="1">
+              <a:lnSpc>
+                <a:spcPct val="90000"/>
+              </a:lnSpc>
+              <a:spcBef>
+                <a:spcPct val="0"/>
+              </a:spcBef>
+              <a:buNone/>
+              <a:defRPr sz="3600" kern="1200" cap="all" baseline="0">
+                <a:solidFill>
+                  <a:schemeClr val="tx1"/>
+                </a:solidFill>
+                <a:latin typeface="+mj-lt"/>
+                <a:ea typeface="+mj-ea"/>
+                <a:cs typeface="+mj-cs"/>
+              </a:defRPr>
+            </a:lvl1pPr>
+          </a:lstStyle>
+          <a:p>
+            <a:pPr marL="571500" indent="-571500">
+              <a:buFont typeface="Arial" panose="020B0604020202020204" pitchFamily="34" charset="0"/>
+              <a:buChar char="•"/>
+            </a:pPr>
+            <a:r>
+              <a:rPr lang="en-US" cap="none" dirty="0">
+                <a:effectLst>
+                  <a:outerShdw blurRad="63500" dist="50800" dir="2700000" algn="tl" rotWithShape="0">
+                    <a:srgbClr val="4C1960">
+                      <a:alpha val="65000"/>
+                    </a:srgbClr>
+                  </a:outerShdw>
+                </a:effectLst>
+              </a:rPr>
+              <a:t>Surprise, </a:t>
+            </a:r>
+            <a:r>
+              <a:rPr lang="en-US" cap="none" dirty="0" err="1">
+                <a:effectLst>
+                  <a:outerShdw blurRad="63500" dist="50800" dir="2700000" algn="tl" rotWithShape="0">
+                    <a:srgbClr val="4C1960">
+                      <a:alpha val="65000"/>
+                    </a:srgbClr>
+                  </a:outerShdw>
+                </a:effectLst>
+              </a:rPr>
+              <a:t>lotsa</a:t>
+            </a:r>
+            <a:r>
+              <a:rPr lang="en-US" cap="none" dirty="0">
+                <a:effectLst>
+                  <a:outerShdw blurRad="63500" dist="50800" dir="2700000" algn="tl" rotWithShape="0">
+                    <a:srgbClr val="4C1960">
+                      <a:alpha val="65000"/>
+                    </a:srgbClr>
+                  </a:outerShdw>
+                </a:effectLst>
+              </a:rPr>
+              <a:t> variation. </a:t>
+            </a:r>
+          </a:p>
+          <a:p>
+            <a:pPr marL="571500" indent="-571500">
+              <a:buFont typeface="Arial" panose="020B0604020202020204" pitchFamily="34" charset="0"/>
+              <a:buChar char="•"/>
+            </a:pPr>
+            <a:endParaRPr lang="en-US" cap="none" dirty="0">
+              <a:effectLst>
+                <a:outerShdw blurRad="63500" dist="50800" dir="2700000" algn="tl" rotWithShape="0">
+                  <a:srgbClr val="4C1960">
+                    <a:alpha val="65000"/>
+                  </a:srgbClr>
+                </a:outerShdw>
+              </a:effectLst>
+            </a:endParaRPr>
+          </a:p>
+          <a:p>
+            <a:pPr marL="571500" indent="-571500">
+              <a:buFont typeface="Arial" panose="020B0604020202020204" pitchFamily="34" charset="0"/>
+              <a:buChar char="•"/>
+            </a:pPr>
+            <a:r>
+              <a:rPr lang="en-US" cap="none" dirty="0">
+                <a:effectLst>
+                  <a:outerShdw blurRad="63500" dist="50800" dir="2700000" algn="tl" rotWithShape="0">
+                    <a:srgbClr val="4C1960">
+                      <a:alpha val="65000"/>
+                    </a:srgbClr>
+                  </a:outerShdw>
+                </a:effectLst>
+              </a:rPr>
+              <a:t>NY has </a:t>
+            </a:r>
+            <a:r>
+              <a:rPr lang="en-US" cap="none" dirty="0" err="1">
+                <a:effectLst>
+                  <a:outerShdw blurRad="63500" dist="50800" dir="2700000" algn="tl" rotWithShape="0">
+                    <a:srgbClr val="4C1960">
+                      <a:alpha val="65000"/>
+                    </a:srgbClr>
+                  </a:outerShdw>
+                </a:effectLst>
+              </a:rPr>
+              <a:t>LOTsa</a:t>
+            </a:r>
+            <a:r>
+              <a:rPr lang="en-US" cap="none" dirty="0">
+                <a:effectLst>
+                  <a:outerShdw blurRad="63500" dist="50800" dir="2700000" algn="tl" rotWithShape="0">
+                    <a:srgbClr val="4C1960">
+                      <a:alpha val="65000"/>
+                    </a:srgbClr>
+                  </a:outerShdw>
+                </a:effectLst>
+              </a:rPr>
+              <a:t> facilities and LOW Pop. </a:t>
+            </a:r>
+          </a:p>
+          <a:p>
+            <a:pPr marL="571500" indent="-571500">
+              <a:buFont typeface="Arial" panose="020B0604020202020204" pitchFamily="34" charset="0"/>
+              <a:buChar char="•"/>
+            </a:pPr>
+            <a:r>
+              <a:rPr lang="en-US" cap="none" dirty="0">
+                <a:effectLst>
+                  <a:outerShdw blurRad="63500" dist="50800" dir="2700000" algn="tl" rotWithShape="0">
+                    <a:srgbClr val="4C1960">
+                      <a:alpha val="65000"/>
+                    </a:srgbClr>
+                  </a:outerShdw>
+                </a:effectLst>
+              </a:rPr>
+              <a:t>CA has </a:t>
+            </a:r>
+            <a:r>
+              <a:rPr lang="en-US" cap="none" dirty="0" err="1">
+                <a:effectLst>
+                  <a:outerShdw blurRad="63500" dist="50800" dir="2700000" algn="tl" rotWithShape="0">
+                    <a:srgbClr val="4C1960">
+                      <a:alpha val="65000"/>
+                    </a:srgbClr>
+                  </a:outerShdw>
+                </a:effectLst>
+              </a:rPr>
+              <a:t>LOTsa</a:t>
+            </a:r>
+            <a:r>
+              <a:rPr lang="en-US" cap="none" dirty="0">
+                <a:effectLst>
+                  <a:outerShdw blurRad="63500" dist="50800" dir="2700000" algn="tl" rotWithShape="0">
+                    <a:srgbClr val="4C1960">
+                      <a:alpha val="65000"/>
+                    </a:srgbClr>
+                  </a:outerShdw>
+                </a:effectLst>
+              </a:rPr>
+              <a:t> facilities, and HIGH Pop.</a:t>
+            </a:r>
+          </a:p>
+          <a:p>
+            <a:pPr marL="571500" indent="-571500">
+              <a:buFont typeface="Arial" panose="020B0604020202020204" pitchFamily="34" charset="0"/>
+              <a:buChar char="•"/>
+            </a:pPr>
+            <a:r>
+              <a:rPr lang="en-US" cap="none" dirty="0">
+                <a:effectLst>
+                  <a:outerShdw blurRad="63500" dist="50800" dir="2700000" algn="tl" rotWithShape="0">
+                    <a:srgbClr val="4C1960">
+                      <a:alpha val="65000"/>
+                    </a:srgbClr>
+                  </a:outerShdw>
+                </a:effectLst>
+              </a:rPr>
+              <a:t> </a:t>
+            </a:r>
+          </a:p>
+          <a:p>
+            <a:pPr marL="571500" indent="-571500">
+              <a:buFont typeface="Arial" panose="020B0604020202020204" pitchFamily="34" charset="0"/>
+              <a:buChar char="•"/>
+            </a:pPr>
+            <a:r>
+              <a:rPr lang="en-US" cap="none" dirty="0">
+                <a:effectLst>
+                  <a:outerShdw blurRad="63500" dist="50800" dir="2700000" algn="tl" rotWithShape="0">
+                    <a:srgbClr val="4C1960">
+                      <a:alpha val="65000"/>
+                    </a:srgbClr>
+                  </a:outerShdw>
+                </a:effectLst>
+              </a:rPr>
+              <a:t>Generally, low pop with low facilities,  BUT the ONLY state FEW facilities and HIGH Pop: Texas.</a:t>
+            </a:r>
+          </a:p>
+          <a:p>
+            <a:pPr marL="571500" indent="-571500">
+              <a:buFont typeface="Arial" panose="020B0604020202020204" pitchFamily="34" charset="0"/>
+              <a:buChar char="•"/>
+            </a:pPr>
+            <a:endParaRPr lang="en-US" cap="none" dirty="0">
+              <a:effectLst>
+                <a:outerShdw blurRad="63500" dist="50800" dir="2700000" algn="tl" rotWithShape="0">
+                  <a:srgbClr val="4C1960">
+                    <a:alpha val="65000"/>
+                  </a:srgbClr>
+                </a:outerShdw>
+              </a:effectLst>
+            </a:endParaRPr>
+          </a:p>
+          <a:p>
+            <a:pPr marL="571500" indent="-571500">
+              <a:buFont typeface="Arial" panose="020B0604020202020204" pitchFamily="34" charset="0"/>
+              <a:buChar char="•"/>
+            </a:pPr>
+            <a:r>
+              <a:rPr lang="en-US" cap="none" dirty="0" err="1">
+                <a:effectLst>
+                  <a:outerShdw blurRad="63500" dist="50800" dir="2700000" algn="tl" rotWithShape="0">
+                    <a:srgbClr val="4C1960">
+                      <a:alpha val="65000"/>
+                    </a:srgbClr>
+                  </a:outerShdw>
+                </a:effectLst>
+              </a:rPr>
+              <a:t>Add’l</a:t>
+            </a:r>
+            <a:r>
+              <a:rPr lang="en-US" cap="none" dirty="0">
+                <a:effectLst>
+                  <a:outerShdw blurRad="63500" dist="50800" dir="2700000" algn="tl" rotWithShape="0">
+                    <a:srgbClr val="4C1960">
+                      <a:alpha val="65000"/>
+                    </a:srgbClr>
+                  </a:outerShdw>
+                </a:effectLst>
+              </a:rPr>
+              <a:t> ques: overlay suicide rates, </a:t>
+            </a:r>
+          </a:p>
+          <a:p>
+            <a:pPr marL="571500" indent="-571500">
+              <a:buFont typeface="Arial" panose="020B0604020202020204" pitchFamily="34" charset="0"/>
+              <a:buChar char="•"/>
+            </a:pPr>
+            <a:endParaRPr lang="en-US" cap="none" dirty="0">
+              <a:effectLst>
+                <a:outerShdw blurRad="63500" dist="50800" dir="2700000" algn="tl" rotWithShape="0">
+                  <a:srgbClr val="4C1960">
+                    <a:alpha val="65000"/>
+                  </a:srgbClr>
+                </a:outerShdw>
+              </a:effectLst>
+            </a:endParaRPr>
+          </a:p>
+        </p:txBody>
+      </p:sp>
+    </p:spTree>
+    <p:extLst>
+      <p:ext uri="{BB962C8B-B14F-4D97-AF65-F5344CB8AC3E}">
+        <p14:creationId xmlns:p14="http://schemas.microsoft.com/office/powerpoint/2010/main" val="641378108"/>
+      </p:ext>
+    </p:extLst>
+  </p:cSld>
+  <p:clrMapOvr>
+    <a:masterClrMapping/>
+  </p:clrMapOvr>
+</p:sld>
+</file>
+
+<file path=ppt/slides/slide2.xml><?xml version="1.0" encoding="utf-8"?>
+<p:sld xmlns:a="http://schemas.openxmlformats.org/drawingml/2006/main" xmlns:r="http://schemas.openxmlformats.org/officeDocument/2006/relationships" xmlns:p="http://schemas.openxmlformats.org/presentationml/2006/main">
+  <p:cSld>
+    <p:spTree>
+      <p:nvGrpSpPr>
+        <p:cNvPr id="1" name=""/>
+        <p:cNvGrpSpPr/>
+        <p:nvPr/>
+      </p:nvGrpSpPr>
+      <p:grpSpPr>
+        <a:xfrm>
+          <a:off x="0" y="0"/>
+          <a:ext cx="0" cy="0"/>
+          <a:chOff x="0" y="0"/>
+          <a:chExt cx="0" cy="0"/>
+        </a:xfrm>
+      </p:grpSpPr>
+      <p:sp>
+        <p:nvSpPr>
+          <p:cNvPr id="2" name="Title 1">
+            <a:extLst>
+              <a:ext uri="{FF2B5EF4-FFF2-40B4-BE49-F238E27FC236}">
+                <a16:creationId xmlns:a16="http://schemas.microsoft.com/office/drawing/2014/main" id="{E555962B-106D-AB4A-ABC5-A69D52AAC7C6}"/>
+              </a:ext>
+            </a:extLst>
+          </p:cNvPr>
+          <p:cNvSpPr>
+            <a:spLocks noGrp="1"/>
+          </p:cNvSpPr>
+          <p:nvPr>
+            <p:ph type="title"/>
+          </p:nvPr>
+        </p:nvSpPr>
+        <p:spPr>
+          <a:xfrm>
+            <a:off x="1141413" y="923316"/>
+            <a:ext cx="9905998" cy="1903880"/>
+          </a:xfrm>
+        </p:spPr>
+        <p:txBody>
+          <a:bodyPr>
+            <a:noAutofit/>
+          </a:bodyPr>
+          <a:lstStyle/>
+          <a:p>
+            <a:r>
+              <a:rPr lang="en-US" sz="4400" b="1" cap="none" dirty="0">
+                <a:effectLst>
+                  <a:outerShdw blurRad="63500" dist="50800" dir="2700000" algn="tl" rotWithShape="0">
+                    <a:srgbClr val="4C1960">
+                      <a:alpha val="65000"/>
+                    </a:srgbClr>
+                  </a:outerShdw>
+                </a:effectLst>
+                <a:latin typeface="Klee Medium" panose="02020600000000000000" pitchFamily="18" charset="-128"/>
+                <a:ea typeface="Klee Medium" panose="02020600000000000000" pitchFamily="18" charset="-128"/>
+              </a:rPr>
+              <a:t>Do suicide rates vary with age? </a:t>
             </a:r>
             <a:br>
+              <a:rPr lang="en-US" sz="4400" b="1" cap="none" dirty="0">
+                <a:effectLst>
+                  <a:outerShdw blurRad="63500" dist="50800" dir="2700000" algn="tl" rotWithShape="0">
+                    <a:srgbClr val="4C1960">
+                      <a:alpha val="65000"/>
+                    </a:srgbClr>
+                  </a:outerShdw>
+                </a:effectLst>
+                <a:latin typeface="Klee Medium" panose="02020600000000000000" pitchFamily="18" charset="-128"/>
+                <a:ea typeface="Klee Medium" panose="02020600000000000000" pitchFamily="18" charset="-128"/>
+              </a:rPr>
+            </a:br>
+            <a:r>
+              <a:rPr lang="en-US" sz="4000" b="1" cap="none" dirty="0">
+                <a:effectLst>
+                  <a:outerShdw blurRad="63500" dist="50800" dir="2700000" algn="tl" rotWithShape="0">
+                    <a:srgbClr val="4C1960">
+                      <a:alpha val="65000"/>
+                    </a:srgbClr>
+                  </a:outerShdw>
+                </a:effectLst>
+                <a:latin typeface="Klee Medium" panose="02020600000000000000" pitchFamily="18" charset="-128"/>
+                <a:ea typeface="Klee Medium" panose="02020600000000000000" pitchFamily="18" charset="-128"/>
+              </a:rPr>
+              <a:t>	Nationally vs. World-wide? </a:t>
+            </a:r>
+            <a:br>
+              <a:rPr lang="en-US" sz="4000" b="1" cap="none" dirty="0">
+                <a:effectLst>
+                  <a:outerShdw blurRad="63500" dist="50800" dir="2700000" algn="tl" rotWithShape="0">
+                    <a:srgbClr val="4C1960">
+                      <a:alpha val="65000"/>
+                    </a:srgbClr>
+                  </a:outerShdw>
+                </a:effectLst>
+                <a:latin typeface="Klee Medium" panose="02020600000000000000" pitchFamily="18" charset="-128"/>
+                <a:ea typeface="Klee Medium" panose="02020600000000000000" pitchFamily="18" charset="-128"/>
+              </a:rPr>
+            </a:br>
+            <a:br>
+              <a:rPr lang="en-US" sz="2000" b="1" cap="none" dirty="0">
+                <a:effectLst>
+                  <a:outerShdw blurRad="63500" dist="50800" dir="2700000" algn="tl" rotWithShape="0">
+                    <a:srgbClr val="4C1960">
+                      <a:alpha val="65000"/>
+                    </a:srgbClr>
+                  </a:outerShdw>
+                </a:effectLst>
+                <a:latin typeface="Klee Medium" panose="02020600000000000000" pitchFamily="18" charset="-128"/>
+                <a:ea typeface="Klee Medium" panose="02020600000000000000" pitchFamily="18" charset="-128"/>
+              </a:rPr>
+            </a:br>
+            <a:r>
+              <a:rPr lang="en-US" sz="3200" b="1" cap="none" dirty="0">
+                <a:effectLst>
+                  <a:outerShdw blurRad="63500" dist="50800" dir="2700000" algn="tl" rotWithShape="0">
+                    <a:srgbClr val="4C1960">
+                      <a:alpha val="65000"/>
+                    </a:srgbClr>
+                  </a:outerShdw>
+                </a:effectLst>
+                <a:latin typeface="Klee Medium" panose="02020600000000000000" pitchFamily="18" charset="-128"/>
+                <a:ea typeface="Klee Medium" panose="02020600000000000000" pitchFamily="18" charset="-128"/>
+              </a:rPr>
+              <a:t>What we read in news… accurate impressions?</a:t>
+            </a:r>
+          </a:p>
+        </p:txBody>
+      </p:sp>
+      <p:sp>
+        <p:nvSpPr>
+          <p:cNvPr id="3" name="Content Placeholder 2">
+            <a:extLst>
+              <a:ext uri="{FF2B5EF4-FFF2-40B4-BE49-F238E27FC236}">
+                <a16:creationId xmlns:a16="http://schemas.microsoft.com/office/drawing/2014/main" id="{FD472CA1-E836-BF4A-9D06-8A9F2BD4AF1E}"/>
+              </a:ext>
+            </a:extLst>
+          </p:cNvPr>
+          <p:cNvSpPr>
+            <a:spLocks noGrp="1"/>
+          </p:cNvSpPr>
+          <p:nvPr>
+            <p:ph idx="1"/>
+          </p:nvPr>
+        </p:nvSpPr>
+        <p:spPr>
+          <a:xfrm>
+            <a:off x="1141413" y="3429001"/>
+            <a:ext cx="10809955" cy="3162300"/>
+          </a:xfrm>
+        </p:spPr>
+        <p:txBody>
+          <a:bodyPr>
+            <a:noAutofit/>
+          </a:bodyPr>
+          <a:lstStyle/>
+          <a:p>
+            <a:pPr marL="0" indent="0">
+              <a:lnSpc>
+                <a:spcPct val="100000"/>
+              </a:lnSpc>
+              <a:spcBef>
+                <a:spcPts val="0"/>
+              </a:spcBef>
+              <a:buNone/>
+            </a:pPr>
+            <a:r>
+              <a:rPr lang="en-US" sz="4000" b="1" dirty="0">
+                <a:effectLst>
+                  <a:outerShdw blurRad="63500" dist="50800" dir="2700000" algn="tl" rotWithShape="0">
+                    <a:srgbClr val="4C1960">
+                      <a:alpha val="65000"/>
+                    </a:srgbClr>
+                  </a:outerShdw>
+                </a:effectLst>
+                <a:latin typeface="Klee Medium" panose="02020600000000000000" pitchFamily="18" charset="-128"/>
+                <a:ea typeface="Klee Medium" panose="02020600000000000000" pitchFamily="18" charset="-128"/>
+              </a:rPr>
+              <a:t>Does access to mental health </a:t>
+            </a:r>
+          </a:p>
+          <a:p>
+            <a:pPr marL="0" indent="0">
+              <a:lnSpc>
+                <a:spcPct val="100000"/>
+              </a:lnSpc>
+              <a:spcBef>
+                <a:spcPts val="0"/>
+              </a:spcBef>
+              <a:buNone/>
+            </a:pPr>
+            <a:r>
+              <a:rPr lang="en-US" sz="4000" b="1" dirty="0">
+                <a:effectLst>
+                  <a:outerShdw blurRad="63500" dist="50800" dir="2700000" algn="tl" rotWithShape="0">
+                    <a:srgbClr val="4C1960">
+                      <a:alpha val="65000"/>
+                    </a:srgbClr>
+                  </a:outerShdw>
+                </a:effectLst>
+                <a:latin typeface="Klee Medium" panose="02020600000000000000" pitchFamily="18" charset="-128"/>
+                <a:ea typeface="Klee Medium" panose="02020600000000000000" pitchFamily="18" charset="-128"/>
+              </a:rPr>
+              <a:t>treatment or government spending </a:t>
+            </a:r>
+          </a:p>
+          <a:p>
+            <a:pPr marL="0" indent="0">
+              <a:lnSpc>
+                <a:spcPct val="100000"/>
+              </a:lnSpc>
+              <a:spcBef>
+                <a:spcPts val="0"/>
+              </a:spcBef>
+              <a:buNone/>
+            </a:pPr>
+            <a:r>
+              <a:rPr lang="en-US" sz="4000" b="1" dirty="0">
+                <a:effectLst>
+                  <a:outerShdw blurRad="63500" dist="50800" dir="2700000" algn="tl" rotWithShape="0">
+                    <a:srgbClr val="4C1960">
+                      <a:alpha val="65000"/>
+                    </a:srgbClr>
+                  </a:outerShdw>
+                </a:effectLst>
+                <a:latin typeface="Klee Medium" panose="02020600000000000000" pitchFamily="18" charset="-128"/>
+                <a:ea typeface="Klee Medium" panose="02020600000000000000" pitchFamily="18" charset="-128"/>
+              </a:rPr>
+              <a:t>correlate with suicide statistics?</a:t>
+            </a:r>
+          </a:p>
+          <a:p>
+            <a:pPr marL="0" indent="0">
+              <a:lnSpc>
+                <a:spcPct val="100000"/>
+              </a:lnSpc>
+              <a:spcBef>
+                <a:spcPts val="0"/>
+              </a:spcBef>
+              <a:buNone/>
+            </a:pPr>
+            <a:endParaRPr lang="en-US" sz="2000" b="1" dirty="0">
+              <a:effectLst>
+                <a:outerShdw blurRad="63500" dist="50800" dir="2700000" algn="tl" rotWithShape="0">
+                  <a:srgbClr val="4C1960">
+                    <a:alpha val="65000"/>
+                  </a:srgbClr>
+                </a:outerShdw>
+              </a:effectLst>
+              <a:latin typeface="Klee Medium" panose="02020600000000000000" pitchFamily="18" charset="-128"/>
+              <a:ea typeface="Klee Medium" panose="02020600000000000000" pitchFamily="18" charset="-128"/>
+            </a:endParaRPr>
+          </a:p>
+          <a:p>
+            <a:pPr marL="0" indent="0">
+              <a:lnSpc>
+                <a:spcPct val="100000"/>
+              </a:lnSpc>
+              <a:spcBef>
+                <a:spcPts val="0"/>
+              </a:spcBef>
+              <a:buNone/>
+            </a:pPr>
+            <a:r>
+              <a:rPr lang="en-US" sz="3200" b="1" dirty="0">
+                <a:effectLst>
+                  <a:outerShdw blurRad="63500" dist="50800" dir="2700000" algn="tl" rotWithShape="0">
+                    <a:srgbClr val="4C1960">
+                      <a:alpha val="65000"/>
+                    </a:srgbClr>
+                  </a:outerShdw>
+                </a:effectLst>
+                <a:latin typeface="Klee Medium" panose="02020600000000000000" pitchFamily="18" charset="-128"/>
+                <a:ea typeface="Klee Medium" panose="02020600000000000000" pitchFamily="18" charset="-128"/>
+              </a:rPr>
+              <a:t>Is data accessible, can we visualize?</a:t>
+            </a:r>
+          </a:p>
+        </p:txBody>
+      </p:sp>
+    </p:spTree>
+    <p:extLst>
+      <p:ext uri="{BB962C8B-B14F-4D97-AF65-F5344CB8AC3E}">
+        <p14:creationId xmlns:p14="http://schemas.microsoft.com/office/powerpoint/2010/main" val="2140407893"/>
+      </p:ext>
+    </p:extLst>
+  </p:cSld>
+  <p:clrMapOvr>
+    <a:masterClrMapping/>
+  </p:clrMapOvr>
+</p:sld>
+</file>
+
+<file path=ppt/slides/slide20.xml><?xml version="1.0" encoding="utf-8"?>
+<p:sld xmlns:a="http://schemas.openxmlformats.org/drawingml/2006/main" xmlns:r="http://schemas.openxmlformats.org/officeDocument/2006/relationships" xmlns:p="http://schemas.openxmlformats.org/presentationml/2006/main">
+  <p:cSld>
+    <p:spTree>
+      <p:nvGrpSpPr>
+        <p:cNvPr id="1" name=""/>
+        <p:cNvGrpSpPr/>
+        <p:nvPr/>
+      </p:nvGrpSpPr>
+      <p:grpSpPr>
+        <a:xfrm>
+          <a:off x="0" y="0"/>
+          <a:ext cx="0" cy="0"/>
+          <a:chOff x="0" y="0"/>
+          <a:chExt cx="0" cy="0"/>
+        </a:xfrm>
+      </p:grpSpPr>
+      <p:sp>
+        <p:nvSpPr>
+          <p:cNvPr id="2" name="Title 1">
+            <a:extLst>
+              <a:ext uri="{FF2B5EF4-FFF2-40B4-BE49-F238E27FC236}">
+                <a16:creationId xmlns:a16="http://schemas.microsoft.com/office/drawing/2014/main" id="{E9764EEB-23E1-1149-8DA2-7C33C0261F3A}"/>
+              </a:ext>
+            </a:extLst>
+          </p:cNvPr>
+          <p:cNvSpPr>
+            <a:spLocks noGrp="1"/>
+          </p:cNvSpPr>
+          <p:nvPr>
+            <p:ph type="title"/>
+          </p:nvPr>
+        </p:nvSpPr>
+        <p:spPr>
+          <a:xfrm>
+            <a:off x="8572500" y="992604"/>
+            <a:ext cx="2451100" cy="4100096"/>
+          </a:xfrm>
+        </p:spPr>
+        <p:txBody>
+          <a:bodyPr>
+            <a:noAutofit/>
+          </a:bodyPr>
+          <a:lstStyle/>
+          <a:p>
+            <a:pPr>
+              <a:spcAft>
+                <a:spcPts val="1800"/>
+              </a:spcAft>
+            </a:pPr>
+            <a:r>
+              <a:rPr lang="en-US" sz="4000" cap="none" dirty="0">
+                <a:effectLst>
+                  <a:outerShdw blurRad="63500" dist="50800" dir="2700000" algn="tl" rotWithShape="0">
+                    <a:srgbClr val="4C1960">
+                      <a:alpha val="65000"/>
+                    </a:srgbClr>
+                  </a:outerShdw>
+                </a:effectLst>
+              </a:rPr>
+              <a:t>Spending on Mental Health in US states, </a:t>
+            </a:r>
+            <a:br>
+              <a:rPr lang="en-US" sz="4000" cap="none" dirty="0">
+                <a:effectLst>
+                  <a:outerShdw blurRad="63500" dist="50800" dir="2700000" algn="tl" rotWithShape="0">
+                    <a:srgbClr val="4C1960">
+                      <a:alpha val="65000"/>
+                    </a:srgbClr>
+                  </a:outerShdw>
+                </a:effectLst>
+              </a:rPr>
+            </a:br>
+            <a:r>
+              <a:rPr lang="en-US" sz="4000" cap="none" dirty="0">
+                <a:effectLst>
+                  <a:outerShdw blurRad="63500" dist="50800" dir="2700000" algn="tl" rotWithShape="0">
+                    <a:srgbClr val="4C1960">
+                      <a:alpha val="65000"/>
+                    </a:srgbClr>
+                  </a:outerShdw>
+                </a:effectLst>
+              </a:rPr>
+              <a:t>2004-2013</a:t>
+            </a:r>
+          </a:p>
+        </p:txBody>
+      </p:sp>
+      <p:pic>
+        <p:nvPicPr>
+          <p:cNvPr id="7" name="Picture 6">
+            <a:extLst>
+              <a:ext uri="{FF2B5EF4-FFF2-40B4-BE49-F238E27FC236}">
+                <a16:creationId xmlns:a16="http://schemas.microsoft.com/office/drawing/2014/main" id="{A5801730-EBE5-1E40-9C27-E2E940087AB7}"/>
+              </a:ext>
+            </a:extLst>
+          </p:cNvPr>
+          <p:cNvPicPr>
+            <a:picLocks noChangeAspect="1"/>
+          </p:cNvPicPr>
+          <p:nvPr/>
+        </p:nvPicPr>
+        <p:blipFill rotWithShape="1">
+          <a:blip r:embed="rId2"/>
+          <a:srcRect l="4074" t="5740" r="3333" b="5556"/>
+          <a:stretch/>
+        </p:blipFill>
+        <p:spPr>
+          <a:xfrm>
+            <a:off x="1346200" y="182549"/>
+            <a:ext cx="6756400" cy="6472632"/>
+          </a:xfrm>
+          <a:prstGeom prst="rect">
+            <a:avLst/>
+          </a:prstGeom>
+        </p:spPr>
+      </p:pic>
+    </p:spTree>
+    <p:extLst>
+      <p:ext uri="{BB962C8B-B14F-4D97-AF65-F5344CB8AC3E}">
+        <p14:creationId xmlns:p14="http://schemas.microsoft.com/office/powerpoint/2010/main" val="1532516283"/>
+      </p:ext>
+    </p:extLst>
+  </p:cSld>
+  <p:clrMapOvr>
+    <a:masterClrMapping/>
+  </p:clrMapOvr>
+</p:sld>
+</file>
+
+<file path=ppt/slides/slide21.xml><?xml version="1.0" encoding="utf-8"?>
+<p:sld xmlns:a="http://schemas.openxmlformats.org/drawingml/2006/main" xmlns:r="http://schemas.openxmlformats.org/officeDocument/2006/relationships" xmlns:p="http://schemas.openxmlformats.org/presentationml/2006/main">
+  <p:cSld>
+    <p:spTree>
+      <p:nvGrpSpPr>
+        <p:cNvPr id="1" name=""/>
+        <p:cNvGrpSpPr/>
+        <p:nvPr/>
+      </p:nvGrpSpPr>
+      <p:grpSpPr>
+        <a:xfrm>
+          <a:off x="0" y="0"/>
+          <a:ext cx="0" cy="0"/>
+          <a:chOff x="0" y="0"/>
+          <a:chExt cx="0" cy="0"/>
+        </a:xfrm>
+      </p:grpSpPr>
+      <p:sp>
+        <p:nvSpPr>
+          <p:cNvPr id="2" name="Title 1">
+            <a:extLst>
+              <a:ext uri="{FF2B5EF4-FFF2-40B4-BE49-F238E27FC236}">
+                <a16:creationId xmlns:a16="http://schemas.microsoft.com/office/drawing/2014/main" id="{E9764EEB-23E1-1149-8DA2-7C33C0261F3A}"/>
+              </a:ext>
+            </a:extLst>
+          </p:cNvPr>
+          <p:cNvSpPr>
+            <a:spLocks noGrp="1"/>
+          </p:cNvSpPr>
+          <p:nvPr>
+            <p:ph type="title"/>
+          </p:nvPr>
+        </p:nvSpPr>
+        <p:spPr>
+          <a:xfrm>
+            <a:off x="1143001" y="385008"/>
+            <a:ext cx="9905998" cy="1659461"/>
+          </a:xfrm>
+        </p:spPr>
+        <p:txBody>
+          <a:bodyPr>
+            <a:noAutofit/>
+          </a:bodyPr>
+          <a:lstStyle/>
+          <a:p>
+            <a:pPr>
+              <a:spcAft>
+                <a:spcPts val="1800"/>
+              </a:spcAft>
+            </a:pPr>
+            <a:r>
+              <a:rPr lang="en-US" sz="4000" cap="none" dirty="0">
+                <a:effectLst>
+                  <a:outerShdw blurRad="63500" dist="50800" dir="2700000" algn="tl" rotWithShape="0">
+                    <a:srgbClr val="4C1960">
+                      <a:alpha val="65000"/>
+                    </a:srgbClr>
+                  </a:outerShdw>
+                </a:effectLst>
+              </a:rPr>
+              <a:t>Spending on Mental Health in US states, </a:t>
+            </a:r>
+            <a:br>
+              <a:rPr lang="en-US" sz="4000" cap="none" dirty="0">
+                <a:effectLst>
+                  <a:outerShdw blurRad="63500" dist="50800" dir="2700000" algn="tl" rotWithShape="0">
+                    <a:srgbClr val="4C1960">
+                      <a:alpha val="65000"/>
+                    </a:srgbClr>
+                  </a:outerShdw>
+                </a:effectLst>
+              </a:rPr>
+            </a:br>
+            <a:r>
+              <a:rPr lang="en-US" sz="4000" cap="none" dirty="0">
+                <a:effectLst>
+                  <a:outerShdw blurRad="63500" dist="50800" dir="2700000" algn="tl" rotWithShape="0">
+                    <a:srgbClr val="4C1960">
+                      <a:alpha val="65000"/>
+                    </a:srgbClr>
+                  </a:outerShdw>
+                </a:effectLst>
+              </a:rPr>
+              <a:t>2004-2013</a:t>
+            </a:r>
+          </a:p>
+        </p:txBody>
+      </p:sp>
+      <p:sp>
+        <p:nvSpPr>
+          <p:cNvPr id="3" name="Title 1">
+            <a:extLst>
+              <a:ext uri="{FF2B5EF4-FFF2-40B4-BE49-F238E27FC236}">
+                <a16:creationId xmlns:a16="http://schemas.microsoft.com/office/drawing/2014/main" id="{0F16C06A-AB36-7C45-B032-B30371572B30}"/>
+              </a:ext>
+            </a:extLst>
+          </p:cNvPr>
+          <p:cNvSpPr txBox="1">
+            <a:spLocks/>
+          </p:cNvSpPr>
+          <p:nvPr/>
+        </p:nvSpPr>
+        <p:spPr>
+          <a:xfrm>
+            <a:off x="1143001" y="2421687"/>
+            <a:ext cx="9905998" cy="3793959"/>
+          </a:xfrm>
+          <a:prstGeom prst="rect">
+            <a:avLst/>
+          </a:prstGeom>
+        </p:spPr>
+        <p:txBody>
+          <a:bodyPr vert="horz" lIns="91440" tIns="45720" rIns="91440" bIns="45720" rtlCol="0" anchor="ctr">
+            <a:normAutofit lnSpcReduction="10000"/>
+          </a:bodyPr>
+          <a:lstStyle>
+            <a:lvl1pPr algn="l" defTabSz="914400" rtl="0" eaLnBrk="1" latinLnBrk="0" hangingPunct="1">
+              <a:lnSpc>
+                <a:spcPct val="90000"/>
+              </a:lnSpc>
+              <a:spcBef>
+                <a:spcPct val="0"/>
+              </a:spcBef>
+              <a:buNone/>
+              <a:defRPr sz="3600" kern="1200" cap="all" baseline="0">
+                <a:solidFill>
+                  <a:schemeClr val="tx1"/>
+                </a:solidFill>
+                <a:latin typeface="+mj-lt"/>
+                <a:ea typeface="+mj-ea"/>
+                <a:cs typeface="+mj-cs"/>
+              </a:defRPr>
+            </a:lvl1pPr>
+          </a:lstStyle>
+          <a:p>
+            <a:pPr marL="571500" indent="-571500">
+              <a:spcAft>
+                <a:spcPts val="1800"/>
+              </a:spcAft>
+              <a:buFont typeface="Arial" panose="020B0604020202020204" pitchFamily="34" charset="0"/>
+              <a:buChar char="•"/>
+            </a:pPr>
+            <a:r>
               <a:rPr lang="en-US" cap="none" dirty="0">
                 <a:effectLst>
-                  <a:outerShdw blurRad="50800" dist="88900" dir="2700000" algn="tl" rotWithShape="0">
-                    <a:srgbClr val="4C1960">
-                      <a:alpha val="40000"/>
-                    </a:srgbClr>
-                  </a:outerShdw>
-                </a:effectLst>
-              </a:rPr>
-            </a:br>
+                  <a:outerShdw blurRad="63500" dist="50800" dir="2700000" algn="tl" rotWithShape="0">
+                    <a:srgbClr val="4C1960">
+                      <a:alpha val="65000"/>
+                    </a:srgbClr>
+                  </a:outerShdw>
+                </a:effectLst>
+              </a:rPr>
+              <a:t>Low costs in most states, with wide variation SR. Outliers high cost with similar wide variation SF. </a:t>
+            </a:r>
+          </a:p>
+          <a:p>
+            <a:pPr marL="571500" indent="-571500">
+              <a:spcAft>
+                <a:spcPts val="1200"/>
+              </a:spcAft>
+              <a:buFont typeface="Arial" panose="020B0604020202020204" pitchFamily="34" charset="0"/>
+              <a:buChar char="•"/>
+            </a:pPr>
             <a:r>
               <a:rPr lang="en-US" cap="none" dirty="0">
                 <a:effectLst>
-                  <a:outerShdw blurRad="50800" dist="88900" dir="2700000" algn="tl" rotWithShape="0">
-                    <a:srgbClr val="4C1960">
-                      <a:alpha val="40000"/>
-                    </a:srgbClr>
+                  <a:outerShdw blurRad="63500" dist="50800" dir="2700000" algn="tl" rotWithShape="0">
+                    <a:srgbClr val="4C1960">
+                      <a:alpha val="65000"/>
+                    </a:srgbClr>
+                  </a:outerShdw>
+                </a:effectLst>
+              </a:rPr>
+              <a:t>NO association of better result for more spent.   In a scatter plot, Lower Left corner desirable, or linear distribution </a:t>
+            </a:r>
+            <a:r>
+              <a:rPr lang="en-US" cap="none" dirty="0" err="1">
+                <a:effectLst>
+                  <a:outerShdw blurRad="63500" dist="50800" dir="2700000" algn="tl" rotWithShape="0">
+                    <a:srgbClr val="4C1960">
+                      <a:alpha val="65000"/>
+                    </a:srgbClr>
+                  </a:outerShdw>
+                </a:effectLst>
+              </a:rPr>
+              <a:t>UpperLeft</a:t>
+            </a:r>
+            <a:r>
+              <a:rPr lang="en-US" cap="none" dirty="0">
+                <a:effectLst>
+                  <a:outerShdw blurRad="63500" dist="50800" dir="2700000" algn="tl" rotWithShape="0">
+                    <a:srgbClr val="4C1960">
+                      <a:alpha val="65000"/>
+                    </a:srgbClr>
+                  </a:outerShdw>
+                </a:effectLst>
+              </a:rPr>
+              <a:t> to </a:t>
+            </a:r>
+            <a:r>
+              <a:rPr lang="en-US" cap="none" dirty="0" err="1">
+                <a:effectLst>
+                  <a:outerShdw blurRad="63500" dist="50800" dir="2700000" algn="tl" rotWithShape="0">
+                    <a:srgbClr val="4C1960">
+                      <a:alpha val="65000"/>
+                    </a:srgbClr>
+                  </a:outerShdw>
+                </a:effectLst>
+              </a:rPr>
+              <a:t>LowerRight</a:t>
+            </a:r>
+            <a:r>
+              <a:rPr lang="en-US" cap="none" dirty="0">
+                <a:effectLst>
+                  <a:outerShdw blurRad="63500" dist="50800" dir="2700000" algn="tl" rotWithShape="0">
+                    <a:srgbClr val="4C1960">
+                      <a:alpha val="65000"/>
+                    </a:srgbClr>
+                  </a:outerShdw>
+                </a:effectLst>
+              </a:rPr>
+              <a:t>. </a:t>
+            </a:r>
+          </a:p>
+          <a:p>
+            <a:pPr marL="571500" indent="-571500">
+              <a:spcAft>
+                <a:spcPts val="1200"/>
+              </a:spcAft>
+              <a:buFont typeface="Arial" panose="020B0604020202020204" pitchFamily="34" charset="0"/>
+              <a:buChar char="•"/>
+            </a:pPr>
+            <a:r>
+              <a:rPr lang="en-US" cap="none" dirty="0">
+                <a:effectLst>
+                  <a:outerShdw blurRad="63500" dist="50800" dir="2700000" algn="tl" rotWithShape="0">
+                    <a:srgbClr val="4C1960">
+                      <a:alpha val="65000"/>
+                    </a:srgbClr>
+                  </a:outerShdw>
+                </a:effectLst>
+              </a:rPr>
+              <a:t>Range $25mil and $400mil overall;            Suicide rates 40-90/100,000 population</a:t>
+            </a:r>
+          </a:p>
+        </p:txBody>
+      </p:sp>
+    </p:spTree>
+    <p:extLst>
+      <p:ext uri="{BB962C8B-B14F-4D97-AF65-F5344CB8AC3E}">
+        <p14:creationId xmlns:p14="http://schemas.microsoft.com/office/powerpoint/2010/main" val="1985503516"/>
+      </p:ext>
+    </p:extLst>
+  </p:cSld>
+  <p:clrMapOvr>
+    <a:masterClrMapping/>
+  </p:clrMapOvr>
+</p:sld>
+</file>
+
+<file path=ppt/slides/slide22.xml><?xml version="1.0" encoding="utf-8"?>
+<p:sld xmlns:a="http://schemas.openxmlformats.org/drawingml/2006/main" xmlns:r="http://schemas.openxmlformats.org/officeDocument/2006/relationships" xmlns:p="http://schemas.openxmlformats.org/presentationml/2006/main">
+  <p:cSld>
+    <p:spTree>
+      <p:nvGrpSpPr>
+        <p:cNvPr id="1" name=""/>
+        <p:cNvGrpSpPr/>
+        <p:nvPr/>
+      </p:nvGrpSpPr>
+      <p:grpSpPr>
+        <a:xfrm>
+          <a:off x="0" y="0"/>
+          <a:ext cx="0" cy="0"/>
+          <a:chOff x="0" y="0"/>
+          <a:chExt cx="0" cy="0"/>
+        </a:xfrm>
+      </p:grpSpPr>
+      <p:sp>
+        <p:nvSpPr>
+          <p:cNvPr id="2" name="Title 1">
+            <a:extLst>
+              <a:ext uri="{FF2B5EF4-FFF2-40B4-BE49-F238E27FC236}">
+                <a16:creationId xmlns:a16="http://schemas.microsoft.com/office/drawing/2014/main" id="{E9764EEB-23E1-1149-8DA2-7C33C0261F3A}"/>
+              </a:ext>
+            </a:extLst>
+          </p:cNvPr>
+          <p:cNvSpPr>
+            <a:spLocks noGrp="1"/>
+          </p:cNvSpPr>
+          <p:nvPr>
+            <p:ph type="title"/>
+          </p:nvPr>
+        </p:nvSpPr>
+        <p:spPr>
+          <a:xfrm>
+            <a:off x="1143001" y="0"/>
+            <a:ext cx="9905998" cy="1659461"/>
+          </a:xfrm>
+        </p:spPr>
+        <p:txBody>
+          <a:bodyPr>
+            <a:normAutofit/>
+          </a:bodyPr>
+          <a:lstStyle/>
+          <a:p>
+            <a:pPr>
+              <a:spcAft>
+                <a:spcPts val="1800"/>
+              </a:spcAft>
+            </a:pPr>
+            <a:r>
+              <a:rPr lang="en-US" sz="4000" cap="none" dirty="0">
+                <a:effectLst>
+                  <a:outerShdw blurRad="63500" dist="50800" dir="2700000" algn="tl" rotWithShape="0">
+                    <a:prstClr val="black">
+                      <a:alpha val="65000"/>
+                    </a:prstClr>
                   </a:outerShdw>
                 </a:effectLst>
               </a:rPr>
               <a:t>Density MAP of facilities, </a:t>
             </a:r>
             <a:r>
-              <a:rPr lang="en-US" cap="none" dirty="0" err="1">
-                <a:effectLst>
-                  <a:outerShdw blurRad="50800" dist="88900" dir="2700000" algn="tl" rotWithShape="0">
-                    <a:srgbClr val="4C1960">
-                      <a:alpha val="40000"/>
-                    </a:srgbClr>
+              <a:rPr lang="en-US" sz="4000" cap="none" dirty="0" err="1">
+                <a:effectLst>
+                  <a:outerShdw blurRad="63500" dist="50800" dir="2700000" algn="tl" rotWithShape="0">
+                    <a:prstClr val="black">
+                      <a:alpha val="65000"/>
+                    </a:prstClr>
                   </a:outerShdw>
                 </a:effectLst>
               </a:rPr>
               <a:t>LatLong</a:t>
             </a:r>
             <a:r>
-              <a:rPr lang="en-US" cap="none" dirty="0">
-                <a:effectLst>
-                  <a:outerShdw blurRad="50800" dist="88900" dir="2700000" algn="tl" rotWithShape="0">
-                    <a:srgbClr val="4C1960">
-                      <a:alpha val="40000"/>
-                    </a:srgbClr>
+              <a:rPr lang="en-US" sz="4000" cap="none" dirty="0">
+                <a:effectLst>
+                  <a:outerShdw blurRad="63500" dist="50800" dir="2700000" algn="tl" rotWithShape="0">
+                    <a:prstClr val="black">
+                      <a:alpha val="65000"/>
+                    </a:prstClr>
                   </a:outerShdw>
                 </a:effectLst>
               </a:rPr>
               <a:t> (9800 </a:t>
             </a:r>
             <a:r>
-              <a:rPr lang="en-US" cap="none" dirty="0" err="1">
-                <a:effectLst>
-                  <a:outerShdw blurRad="50800" dist="88900" dir="2700000" algn="tl" rotWithShape="0">
-                    <a:srgbClr val="4C1960">
-                      <a:alpha val="40000"/>
-                    </a:srgbClr>
+              <a:rPr lang="en-US" sz="4000" cap="none" dirty="0" err="1">
+                <a:effectLst>
+                  <a:outerShdw blurRad="63500" dist="50800" dir="2700000" algn="tl" rotWithShape="0">
+                    <a:prstClr val="black">
+                      <a:alpha val="65000"/>
+                    </a:prstClr>
                   </a:outerShdw>
                 </a:effectLst>
               </a:rPr>
               <a:t>fac.s</a:t>
             </a:r>
             <a:r>
-              <a:rPr lang="en-US" cap="none" dirty="0">
-                <a:effectLst>
-                  <a:outerShdw blurRad="50800" dist="88900" dir="2700000" algn="tl" rotWithShape="0">
-                    <a:srgbClr val="4C1960">
-                      <a:alpha val="40000"/>
+              <a:rPr lang="en-US" sz="4000" cap="none" dirty="0">
+                <a:effectLst>
+                  <a:outerShdw blurRad="63500" dist="50800" dir="2700000" algn="tl" rotWithShape="0">
+                    <a:prstClr val="black">
+                      <a:alpha val="65000"/>
+                    </a:prstClr>
+                  </a:outerShdw>
+                </a:effectLst>
+              </a:rPr>
+              <a:t>)</a:t>
+            </a:r>
+          </a:p>
+        </p:txBody>
+      </p:sp>
+      <p:pic>
+        <p:nvPicPr>
+          <p:cNvPr id="10" name="Picture 9">
+            <a:extLst>
+              <a:ext uri="{FF2B5EF4-FFF2-40B4-BE49-F238E27FC236}">
+                <a16:creationId xmlns:a16="http://schemas.microsoft.com/office/drawing/2014/main" id="{5A6BB352-73F6-D345-8736-D18F60182523}"/>
+              </a:ext>
+            </a:extLst>
+          </p:cNvPr>
+          <p:cNvPicPr>
+            <a:picLocks noChangeAspect="1"/>
+          </p:cNvPicPr>
+          <p:nvPr/>
+        </p:nvPicPr>
+        <p:blipFill rotWithShape="1">
+          <a:blip r:embed="rId2"/>
+          <a:srcRect l="22868" t="30925" r="19043" b="35740"/>
+          <a:stretch/>
+        </p:blipFill>
+        <p:spPr>
+          <a:xfrm>
+            <a:off x="1079500" y="1291161"/>
+            <a:ext cx="9652000" cy="5446270"/>
+          </a:xfrm>
+          <a:prstGeom prst="rect">
+            <a:avLst/>
+          </a:prstGeom>
+        </p:spPr>
+      </p:pic>
+    </p:spTree>
+    <p:extLst>
+      <p:ext uri="{BB962C8B-B14F-4D97-AF65-F5344CB8AC3E}">
+        <p14:creationId xmlns:p14="http://schemas.microsoft.com/office/powerpoint/2010/main" val="4219788512"/>
+      </p:ext>
+    </p:extLst>
+  </p:cSld>
+  <p:clrMapOvr>
+    <a:masterClrMapping/>
+  </p:clrMapOvr>
+</p:sld>
+</file>
+
+<file path=ppt/slides/slide23.xml><?xml version="1.0" encoding="utf-8"?>
+<p:sld xmlns:a="http://schemas.openxmlformats.org/drawingml/2006/main" xmlns:r="http://schemas.openxmlformats.org/officeDocument/2006/relationships" xmlns:p="http://schemas.openxmlformats.org/presentationml/2006/main">
+  <p:cSld>
+    <p:spTree>
+      <p:nvGrpSpPr>
+        <p:cNvPr id="1" name=""/>
+        <p:cNvGrpSpPr/>
+        <p:nvPr/>
+      </p:nvGrpSpPr>
+      <p:grpSpPr>
+        <a:xfrm>
+          <a:off x="0" y="0"/>
+          <a:ext cx="0" cy="0"/>
+          <a:chOff x="0" y="0"/>
+          <a:chExt cx="0" cy="0"/>
+        </a:xfrm>
+      </p:grpSpPr>
+      <p:sp>
+        <p:nvSpPr>
+          <p:cNvPr id="2" name="Title 1">
+            <a:extLst>
+              <a:ext uri="{FF2B5EF4-FFF2-40B4-BE49-F238E27FC236}">
+                <a16:creationId xmlns:a16="http://schemas.microsoft.com/office/drawing/2014/main" id="{E9764EEB-23E1-1149-8DA2-7C33C0261F3A}"/>
+              </a:ext>
+            </a:extLst>
+          </p:cNvPr>
+          <p:cNvSpPr>
+            <a:spLocks noGrp="1"/>
+          </p:cNvSpPr>
+          <p:nvPr>
+            <p:ph type="title"/>
+          </p:nvPr>
+        </p:nvSpPr>
+        <p:spPr>
+          <a:xfrm>
+            <a:off x="1143001" y="0"/>
+            <a:ext cx="9905998" cy="1659461"/>
+          </a:xfrm>
+        </p:spPr>
+        <p:txBody>
+          <a:bodyPr>
+            <a:normAutofit/>
+          </a:bodyPr>
+          <a:lstStyle/>
+          <a:p>
+            <a:pPr>
+              <a:spcAft>
+                <a:spcPts val="1800"/>
+              </a:spcAft>
+            </a:pPr>
+            <a:r>
+              <a:rPr lang="en-US" sz="4000" cap="none" dirty="0">
+                <a:effectLst>
+                  <a:outerShdw blurRad="63500" dist="50800" dir="2700000" algn="tl" rotWithShape="0">
+                    <a:srgbClr val="4C1960">
+                      <a:alpha val="65000"/>
+                    </a:srgbClr>
+                  </a:outerShdw>
+                </a:effectLst>
+              </a:rPr>
+              <a:t>Density MAP of facilities, </a:t>
+            </a:r>
+            <a:r>
+              <a:rPr lang="en-US" sz="4000" cap="none" dirty="0" err="1">
+                <a:effectLst>
+                  <a:outerShdw blurRad="63500" dist="50800" dir="2700000" algn="tl" rotWithShape="0">
+                    <a:srgbClr val="4C1960">
+                      <a:alpha val="65000"/>
+                    </a:srgbClr>
+                  </a:outerShdw>
+                </a:effectLst>
+              </a:rPr>
+              <a:t>LatLong</a:t>
+            </a:r>
+            <a:r>
+              <a:rPr lang="en-US" sz="4000" cap="none" dirty="0">
+                <a:effectLst>
+                  <a:outerShdw blurRad="63500" dist="50800" dir="2700000" algn="tl" rotWithShape="0">
+                    <a:srgbClr val="4C1960">
+                      <a:alpha val="65000"/>
+                    </a:srgbClr>
+                  </a:outerShdw>
+                </a:effectLst>
+              </a:rPr>
+              <a:t> (9800 </a:t>
+            </a:r>
+            <a:r>
+              <a:rPr lang="en-US" sz="4000" cap="none" dirty="0" err="1">
+                <a:effectLst>
+                  <a:outerShdw blurRad="63500" dist="50800" dir="2700000" algn="tl" rotWithShape="0">
+                    <a:srgbClr val="4C1960">
+                      <a:alpha val="65000"/>
+                    </a:srgbClr>
+                  </a:outerShdw>
+                </a:effectLst>
+              </a:rPr>
+              <a:t>fac.s</a:t>
+            </a:r>
+            <a:r>
+              <a:rPr lang="en-US" sz="4000" cap="none" dirty="0">
+                <a:effectLst>
+                  <a:outerShdw blurRad="63500" dist="50800" dir="2700000" algn="tl" rotWithShape="0">
+                    <a:srgbClr val="4C1960">
+                      <a:alpha val="65000"/>
                     </a:srgbClr>
                   </a:outerShdw>
                 </a:effectLst>
@@ -15077,9 +15547,9 @@
             <a:r>
               <a:rPr lang="en-US" cap="none" dirty="0">
                 <a:effectLst>
-                  <a:outerShdw blurRad="50800" dist="88900" dir="2700000" algn="tl" rotWithShape="0">
-                    <a:srgbClr val="4C1960">
-                      <a:alpha val="40000"/>
+                  <a:outerShdw blurRad="63500" dist="50800" dir="2700000" algn="tl" rotWithShape="0">
+                    <a:srgbClr val="4C1960">
+                      <a:alpha val="65000"/>
                     </a:srgbClr>
                   </a:outerShdw>
                 </a:effectLst>
@@ -15095,9 +15565,9 @@
             <a:r>
               <a:rPr lang="en-US" cap="none" dirty="0">
                 <a:effectLst>
-                  <a:outerShdw blurRad="50800" dist="88900" dir="2700000" algn="tl" rotWithShape="0">
-                    <a:srgbClr val="4C1960">
-                      <a:alpha val="40000"/>
+                  <a:outerShdw blurRad="63500" dist="50800" dir="2700000" algn="tl" rotWithShape="0">
+                    <a:srgbClr val="4C1960">
+                      <a:alpha val="65000"/>
                     </a:srgbClr>
                   </a:outerShdw>
                 </a:effectLst>
@@ -15113,9 +15583,9 @@
             <a:r>
               <a:rPr lang="en-US" cap="none" dirty="0">
                 <a:effectLst>
-                  <a:outerShdw blurRad="50800" dist="88900" dir="2700000" algn="tl" rotWithShape="0">
-                    <a:srgbClr val="4C1960">
-                      <a:alpha val="40000"/>
+                  <a:outerShdw blurRad="63500" dist="50800" dir="2700000" algn="tl" rotWithShape="0">
+                    <a:srgbClr val="4C1960">
+                      <a:alpha val="65000"/>
                     </a:srgbClr>
                   </a:outerShdw>
                 </a:effectLst>
@@ -15130,9 +15600,9 @@
             </a:pPr>
             <a:endParaRPr lang="en-US" cap="none" dirty="0">
               <a:effectLst>
-                <a:outerShdw blurRad="50800" dist="88900" dir="2700000" algn="tl" rotWithShape="0">
+                <a:outerShdw blurRad="63500" dist="50800" dir="2700000" algn="tl" rotWithShape="0">
                   <a:srgbClr val="4C1960">
-                    <a:alpha val="40000"/>
+                    <a:alpha val="65000"/>
                   </a:srgbClr>
                 </a:outerShdw>
               </a:effectLst>
@@ -15146,9 +15616,9 @@
             <a:r>
               <a:rPr lang="en-US" cap="none" dirty="0">
                 <a:effectLst>
-                  <a:outerShdw blurRad="50800" dist="88900" dir="2700000" algn="tl" rotWithShape="0">
-                    <a:srgbClr val="4C1960">
-                      <a:alpha val="40000"/>
+                  <a:outerShdw blurRad="63500" dist="50800" dir="2700000" algn="tl" rotWithShape="0">
+                    <a:srgbClr val="4C1960">
+                      <a:alpha val="65000"/>
                     </a:srgbClr>
                   </a:outerShdw>
                 </a:effectLst>
@@ -15163,9 +15633,9 @@
             </a:pPr>
             <a:endParaRPr lang="en-US" cap="none" dirty="0">
               <a:effectLst>
-                <a:outerShdw blurRad="50800" dist="88900" dir="2700000" algn="tl" rotWithShape="0">
+                <a:outerShdw blurRad="63500" dist="50800" dir="2700000" algn="tl" rotWithShape="0">
                   <a:srgbClr val="4C1960">
-                    <a:alpha val="40000"/>
+                    <a:alpha val="65000"/>
                   </a:srgbClr>
                 </a:outerShdw>
               </a:effectLst>
@@ -15186,181 +15656,7 @@
 </p:sld>
 </file>
 
-<file path=ppt/slides/slide2.xml><?xml version="1.0" encoding="utf-8"?>
-<p:sld xmlns:a="http://schemas.openxmlformats.org/drawingml/2006/main" xmlns:r="http://schemas.openxmlformats.org/officeDocument/2006/relationships" xmlns:p="http://schemas.openxmlformats.org/presentationml/2006/main">
-  <p:cSld>
-    <p:spTree>
-      <p:nvGrpSpPr>
-        <p:cNvPr id="1" name=""/>
-        <p:cNvGrpSpPr/>
-        <p:nvPr/>
-      </p:nvGrpSpPr>
-      <p:grpSpPr>
-        <a:xfrm>
-          <a:off x="0" y="0"/>
-          <a:ext cx="0" cy="0"/>
-          <a:chOff x="0" y="0"/>
-          <a:chExt cx="0" cy="0"/>
-        </a:xfrm>
-      </p:grpSpPr>
-      <p:sp>
-        <p:nvSpPr>
-          <p:cNvPr id="2" name="Title 1">
-            <a:extLst>
-              <a:ext uri="{FF2B5EF4-FFF2-40B4-BE49-F238E27FC236}">
-                <a16:creationId xmlns:a16="http://schemas.microsoft.com/office/drawing/2014/main" id="{473BC2F7-7CCF-8343-9F10-18D07017B60F}"/>
-              </a:ext>
-            </a:extLst>
-          </p:cNvPr>
-          <p:cNvSpPr>
-            <a:spLocks noGrp="1"/>
-          </p:cNvSpPr>
-          <p:nvPr>
-            <p:ph type="title"/>
-          </p:nvPr>
-        </p:nvSpPr>
-        <p:spPr>
-          <a:xfrm>
-            <a:off x="1141456" y="609599"/>
-            <a:ext cx="9905955" cy="5358064"/>
-          </a:xfrm>
-        </p:spPr>
-        <p:txBody>
-          <a:bodyPr>
-            <a:normAutofit/>
-          </a:bodyPr>
-          <a:lstStyle/>
-          <a:p>
-            <a:pPr fontAlgn="base"/>
-            <a:r>
-              <a:rPr lang="en-US" cap="none" dirty="0"/>
-              <a:t>     </a:t>
-            </a:r>
-            <a:r>
-              <a:rPr lang="en-US" u="sng" cap="none" dirty="0"/>
-              <a:t>Compiled from 4 data sources –</a:t>
-            </a:r>
-            <a:br>
-              <a:rPr lang="en-US" cap="none" dirty="0"/>
-            </a:br>
-            <a:r>
-              <a:rPr lang="en-US" cap="none" dirty="0"/>
-              <a:t>United Nations Development Program:</a:t>
-            </a:r>
-            <a:br>
-              <a:rPr lang="en-US" cap="none" dirty="0"/>
-            </a:br>
-            <a:r>
-              <a:rPr lang="en-US" cap="none" dirty="0"/>
-              <a:t>     Human development index (HDI). </a:t>
-            </a:r>
-            <a:br>
-              <a:rPr lang="en-US" cap="none" dirty="0"/>
-            </a:br>
-            <a:r>
-              <a:rPr lang="en-US" cap="none" dirty="0"/>
-              <a:t>World Bank:</a:t>
-            </a:r>
-            <a:br>
-              <a:rPr lang="en-US" cap="none" dirty="0"/>
-            </a:br>
-            <a:r>
-              <a:rPr lang="en-US" cap="none" dirty="0"/>
-              <a:t>     World development indicators: </a:t>
-            </a:r>
-            <a:br>
-              <a:rPr lang="en-US" cap="none" dirty="0"/>
-            </a:br>
-            <a:r>
-              <a:rPr lang="en-US" cap="none" dirty="0"/>
-              <a:t>     GDP (current US$) by country:1985 to 2016. </a:t>
-            </a:r>
-            <a:br>
-              <a:rPr lang="en-US" cap="none" dirty="0"/>
-            </a:br>
-            <a:r>
-              <a:rPr lang="en-US" cap="none" dirty="0"/>
-              <a:t>World Health Organization: </a:t>
-            </a:r>
-            <a:br>
-              <a:rPr lang="en-US" cap="none" dirty="0"/>
-            </a:br>
-            <a:r>
-              <a:rPr lang="en-US" cap="none" dirty="0"/>
-              <a:t>     Suicide prevention. </a:t>
-            </a:r>
-            <a:br>
-              <a:rPr lang="en-US" cap="none" dirty="0"/>
-            </a:br>
-            <a:r>
-              <a:rPr lang="en-US" cap="none" dirty="0"/>
-              <a:t>     Suicide in the twenty-first century [dataset]. </a:t>
-            </a:r>
-            <a:br>
-              <a:rPr lang="en-US" cap="none" dirty="0"/>
-            </a:br>
-            <a:r>
-              <a:rPr lang="en-US" cap="none" dirty="0"/>
-              <a:t>compilation data file accessed at </a:t>
-            </a:r>
-            <a:r>
-              <a:rPr lang="en-US" cap="none" dirty="0" err="1"/>
-              <a:t>Kaggle.Com</a:t>
-            </a:r>
-            <a:endParaRPr lang="en-US" cap="none" dirty="0"/>
-          </a:p>
-        </p:txBody>
-      </p:sp>
-      <p:sp>
-        <p:nvSpPr>
-          <p:cNvPr id="3" name="Text Placeholder 2">
-            <a:extLst>
-              <a:ext uri="{FF2B5EF4-FFF2-40B4-BE49-F238E27FC236}">
-                <a16:creationId xmlns:a16="http://schemas.microsoft.com/office/drawing/2014/main" id="{9E3AC7DD-9BF1-5B48-803F-627CBC439677}"/>
-              </a:ext>
-            </a:extLst>
-          </p:cNvPr>
-          <p:cNvSpPr>
-            <a:spLocks noGrp="1"/>
-          </p:cNvSpPr>
-          <p:nvPr>
-            <p:ph type="body" sz="half" idx="2"/>
-          </p:nvPr>
-        </p:nvSpPr>
-        <p:spPr>
-          <a:xfrm>
-            <a:off x="8987541" y="5727033"/>
-            <a:ext cx="3332795" cy="762000"/>
-          </a:xfrm>
-        </p:spPr>
-        <p:txBody>
-          <a:bodyPr>
-            <a:normAutofit/>
-          </a:bodyPr>
-          <a:lstStyle/>
-          <a:p>
-            <a:r>
-              <a:rPr lang="en-US" sz="3200" dirty="0" err="1"/>
-              <a:t>Master.csv</a:t>
-            </a:r>
-            <a:endParaRPr lang="en-US" sz="3200" dirty="0"/>
-          </a:p>
-        </p:txBody>
-      </p:sp>
-    </p:spTree>
-    <p:extLst>
-      <p:ext uri="{BB962C8B-B14F-4D97-AF65-F5344CB8AC3E}">
-        <p14:creationId xmlns:p14="http://schemas.microsoft.com/office/powerpoint/2010/main" val="3917661175"/>
-      </p:ext>
-    </p:extLst>
-  </p:cSld>
-  <p:clrMapOvr>
-    <a:masterClrMapping/>
-  </p:clrMapOvr>
-</p:sld>
-</file>
-
-<file path=ppt/slides/slide20.xml><?xml version="1.0" encoding="utf-8"?>
+<file path=ppt/slides/slide24.xml><?xml version="1.0" encoding="utf-8"?>
 <p:sld xmlns:a="http://schemas.openxmlformats.org/drawingml/2006/main" xmlns:r="http://schemas.openxmlformats.org/officeDocument/2006/relationships" xmlns:p="http://schemas.openxmlformats.org/presentationml/2006/main">
   <p:cSld>
     <p:spTree>
@@ -15395,52 +15691,37 @@
         </p:nvSpPr>
         <p:spPr>
           <a:xfrm>
-            <a:off x="1141456" y="609600"/>
-            <a:ext cx="9905955" cy="1371599"/>
+            <a:off x="1776457" y="939801"/>
+            <a:ext cx="8218443" cy="1295400"/>
           </a:xfrm>
         </p:spPr>
         <p:txBody>
-          <a:bodyPr/>
+          <a:bodyPr>
+            <a:normAutofit/>
+          </a:bodyPr>
           <a:lstStyle/>
           <a:p>
-            <a:endParaRPr lang="en-US" dirty="0"/>
-          </a:p>
-        </p:txBody>
-      </p:sp>
-      <p:sp>
-        <p:nvSpPr>
-          <p:cNvPr id="3" name="Text Placeholder 2">
-            <a:extLst>
-              <a:ext uri="{FF2B5EF4-FFF2-40B4-BE49-F238E27FC236}">
-                <a16:creationId xmlns:a16="http://schemas.microsoft.com/office/drawing/2014/main" id="{BC85F4C1-B22A-ED4D-B671-3A41C44A0DFB}"/>
-              </a:ext>
-            </a:extLst>
-          </p:cNvPr>
-          <p:cNvSpPr>
-            <a:spLocks noGrp="1"/>
-          </p:cNvSpPr>
-          <p:nvPr>
-            <p:ph type="body" sz="half" idx="2"/>
-          </p:nvPr>
-        </p:nvSpPr>
-        <p:spPr>
-          <a:xfrm>
-            <a:off x="1141410" y="2117559"/>
-            <a:ext cx="9904459" cy="3673640"/>
-          </a:xfrm>
-        </p:spPr>
-        <p:txBody>
-          <a:bodyPr/>
-          <a:lstStyle/>
-          <a:p>
-            <a:endParaRPr lang="en-US" dirty="0"/>
+            <a:r>
+              <a:rPr lang="en-US" sz="4800" b="1" dirty="0">
+                <a:effectLst>
+                  <a:outerShdw blurRad="50800" dist="63500" dir="2700000" algn="tl" rotWithShape="0">
+                    <a:srgbClr val="4C1960">
+                      <a:alpha val="65000"/>
+                    </a:srgbClr>
+                  </a:outerShdw>
+                </a:effectLst>
+                <a:latin typeface="Klee Medium" panose="02020600000000000000" pitchFamily="18" charset="-128"/>
+                <a:ea typeface="Klee Medium" panose="02020600000000000000" pitchFamily="18" charset="-128"/>
+              </a:rPr>
+              <a:t>Discussion, Questions</a:t>
+            </a:r>
           </a:p>
         </p:txBody>
       </p:sp>
     </p:spTree>
     <p:extLst>
       <p:ext uri="{BB962C8B-B14F-4D97-AF65-F5344CB8AC3E}">
-        <p14:creationId xmlns:p14="http://schemas.microsoft.com/office/powerpoint/2010/main" val="3622896083"/>
+        <p14:creationId xmlns:p14="http://schemas.microsoft.com/office/powerpoint/2010/main" val="1785202443"/>
       </p:ext>
     </p:extLst>
   </p:cSld>
@@ -15450,7 +15731,245 @@
 </p:sld>
 </file>
 
-<file path=ppt/slides/slide3.xml><?xml version="1.0" encoding="utf-8"?>
+<file path=ppt/slides/slide25.xml><?xml version="1.0" encoding="utf-8"?>
+<p:sld xmlns:a="http://schemas.openxmlformats.org/drawingml/2006/main" xmlns:r="http://schemas.openxmlformats.org/officeDocument/2006/relationships" xmlns:p="http://schemas.openxmlformats.org/presentationml/2006/main">
+  <p:cSld>
+    <p:spTree>
+      <p:nvGrpSpPr>
+        <p:cNvPr id="1" name=""/>
+        <p:cNvGrpSpPr/>
+        <p:nvPr/>
+      </p:nvGrpSpPr>
+      <p:grpSpPr>
+        <a:xfrm>
+          <a:off x="0" y="0"/>
+          <a:ext cx="0" cy="0"/>
+          <a:chOff x="0" y="0"/>
+          <a:chExt cx="0" cy="0"/>
+        </a:xfrm>
+      </p:grpSpPr>
+      <p:sp>
+        <p:nvSpPr>
+          <p:cNvPr id="2" name="Title 1">
+            <a:extLst>
+              <a:ext uri="{FF2B5EF4-FFF2-40B4-BE49-F238E27FC236}">
+                <a16:creationId xmlns:a16="http://schemas.microsoft.com/office/drawing/2014/main" id="{E9764EEB-23E1-1149-8DA2-7C33C0261F3A}"/>
+              </a:ext>
+            </a:extLst>
+          </p:cNvPr>
+          <p:cNvSpPr>
+            <a:spLocks noGrp="1"/>
+          </p:cNvSpPr>
+          <p:nvPr>
+            <p:ph type="title"/>
+          </p:nvPr>
+        </p:nvSpPr>
+        <p:spPr>
+          <a:xfrm>
+            <a:off x="1143001" y="0"/>
+            <a:ext cx="9905998" cy="1659461"/>
+          </a:xfrm>
+          <a:effectLst>
+            <a:outerShdw blurRad="50800" dist="38100" dir="2700000" algn="tl" rotWithShape="0">
+              <a:prstClr val="black">
+                <a:alpha val="40000"/>
+              </a:prstClr>
+            </a:outerShdw>
+          </a:effectLst>
+        </p:spPr>
+        <p:txBody>
+          <a:bodyPr/>
+          <a:lstStyle/>
+          <a:p>
+            <a:pPr>
+              <a:spcAft>
+                <a:spcPts val="1800"/>
+              </a:spcAft>
+            </a:pPr>
+            <a:r>
+              <a:rPr lang="en-US" cap="none" dirty="0">
+                <a:effectLst>
+                  <a:outerShdw blurRad="63500" dist="50800" dir="2700000" algn="tl" rotWithShape="0">
+                    <a:srgbClr val="4C1960">
+                      <a:alpha val="64000"/>
+                    </a:srgbClr>
+                  </a:outerShdw>
+                </a:effectLst>
+              </a:rPr>
+              <a:t>Impressions challenged,</a:t>
+            </a:r>
+            <a:br>
+              <a:rPr lang="en-US" cap="none" dirty="0">
+                <a:effectLst>
+                  <a:outerShdw blurRad="63500" dist="50800" dir="2700000" algn="tl" rotWithShape="0">
+                    <a:srgbClr val="4C1960">
+                      <a:alpha val="64000"/>
+                    </a:srgbClr>
+                  </a:outerShdw>
+                </a:effectLst>
+              </a:rPr>
+            </a:br>
+            <a:r>
+              <a:rPr lang="en-US" cap="none" dirty="0">
+                <a:effectLst>
+                  <a:outerShdw blurRad="63500" dist="50800" dir="2700000" algn="tl" rotWithShape="0">
+                    <a:srgbClr val="4C1960">
+                      <a:alpha val="64000"/>
+                    </a:srgbClr>
+                  </a:outerShdw>
+                </a:effectLst>
+              </a:rPr>
+              <a:t>Shift of focus, more data</a:t>
+            </a:r>
+          </a:p>
+        </p:txBody>
+      </p:sp>
+      <p:sp>
+        <p:nvSpPr>
+          <p:cNvPr id="3" name="Title 1">
+            <a:extLst>
+              <a:ext uri="{FF2B5EF4-FFF2-40B4-BE49-F238E27FC236}">
+                <a16:creationId xmlns:a16="http://schemas.microsoft.com/office/drawing/2014/main" id="{0F16C06A-AB36-7C45-B032-B30371572B30}"/>
+              </a:ext>
+            </a:extLst>
+          </p:cNvPr>
+          <p:cNvSpPr txBox="1">
+            <a:spLocks/>
+          </p:cNvSpPr>
+          <p:nvPr/>
+        </p:nvSpPr>
+        <p:spPr>
+          <a:xfrm>
+            <a:off x="1422401" y="1659461"/>
+            <a:ext cx="9905998" cy="4260077"/>
+          </a:xfrm>
+          <a:prstGeom prst="rect">
+            <a:avLst/>
+          </a:prstGeom>
+        </p:spPr>
+        <p:txBody>
+          <a:bodyPr vert="horz" lIns="91440" tIns="45720" rIns="91440" bIns="45720" rtlCol="0" anchor="ctr">
+            <a:normAutofit/>
+          </a:bodyPr>
+          <a:lstStyle>
+            <a:lvl1pPr algn="l" defTabSz="914400" rtl="0" eaLnBrk="1" latinLnBrk="0" hangingPunct="1">
+              <a:lnSpc>
+                <a:spcPct val="90000"/>
+              </a:lnSpc>
+              <a:spcBef>
+                <a:spcPct val="0"/>
+              </a:spcBef>
+              <a:buNone/>
+              <a:defRPr sz="3600" kern="1200" cap="all" baseline="0">
+                <a:solidFill>
+                  <a:schemeClr val="tx1"/>
+                </a:solidFill>
+                <a:latin typeface="+mj-lt"/>
+                <a:ea typeface="+mj-ea"/>
+                <a:cs typeface="+mj-cs"/>
+              </a:defRPr>
+            </a:lvl1pPr>
+          </a:lstStyle>
+          <a:p>
+            <a:pPr marL="571500" indent="-571500">
+              <a:buFont typeface="Arial" panose="020B0604020202020204" pitchFamily="34" charset="0"/>
+              <a:buChar char="•"/>
+            </a:pPr>
+            <a:r>
+              <a:rPr lang="en-US" cap="none" dirty="0">
+                <a:effectLst>
+                  <a:outerShdw blurRad="63500" dist="50800" dir="2700000" algn="tl" rotWithShape="0">
+                    <a:srgbClr val="4C1960">
+                      <a:alpha val="64000"/>
+                    </a:srgbClr>
+                  </a:outerShdw>
+                </a:effectLst>
+              </a:rPr>
+              <a:t>What influences suicide rates? Money? Access?</a:t>
+            </a:r>
+          </a:p>
+          <a:p>
+            <a:pPr marL="571500" indent="-571500">
+              <a:buFont typeface="Arial" panose="020B0604020202020204" pitchFamily="34" charset="0"/>
+              <a:buChar char="•"/>
+            </a:pPr>
+            <a:endParaRPr lang="en-US" cap="none" dirty="0">
+              <a:effectLst>
+                <a:outerShdw blurRad="63500" dist="50800" dir="2700000" algn="tl" rotWithShape="0">
+                  <a:srgbClr val="4C1960">
+                    <a:alpha val="64000"/>
+                  </a:srgbClr>
+                </a:outerShdw>
+              </a:effectLst>
+            </a:endParaRPr>
+          </a:p>
+          <a:p>
+            <a:pPr marL="571500" indent="-571500">
+              <a:buFont typeface="Arial" panose="020B0604020202020204" pitchFamily="34" charset="0"/>
+              <a:buChar char="•"/>
+            </a:pPr>
+            <a:r>
+              <a:rPr lang="en-US" cap="none" dirty="0">
+                <a:effectLst>
+                  <a:outerShdw blurRad="63500" dist="50800" dir="2700000" algn="tl" rotWithShape="0">
+                    <a:srgbClr val="4C1960">
+                      <a:alpha val="64000"/>
+                    </a:srgbClr>
+                  </a:outerShdw>
+                </a:effectLst>
+              </a:rPr>
+              <a:t>Codification of data recording changed in 1999.   Does that help explain the US climb? </a:t>
+            </a:r>
+          </a:p>
+          <a:p>
+            <a:pPr marL="571500" indent="-571500">
+              <a:buFont typeface="Arial" panose="020B0604020202020204" pitchFamily="34" charset="0"/>
+              <a:buChar char="•"/>
+            </a:pPr>
+            <a:endParaRPr lang="en-US" cap="none" dirty="0">
+              <a:effectLst>
+                <a:outerShdw blurRad="63500" dist="50800" dir="2700000" algn="tl" rotWithShape="0">
+                  <a:srgbClr val="4C1960">
+                    <a:alpha val="64000"/>
+                  </a:srgbClr>
+                </a:outerShdw>
+              </a:effectLst>
+            </a:endParaRPr>
+          </a:p>
+          <a:p>
+            <a:pPr marL="571500" indent="-571500">
+              <a:buFont typeface="Arial" panose="020B0604020202020204" pitchFamily="34" charset="0"/>
+              <a:buChar char="•"/>
+            </a:pPr>
+            <a:r>
+              <a:rPr lang="en-US" cap="none" dirty="0">
+                <a:effectLst>
+                  <a:outerShdw blurRad="63500" dist="50800" dir="2700000" algn="tl" rotWithShape="0">
+                    <a:srgbClr val="4C1960">
+                      <a:alpha val="64000"/>
+                    </a:srgbClr>
+                  </a:outerShdw>
+                </a:effectLst>
+              </a:rPr>
+              <a:t>Comparable US vs. world? Restrict to US, compare state to state (enough variation!)</a:t>
+            </a:r>
+          </a:p>
+        </p:txBody>
+      </p:sp>
+    </p:spTree>
+    <p:extLst>
+      <p:ext uri="{BB962C8B-B14F-4D97-AF65-F5344CB8AC3E}">
+        <p14:creationId xmlns:p14="http://schemas.microsoft.com/office/powerpoint/2010/main" val="2281364171"/>
+      </p:ext>
+    </p:extLst>
+  </p:cSld>
+  <p:clrMapOvr>
+    <a:masterClrMapping/>
+  </p:clrMapOvr>
+</p:sld>
+</file>
+
+<file path=ppt/slides/slide26.xml><?xml version="1.0" encoding="utf-8"?>
 <p:sld xmlns:a="http://schemas.openxmlformats.org/drawingml/2006/main" xmlns:r="http://schemas.openxmlformats.org/officeDocument/2006/relationships" xmlns:p="http://schemas.openxmlformats.org/presentationml/2006/main">
   <p:cSld>
     <p:spTree>
@@ -15488,6 +16007,13 @@
             <a:off x="1141413" y="618518"/>
             <a:ext cx="10585366" cy="1803840"/>
           </a:xfrm>
+          <a:effectLst>
+            <a:outerShdw blurRad="63500" dist="50800" dir="2700000" algn="tl" rotWithShape="0">
+              <a:srgbClr val="4C1960">
+                <a:alpha val="65000"/>
+              </a:srgbClr>
+            </a:outerShdw>
+          </a:effectLst>
         </p:spPr>
         <p:txBody>
           <a:bodyPr>
@@ -15498,9 +16024,9 @@
             <a:r>
               <a:rPr lang="en-US" sz="2800" cap="none" dirty="0">
                 <a:effectLst>
-                  <a:outerShdw blurRad="50800" dist="63500" dir="2700000" algn="tl" rotWithShape="0">
-                    <a:srgbClr val="48175A">
-                      <a:alpha val="40000"/>
+                  <a:outerShdw blurRad="63500" dist="50800" dir="2700000" algn="tl" rotWithShape="0">
+                    <a:srgbClr val="4C1960">
+                      <a:alpha val="64000"/>
                     </a:srgbClr>
                   </a:outerShdw>
                 </a:effectLst>
@@ -15510,21 +16036,21 @@
             <a:r>
               <a:rPr lang="en-US" sz="3200" cap="none" dirty="0">
                 <a:effectLst>
-                  <a:outerShdw blurRad="50800" dist="63500" dir="2700000" algn="tl" rotWithShape="0">
-                    <a:srgbClr val="48175A">
-                      <a:alpha val="40000"/>
-                    </a:srgbClr>
-                  </a:outerShdw>
-                </a:effectLst>
-              </a:rPr>
-              <a:t>:           Age distributions of populations? </a:t>
+                  <a:outerShdw blurRad="63500" dist="50800" dir="2700000" algn="tl" rotWithShape="0">
+                    <a:srgbClr val="4C1960">
+                      <a:alpha val="64000"/>
+                    </a:srgbClr>
+                  </a:outerShdw>
+                </a:effectLst>
+              </a:rPr>
+              <a:t>:       Age distributions of populations? </a:t>
             </a:r>
             <a:br>
               <a:rPr lang="en-US" sz="3200" cap="none" dirty="0">
                 <a:effectLst>
-                  <a:outerShdw blurRad="50800" dist="63500" dir="2700000" algn="tl" rotWithShape="0">
-                    <a:srgbClr val="48175A">
-                      <a:alpha val="40000"/>
+                  <a:outerShdw blurRad="63500" dist="50800" dir="2700000" algn="tl" rotWithShape="0">
+                    <a:srgbClr val="4C1960">
+                      <a:alpha val="64000"/>
                     </a:srgbClr>
                   </a:outerShdw>
                 </a:effectLst>
@@ -15533,21 +16059,21 @@
             <a:r>
               <a:rPr lang="en-US" sz="3200" cap="none" dirty="0">
                 <a:effectLst>
-                  <a:outerShdw blurRad="50800" dist="63500" dir="2700000" algn="tl" rotWithShape="0">
-                    <a:srgbClr val="48175A">
-                      <a:alpha val="40000"/>
-                    </a:srgbClr>
-                  </a:outerShdw>
-                </a:effectLst>
-              </a:rPr>
-              <a:t>How to compare occurrence rates between states? </a:t>
+                  <a:outerShdw blurRad="63500" dist="50800" dir="2700000" algn="tl" rotWithShape="0">
+                    <a:srgbClr val="4C1960">
+                      <a:alpha val="64000"/>
+                    </a:srgbClr>
+                  </a:outerShdw>
+                </a:effectLst>
+              </a:rPr>
+              <a:t>How can we compare occurrence rates between states? </a:t>
             </a:r>
             <a:br>
               <a:rPr lang="en-US" sz="3200" cap="none" dirty="0">
                 <a:effectLst>
-                  <a:outerShdw blurRad="50800" dist="63500" dir="2700000" algn="tl" rotWithShape="0">
-                    <a:srgbClr val="48175A">
-                      <a:alpha val="40000"/>
+                  <a:outerShdw blurRad="63500" dist="50800" dir="2700000" algn="tl" rotWithShape="0">
+                    <a:srgbClr val="4C1960">
+                      <a:alpha val="64000"/>
                     </a:srgbClr>
                   </a:outerShdw>
                 </a:effectLst>
@@ -15556,9 +16082,9 @@
             <a:r>
               <a:rPr lang="en-US" sz="3200" cap="none" dirty="0">
                 <a:effectLst>
-                  <a:outerShdw blurRad="50800" dist="63500" dir="2700000" algn="tl" rotWithShape="0">
-                    <a:srgbClr val="48175A">
-                      <a:alpha val="40000"/>
+                  <a:outerShdw blurRad="63500" dist="50800" dir="2700000" algn="tl" rotWithShape="0">
+                    <a:srgbClr val="4C1960">
+                      <a:alpha val="64000"/>
                     </a:srgbClr>
                   </a:outerShdw>
                 </a:effectLst>
@@ -15589,6 +16115,13 @@
             <a:off x="1141412" y="2422357"/>
             <a:ext cx="9905999" cy="3962401"/>
           </a:xfrm>
+          <a:effectLst>
+            <a:outerShdw blurRad="63500" dist="50800" dir="2700000" algn="tl" rotWithShape="0">
+              <a:srgbClr val="4C1960">
+                <a:alpha val="65000"/>
+              </a:srgbClr>
+            </a:outerShdw>
+          </a:effectLst>
         </p:spPr>
         <p:txBody>
           <a:bodyPr>
@@ -15600,43 +16133,69 @@
               <a:buNone/>
             </a:pPr>
             <a:r>
-              <a:rPr lang="en-US" sz="2800" dirty="0">
-                <a:effectLst>
-                  <a:outerShdw blurRad="50800" dist="63500" dir="2700000" algn="tl" rotWithShape="0">
-                    <a:srgbClr val="48175A">
-                      <a:alpha val="40000"/>
+              <a:rPr lang="en-US" sz="3000" dirty="0">
+                <a:effectLst>
+                  <a:outerShdw blurRad="63500" dist="50800" dir="2700000" algn="tl" rotWithShape="0">
+                    <a:srgbClr val="4C1960">
+                      <a:alpha val="64000"/>
                     </a:srgbClr>
                   </a:outerShdw>
                 </a:effectLst>
                 <a:latin typeface="+mj-lt"/>
               </a:rPr>
-              <a:t>Statistics from CDC already offer </a:t>
-            </a:r>
-            <a:r>
-              <a:rPr lang="en-US" sz="2800" b="1" dirty="0">
-                <a:effectLst>
-                  <a:outerShdw blurRad="50800" dist="63500" dir="2700000" algn="tl" rotWithShape="0">
-                    <a:srgbClr val="48175A">
-                      <a:alpha val="40000"/>
+              <a:t>CDC data already </a:t>
+            </a:r>
+            <a:r>
+              <a:rPr lang="en-US" sz="3200" dirty="0">
+                <a:effectLst>
+                  <a:outerShdw blurRad="63500" dist="50800" dir="2700000" algn="tl" rotWithShape="0">
+                    <a:srgbClr val="4C1960">
+                      <a:alpha val="64000"/>
                     </a:srgbClr>
                   </a:outerShdw>
                 </a:effectLst>
                 <a:latin typeface="+mj-lt"/>
               </a:rPr>
-              <a:t>age-adjusted</a:t>
-            </a:r>
-            <a:r>
-              <a:rPr lang="en-US" sz="2800" dirty="0">
-                <a:effectLst>
-                  <a:outerShdw blurRad="50800" dist="63500" dir="2700000" algn="tl" rotWithShape="0">
-                    <a:srgbClr val="48175A">
-                      <a:alpha val="40000"/>
+              <a:t>“</a:t>
+            </a:r>
+            <a:r>
+              <a:rPr lang="en-US" sz="3200" b="1" dirty="0">
+                <a:effectLst>
+                  <a:outerShdw blurRad="63500" dist="50800" dir="2700000" algn="tl" rotWithShape="0">
+                    <a:srgbClr val="4C1960">
+                      <a:alpha val="64000"/>
                     </a:srgbClr>
                   </a:outerShdw>
                 </a:effectLst>
                 <a:latin typeface="+mj-lt"/>
               </a:rPr>
-              <a:t> incidence rates.   </a:t>
+              <a:t>age-adjusted” </a:t>
+            </a:r>
+            <a:r>
+              <a:rPr lang="en-US" sz="3000" b="1" dirty="0">
+                <a:effectLst>
+                  <a:outerShdw blurRad="63500" dist="50800" dir="2700000" algn="tl" rotWithShape="0">
+                    <a:srgbClr val="4C1960">
+                      <a:alpha val="64000"/>
+                    </a:srgbClr>
+                  </a:outerShdw>
+                </a:effectLst>
+                <a:latin typeface="+mj-lt"/>
+              </a:rPr>
+              <a:t>––  </a:t>
+            </a:r>
+            <a:r>
+              <a:rPr lang="en-US" sz="3000" dirty="0">
+                <a:effectLst>
+                  <a:outerShdw blurRad="63500" dist="50800" dir="2700000" algn="tl" rotWithShape="0">
+                    <a:srgbClr val="4C1960">
+                      <a:alpha val="64000"/>
+                    </a:srgbClr>
+                  </a:outerShdw>
+                </a:effectLst>
+                <a:latin typeface="+mj-lt"/>
+              </a:rPr>
+              <a:t>a technique for “removing” the effects of age from crude rates, to allow meaningful comparisons across populations despite  </a:t>
             </a:r>
           </a:p>
           <a:p>
@@ -15644,30 +16203,35 @@
               <a:buNone/>
             </a:pPr>
             <a:r>
-              <a:rPr lang="en-US" sz="2800" b="1" dirty="0">
-                <a:effectLst>
-                  <a:outerShdw blurRad="50800" dist="63500" dir="2700000" algn="tl" rotWithShape="0">
-                    <a:srgbClr val="48175A">
-                      <a:alpha val="40000"/>
+              <a:rPr lang="en-US" sz="3000" dirty="0">
+                <a:effectLst>
+                  <a:outerShdw blurRad="63500" dist="50800" dir="2700000" algn="tl" rotWithShape="0">
+                    <a:srgbClr val="4C1960">
+                      <a:alpha val="64000"/>
                     </a:srgbClr>
                   </a:outerShdw>
                 </a:effectLst>
                 <a:latin typeface="+mj-lt"/>
               </a:rPr>
-              <a:t>Age-adjusted  =  </a:t>
-            </a:r>
-            <a:r>
-              <a:rPr lang="en-US" sz="2800" dirty="0">
-                <a:effectLst>
-                  <a:outerShdw blurRad="50800" dist="63500" dir="2700000" algn="tl" rotWithShape="0">
-                    <a:srgbClr val="48175A">
-                      <a:alpha val="40000"/>
+              <a:t>different distributions of the variable being examined... </a:t>
+            </a:r>
+          </a:p>
+          <a:p>
+            <a:pPr marL="0" indent="0">
+              <a:buNone/>
+            </a:pPr>
+            <a:r>
+              <a:rPr lang="en-US" sz="3000" dirty="0">
+                <a:effectLst>
+                  <a:outerShdw blurRad="63500" dist="50800" dir="2700000" algn="tl" rotWithShape="0">
+                    <a:srgbClr val="4C1960">
+                      <a:alpha val="64000"/>
                     </a:srgbClr>
                   </a:outerShdw>
                 </a:effectLst>
                 <a:latin typeface="+mj-lt"/>
               </a:rPr>
-              <a:t>a technique for “removing” the effects of age from crude rates, so as to allow meaningful comparisons across populations with different underlying age structures … </a:t>
+              <a:t>…by applying corrective weighting factors (multipliers) </a:t>
             </a:r>
           </a:p>
           <a:p>
@@ -15675,35 +16239,43 @@
               <a:buNone/>
             </a:pPr>
             <a:r>
-              <a:rPr lang="en-US" sz="2800" dirty="0">
-                <a:effectLst>
-                  <a:outerShdw blurRad="50800" dist="63500" dir="2700000" algn="tl" rotWithShape="0">
-                    <a:srgbClr val="48175A">
-                      <a:alpha val="40000"/>
+              <a:rPr lang="en-US" sz="3000" dirty="0">
+                <a:effectLst>
+                  <a:outerShdw blurRad="63500" dist="50800" dir="2700000" algn="tl" rotWithShape="0">
+                    <a:srgbClr val="4C1960">
+                      <a:alpha val="64000"/>
                     </a:srgbClr>
                   </a:outerShdw>
                 </a:effectLst>
                 <a:latin typeface="+mj-lt"/>
               </a:rPr>
-              <a:t>…by applying corrective weighting factors (multipliers) </a:t>
-            </a:r>
-          </a:p>
-          <a:p>
-            <a:pPr marL="0" indent="0">
-              <a:buNone/>
-            </a:pPr>
-            <a:r>
-              <a:rPr lang="en-US" sz="2800" dirty="0">
-                <a:effectLst>
-                  <a:outerShdw blurRad="50800" dist="63500" dir="2700000" algn="tl" rotWithShape="0">
-                    <a:srgbClr val="48175A">
-                      <a:alpha val="40000"/>
+              <a:t>derived from comparison with a </a:t>
+            </a:r>
+            <a:r>
+              <a:rPr lang="en-US" sz="3000" b="1" dirty="0">
+                <a:effectLst>
+                  <a:outerShdw blurRad="63500" dist="50800" dir="2700000" algn="tl" rotWithShape="0">
+                    <a:srgbClr val="4C1960">
+                      <a:alpha val="64000"/>
                     </a:srgbClr>
                   </a:outerShdw>
                 </a:effectLst>
                 <a:latin typeface="+mj-lt"/>
               </a:rPr>
-              <a:t>derived from comparison with a standardized  population.  </a:t>
+              <a:t>standardized</a:t>
+            </a:r>
+            <a:r>
+              <a:rPr lang="en-US" sz="3000" dirty="0">
+                <a:effectLst>
+                  <a:outerShdw blurRad="63500" dist="50800" dir="2700000" algn="tl" rotWithShape="0">
+                    <a:srgbClr val="4C1960">
+                      <a:alpha val="64000"/>
+                    </a:srgbClr>
+                  </a:outerShdw>
+                </a:effectLst>
+                <a:latin typeface="+mj-lt"/>
+              </a:rPr>
+              <a:t>  population.  </a:t>
             </a:r>
           </a:p>
         </p:txBody>
@@ -15721,7 +16293,7 @@
 </p:sld>
 </file>
 
-<file path=ppt/slides/slide4.xml><?xml version="1.0" encoding="utf-8"?>
+<file path=ppt/slides/slide27.xml><?xml version="1.0" encoding="utf-8"?>
 <p:sld xmlns:a="http://schemas.openxmlformats.org/drawingml/2006/main" xmlns:r="http://schemas.openxmlformats.org/officeDocument/2006/relationships" xmlns:p="http://schemas.openxmlformats.org/presentationml/2006/main">
   <p:cSld>
     <p:spTree>
@@ -15738,151 +16310,288 @@
           <a:chExt cx="0" cy="0"/>
         </a:xfrm>
       </p:grpSpPr>
-      <p:grpSp>
-        <p:nvGrpSpPr>
-          <p:cNvPr id="10" name="Group 9">
+      <p:sp>
+        <p:nvSpPr>
+          <p:cNvPr id="2" name="Title 1">
             <a:extLst>
               <a:ext uri="{FF2B5EF4-FFF2-40B4-BE49-F238E27FC236}">
-                <a16:creationId xmlns:a16="http://schemas.microsoft.com/office/drawing/2014/main" id="{22DA3D81-E183-B34A-8810-F487BBA8AEE5}"/>
+                <a16:creationId xmlns:a16="http://schemas.microsoft.com/office/drawing/2014/main" id="{473BC2F7-7CCF-8343-9F10-18D07017B60F}"/>
               </a:ext>
             </a:extLst>
           </p:cNvPr>
-          <p:cNvGrpSpPr/>
-          <p:nvPr/>
-        </p:nvGrpSpPr>
-        <p:grpSpPr>
-          <a:xfrm>
-            <a:off x="1600199" y="1788555"/>
-            <a:ext cx="8991601" cy="4275502"/>
-            <a:chOff x="1499600" y="1291249"/>
-            <a:chExt cx="8991601" cy="4275502"/>
-          </a:xfrm>
-        </p:grpSpPr>
-        <p:pic>
-          <p:nvPicPr>
-            <p:cNvPr id="3" name="Picture 2">
-              <a:extLst>
-                <a:ext uri="{FF2B5EF4-FFF2-40B4-BE49-F238E27FC236}">
-                  <a16:creationId xmlns:a16="http://schemas.microsoft.com/office/drawing/2014/main" id="{3EC91F10-6158-CF4A-8AAE-F304237991DB}"/>
-                </a:ext>
-              </a:extLst>
-            </p:cNvPr>
-            <p:cNvPicPr>
-              <a:picLocks noChangeAspect="1"/>
-            </p:cNvPicPr>
-            <p:nvPr/>
-          </p:nvPicPr>
-          <p:blipFill>
-            <a:blip r:embed="rId2"/>
-            <a:stretch>
-              <a:fillRect/>
-            </a:stretch>
-          </p:blipFill>
-          <p:spPr>
-            <a:xfrm>
-              <a:off x="1499600" y="1291249"/>
-              <a:ext cx="5776031" cy="3919885"/>
-            </a:xfrm>
-            <a:prstGeom prst="rect">
-              <a:avLst/>
-            </a:prstGeom>
-          </p:spPr>
-        </p:pic>
-        <p:pic>
-          <p:nvPicPr>
-            <p:cNvPr id="5" name="Picture 4">
-              <a:extLst>
-                <a:ext uri="{FF2B5EF4-FFF2-40B4-BE49-F238E27FC236}">
-                  <a16:creationId xmlns:a16="http://schemas.microsoft.com/office/drawing/2014/main" id="{755D39B7-03D6-8C41-8394-D5CC3D4A051E}"/>
-                </a:ext>
-              </a:extLst>
-            </p:cNvPr>
-            <p:cNvPicPr>
-              <a:picLocks noChangeAspect="1"/>
-            </p:cNvPicPr>
-            <p:nvPr/>
-          </p:nvPicPr>
-          <p:blipFill>
-            <a:blip r:embed="rId3"/>
-            <a:stretch>
-              <a:fillRect/>
-            </a:stretch>
-          </p:blipFill>
-          <p:spPr>
-            <a:xfrm>
-              <a:off x="7149704" y="1291249"/>
-              <a:ext cx="3341497" cy="3869102"/>
-            </a:xfrm>
-            <a:prstGeom prst="rect">
-              <a:avLst/>
-            </a:prstGeom>
-          </p:spPr>
-        </p:pic>
-        <p:pic>
-          <p:nvPicPr>
-            <p:cNvPr id="7" name="Picture 6">
-              <a:extLst>
-                <a:ext uri="{FF2B5EF4-FFF2-40B4-BE49-F238E27FC236}">
-                  <a16:creationId xmlns:a16="http://schemas.microsoft.com/office/drawing/2014/main" id="{B92C9944-C4C3-224F-9A15-BC1E204341D3}"/>
-                </a:ext>
-              </a:extLst>
-            </p:cNvPr>
-            <p:cNvPicPr>
-              <a:picLocks noChangeAspect="1"/>
-            </p:cNvPicPr>
-            <p:nvPr/>
-          </p:nvPicPr>
-          <p:blipFill>
-            <a:blip r:embed="rId4"/>
-            <a:stretch>
-              <a:fillRect/>
-            </a:stretch>
-          </p:blipFill>
-          <p:spPr>
-            <a:xfrm>
-              <a:off x="1499601" y="5160351"/>
-              <a:ext cx="8991600" cy="406400"/>
-            </a:xfrm>
-            <a:prstGeom prst="rect">
-              <a:avLst/>
-            </a:prstGeom>
-          </p:spPr>
-        </p:pic>
-      </p:grpSp>
-      <p:pic>
-        <p:nvPicPr>
-          <p:cNvPr id="9" name="Picture 8">
-            <a:extLst>
-              <a:ext uri="{FF2B5EF4-FFF2-40B4-BE49-F238E27FC236}">
-                <a16:creationId xmlns:a16="http://schemas.microsoft.com/office/drawing/2014/main" id="{133D30B4-0AFD-4543-89C7-70BDE0B4227C}"/>
-              </a:ext>
-            </a:extLst>
-          </p:cNvPr>
-          <p:cNvPicPr>
-            <a:picLocks noChangeAspect="1"/>
-          </p:cNvPicPr>
-          <p:nvPr/>
-        </p:nvPicPr>
-        <p:blipFill>
-          <a:blip r:embed="rId5"/>
-          <a:stretch>
-            <a:fillRect/>
-          </a:stretch>
-        </p:blipFill>
+          <p:cNvSpPr>
+            <a:spLocks noGrp="1"/>
+          </p:cNvSpPr>
+          <p:nvPr>
+            <p:ph type="title"/>
+          </p:nvPr>
+        </p:nvSpPr>
         <p:spPr>
           <a:xfrm>
-            <a:off x="1600199" y="283853"/>
-            <a:ext cx="3674111" cy="1277266"/>
+            <a:off x="1141456" y="609599"/>
+            <a:ext cx="9905955" cy="5879434"/>
           </a:xfrm>
-          <a:prstGeom prst="rect">
-            <a:avLst/>
-          </a:prstGeom>
         </p:spPr>
-      </p:pic>
+        <p:txBody>
+          <a:bodyPr>
+            <a:normAutofit fontScale="90000"/>
+          </a:bodyPr>
+          <a:lstStyle/>
+          <a:p>
+            <a:pPr fontAlgn="base"/>
+            <a:r>
+              <a:rPr lang="en-US" sz="5300" cap="none" dirty="0">
+                <a:ln w="0"/>
+                <a:effectLst>
+                  <a:outerShdw blurRad="63500" dist="50800" dir="2700000" algn="tl" rotWithShape="0">
+                    <a:srgbClr val="4C1960">
+                      <a:alpha val="65000"/>
+                    </a:srgbClr>
+                  </a:outerShdw>
+                </a:effectLst>
+              </a:rPr>
+              <a:t>Suicide – How to help:  </a:t>
+            </a:r>
+            <a:br>
+              <a:rPr lang="en-US" sz="4800" cap="none" dirty="0">
+                <a:ln w="0"/>
+                <a:effectLst>
+                  <a:outerShdw blurRad="63500" dist="50800" dir="2700000" algn="tl" rotWithShape="0">
+                    <a:srgbClr val="4C1960">
+                      <a:alpha val="65000"/>
+                    </a:srgbClr>
+                  </a:outerShdw>
+                </a:effectLst>
+              </a:rPr>
+            </a:br>
+            <a:r>
+              <a:rPr lang="en-US" sz="4000" cap="none" dirty="0">
+                <a:ln w="0"/>
+                <a:effectLst>
+                  <a:outerShdw blurRad="63500" dist="50800" dir="2700000" algn="tl" rotWithShape="0">
+                    <a:srgbClr val="4C1960">
+                      <a:alpha val="65000"/>
+                    </a:srgbClr>
+                  </a:outerShdw>
+                </a:effectLst>
+              </a:rPr>
+              <a:t>Trust your instincts, reach out.</a:t>
+            </a:r>
+            <a:br>
+              <a:rPr lang="en-US" sz="4000" cap="none" dirty="0">
+                <a:ln w="0"/>
+                <a:effectLst>
+                  <a:outerShdw blurRad="63500" dist="50800" dir="2700000" algn="tl" rotWithShape="0">
+                    <a:srgbClr val="4C1960">
+                      <a:alpha val="65000"/>
+                    </a:srgbClr>
+                  </a:outerShdw>
+                </a:effectLst>
+              </a:rPr>
+            </a:br>
+            <a:r>
+              <a:rPr lang="en-US" sz="4000" cap="none" dirty="0">
+                <a:ln w="0"/>
+                <a:effectLst>
+                  <a:outerShdw blurRad="63500" dist="50800" dir="2700000" algn="tl" rotWithShape="0">
+                    <a:srgbClr val="4C1960">
+                      <a:alpha val="65000"/>
+                    </a:srgbClr>
+                  </a:outerShdw>
+                </a:effectLst>
+              </a:rPr>
+              <a:t> </a:t>
+            </a:r>
+            <a:br>
+              <a:rPr lang="en-US" sz="4000" cap="none" dirty="0">
+                <a:ln w="0"/>
+                <a:effectLst>
+                  <a:outerShdw blurRad="63500" dist="50800" dir="2700000" algn="tl" rotWithShape="0">
+                    <a:srgbClr val="4C1960">
+                      <a:alpha val="65000"/>
+                    </a:srgbClr>
+                  </a:outerShdw>
+                </a:effectLst>
+              </a:rPr>
+            </a:br>
+            <a:r>
+              <a:rPr lang="en-US" sz="4000" cap="none" dirty="0">
+                <a:ln w="0"/>
+                <a:effectLst>
+                  <a:outerShdw blurRad="63500" dist="50800" dir="2700000" algn="tl" rotWithShape="0">
+                    <a:srgbClr val="4C1960">
+                      <a:alpha val="65000"/>
+                    </a:srgbClr>
+                  </a:outerShdw>
+                </a:effectLst>
+              </a:rPr>
+              <a:t>	Talk to them, LISTEN</a:t>
+            </a:r>
+            <a:br>
+              <a:rPr lang="en-US" sz="4000" cap="none" dirty="0">
+                <a:ln w="0"/>
+                <a:effectLst>
+                  <a:outerShdw blurRad="63500" dist="50800" dir="2700000" algn="tl" rotWithShape="0">
+                    <a:srgbClr val="4C1960">
+                      <a:alpha val="65000"/>
+                    </a:srgbClr>
+                  </a:outerShdw>
+                </a:effectLst>
+              </a:rPr>
+            </a:br>
+            <a:r>
+              <a:rPr lang="en-US" sz="4000" cap="none" dirty="0">
+                <a:ln w="0"/>
+                <a:effectLst>
+                  <a:outerShdw blurRad="63500" dist="50800" dir="2700000" algn="tl" rotWithShape="0">
+                    <a:srgbClr val="4C1960">
+                      <a:alpha val="65000"/>
+                    </a:srgbClr>
+                  </a:outerShdw>
+                </a:effectLst>
+              </a:rPr>
+              <a:t>	Ask questions, don’t judge.</a:t>
+            </a:r>
+            <a:br>
+              <a:rPr lang="en-US" sz="4000" cap="none" dirty="0">
+                <a:ln w="0"/>
+                <a:effectLst>
+                  <a:outerShdw blurRad="63500" dist="50800" dir="2700000" algn="tl" rotWithShape="0">
+                    <a:srgbClr val="4C1960">
+                      <a:alpha val="65000"/>
+                    </a:srgbClr>
+                  </a:outerShdw>
+                </a:effectLst>
+              </a:rPr>
+            </a:br>
+            <a:br>
+              <a:rPr lang="en-US" sz="4000" cap="none" dirty="0">
+                <a:ln w="0"/>
+                <a:effectLst>
+                  <a:outerShdw blurRad="63500" dist="50800" dir="2700000" algn="tl" rotWithShape="0">
+                    <a:srgbClr val="4C1960">
+                      <a:alpha val="65000"/>
+                    </a:srgbClr>
+                  </a:outerShdw>
+                </a:effectLst>
+              </a:rPr>
+            </a:br>
+            <a:r>
+              <a:rPr lang="en-US" sz="4000" cap="none" dirty="0">
+                <a:ln w="0"/>
+                <a:effectLst>
+                  <a:outerShdw blurRad="63500" dist="50800" dir="2700000" algn="tl" rotWithShape="0">
+                    <a:srgbClr val="4C1960">
+                      <a:alpha val="65000"/>
+                    </a:srgbClr>
+                  </a:outerShdw>
+                </a:effectLst>
+              </a:rPr>
+              <a:t>	Get them help, even /esp. if they resist. </a:t>
+            </a:r>
+            <a:br>
+              <a:rPr lang="en-US" sz="4000" cap="none" dirty="0">
+                <a:ln w="0"/>
+                <a:effectLst>
+                  <a:outerShdw blurRad="63500" dist="50800" dir="2700000" algn="tl" rotWithShape="0">
+                    <a:srgbClr val="4C1960">
+                      <a:alpha val="65000"/>
+                    </a:srgbClr>
+                  </a:outerShdw>
+                </a:effectLst>
+              </a:rPr>
+            </a:br>
+            <a:br>
+              <a:rPr lang="en-US" sz="4000" cap="none" dirty="0">
+                <a:ln w="0"/>
+                <a:effectLst>
+                  <a:outerShdw blurRad="63500" dist="50800" dir="2700000" algn="tl" rotWithShape="0">
+                    <a:srgbClr val="4C1960">
+                      <a:alpha val="65000"/>
+                    </a:srgbClr>
+                  </a:outerShdw>
+                </a:effectLst>
+              </a:rPr>
+            </a:br>
+            <a:r>
+              <a:rPr lang="en-US" sz="4000" cap="none" dirty="0">
+                <a:ln w="0"/>
+                <a:effectLst>
+                  <a:outerShdw blurRad="63500" dist="50800" dir="2700000" algn="tl" rotWithShape="0">
+                    <a:srgbClr val="4C1960">
+                      <a:alpha val="65000"/>
+                    </a:srgbClr>
+                  </a:outerShdw>
+                </a:effectLst>
+              </a:rPr>
+              <a:t>	Don’t leave them alone</a:t>
+            </a:r>
+            <a:br>
+              <a:rPr lang="en-US" sz="4000" cap="none" dirty="0">
+                <a:ln w="0"/>
+                <a:effectLst>
+                  <a:outerShdw blurRad="63500" dist="50800" dir="2700000" algn="tl" rotWithShape="0">
+                    <a:srgbClr val="4C1960">
+                      <a:alpha val="65000"/>
+                    </a:srgbClr>
+                  </a:outerShdw>
+                </a:effectLst>
+              </a:rPr>
+            </a:br>
+            <a:r>
+              <a:rPr lang="en-US" sz="4000" cap="none" dirty="0">
+                <a:ln w="0"/>
+                <a:effectLst>
+                  <a:outerShdw blurRad="63500" dist="50800" dir="2700000" algn="tl" rotWithShape="0">
+                    <a:srgbClr val="4C1960">
+                      <a:alpha val="65000"/>
+                    </a:srgbClr>
+                  </a:outerShdw>
+                </a:effectLst>
+              </a:rPr>
+              <a:t>	Don’t swear to secrecy.</a:t>
+            </a:r>
+            <a:br>
+              <a:rPr lang="en-US" sz="4000" cap="none" dirty="0">
+                <a:ln w="0"/>
+                <a:effectLst>
+                  <a:outerShdw blurRad="63500" dist="50800" dir="2700000" algn="tl" rotWithShape="0">
+                    <a:srgbClr val="4C1960">
+                      <a:alpha val="65000"/>
+                    </a:srgbClr>
+                  </a:outerShdw>
+                </a:effectLst>
+              </a:rPr>
+            </a:br>
+            <a:br>
+              <a:rPr lang="en-US" sz="1800" cap="none" dirty="0">
+                <a:ln w="0"/>
+                <a:effectLst>
+                  <a:outerShdw blurRad="63500" dist="50800" dir="2700000" algn="tl" rotWithShape="0">
+                    <a:srgbClr val="4C1960">
+                      <a:alpha val="65000"/>
+                    </a:srgbClr>
+                  </a:outerShdw>
+                </a:effectLst>
+              </a:rPr>
+            </a:br>
+            <a:endParaRPr lang="en-US" sz="1800" cap="none" dirty="0">
+              <a:ln w="0"/>
+              <a:effectLst>
+                <a:outerShdw blurRad="63500" dist="50800" dir="2700000" algn="tl" rotWithShape="0">
+                  <a:srgbClr val="4C1960">
+                    <a:alpha val="65000"/>
+                  </a:srgbClr>
+                </a:outerShdw>
+              </a:effectLst>
+            </a:endParaRPr>
+          </a:p>
+        </p:txBody>
+      </p:sp>
     </p:spTree>
     <p:extLst>
       <p:ext uri="{BB962C8B-B14F-4D97-AF65-F5344CB8AC3E}">
-        <p14:creationId xmlns:p14="http://schemas.microsoft.com/office/powerpoint/2010/main" val="3886328153"/>
+        <p14:creationId xmlns:p14="http://schemas.microsoft.com/office/powerpoint/2010/main" val="1869149682"/>
       </p:ext>
     </p:extLst>
   </p:cSld>
@@ -15892,7 +16601,391 @@
 </p:sld>
 </file>
 
-<file path=ppt/slides/slide5.xml><?xml version="1.0" encoding="utf-8"?>
+<file path=ppt/slides/slide28.xml><?xml version="1.0" encoding="utf-8"?>
+<p:sld xmlns:a="http://schemas.openxmlformats.org/drawingml/2006/main" xmlns:r="http://schemas.openxmlformats.org/officeDocument/2006/relationships" xmlns:p="http://schemas.openxmlformats.org/presentationml/2006/main">
+  <p:cSld>
+    <p:spTree>
+      <p:nvGrpSpPr>
+        <p:cNvPr id="1" name=""/>
+        <p:cNvGrpSpPr/>
+        <p:nvPr/>
+      </p:nvGrpSpPr>
+      <p:grpSpPr>
+        <a:xfrm>
+          <a:off x="0" y="0"/>
+          <a:ext cx="0" cy="0"/>
+          <a:chOff x="0" y="0"/>
+          <a:chExt cx="0" cy="0"/>
+        </a:xfrm>
+      </p:grpSpPr>
+      <p:sp>
+        <p:nvSpPr>
+          <p:cNvPr id="2" name="Title 1">
+            <a:extLst>
+              <a:ext uri="{FF2B5EF4-FFF2-40B4-BE49-F238E27FC236}">
+                <a16:creationId xmlns:a16="http://schemas.microsoft.com/office/drawing/2014/main" id="{473BC2F7-7CCF-8343-9F10-18D07017B60F}"/>
+              </a:ext>
+            </a:extLst>
+          </p:cNvPr>
+          <p:cNvSpPr>
+            <a:spLocks noGrp="1"/>
+          </p:cNvSpPr>
+          <p:nvPr>
+            <p:ph type="title"/>
+          </p:nvPr>
+        </p:nvSpPr>
+        <p:spPr>
+          <a:xfrm>
+            <a:off x="1141456" y="609599"/>
+            <a:ext cx="9905955" cy="5879434"/>
+          </a:xfrm>
+        </p:spPr>
+        <p:txBody>
+          <a:bodyPr>
+            <a:normAutofit fontScale="90000"/>
+          </a:bodyPr>
+          <a:lstStyle/>
+          <a:p>
+            <a:pPr fontAlgn="base"/>
+            <a:r>
+              <a:rPr lang="en-US" sz="5300" cap="none" dirty="0">
+                <a:effectLst>
+                  <a:outerShdw blurRad="63500" dist="50800" dir="2700000" algn="tl" rotWithShape="0">
+                    <a:srgbClr val="4C1960">
+                      <a:alpha val="65000"/>
+                    </a:srgbClr>
+                  </a:outerShdw>
+                </a:effectLst>
+              </a:rPr>
+              <a:t>Suicide trivia: </a:t>
+            </a:r>
+            <a:br>
+              <a:rPr lang="en-US" cap="none" dirty="0">
+                <a:effectLst>
+                  <a:outerShdw blurRad="63500" dist="50800" dir="2700000" algn="tl" rotWithShape="0">
+                    <a:srgbClr val="4C1960">
+                      <a:alpha val="65000"/>
+                    </a:srgbClr>
+                  </a:outerShdw>
+                </a:effectLst>
+              </a:rPr>
+            </a:br>
+            <a:r>
+              <a:rPr lang="en-US" cap="none" dirty="0">
+                <a:effectLst>
+                  <a:outerShdw blurRad="63500" dist="50800" dir="2700000" algn="tl" rotWithShape="0">
+                    <a:srgbClr val="4C1960">
+                      <a:alpha val="65000"/>
+                    </a:srgbClr>
+                  </a:outerShdw>
+                </a:effectLst>
+              </a:rPr>
+              <a:t>Reason not got help?     28% “didn’t know where.”</a:t>
+            </a:r>
+            <a:r>
+              <a:rPr lang="en-US" cap="none" baseline="30000" dirty="0">
+                <a:effectLst>
+                  <a:outerShdw blurRad="63500" dist="50800" dir="2700000" algn="tl" rotWithShape="0">
+                    <a:srgbClr val="4C1960">
+                      <a:alpha val="65000"/>
+                    </a:srgbClr>
+                  </a:outerShdw>
+                </a:effectLst>
+              </a:rPr>
+              <a:t>2017</a:t>
+            </a:r>
+            <a:r>
+              <a:rPr lang="en-US" cap="none" dirty="0">
+                <a:effectLst>
+                  <a:outerShdw blurRad="63500" dist="50800" dir="2700000" algn="tl" rotWithShape="0">
+                    <a:srgbClr val="4C1960">
+                      <a:alpha val="65000"/>
+                    </a:srgbClr>
+                  </a:outerShdw>
+                </a:effectLst>
+              </a:rPr>
+              <a:t> </a:t>
+            </a:r>
+            <a:br>
+              <a:rPr lang="en-US" cap="none" dirty="0">
+                <a:effectLst>
+                  <a:outerShdw blurRad="63500" dist="50800" dir="2700000" algn="tl" rotWithShape="0">
+                    <a:srgbClr val="4C1960">
+                      <a:alpha val="65000"/>
+                    </a:srgbClr>
+                  </a:outerShdw>
+                </a:effectLst>
+              </a:rPr>
+            </a:br>
+            <a:br>
+              <a:rPr lang="en-US" cap="none" dirty="0">
+                <a:effectLst>
+                  <a:outerShdw blurRad="63500" dist="50800" dir="2700000" algn="tl" rotWithShape="0">
+                    <a:srgbClr val="4C1960">
+                      <a:alpha val="65000"/>
+                    </a:srgbClr>
+                  </a:outerShdw>
+                </a:effectLst>
+              </a:rPr>
+            </a:br>
+            <a:r>
+              <a:rPr lang="en-US" cap="none" dirty="0">
+                <a:effectLst>
+                  <a:outerShdw blurRad="63500" dist="50800" dir="2700000" algn="tl" rotWithShape="0">
+                    <a:srgbClr val="4C1960">
+                      <a:alpha val="65000"/>
+                    </a:srgbClr>
+                  </a:outerShdw>
+                </a:effectLst>
+              </a:rPr>
+              <a:t>3 times as many males &amp; </a:t>
+            </a:r>
+            <a:r>
+              <a:rPr lang="en-US" cap="none" dirty="0" err="1">
+                <a:effectLst>
+                  <a:outerShdw blurRad="63500" dist="50800" dir="2700000" algn="tl" rotWithShape="0">
+                    <a:srgbClr val="4C1960">
+                      <a:alpha val="65000"/>
+                    </a:srgbClr>
+                  </a:outerShdw>
+                </a:effectLst>
+              </a:rPr>
+              <a:t>caucasions</a:t>
+            </a:r>
+            <a:r>
+              <a:rPr lang="en-US" cap="none" dirty="0">
+                <a:effectLst>
+                  <a:outerShdw blurRad="63500" dist="50800" dir="2700000" algn="tl" rotWithShape="0">
+                    <a:srgbClr val="4C1960">
+                      <a:alpha val="65000"/>
+                    </a:srgbClr>
+                  </a:outerShdw>
+                </a:effectLst>
+              </a:rPr>
+              <a:t> </a:t>
+            </a:r>
+            <a:r>
+              <a:rPr lang="en-US" cap="none" baseline="30000" dirty="0">
+                <a:effectLst>
+                  <a:outerShdw blurRad="63500" dist="50800" dir="2700000" algn="tl" rotWithShape="0">
+                    <a:srgbClr val="4C1960">
+                      <a:alpha val="65000"/>
+                    </a:srgbClr>
+                  </a:outerShdw>
+                </a:effectLst>
+              </a:rPr>
+              <a:t>2015:  37k M: 12k F</a:t>
+            </a:r>
+            <a:br>
+              <a:rPr lang="en-US" cap="none" baseline="30000" dirty="0">
+                <a:effectLst>
+                  <a:outerShdw blurRad="63500" dist="50800" dir="2700000" algn="tl" rotWithShape="0">
+                    <a:srgbClr val="4C1960">
+                      <a:alpha val="65000"/>
+                    </a:srgbClr>
+                  </a:outerShdw>
+                </a:effectLst>
+              </a:rPr>
+            </a:br>
+            <a:br>
+              <a:rPr lang="en-US" cap="none" dirty="0">
+                <a:effectLst>
+                  <a:outerShdw blurRad="63500" dist="50800" dir="2700000" algn="tl" rotWithShape="0">
+                    <a:srgbClr val="4C1960">
+                      <a:alpha val="65000"/>
+                    </a:srgbClr>
+                  </a:outerShdw>
+                </a:effectLst>
+              </a:rPr>
+            </a:br>
+            <a:r>
+              <a:rPr lang="en-US" cap="none" dirty="0">
+                <a:effectLst>
+                  <a:outerShdw blurRad="63500" dist="50800" dir="2700000" algn="tl" rotWithShape="0">
+                    <a:srgbClr val="4C1960">
+                      <a:alpha val="65000"/>
+                    </a:srgbClr>
+                  </a:outerShdw>
+                </a:effectLst>
+              </a:rPr>
+              <a:t>US spends 18% of GDP ($19trillion) on healthcare.</a:t>
+            </a:r>
+            <a:br>
+              <a:rPr lang="en-US" cap="none" dirty="0">
+                <a:effectLst>
+                  <a:outerShdw blurRad="63500" dist="50800" dir="2700000" algn="tl" rotWithShape="0">
+                    <a:srgbClr val="4C1960">
+                      <a:alpha val="65000"/>
+                    </a:srgbClr>
+                  </a:outerShdw>
+                </a:effectLst>
+              </a:rPr>
+            </a:br>
+            <a:r>
+              <a:rPr lang="en-US" cap="none" dirty="0">
+                <a:effectLst>
+                  <a:outerShdw blurRad="63500" dist="50800" dir="2700000" algn="tl" rotWithShape="0">
+                    <a:srgbClr val="4C1960">
+                      <a:alpha val="65000"/>
+                    </a:srgbClr>
+                  </a:outerShdw>
+                </a:effectLst>
+              </a:rPr>
+              <a:t>   incl. $200billion on mental health, grows 4-6%/</a:t>
+            </a:r>
+            <a:r>
+              <a:rPr lang="en-US" cap="none" dirty="0" err="1">
+                <a:effectLst>
+                  <a:outerShdw blurRad="63500" dist="50800" dir="2700000" algn="tl" rotWithShape="0">
+                    <a:srgbClr val="4C1960">
+                      <a:alpha val="65000"/>
+                    </a:srgbClr>
+                  </a:outerShdw>
+                </a:effectLst>
+              </a:rPr>
+              <a:t>yr</a:t>
+            </a:r>
+            <a:br>
+              <a:rPr lang="en-US" cap="none" dirty="0">
+                <a:effectLst>
+                  <a:outerShdw blurRad="63500" dist="50800" dir="2700000" algn="tl" rotWithShape="0">
+                    <a:srgbClr val="4C1960">
+                      <a:alpha val="65000"/>
+                    </a:srgbClr>
+                  </a:outerShdw>
+                </a:effectLst>
+              </a:rPr>
+            </a:br>
+            <a:br>
+              <a:rPr lang="en-US" cap="none" dirty="0">
+                <a:effectLst>
+                  <a:outerShdw blurRad="63500" dist="50800" dir="2700000" algn="tl" rotWithShape="0">
+                    <a:srgbClr val="4C1960">
+                      <a:alpha val="65000"/>
+                    </a:srgbClr>
+                  </a:outerShdw>
+                </a:effectLst>
+              </a:rPr>
+            </a:br>
+            <a:r>
+              <a:rPr lang="en-US" cap="none" dirty="0">
+                <a:effectLst>
+                  <a:outerShdw blurRad="63500" dist="50800" dir="2700000" algn="tl" rotWithShape="0">
+                    <a:srgbClr val="4C1960">
+                      <a:alpha val="65000"/>
+                    </a:srgbClr>
+                  </a:outerShdw>
+                </a:effectLst>
+              </a:rPr>
+              <a:t>25 attempts for every suicide: attempts INCRs risk, </a:t>
+            </a:r>
+            <a:br>
+              <a:rPr lang="en-US" cap="none" dirty="0">
+                <a:effectLst>
+                  <a:outerShdw blurRad="63500" dist="50800" dir="2700000" algn="tl" rotWithShape="0">
+                    <a:srgbClr val="4C1960">
+                      <a:alpha val="65000"/>
+                    </a:srgbClr>
+                  </a:outerShdw>
+                </a:effectLst>
+              </a:rPr>
+            </a:br>
+            <a:r>
+              <a:rPr lang="en-US" cap="none" dirty="0">
+                <a:effectLst>
+                  <a:outerShdw blurRad="63500" dist="50800" dir="2700000" algn="tl" rotWithShape="0">
+                    <a:srgbClr val="4C1960">
+                      <a:alpha val="65000"/>
+                    </a:srgbClr>
+                  </a:outerShdw>
+                </a:effectLst>
+              </a:rPr>
+              <a:t>   but surviving an attempt DECRs risk (1/10)</a:t>
+            </a:r>
+            <a:br>
+              <a:rPr lang="en-US" cap="none" dirty="0">
+                <a:effectLst>
+                  <a:outerShdw blurRad="63500" dist="50800" dir="2700000" algn="tl" rotWithShape="0">
+                    <a:srgbClr val="4C1960">
+                      <a:alpha val="65000"/>
+                    </a:srgbClr>
+                  </a:outerShdw>
+                </a:effectLst>
+              </a:rPr>
+            </a:br>
+            <a:br>
+              <a:rPr lang="en-US" cap="none" dirty="0">
+                <a:effectLst>
+                  <a:outerShdw blurRad="63500" dist="50800" dir="2700000" algn="tl" rotWithShape="0">
+                    <a:srgbClr val="4C1960">
+                      <a:alpha val="65000"/>
+                    </a:srgbClr>
+                  </a:outerShdw>
+                </a:effectLst>
+              </a:rPr>
+            </a:br>
+            <a:r>
+              <a:rPr lang="en-US" cap="none" dirty="0">
+                <a:effectLst>
+                  <a:outerShdw blurRad="63500" dist="50800" dir="2700000" algn="tl" rotWithShape="0">
+                    <a:srgbClr val="4C1960">
+                      <a:alpha val="65000"/>
+                    </a:srgbClr>
+                  </a:outerShdw>
+                </a:effectLst>
+              </a:rPr>
+              <a:t>Years-of-life lost &gt; all except heart </a:t>
+            </a:r>
+            <a:r>
+              <a:rPr lang="en-US" cap="none" dirty="0" err="1">
+                <a:effectLst>
+                  <a:outerShdw blurRad="63500" dist="50800" dir="2700000" algn="tl" rotWithShape="0">
+                    <a:srgbClr val="4C1960">
+                      <a:alpha val="65000"/>
+                    </a:srgbClr>
+                  </a:outerShdw>
+                </a:effectLst>
+              </a:rPr>
+              <a:t>dz</a:t>
+            </a:r>
+            <a:r>
+              <a:rPr lang="en-US" cap="none" dirty="0">
+                <a:effectLst>
+                  <a:outerShdw blurRad="63500" dist="50800" dir="2700000" algn="tl" rotWithShape="0">
+                    <a:srgbClr val="4C1960">
+                      <a:alpha val="65000"/>
+                    </a:srgbClr>
+                  </a:outerShdw>
+                </a:effectLst>
+              </a:rPr>
+              <a:t>, cancer.</a:t>
+            </a:r>
+            <a:endParaRPr lang="en-US" sz="1800" cap="none" dirty="0">
+              <a:effectLst>
+                <a:outerShdw blurRad="63500" dist="50800" dir="2700000" algn="tl" rotWithShape="0">
+                  <a:srgbClr val="4C1960">
+                    <a:alpha val="65000"/>
+                  </a:srgbClr>
+                </a:outerShdw>
+              </a:effectLst>
+            </a:endParaRPr>
+          </a:p>
+        </p:txBody>
+      </p:sp>
+    </p:spTree>
+    <p:extLst>
+      <p:ext uri="{BB962C8B-B14F-4D97-AF65-F5344CB8AC3E}">
+        <p14:creationId xmlns:p14="http://schemas.microsoft.com/office/powerpoint/2010/main" val="90747523"/>
+      </p:ext>
+    </p:extLst>
+  </p:cSld>
+  <p:clrMapOvr>
+    <a:masterClrMapping/>
+  </p:clrMapOvr>
+</p:sld>
+</file>
+
+<file path=ppt/slides/slide3.xml><?xml version="1.0" encoding="utf-8"?>
 <p:sld xmlns:a="http://schemas.openxmlformats.org/drawingml/2006/main" xmlns:r="http://schemas.openxmlformats.org/officeDocument/2006/relationships" xmlns:p="http://schemas.openxmlformats.org/presentationml/2006/main">
   <p:cSld>
     <p:spTree>
@@ -15942,6 +17035,1000 @@
     <p:extLst>
       <p:ext uri="{BB962C8B-B14F-4D97-AF65-F5344CB8AC3E}">
         <p14:creationId xmlns:p14="http://schemas.microsoft.com/office/powerpoint/2010/main" val="1458032452"/>
+      </p:ext>
+    </p:extLst>
+  </p:cSld>
+  <p:clrMapOvr>
+    <a:masterClrMapping/>
+  </p:clrMapOvr>
+</p:sld>
+</file>
+
+<file path=ppt/slides/slide4.xml><?xml version="1.0" encoding="utf-8"?>
+<p:sld xmlns:a="http://schemas.openxmlformats.org/drawingml/2006/main" xmlns:r="http://schemas.openxmlformats.org/officeDocument/2006/relationships" xmlns:p="http://schemas.openxmlformats.org/presentationml/2006/main">
+  <p:cSld>
+    <p:spTree>
+      <p:nvGrpSpPr>
+        <p:cNvPr id="1" name=""/>
+        <p:cNvGrpSpPr/>
+        <p:nvPr/>
+      </p:nvGrpSpPr>
+      <p:grpSpPr>
+        <a:xfrm>
+          <a:off x="0" y="0"/>
+          <a:ext cx="0" cy="0"/>
+          <a:chOff x="0" y="0"/>
+          <a:chExt cx="0" cy="0"/>
+        </a:xfrm>
+      </p:grpSpPr>
+      <p:sp>
+        <p:nvSpPr>
+          <p:cNvPr id="2" name="Title 1">
+            <a:extLst>
+              <a:ext uri="{FF2B5EF4-FFF2-40B4-BE49-F238E27FC236}">
+                <a16:creationId xmlns:a16="http://schemas.microsoft.com/office/drawing/2014/main" id="{E555962B-106D-AB4A-ABC5-A69D52AAC7C6}"/>
+              </a:ext>
+            </a:extLst>
+          </p:cNvPr>
+          <p:cNvSpPr>
+            <a:spLocks noGrp="1"/>
+          </p:cNvSpPr>
+          <p:nvPr>
+            <p:ph type="title"/>
+          </p:nvPr>
+        </p:nvSpPr>
+        <p:spPr>
+          <a:xfrm>
+            <a:off x="1141413" y="923316"/>
+            <a:ext cx="9905998" cy="1903880"/>
+          </a:xfrm>
+        </p:spPr>
+        <p:txBody>
+          <a:bodyPr>
+            <a:noAutofit/>
+          </a:bodyPr>
+          <a:lstStyle/>
+          <a:p>
+            <a:r>
+              <a:rPr lang="en-US" sz="4000" dirty="0">
+                <a:effectLst>
+                  <a:outerShdw blurRad="63500" dist="50800" dir="2700000" algn="tl" rotWithShape="0">
+                    <a:prstClr val="black">
+                      <a:alpha val="65000"/>
+                    </a:prstClr>
+                  </a:outerShdw>
+                </a:effectLst>
+              </a:rPr>
+              <a:t>CDC's </a:t>
+            </a:r>
+            <a:r>
+              <a:rPr lang="en-US" sz="4000" b="1" dirty="0">
+                <a:effectLst>
+                  <a:outerShdw blurRad="63500" dist="50800" dir="2700000" algn="tl" rotWithShape="0">
+                    <a:prstClr val="black">
+                      <a:alpha val="65000"/>
+                    </a:prstClr>
+                  </a:outerShdw>
+                </a:effectLst>
+              </a:rPr>
+              <a:t>WISQARS</a:t>
+            </a:r>
+            <a:r>
+              <a:rPr lang="en-US" sz="4000" dirty="0">
+                <a:effectLst>
+                  <a:outerShdw blurRad="63500" dist="50800" dir="2700000" algn="tl" rotWithShape="0">
+                    <a:prstClr val="black">
+                      <a:alpha val="65000"/>
+                    </a:prstClr>
+                  </a:outerShdw>
+                </a:effectLst>
+              </a:rPr>
+              <a:t>™ </a:t>
+            </a:r>
+            <a:r>
+              <a:rPr lang="en-US" sz="3200" cap="none" dirty="0">
+                <a:effectLst>
+                  <a:outerShdw blurRad="63500" dist="50800" dir="2700000" algn="tl" rotWithShape="0">
+                    <a:prstClr val="black">
+                      <a:alpha val="65000"/>
+                    </a:prstClr>
+                  </a:outerShdw>
+                </a:effectLst>
+              </a:rPr>
+              <a:t>is an interactive, online database that provides fatal and nonfatal injury, violent death, and cost of injury data from a variety of trusted sources.</a:t>
+            </a:r>
+            <a:br>
+              <a:rPr lang="en-US" dirty="0">
+                <a:effectLst>
+                  <a:outerShdw blurRad="63500" dist="50800" dir="2700000" algn="tl" rotWithShape="0">
+                    <a:prstClr val="black">
+                      <a:alpha val="65000"/>
+                    </a:prstClr>
+                  </a:outerShdw>
+                </a:effectLst>
+              </a:rPr>
+            </a:br>
+            <a:endParaRPr lang="en-US" sz="4000" dirty="0">
+              <a:effectLst>
+                <a:outerShdw blurRad="63500" dist="50800" dir="2700000" algn="tl" rotWithShape="0">
+                  <a:prstClr val="black">
+                    <a:alpha val="65000"/>
+                  </a:prstClr>
+                </a:outerShdw>
+              </a:effectLst>
+            </a:endParaRPr>
+          </a:p>
+        </p:txBody>
+      </p:sp>
+      <p:sp>
+        <p:nvSpPr>
+          <p:cNvPr id="3" name="Content Placeholder 2">
+            <a:extLst>
+              <a:ext uri="{FF2B5EF4-FFF2-40B4-BE49-F238E27FC236}">
+                <a16:creationId xmlns:a16="http://schemas.microsoft.com/office/drawing/2014/main" id="{FD472CA1-E836-BF4A-9D06-8A9F2BD4AF1E}"/>
+              </a:ext>
+            </a:extLst>
+          </p:cNvPr>
+          <p:cNvSpPr>
+            <a:spLocks noGrp="1"/>
+          </p:cNvSpPr>
+          <p:nvPr>
+            <p:ph idx="1"/>
+          </p:nvPr>
+        </p:nvSpPr>
+        <p:spPr>
+          <a:xfrm>
+            <a:off x="1141412" y="2903621"/>
+            <a:ext cx="10809955" cy="3335861"/>
+          </a:xfrm>
+        </p:spPr>
+        <p:txBody>
+          <a:bodyPr>
+            <a:noAutofit/>
+          </a:bodyPr>
+          <a:lstStyle/>
+          <a:p>
+            <a:pPr marL="0" indent="0">
+              <a:lnSpc>
+                <a:spcPct val="100000"/>
+              </a:lnSpc>
+              <a:spcBef>
+                <a:spcPts val="0"/>
+              </a:spcBef>
+              <a:buNone/>
+            </a:pPr>
+            <a:r>
+              <a:rPr lang="en-US" sz="3200" dirty="0">
+                <a:effectLst>
+                  <a:outerShdw blurRad="63500" dist="50800" dir="2700000" algn="tl" rotWithShape="0">
+                    <a:prstClr val="black">
+                      <a:alpha val="65000"/>
+                    </a:prstClr>
+                  </a:outerShdw>
+                </a:effectLst>
+              </a:rPr>
+              <a:t>US Department of Health and Human Services, </a:t>
+            </a:r>
+          </a:p>
+          <a:p>
+            <a:pPr marL="457200" lvl="1" indent="0">
+              <a:lnSpc>
+                <a:spcPct val="100000"/>
+              </a:lnSpc>
+              <a:spcBef>
+                <a:spcPts val="0"/>
+              </a:spcBef>
+              <a:buNone/>
+            </a:pPr>
+            <a:r>
+              <a:rPr lang="en-US" sz="3200" dirty="0">
+                <a:effectLst>
+                  <a:outerShdw blurRad="63500" dist="50800" dir="2700000" algn="tl" rotWithShape="0">
+                    <a:prstClr val="black">
+                      <a:alpha val="65000"/>
+                    </a:prstClr>
+                  </a:outerShdw>
+                </a:effectLst>
+              </a:rPr>
+              <a:t>	Centers for Disease Control and Prevention (CDC)</a:t>
+            </a:r>
+          </a:p>
+          <a:p>
+            <a:pPr marL="914400" lvl="2" indent="0">
+              <a:lnSpc>
+                <a:spcPct val="100000"/>
+              </a:lnSpc>
+              <a:spcBef>
+                <a:spcPts val="0"/>
+              </a:spcBef>
+              <a:buNone/>
+            </a:pPr>
+            <a:r>
+              <a:rPr lang="en-US" sz="3200" dirty="0">
+                <a:effectLst>
+                  <a:outerShdw blurRad="63500" dist="50800" dir="2700000" algn="tl" rotWithShape="0">
+                    <a:prstClr val="black">
+                      <a:alpha val="65000"/>
+                    </a:prstClr>
+                  </a:outerShdw>
+                </a:effectLst>
+              </a:rPr>
+              <a:t>National Center for Injury Prevention and Control, </a:t>
+            </a:r>
+          </a:p>
+          <a:p>
+            <a:pPr marL="914400" lvl="2" indent="0">
+              <a:lnSpc>
+                <a:spcPct val="100000"/>
+              </a:lnSpc>
+              <a:spcBef>
+                <a:spcPts val="0"/>
+              </a:spcBef>
+              <a:buNone/>
+            </a:pPr>
+            <a:r>
+              <a:rPr lang="en-US" sz="3200" dirty="0">
+                <a:effectLst>
+                  <a:outerShdw blurRad="63500" dist="50800" dir="2700000" algn="tl" rotWithShape="0">
+                    <a:prstClr val="black">
+                      <a:alpha val="65000"/>
+                    </a:prstClr>
+                  </a:outerShdw>
+                </a:effectLst>
+              </a:rPr>
+              <a:t>Web-based Injury Statistics Query and Reporting System</a:t>
+            </a:r>
+          </a:p>
+          <a:p>
+            <a:pPr marL="1371600" lvl="3" indent="0">
+              <a:lnSpc>
+                <a:spcPct val="100000"/>
+              </a:lnSpc>
+              <a:spcBef>
+                <a:spcPts val="0"/>
+              </a:spcBef>
+              <a:buNone/>
+            </a:pPr>
+            <a:endParaRPr lang="en-US" sz="2800" dirty="0">
+              <a:effectLst>
+                <a:outerShdw blurRad="63500" dist="50800" dir="2700000" algn="tl" rotWithShape="0">
+                  <a:prstClr val="black">
+                    <a:alpha val="65000"/>
+                  </a:prstClr>
+                </a:outerShdw>
+              </a:effectLst>
+            </a:endParaRPr>
+          </a:p>
+          <a:p>
+            <a:pPr marL="0" indent="0">
+              <a:lnSpc>
+                <a:spcPct val="100000"/>
+              </a:lnSpc>
+              <a:spcBef>
+                <a:spcPts val="0"/>
+              </a:spcBef>
+              <a:buNone/>
+            </a:pPr>
+            <a:r>
+              <a:rPr lang="en-US" dirty="0">
+                <a:effectLst>
+                  <a:outerShdw blurRad="63500" dist="50800" dir="2700000" algn="tl" rotWithShape="0">
+                    <a:prstClr val="black">
+                      <a:alpha val="65000"/>
+                    </a:prstClr>
+                  </a:outerShdw>
+                </a:effectLst>
+              </a:rPr>
+              <a:t>last updated </a:t>
+            </a:r>
+            <a:r>
+              <a:rPr lang="en-US" dirty="0" err="1">
+                <a:effectLst>
+                  <a:outerShdw blurRad="63500" dist="50800" dir="2700000" algn="tl" rotWithShape="0">
+                    <a:prstClr val="black">
+                      <a:alpha val="65000"/>
+                    </a:prstClr>
+                  </a:outerShdw>
+                </a:effectLst>
+              </a:rPr>
+              <a:t>Januaray</a:t>
+            </a:r>
+            <a:r>
+              <a:rPr lang="en-US" dirty="0">
+                <a:effectLst>
+                  <a:outerShdw blurRad="63500" dist="50800" dir="2700000" algn="tl" rotWithShape="0">
+                    <a:prstClr val="black">
+                      <a:alpha val="65000"/>
+                    </a:prstClr>
+                  </a:outerShdw>
+                </a:effectLst>
+              </a:rPr>
+              <a:t> 18, 2019; accessed at  </a:t>
+            </a:r>
+            <a:r>
+              <a:rPr lang="en-US" u="sng" dirty="0">
+                <a:effectLst>
+                  <a:outerShdw blurRad="63500" dist="50800" dir="2700000" algn="tl" rotWithShape="0">
+                    <a:prstClr val="black">
+                      <a:alpha val="65000"/>
+                    </a:prstClr>
+                  </a:outerShdw>
+                </a:effectLst>
+                <a:hlinkClick r:id="rId2">
+                  <a:extLst>
+                    <a:ext uri="{A12FA001-AC4F-418D-AE19-62706E023703}">
+                      <ahyp:hlinkClr xmlns:ahyp="http://schemas.microsoft.com/office/drawing/2018/hyperlinkcolor" val="tx"/>
+                    </a:ext>
+                  </a:extLst>
+                </a:hlinkClick>
+              </a:rPr>
+              <a:t>https://webappa.cdc.gov/sasweb/ncipc/leadcause.html</a:t>
+            </a:r>
+            <a:endParaRPr lang="en-US" dirty="0">
+              <a:effectLst>
+                <a:outerShdw blurRad="63500" dist="50800" dir="2700000" algn="tl" rotWithShape="0">
+                  <a:prstClr val="black">
+                    <a:alpha val="65000"/>
+                  </a:prstClr>
+                </a:outerShdw>
+              </a:effectLst>
+            </a:endParaRPr>
+          </a:p>
+          <a:p>
+            <a:pPr marL="0" indent="0">
+              <a:lnSpc>
+                <a:spcPct val="100000"/>
+              </a:lnSpc>
+              <a:spcBef>
+                <a:spcPts val="0"/>
+              </a:spcBef>
+              <a:buNone/>
+            </a:pPr>
+            <a:endParaRPr lang="en-US" dirty="0">
+              <a:effectLst>
+                <a:outerShdw blurRad="63500" dist="50800" dir="2700000" algn="tl" rotWithShape="0">
+                  <a:prstClr val="black">
+                    <a:alpha val="65000"/>
+                  </a:prstClr>
+                </a:outerShdw>
+              </a:effectLst>
+            </a:endParaRPr>
+          </a:p>
+        </p:txBody>
+      </p:sp>
+      <p:sp>
+        <p:nvSpPr>
+          <p:cNvPr id="4" name="Right Arrow 3">
+            <a:extLst>
+              <a:ext uri="{FF2B5EF4-FFF2-40B4-BE49-F238E27FC236}">
+                <a16:creationId xmlns:a16="http://schemas.microsoft.com/office/drawing/2014/main" id="{70FFCF1D-638A-D04A-9856-60BCF7C98604}"/>
+              </a:ext>
+            </a:extLst>
+          </p:cNvPr>
+          <p:cNvSpPr/>
+          <p:nvPr/>
+        </p:nvSpPr>
+        <p:spPr>
+          <a:xfrm>
+            <a:off x="1467852" y="3525028"/>
+            <a:ext cx="577516" cy="336884"/>
+          </a:xfrm>
+          <a:prstGeom prst="rightArrow">
+            <a:avLst/>
+          </a:prstGeom>
+          <a:solidFill>
+            <a:schemeClr val="tx2">
+              <a:lumMod val="50000"/>
+            </a:schemeClr>
+          </a:solidFill>
+          <a:ln w="38100">
+            <a:solidFill>
+              <a:srgbClr val="4C1960"/>
+            </a:solidFill>
+          </a:ln>
+          <a:effectLst>
+            <a:outerShdw blurRad="50800" dist="38100" dir="2700000" algn="tl" rotWithShape="0">
+              <a:prstClr val="black">
+                <a:alpha val="40000"/>
+              </a:prstClr>
+            </a:outerShdw>
+          </a:effectLst>
+        </p:spPr>
+        <p:style>
+          <a:lnRef idx="2">
+            <a:schemeClr val="accent1">
+              <a:shade val="50000"/>
+            </a:schemeClr>
+          </a:lnRef>
+          <a:fillRef idx="1">
+            <a:schemeClr val="accent1"/>
+          </a:fillRef>
+          <a:effectRef idx="0">
+            <a:schemeClr val="accent1"/>
+          </a:effectRef>
+          <a:fontRef idx="minor">
+            <a:schemeClr val="lt1"/>
+          </a:fontRef>
+        </p:style>
+        <p:txBody>
+          <a:bodyPr rtlCol="0" anchor="ctr"/>
+          <a:lstStyle/>
+          <a:p>
+            <a:pPr algn="ctr"/>
+            <a:endParaRPr lang="en-US">
+              <a:solidFill>
+                <a:srgbClr val="4C1960"/>
+              </a:solidFill>
+              <a:effectLst>
+                <a:outerShdw blurRad="63500" dist="50800" dir="2700000" algn="tl" rotWithShape="0">
+                  <a:prstClr val="black">
+                    <a:alpha val="65000"/>
+                  </a:prstClr>
+                </a:outerShdw>
+              </a:effectLst>
+            </a:endParaRPr>
+          </a:p>
+        </p:txBody>
+      </p:sp>
+      <p:sp>
+        <p:nvSpPr>
+          <p:cNvPr id="5" name="Right Arrow 4">
+            <a:extLst>
+              <a:ext uri="{FF2B5EF4-FFF2-40B4-BE49-F238E27FC236}">
+                <a16:creationId xmlns:a16="http://schemas.microsoft.com/office/drawing/2014/main" id="{2D527F66-1832-844C-A4C5-20F32A2F82E2}"/>
+              </a:ext>
+            </a:extLst>
+          </p:cNvPr>
+          <p:cNvSpPr/>
+          <p:nvPr/>
+        </p:nvSpPr>
+        <p:spPr>
+          <a:xfrm>
+            <a:off x="1467852" y="4034589"/>
+            <a:ext cx="577516" cy="336884"/>
+          </a:xfrm>
+          <a:prstGeom prst="rightArrow">
+            <a:avLst/>
+          </a:prstGeom>
+          <a:solidFill>
+            <a:schemeClr val="tx2">
+              <a:lumMod val="50000"/>
+            </a:schemeClr>
+          </a:solidFill>
+          <a:ln w="38100">
+            <a:solidFill>
+              <a:srgbClr val="4C1960"/>
+            </a:solidFill>
+          </a:ln>
+          <a:effectLst>
+            <a:outerShdw blurRad="50800" dist="38100" dir="2700000" algn="tl" rotWithShape="0">
+              <a:prstClr val="black">
+                <a:alpha val="40000"/>
+              </a:prstClr>
+            </a:outerShdw>
+          </a:effectLst>
+        </p:spPr>
+        <p:style>
+          <a:lnRef idx="2">
+            <a:schemeClr val="accent1">
+              <a:shade val="50000"/>
+            </a:schemeClr>
+          </a:lnRef>
+          <a:fillRef idx="1">
+            <a:schemeClr val="accent1"/>
+          </a:fillRef>
+          <a:effectRef idx="0">
+            <a:schemeClr val="accent1"/>
+          </a:effectRef>
+          <a:fontRef idx="minor">
+            <a:schemeClr val="lt1"/>
+          </a:fontRef>
+        </p:style>
+        <p:txBody>
+          <a:bodyPr rtlCol="0" anchor="ctr"/>
+          <a:lstStyle/>
+          <a:p>
+            <a:pPr algn="ctr"/>
+            <a:endParaRPr lang="en-US">
+              <a:solidFill>
+                <a:srgbClr val="4C1960"/>
+              </a:solidFill>
+              <a:effectLst>
+                <a:outerShdw blurRad="63500" dist="50800" dir="2700000" algn="tl" rotWithShape="0">
+                  <a:prstClr val="black">
+                    <a:alpha val="65000"/>
+                  </a:prstClr>
+                </a:outerShdw>
+              </a:effectLst>
+            </a:endParaRPr>
+          </a:p>
+        </p:txBody>
+      </p:sp>
+      <p:sp>
+        <p:nvSpPr>
+          <p:cNvPr id="6" name="Right Arrow 5">
+            <a:extLst>
+              <a:ext uri="{FF2B5EF4-FFF2-40B4-BE49-F238E27FC236}">
+                <a16:creationId xmlns:a16="http://schemas.microsoft.com/office/drawing/2014/main" id="{4BCCB981-AC8E-9243-8265-1F270A3130DF}"/>
+              </a:ext>
+            </a:extLst>
+          </p:cNvPr>
+          <p:cNvSpPr/>
+          <p:nvPr/>
+        </p:nvSpPr>
+        <p:spPr>
+          <a:xfrm>
+            <a:off x="1467852" y="4507575"/>
+            <a:ext cx="577516" cy="336884"/>
+          </a:xfrm>
+          <a:prstGeom prst="rightArrow">
+            <a:avLst/>
+          </a:prstGeom>
+          <a:solidFill>
+            <a:schemeClr val="tx2">
+              <a:lumMod val="50000"/>
+            </a:schemeClr>
+          </a:solidFill>
+          <a:ln w="38100">
+            <a:solidFill>
+              <a:srgbClr val="4C1960"/>
+            </a:solidFill>
+          </a:ln>
+          <a:effectLst>
+            <a:outerShdw blurRad="50800" dist="38100" dir="2700000" algn="tl" rotWithShape="0">
+              <a:prstClr val="black">
+                <a:alpha val="40000"/>
+              </a:prstClr>
+            </a:outerShdw>
+          </a:effectLst>
+        </p:spPr>
+        <p:style>
+          <a:lnRef idx="2">
+            <a:schemeClr val="accent1">
+              <a:shade val="50000"/>
+            </a:schemeClr>
+          </a:lnRef>
+          <a:fillRef idx="1">
+            <a:schemeClr val="accent1"/>
+          </a:fillRef>
+          <a:effectRef idx="0">
+            <a:schemeClr val="accent1"/>
+          </a:effectRef>
+          <a:fontRef idx="minor">
+            <a:schemeClr val="lt1"/>
+          </a:fontRef>
+        </p:style>
+        <p:txBody>
+          <a:bodyPr rtlCol="0" anchor="ctr"/>
+          <a:lstStyle/>
+          <a:p>
+            <a:pPr algn="ctr"/>
+            <a:endParaRPr lang="en-US">
+              <a:solidFill>
+                <a:srgbClr val="4C1960"/>
+              </a:solidFill>
+              <a:effectLst>
+                <a:outerShdw blurRad="63500" dist="50800" dir="2700000" algn="tl" rotWithShape="0">
+                  <a:prstClr val="black">
+                    <a:alpha val="65000"/>
+                  </a:prstClr>
+                </a:outerShdw>
+              </a:effectLst>
+            </a:endParaRPr>
+          </a:p>
+        </p:txBody>
+      </p:sp>
+    </p:spTree>
+    <p:extLst>
+      <p:ext uri="{BB962C8B-B14F-4D97-AF65-F5344CB8AC3E}">
+        <p14:creationId xmlns:p14="http://schemas.microsoft.com/office/powerpoint/2010/main" val="3097895245"/>
+      </p:ext>
+    </p:extLst>
+  </p:cSld>
+  <p:clrMapOvr>
+    <a:masterClrMapping/>
+  </p:clrMapOvr>
+</p:sld>
+</file>
+
+<file path=ppt/slides/slide5.xml><?xml version="1.0" encoding="utf-8"?>
+<p:sld xmlns:a="http://schemas.openxmlformats.org/drawingml/2006/main" xmlns:r="http://schemas.openxmlformats.org/officeDocument/2006/relationships" xmlns:p="http://schemas.openxmlformats.org/presentationml/2006/main">
+  <p:cSld>
+    <p:spTree>
+      <p:nvGrpSpPr>
+        <p:cNvPr id="1" name=""/>
+        <p:cNvGrpSpPr/>
+        <p:nvPr/>
+      </p:nvGrpSpPr>
+      <p:grpSpPr>
+        <a:xfrm>
+          <a:off x="0" y="0"/>
+          <a:ext cx="0" cy="0"/>
+          <a:chOff x="0" y="0"/>
+          <a:chExt cx="0" cy="0"/>
+        </a:xfrm>
+      </p:grpSpPr>
+      <p:sp>
+        <p:nvSpPr>
+          <p:cNvPr id="2" name="Title 1">
+            <a:extLst>
+              <a:ext uri="{FF2B5EF4-FFF2-40B4-BE49-F238E27FC236}">
+                <a16:creationId xmlns:a16="http://schemas.microsoft.com/office/drawing/2014/main" id="{E555962B-106D-AB4A-ABC5-A69D52AAC7C6}"/>
+              </a:ext>
+            </a:extLst>
+          </p:cNvPr>
+          <p:cNvSpPr>
+            <a:spLocks noGrp="1"/>
+          </p:cNvSpPr>
+          <p:nvPr>
+            <p:ph type="title"/>
+          </p:nvPr>
+        </p:nvSpPr>
+        <p:spPr/>
+        <p:txBody>
+          <a:bodyPr>
+            <a:normAutofit/>
+          </a:bodyPr>
+          <a:lstStyle/>
+          <a:p>
+            <a:r>
+              <a:rPr lang="en-US" sz="4000" dirty="0">
+                <a:effectLst>
+                  <a:outerShdw blurRad="63500" dist="50800" dir="2700000" algn="tl" rotWithShape="0">
+                    <a:srgbClr val="4C1960">
+                      <a:alpha val="65000"/>
+                    </a:srgbClr>
+                  </a:outerShdw>
+                </a:effectLst>
+              </a:rPr>
+              <a:t>CDC  –  WONDER </a:t>
+            </a:r>
+          </a:p>
+        </p:txBody>
+      </p:sp>
+      <p:sp>
+        <p:nvSpPr>
+          <p:cNvPr id="3" name="Content Placeholder 2">
+            <a:extLst>
+              <a:ext uri="{FF2B5EF4-FFF2-40B4-BE49-F238E27FC236}">
+                <a16:creationId xmlns:a16="http://schemas.microsoft.com/office/drawing/2014/main" id="{FD472CA1-E836-BF4A-9D06-8A9F2BD4AF1E}"/>
+              </a:ext>
+            </a:extLst>
+          </p:cNvPr>
+          <p:cNvSpPr>
+            <a:spLocks noGrp="1"/>
+          </p:cNvSpPr>
+          <p:nvPr>
+            <p:ph idx="1"/>
+          </p:nvPr>
+        </p:nvSpPr>
+        <p:spPr>
+          <a:xfrm>
+            <a:off x="1796339" y="1742367"/>
+            <a:ext cx="8596145" cy="4556856"/>
+          </a:xfrm>
+        </p:spPr>
+        <p:txBody>
+          <a:bodyPr>
+            <a:noAutofit/>
+          </a:bodyPr>
+          <a:lstStyle/>
+          <a:p>
+            <a:pPr marL="0" indent="0">
+              <a:buNone/>
+            </a:pPr>
+            <a:r>
+              <a:rPr lang="en-US" sz="3200" dirty="0">
+                <a:effectLst>
+                  <a:outerShdw blurRad="63500" dist="50800" dir="2700000" algn="tl" rotWithShape="0">
+                    <a:srgbClr val="4C1960">
+                      <a:alpha val="65000"/>
+                    </a:srgbClr>
+                  </a:outerShdw>
+                </a:effectLst>
+              </a:rPr>
+              <a:t>US Department of Health and Human Services, </a:t>
+            </a:r>
+          </a:p>
+          <a:p>
+            <a:pPr marL="457200" lvl="1" indent="0">
+              <a:buNone/>
+            </a:pPr>
+            <a:r>
+              <a:rPr lang="en-US" sz="3200" dirty="0">
+                <a:effectLst>
+                  <a:outerShdw blurRad="63500" dist="50800" dir="2700000" algn="tl" rotWithShape="0">
+                    <a:srgbClr val="4C1960">
+                      <a:alpha val="65000"/>
+                    </a:srgbClr>
+                  </a:outerShdw>
+                </a:effectLst>
+              </a:rPr>
+              <a:t>	Centers for Disease Control and Prevention, </a:t>
+            </a:r>
+          </a:p>
+          <a:p>
+            <a:pPr marL="914400" lvl="2" indent="0">
+              <a:buNone/>
+            </a:pPr>
+            <a:r>
+              <a:rPr lang="en-US" sz="3200" dirty="0">
+                <a:effectLst>
+                  <a:outerShdw blurRad="63500" dist="50800" dir="2700000" algn="tl" rotWithShape="0">
+                    <a:srgbClr val="4C1960">
+                      <a:alpha val="65000"/>
+                    </a:srgbClr>
+                  </a:outerShdw>
+                </a:effectLst>
+              </a:rPr>
+              <a:t>	CDC Wide-ranging </a:t>
+            </a:r>
+            <a:r>
+              <a:rPr lang="en-US" sz="3200" dirty="0" err="1">
+                <a:effectLst>
+                  <a:outerShdw blurRad="63500" dist="50800" dir="2700000" algn="tl" rotWithShape="0">
+                    <a:srgbClr val="4C1960">
+                      <a:alpha val="65000"/>
+                    </a:srgbClr>
+                  </a:outerShdw>
+                </a:effectLst>
+              </a:rPr>
+              <a:t>ONline</a:t>
+            </a:r>
+            <a:r>
+              <a:rPr lang="en-US" sz="3200" dirty="0">
+                <a:effectLst>
+                  <a:outerShdw blurRad="63500" dist="50800" dir="2700000" algn="tl" rotWithShape="0">
+                    <a:srgbClr val="4C1960">
+                      <a:alpha val="65000"/>
+                    </a:srgbClr>
+                  </a:outerShdw>
+                </a:effectLst>
+              </a:rPr>
+              <a:t> Data for 	Epidemiologic Research</a:t>
+            </a:r>
+          </a:p>
+          <a:p>
+            <a:pPr marL="914400" lvl="2" indent="0">
+              <a:buNone/>
+            </a:pPr>
+            <a:endParaRPr lang="en-US" dirty="0">
+              <a:effectLst>
+                <a:outerShdw blurRad="63500" dist="50800" dir="2700000" algn="tl" rotWithShape="0">
+                  <a:srgbClr val="4C1960">
+                    <a:alpha val="65000"/>
+                  </a:srgbClr>
+                </a:outerShdw>
+              </a:effectLst>
+            </a:endParaRPr>
+          </a:p>
+          <a:p>
+            <a:r>
+              <a:rPr lang="en-US" sz="2000" dirty="0">
+                <a:effectLst>
+                  <a:outerShdw blurRad="63500" dist="50800" dir="2700000" algn="tl" rotWithShape="0">
+                    <a:srgbClr val="4C1960">
+                      <a:alpha val="65000"/>
+                    </a:srgbClr>
+                  </a:outerShdw>
+                </a:effectLst>
+              </a:rPr>
+              <a:t>last reviewed December 18, 2018, accessed at https://</a:t>
+            </a:r>
+            <a:r>
+              <a:rPr lang="en-US" sz="2000" dirty="0" err="1">
+                <a:effectLst>
+                  <a:outerShdw blurRad="63500" dist="50800" dir="2700000" algn="tl" rotWithShape="0">
+                    <a:srgbClr val="4C1960">
+                      <a:alpha val="65000"/>
+                    </a:srgbClr>
+                  </a:outerShdw>
+                </a:effectLst>
+              </a:rPr>
+              <a:t>wonder.cdc.gov</a:t>
+            </a:r>
+            <a:r>
+              <a:rPr lang="en-US" sz="2000" dirty="0">
+                <a:effectLst>
+                  <a:outerShdw blurRad="63500" dist="50800" dir="2700000" algn="tl" rotWithShape="0">
+                    <a:srgbClr val="4C1960">
+                      <a:alpha val="65000"/>
+                    </a:srgbClr>
+                  </a:outerShdw>
+                </a:effectLst>
+              </a:rPr>
+              <a:t>/controller/</a:t>
+            </a:r>
+            <a:r>
+              <a:rPr lang="en-US" sz="2000" dirty="0" err="1">
+                <a:effectLst>
+                  <a:outerShdw blurRad="63500" dist="50800" dir="2700000" algn="tl" rotWithShape="0">
+                    <a:srgbClr val="4C1960">
+                      <a:alpha val="65000"/>
+                    </a:srgbClr>
+                  </a:outerShdw>
+                </a:effectLst>
+              </a:rPr>
+              <a:t>datarequest</a:t>
+            </a:r>
+            <a:r>
+              <a:rPr lang="en-US" sz="2000" dirty="0">
+                <a:effectLst>
+                  <a:outerShdw blurRad="63500" dist="50800" dir="2700000" algn="tl" rotWithShape="0">
+                    <a:srgbClr val="4C1960">
+                      <a:alpha val="65000"/>
+                    </a:srgbClr>
+                  </a:outerShdw>
+                </a:effectLst>
+              </a:rPr>
+              <a:t>/D76;jsessionid=E5FCE4EAF6848EBA89A050D538B446A0</a:t>
+            </a:r>
+          </a:p>
+          <a:p>
+            <a:endParaRPr lang="en-US" dirty="0">
+              <a:effectLst>
+                <a:outerShdw blurRad="63500" dist="50800" dir="2700000" algn="tl" rotWithShape="0">
+                  <a:srgbClr val="4C1960">
+                    <a:alpha val="65000"/>
+                  </a:srgbClr>
+                </a:outerShdw>
+              </a:effectLst>
+            </a:endParaRPr>
+          </a:p>
+        </p:txBody>
+      </p:sp>
+      <p:sp>
+        <p:nvSpPr>
+          <p:cNvPr id="4" name="Right Arrow 3">
+            <a:extLst>
+              <a:ext uri="{FF2B5EF4-FFF2-40B4-BE49-F238E27FC236}">
+                <a16:creationId xmlns:a16="http://schemas.microsoft.com/office/drawing/2014/main" id="{32514254-8384-BF40-A67D-4560B85EC227}"/>
+              </a:ext>
+            </a:extLst>
+          </p:cNvPr>
+          <p:cNvSpPr/>
+          <p:nvPr/>
+        </p:nvSpPr>
+        <p:spPr>
+          <a:xfrm>
+            <a:off x="2085474" y="2566737"/>
+            <a:ext cx="577516" cy="336884"/>
+          </a:xfrm>
+          <a:prstGeom prst="rightArrow">
+            <a:avLst/>
+          </a:prstGeom>
+          <a:solidFill>
+            <a:schemeClr val="tx2">
+              <a:lumMod val="50000"/>
+            </a:schemeClr>
+          </a:solidFill>
+          <a:ln w="38100">
+            <a:solidFill>
+              <a:srgbClr val="4C1960"/>
+            </a:solidFill>
+          </a:ln>
+          <a:effectLst>
+            <a:outerShdw blurRad="50800" dist="38100" dir="2700000" algn="tl" rotWithShape="0">
+              <a:prstClr val="black">
+                <a:alpha val="40000"/>
+              </a:prstClr>
+            </a:outerShdw>
+          </a:effectLst>
+        </p:spPr>
+        <p:style>
+          <a:lnRef idx="2">
+            <a:schemeClr val="accent1">
+              <a:shade val="50000"/>
+            </a:schemeClr>
+          </a:lnRef>
+          <a:fillRef idx="1">
+            <a:schemeClr val="accent1"/>
+          </a:fillRef>
+          <a:effectRef idx="0">
+            <a:schemeClr val="accent1"/>
+          </a:effectRef>
+          <a:fontRef idx="minor">
+            <a:schemeClr val="lt1"/>
+          </a:fontRef>
+        </p:style>
+        <p:txBody>
+          <a:bodyPr rtlCol="0" anchor="ctr"/>
+          <a:lstStyle/>
+          <a:p>
+            <a:pPr algn="ctr"/>
+            <a:endParaRPr lang="en-US">
+              <a:solidFill>
+                <a:srgbClr val="4C1960"/>
+              </a:solidFill>
+              <a:effectLst>
+                <a:outerShdw blurRad="63500" dist="50800" dir="2700000" algn="tl" rotWithShape="0">
+                  <a:srgbClr val="4C1960">
+                    <a:alpha val="65000"/>
+                  </a:srgbClr>
+                </a:outerShdw>
+              </a:effectLst>
+            </a:endParaRPr>
+          </a:p>
+        </p:txBody>
+      </p:sp>
+      <p:sp>
+        <p:nvSpPr>
+          <p:cNvPr id="5" name="Right Arrow 4">
+            <a:extLst>
+              <a:ext uri="{FF2B5EF4-FFF2-40B4-BE49-F238E27FC236}">
+                <a16:creationId xmlns:a16="http://schemas.microsoft.com/office/drawing/2014/main" id="{C631EAB2-F844-5246-BE66-C48B0B662C50}"/>
+              </a:ext>
+            </a:extLst>
+          </p:cNvPr>
+          <p:cNvSpPr/>
+          <p:nvPr/>
+        </p:nvSpPr>
+        <p:spPr>
+          <a:xfrm>
+            <a:off x="2991853" y="3204895"/>
+            <a:ext cx="577516" cy="336884"/>
+          </a:xfrm>
+          <a:prstGeom prst="rightArrow">
+            <a:avLst/>
+          </a:prstGeom>
+          <a:solidFill>
+            <a:schemeClr val="tx2">
+              <a:lumMod val="50000"/>
+            </a:schemeClr>
+          </a:solidFill>
+          <a:ln w="38100">
+            <a:solidFill>
+              <a:srgbClr val="4C1960"/>
+            </a:solidFill>
+          </a:ln>
+          <a:effectLst>
+            <a:outerShdw blurRad="50800" dist="38100" dir="2700000" algn="tl" rotWithShape="0">
+              <a:prstClr val="black">
+                <a:alpha val="40000"/>
+              </a:prstClr>
+            </a:outerShdw>
+          </a:effectLst>
+        </p:spPr>
+        <p:style>
+          <a:lnRef idx="2">
+            <a:schemeClr val="accent1">
+              <a:shade val="50000"/>
+            </a:schemeClr>
+          </a:lnRef>
+          <a:fillRef idx="1">
+            <a:schemeClr val="accent1"/>
+          </a:fillRef>
+          <a:effectRef idx="0">
+            <a:schemeClr val="accent1"/>
+          </a:effectRef>
+          <a:fontRef idx="minor">
+            <a:schemeClr val="lt1"/>
+          </a:fontRef>
+        </p:style>
+        <p:txBody>
+          <a:bodyPr rtlCol="0" anchor="ctr"/>
+          <a:lstStyle/>
+          <a:p>
+            <a:pPr algn="ctr"/>
+            <a:endParaRPr lang="en-US">
+              <a:solidFill>
+                <a:srgbClr val="4C1960"/>
+              </a:solidFill>
+              <a:effectLst>
+                <a:outerShdw blurRad="63500" dist="50800" dir="2700000" algn="tl" rotWithShape="0">
+                  <a:srgbClr val="4C1960">
+                    <a:alpha val="65000"/>
+                  </a:srgbClr>
+                </a:outerShdw>
+              </a:effectLst>
+            </a:endParaRPr>
+          </a:p>
+        </p:txBody>
+      </p:sp>
+    </p:spTree>
+    <p:extLst>
+      <p:ext uri="{BB962C8B-B14F-4D97-AF65-F5344CB8AC3E}">
+        <p14:creationId xmlns:p14="http://schemas.microsoft.com/office/powerpoint/2010/main" val="651015184"/>
       </p:ext>
     </p:extLst>
   </p:cSld>
@@ -16152,29 +18239,97 @@
           <a:p>
             <a:pPr lvl="0"/>
             <a:r>
-              <a:rPr lang="en-US" sz="3200" cap="none" dirty="0"/>
+              <a:rPr lang="en-US" sz="2800" cap="none" dirty="0">
+                <a:effectLst>
+                  <a:outerShdw blurRad="63500" dist="50800" dir="2700000" algn="tl" rotWithShape="0">
+                    <a:srgbClr val="4C1960">
+                      <a:alpha val="65000"/>
+                    </a:srgbClr>
+                  </a:outerShdw>
+                </a:effectLst>
+              </a:rPr>
               <a:t>     Similar data values retrieved from </a:t>
             </a:r>
             <a:br>
-              <a:rPr lang="en-US" sz="3200" cap="none" dirty="0"/>
+              <a:rPr lang="en-US" sz="2800" cap="none" dirty="0">
+                <a:effectLst>
+                  <a:outerShdw blurRad="63500" dist="50800" dir="2700000" algn="tl" rotWithShape="0">
+                    <a:srgbClr val="4C1960">
+                      <a:alpha val="65000"/>
+                    </a:srgbClr>
+                  </a:outerShdw>
+                </a:effectLst>
+              </a:rPr>
             </a:br>
             <a:r>
-              <a:rPr lang="en-US" sz="3200" cap="none" dirty="0"/>
+              <a:rPr lang="en-US" sz="2800" cap="none" dirty="0">
+                <a:effectLst>
+                  <a:outerShdw blurRad="63500" dist="50800" dir="2700000" algn="tl" rotWithShape="0">
+                    <a:srgbClr val="4C1960">
+                      <a:alpha val="65000"/>
+                    </a:srgbClr>
+                  </a:outerShdw>
+                </a:effectLst>
+              </a:rPr>
               <a:t>Treatment Episode Data Set (TEDS) (by ICD-9 code) and</a:t>
             </a:r>
             <a:br>
-              <a:rPr lang="en-US" sz="3200" cap="none" dirty="0"/>
+              <a:rPr lang="en-US" sz="2800" cap="none" dirty="0">
+                <a:effectLst>
+                  <a:outerShdw blurRad="63500" dist="50800" dir="2700000" algn="tl" rotWithShape="0">
+                    <a:srgbClr val="4C1960">
+                      <a:alpha val="65000"/>
+                    </a:srgbClr>
+                  </a:outerShdw>
+                </a:effectLst>
+              </a:rPr>
             </a:br>
             <a:r>
-              <a:rPr lang="en-US" sz="3200" cap="none" dirty="0"/>
+              <a:rPr lang="en-US" sz="2800" cap="none" dirty="0">
+                <a:effectLst>
+                  <a:outerShdw blurRad="63500" dist="50800" dir="2700000" algn="tl" rotWithShape="0">
+                    <a:srgbClr val="4C1960">
+                      <a:alpha val="65000"/>
+                    </a:srgbClr>
+                  </a:outerShdw>
+                </a:effectLst>
+              </a:rPr>
               <a:t>National Committee on Vital and Health Statistics </a:t>
             </a:r>
             <a:br>
-              <a:rPr lang="en-US" sz="3200" cap="none" dirty="0"/>
+              <a:rPr lang="en-US" sz="2800" cap="none" dirty="0">
+                <a:effectLst>
+                  <a:outerShdw blurRad="63500" dist="50800" dir="2700000" algn="tl" rotWithShape="0">
+                    <a:srgbClr val="4C1960">
+                      <a:alpha val="65000"/>
+                    </a:srgbClr>
+                  </a:outerShdw>
+                </a:effectLst>
+              </a:rPr>
             </a:br>
             <a:r>
-              <a:rPr lang="en-US" sz="3200" cap="none" dirty="0"/>
-              <a:t>     indicating derived from same reporting.</a:t>
+              <a:rPr lang="en-US" sz="2800" cap="none" dirty="0">
+                <a:effectLst>
+                  <a:outerShdw blurRad="63500" dist="50800" dir="2700000" algn="tl" rotWithShape="0">
+                    <a:srgbClr val="4C1960">
+                      <a:alpha val="65000"/>
+                    </a:srgbClr>
+                  </a:outerShdw>
+                </a:effectLst>
+              </a:rPr>
+              <a:t>     indicating derived from same reporting</a:t>
+            </a:r>
+            <a:r>
+              <a:rPr lang="en-US" sz="3200" cap="none" dirty="0">
+                <a:effectLst>
+                  <a:outerShdw blurRad="63500" dist="50800" dir="2700000" algn="tl" rotWithShape="0">
+                    <a:srgbClr val="4C1960">
+                      <a:alpha val="65000"/>
+                    </a:srgbClr>
+                  </a:outerShdw>
+                </a:effectLst>
+              </a:rPr>
+              <a:t>.</a:t>
             </a:r>
           </a:p>
         </p:txBody>
@@ -16206,15 +18361,39 @@
           <a:lstStyle/>
           <a:p>
             <a:r>
-              <a:rPr lang="en-US" dirty="0"/>
+              <a:rPr lang="en-US" dirty="0">
+                <a:effectLst>
+                  <a:outerShdw blurRad="63500" dist="50800" dir="2700000" algn="tl" rotWithShape="0">
+                    <a:srgbClr val="4C1960">
+                      <a:alpha val="65000"/>
+                    </a:srgbClr>
+                  </a:outerShdw>
+                </a:effectLst>
+              </a:rPr>
               <a:t>accessed at https://</a:t>
             </a:r>
             <a:r>
-              <a:rPr lang="en-US" dirty="0" err="1"/>
+              <a:rPr lang="en-US" dirty="0" err="1">
+                <a:effectLst>
+                  <a:outerShdw blurRad="63500" dist="50800" dir="2700000" algn="tl" rotWithShape="0">
+                    <a:srgbClr val="4C1960">
+                      <a:alpha val="65000"/>
+                    </a:srgbClr>
+                  </a:outerShdw>
+                </a:effectLst>
+              </a:rPr>
               <a:t>findtreatment.samhsa.gov</a:t>
             </a:r>
             <a:r>
-              <a:rPr lang="en-US" dirty="0"/>
+              <a:rPr lang="en-US" dirty="0">
+                <a:effectLst>
+                  <a:outerShdw blurRad="63500" dist="50800" dir="2700000" algn="tl" rotWithShape="0">
+                    <a:srgbClr val="4C1960">
+                      <a:alpha val="65000"/>
+                    </a:srgbClr>
+                  </a:outerShdw>
+                </a:effectLst>
+              </a:rPr>
               <a:t>/locator</a:t>
             </a:r>
           </a:p>
@@ -16268,30 +18447,76 @@
           </a:lstStyle>
           <a:p>
             <a:r>
-              <a:rPr lang="en-US" cap="none" dirty="0"/>
+              <a:rPr lang="en-US" cap="none" dirty="0">
+                <a:effectLst>
+                  <a:outerShdw blurRad="63500" dist="50800" dir="2700000" algn="tl" rotWithShape="0">
+                    <a:srgbClr val="4C1960">
+                      <a:alpha val="65000"/>
+                    </a:srgbClr>
+                  </a:outerShdw>
+                </a:effectLst>
+              </a:rPr>
               <a:t>U.S. Department of Health and Human Services</a:t>
             </a:r>
+          </a:p>
+          <a:p>
             <a:br>
-              <a:rPr lang="en-US" cap="none" dirty="0"/>
+              <a:rPr lang="en-US" cap="none" dirty="0">
+                <a:effectLst>
+                  <a:outerShdw blurRad="63500" dist="50800" dir="2700000" algn="tl" rotWithShape="0">
+                    <a:srgbClr val="4C1960">
+                      <a:alpha val="65000"/>
+                    </a:srgbClr>
+                  </a:outerShdw>
+                </a:effectLst>
+              </a:rPr>
             </a:br>
             <a:r>
-              <a:rPr lang="en-US" cap="none" dirty="0"/>
-              <a:t>Substance Abuse and Mental Health Services Administration</a:t>
-            </a:r>
+              <a:rPr lang="en-US" cap="none" dirty="0">
+                <a:effectLst>
+                  <a:outerShdw blurRad="63500" dist="50800" dir="2700000" algn="tl" rotWithShape="0">
+                    <a:srgbClr val="4C1960">
+                      <a:alpha val="65000"/>
+                    </a:srgbClr>
+                  </a:outerShdw>
+                </a:effectLst>
+              </a:rPr>
+              <a:t>Substance Abuse &amp; Mental Health Services Administration</a:t>
+            </a:r>
+          </a:p>
+          <a:p>
             <a:br>
-              <a:rPr lang="en-US" cap="none" dirty="0"/>
+              <a:rPr lang="en-US" cap="none" dirty="0">
+                <a:effectLst>
+                  <a:outerShdw blurRad="63500" dist="50800" dir="2700000" algn="tl" rotWithShape="0">
+                    <a:srgbClr val="4C1960">
+                      <a:alpha val="65000"/>
+                    </a:srgbClr>
+                  </a:outerShdw>
+                </a:effectLst>
+              </a:rPr>
             </a:br>
             <a:r>
-              <a:rPr lang="en-US" cap="none" dirty="0"/>
-              <a:t>locator map</a:t>
-            </a:r>
-            <a:br>
-              <a:rPr lang="en-US" cap="none" dirty="0"/>
-            </a:br>
-            <a:br>
-              <a:rPr lang="en-US" dirty="0"/>
-            </a:br>
-            <a:endParaRPr lang="en-US" dirty="0"/>
+              <a:rPr lang="en-US" cap="none" dirty="0">
+                <a:effectLst>
+                  <a:outerShdw blurRad="63500" dist="50800" dir="2700000" algn="tl" rotWithShape="0">
+                    <a:srgbClr val="4C1960">
+                      <a:alpha val="65000"/>
+                    </a:srgbClr>
+                  </a:outerShdw>
+                </a:effectLst>
+              </a:rPr>
+              <a:t>Locator Map</a:t>
+            </a:r>
+            <a:endParaRPr lang="en-US" dirty="0">
+              <a:effectLst>
+                <a:outerShdw blurRad="63500" dist="50800" dir="2700000" algn="tl" rotWithShape="0">
+                  <a:srgbClr val="4C1960">
+                    <a:alpha val="65000"/>
+                  </a:srgbClr>
+                </a:outerShdw>
+              </a:effectLst>
+            </a:endParaRPr>
           </a:p>
         </p:txBody>
       </p:sp>
@@ -16330,7 +18555,7 @@
           <p:cNvPr id="2" name="Title 1">
             <a:extLst>
               <a:ext uri="{FF2B5EF4-FFF2-40B4-BE49-F238E27FC236}">
-                <a16:creationId xmlns:a16="http://schemas.microsoft.com/office/drawing/2014/main" id="{E555962B-106D-AB4A-ABC5-A69D52AAC7C6}"/>
+                <a16:creationId xmlns:a16="http://schemas.microsoft.com/office/drawing/2014/main" id="{473BC2F7-7CCF-8343-9F10-18D07017B60F}"/>
               </a:ext>
             </a:extLst>
           </p:cNvPr>
@@ -16343,80 +18568,263 @@
         </p:nvSpPr>
         <p:spPr>
           <a:xfrm>
-            <a:off x="1141413" y="923316"/>
-            <a:ext cx="9905998" cy="1903880"/>
+            <a:off x="1141456" y="609599"/>
+            <a:ext cx="9905955" cy="5358064"/>
           </a:xfrm>
         </p:spPr>
         <p:txBody>
           <a:bodyPr>
-            <a:noAutofit/>
+            <a:normAutofit/>
           </a:bodyPr>
           <a:lstStyle/>
           <a:p>
-            <a:r>
-              <a:rPr lang="en-US" sz="4000" dirty="0">
-                <a:effectLst>
-                  <a:outerShdw blurRad="63500" dist="63500" dir="2700000" algn="tl" rotWithShape="0">
-                    <a:srgbClr val="4C1960">
-                      <a:alpha val="40000"/>
-                    </a:srgbClr>
-                  </a:outerShdw>
-                </a:effectLst>
-              </a:rPr>
-              <a:t>CDC's </a:t>
-            </a:r>
-            <a:r>
-              <a:rPr lang="en-US" sz="4000" b="1" dirty="0">
-                <a:effectLst>
-                  <a:outerShdw blurRad="63500" dist="63500" dir="2700000" algn="tl" rotWithShape="0">
-                    <a:srgbClr val="4C1960">
-                      <a:alpha val="40000"/>
-                    </a:srgbClr>
-                  </a:outerShdw>
-                </a:effectLst>
-              </a:rPr>
-              <a:t>WISQARS</a:t>
-            </a:r>
-            <a:r>
-              <a:rPr lang="en-US" sz="4000" dirty="0">
-                <a:effectLst>
-                  <a:outerShdw blurRad="63500" dist="63500" dir="2700000" algn="tl" rotWithShape="0">
-                    <a:srgbClr val="4C1960">
-                      <a:alpha val="40000"/>
-                    </a:srgbClr>
-                  </a:outerShdw>
-                </a:effectLst>
-              </a:rPr>
-              <a:t>™ </a:t>
-            </a:r>
-            <a:r>
-              <a:rPr lang="en-US" sz="3200" cap="none" dirty="0">
-                <a:effectLst>
-                  <a:outerShdw blurRad="63500" dist="63500" dir="2700000" algn="tl" rotWithShape="0">
-                    <a:srgbClr val="4C1960">
-                      <a:alpha val="40000"/>
-                    </a:srgbClr>
-                  </a:outerShdw>
-                </a:effectLst>
-              </a:rPr>
-              <a:t>is an interactive, online database that provides fatal and nonfatal injury, violent death, and cost of injury data from a variety of trusted sources.</a:t>
+            <a:pPr fontAlgn="base"/>
+            <a:r>
+              <a:rPr lang="en-US" cap="none" dirty="0">
+                <a:effectLst>
+                  <a:outerShdw blurRad="63500" dist="50800" dir="2700000" algn="tl" rotWithShape="0">
+                    <a:srgbClr val="4C1960">
+                      <a:alpha val="65000"/>
+                    </a:srgbClr>
+                  </a:outerShdw>
+                </a:effectLst>
+              </a:rPr>
+              <a:t>United Nations Development Program:</a:t>
             </a:r>
             <a:br>
-              <a:rPr lang="en-US" dirty="0">
-                <a:effectLst>
-                  <a:outerShdw blurRad="63500" dist="63500" dir="2700000" algn="tl" rotWithShape="0">
-                    <a:srgbClr val="4C1960">
-                      <a:alpha val="40000"/>
+              <a:rPr lang="en-US" cap="none" dirty="0">
+                <a:effectLst>
+                  <a:outerShdw blurRad="63500" dist="50800" dir="2700000" algn="tl" rotWithShape="0">
+                    <a:srgbClr val="4C1960">
+                      <a:alpha val="65000"/>
                     </a:srgbClr>
                   </a:outerShdw>
                 </a:effectLst>
               </a:rPr>
             </a:br>
-            <a:endParaRPr lang="en-US" sz="4000" dirty="0">
+            <a:r>
+              <a:rPr lang="en-US" cap="none" dirty="0">
+                <a:effectLst>
+                  <a:outerShdw blurRad="63500" dist="50800" dir="2700000" algn="tl" rotWithShape="0">
+                    <a:srgbClr val="4C1960">
+                      <a:alpha val="65000"/>
+                    </a:srgbClr>
+                  </a:outerShdw>
+                </a:effectLst>
+              </a:rPr>
+              <a:t>     Human development index (HDI). </a:t>
+            </a:r>
+            <a:br>
+              <a:rPr lang="en-US" cap="none" dirty="0">
+                <a:effectLst>
+                  <a:outerShdw blurRad="63500" dist="50800" dir="2700000" algn="tl" rotWithShape="0">
+                    <a:srgbClr val="4C1960">
+                      <a:alpha val="65000"/>
+                    </a:srgbClr>
+                  </a:outerShdw>
+                </a:effectLst>
+              </a:rPr>
+            </a:br>
+            <a:br>
+              <a:rPr lang="en-US" sz="1800" cap="none" dirty="0">
+                <a:effectLst>
+                  <a:outerShdw blurRad="63500" dist="50800" dir="2700000" algn="tl" rotWithShape="0">
+                    <a:srgbClr val="4C1960">
+                      <a:alpha val="65000"/>
+                    </a:srgbClr>
+                  </a:outerShdw>
+                </a:effectLst>
+              </a:rPr>
+            </a:br>
+            <a:r>
+              <a:rPr lang="en-US" cap="none" dirty="0">
+                <a:effectLst>
+                  <a:outerShdw blurRad="63500" dist="50800" dir="2700000" algn="tl" rotWithShape="0">
+                    <a:srgbClr val="4C1960">
+                      <a:alpha val="65000"/>
+                    </a:srgbClr>
+                  </a:outerShdw>
+                </a:effectLst>
+              </a:rPr>
+              <a:t>World Bank:</a:t>
+            </a:r>
+            <a:br>
+              <a:rPr lang="en-US" cap="none" dirty="0">
+                <a:effectLst>
+                  <a:outerShdw blurRad="63500" dist="50800" dir="2700000" algn="tl" rotWithShape="0">
+                    <a:srgbClr val="4C1960">
+                      <a:alpha val="65000"/>
+                    </a:srgbClr>
+                  </a:outerShdw>
+                </a:effectLst>
+              </a:rPr>
+            </a:br>
+            <a:r>
+              <a:rPr lang="en-US" cap="none" dirty="0">
+                <a:effectLst>
+                  <a:outerShdw blurRad="63500" dist="50800" dir="2700000" algn="tl" rotWithShape="0">
+                    <a:srgbClr val="4C1960">
+                      <a:alpha val="65000"/>
+                    </a:srgbClr>
+                  </a:outerShdw>
+                </a:effectLst>
+              </a:rPr>
+              <a:t>     World development indicators: </a:t>
+            </a:r>
+            <a:br>
+              <a:rPr lang="en-US" cap="none" dirty="0">
+                <a:effectLst>
+                  <a:outerShdw blurRad="63500" dist="50800" dir="2700000" algn="tl" rotWithShape="0">
+                    <a:srgbClr val="4C1960">
+                      <a:alpha val="65000"/>
+                    </a:srgbClr>
+                  </a:outerShdw>
+                </a:effectLst>
+              </a:rPr>
+            </a:br>
+            <a:r>
+              <a:rPr lang="en-US" cap="none" dirty="0">
+                <a:effectLst>
+                  <a:outerShdw blurRad="63500" dist="50800" dir="2700000" algn="tl" rotWithShape="0">
+                    <a:srgbClr val="4C1960">
+                      <a:alpha val="65000"/>
+                    </a:srgbClr>
+                  </a:outerShdw>
+                </a:effectLst>
+              </a:rPr>
+              <a:t>     GDP (current US$) by country:1985 to 2016. </a:t>
+            </a:r>
+            <a:br>
+              <a:rPr lang="en-US" cap="none" dirty="0">
+                <a:effectLst>
+                  <a:outerShdw blurRad="63500" dist="50800" dir="2700000" algn="tl" rotWithShape="0">
+                    <a:srgbClr val="4C1960">
+                      <a:alpha val="65000"/>
+                    </a:srgbClr>
+                  </a:outerShdw>
+                </a:effectLst>
+              </a:rPr>
+            </a:br>
+            <a:br>
+              <a:rPr lang="en-US" sz="1800" cap="none" dirty="0">
+                <a:effectLst>
+                  <a:outerShdw blurRad="63500" dist="50800" dir="2700000" algn="tl" rotWithShape="0">
+                    <a:srgbClr val="4C1960">
+                      <a:alpha val="65000"/>
+                    </a:srgbClr>
+                  </a:outerShdw>
+                </a:effectLst>
+              </a:rPr>
+            </a:br>
+            <a:r>
+              <a:rPr lang="en-US" cap="none" dirty="0">
+                <a:effectLst>
+                  <a:outerShdw blurRad="63500" dist="50800" dir="2700000" algn="tl" rotWithShape="0">
+                    <a:srgbClr val="4C1960">
+                      <a:alpha val="65000"/>
+                    </a:srgbClr>
+                  </a:outerShdw>
+                </a:effectLst>
+              </a:rPr>
+              <a:t>World Health Organization: </a:t>
+            </a:r>
+            <a:br>
+              <a:rPr lang="en-US" cap="none" dirty="0">
+                <a:effectLst>
+                  <a:outerShdw blurRad="63500" dist="50800" dir="2700000" algn="tl" rotWithShape="0">
+                    <a:srgbClr val="4C1960">
+                      <a:alpha val="65000"/>
+                    </a:srgbClr>
+                  </a:outerShdw>
+                </a:effectLst>
+              </a:rPr>
+            </a:br>
+            <a:r>
+              <a:rPr lang="en-US" cap="none" dirty="0">
+                <a:effectLst>
+                  <a:outerShdw blurRad="63500" dist="50800" dir="2700000" algn="tl" rotWithShape="0">
+                    <a:srgbClr val="4C1960">
+                      <a:alpha val="65000"/>
+                    </a:srgbClr>
+                  </a:outerShdw>
+                </a:effectLst>
+              </a:rPr>
+              <a:t>     Suicide prevention. </a:t>
+            </a:r>
+            <a:br>
+              <a:rPr lang="en-US" cap="none" dirty="0">
+                <a:effectLst>
+                  <a:outerShdw blurRad="63500" dist="50800" dir="2700000" algn="tl" rotWithShape="0">
+                    <a:srgbClr val="4C1960">
+                      <a:alpha val="65000"/>
+                    </a:srgbClr>
+                  </a:outerShdw>
+                </a:effectLst>
+              </a:rPr>
+            </a:br>
+            <a:r>
+              <a:rPr lang="en-US" cap="none" dirty="0">
+                <a:effectLst>
+                  <a:outerShdw blurRad="63500" dist="50800" dir="2700000" algn="tl" rotWithShape="0">
+                    <a:srgbClr val="4C1960">
+                      <a:alpha val="65000"/>
+                    </a:srgbClr>
+                  </a:outerShdw>
+                </a:effectLst>
+              </a:rPr>
+              <a:t>     Suicide in the twenty-first century [dataset]. </a:t>
+            </a:r>
+            <a:br>
+              <a:rPr lang="en-US" cap="none" dirty="0">
+                <a:effectLst>
+                  <a:outerShdw blurRad="63500" dist="50800" dir="2700000" algn="tl" rotWithShape="0">
+                    <a:srgbClr val="4C1960">
+                      <a:alpha val="65000"/>
+                    </a:srgbClr>
+                  </a:outerShdw>
+                </a:effectLst>
+              </a:rPr>
+            </a:br>
+            <a:br>
+              <a:rPr lang="en-US" sz="2000" cap="none" dirty="0">
+                <a:effectLst>
+                  <a:outerShdw blurRad="63500" dist="50800" dir="2700000" algn="tl" rotWithShape="0">
+                    <a:srgbClr val="4C1960">
+                      <a:alpha val="65000"/>
+                    </a:srgbClr>
+                  </a:outerShdw>
+                </a:effectLst>
+              </a:rPr>
+            </a:br>
+            <a:r>
+              <a:rPr lang="en-US" cap="none" dirty="0">
+                <a:effectLst>
+                  <a:outerShdw blurRad="63500" dist="50800" dir="2700000" algn="tl" rotWithShape="0">
+                    <a:srgbClr val="4C1960">
+                      <a:alpha val="65000"/>
+                    </a:srgbClr>
+                  </a:outerShdw>
+                </a:effectLst>
+              </a:rPr>
+              <a:t>Compilation data file accessed at </a:t>
+            </a:r>
+            <a:r>
+              <a:rPr lang="en-US" cap="none" dirty="0" err="1">
+                <a:effectLst>
+                  <a:outerShdw blurRad="63500" dist="50800" dir="2700000" algn="tl" rotWithShape="0">
+                    <a:srgbClr val="4C1960">
+                      <a:alpha val="65000"/>
+                    </a:srgbClr>
+                  </a:outerShdw>
+                </a:effectLst>
+              </a:rPr>
+              <a:t>Kaggle.Com</a:t>
+            </a:r>
+            <a:endParaRPr lang="en-US" cap="none" dirty="0">
               <a:effectLst>
-                <a:outerShdw blurRad="63500" dist="63500" dir="2700000" algn="tl" rotWithShape="0">
+                <a:outerShdw blurRad="63500" dist="50800" dir="2700000" algn="tl" rotWithShape="0">
                   <a:srgbClr val="4C1960">
-                    <a:alpha val="40000"/>
+                    <a:alpha val="65000"/>
                   </a:srgbClr>
                 </a:outerShdw>
               </a:effectLst>
@@ -16426,10 +18834,10 @@
       </p:sp>
       <p:sp>
         <p:nvSpPr>
-          <p:cNvPr id="3" name="Content Placeholder 2">
+          <p:cNvPr id="3" name="Text Placeholder 2">
             <a:extLst>
               <a:ext uri="{FF2B5EF4-FFF2-40B4-BE49-F238E27FC236}">
-                <a16:creationId xmlns:a16="http://schemas.microsoft.com/office/drawing/2014/main" id="{FD472CA1-E836-BF4A-9D06-8A9F2BD4AF1E}"/>
+                <a16:creationId xmlns:a16="http://schemas.microsoft.com/office/drawing/2014/main" id="{9E3AC7DD-9BF1-5B48-803F-627CBC439677}"/>
               </a:ext>
             </a:extLst>
           </p:cNvPr>
@@ -16437,426 +18845,41 @@
             <a:spLocks noGrp="1"/>
           </p:cNvSpPr>
           <p:nvPr>
-            <p:ph idx="1"/>
+            <p:ph type="body" sz="half" idx="2"/>
           </p:nvPr>
         </p:nvSpPr>
         <p:spPr>
           <a:xfrm>
-            <a:off x="1141412" y="2903621"/>
-            <a:ext cx="10809955" cy="3335861"/>
+            <a:off x="8987541" y="5727033"/>
+            <a:ext cx="3332795" cy="762000"/>
           </a:xfrm>
         </p:spPr>
         <p:txBody>
           <a:bodyPr>
-            <a:noAutofit/>
+            <a:normAutofit/>
           </a:bodyPr>
           <a:lstStyle/>
           <a:p>
-            <a:pPr marL="0" indent="0">
-              <a:lnSpc>
-                <a:spcPct val="100000"/>
-              </a:lnSpc>
-              <a:spcBef>
-                <a:spcPts val="0"/>
-              </a:spcBef>
-              <a:buNone/>
-            </a:pPr>
-            <a:r>
-              <a:rPr lang="en-US" sz="3200" dirty="0">
-                <a:effectLst>
-                  <a:outerShdw blurRad="63500" dist="63500" dir="2700000" algn="tl" rotWithShape="0">
-                    <a:srgbClr val="4C1960">
-                      <a:alpha val="40000"/>
-                    </a:srgbClr>
-                  </a:outerShdw>
-                </a:effectLst>
-              </a:rPr>
-              <a:t>US Department of Health and Human Services, </a:t>
-            </a:r>
-          </a:p>
-          <a:p>
-            <a:pPr marL="457200" lvl="1" indent="0">
-              <a:lnSpc>
-                <a:spcPct val="100000"/>
-              </a:lnSpc>
-              <a:spcBef>
-                <a:spcPts val="0"/>
-              </a:spcBef>
-              <a:buNone/>
-            </a:pPr>
-            <a:r>
-              <a:rPr lang="en-US" sz="3200" dirty="0">
-                <a:effectLst>
-                  <a:outerShdw blurRad="63500" dist="63500" dir="2700000" algn="tl" rotWithShape="0">
-                    <a:srgbClr val="4C1960">
-                      <a:alpha val="40000"/>
-                    </a:srgbClr>
-                  </a:outerShdw>
-                </a:effectLst>
-              </a:rPr>
-              <a:t>	Centers for Disease Control and Prevention (CDC)</a:t>
-            </a:r>
-          </a:p>
-          <a:p>
-            <a:pPr marL="914400" lvl="2" indent="0">
-              <a:lnSpc>
-                <a:spcPct val="100000"/>
-              </a:lnSpc>
-              <a:spcBef>
-                <a:spcPts val="0"/>
-              </a:spcBef>
-              <a:buNone/>
-            </a:pPr>
-            <a:r>
-              <a:rPr lang="en-US" sz="3200" dirty="0">
-                <a:effectLst>
-                  <a:outerShdw blurRad="63500" dist="63500" dir="2700000" algn="tl" rotWithShape="0">
-                    <a:srgbClr val="4C1960">
-                      <a:alpha val="40000"/>
-                    </a:srgbClr>
-                  </a:outerShdw>
-                </a:effectLst>
-              </a:rPr>
-              <a:t>National Center for Injury Prevention and Control, </a:t>
-            </a:r>
-          </a:p>
-          <a:p>
-            <a:pPr marL="914400" lvl="2" indent="0">
-              <a:lnSpc>
-                <a:spcPct val="100000"/>
-              </a:lnSpc>
-              <a:spcBef>
-                <a:spcPts val="0"/>
-              </a:spcBef>
-              <a:buNone/>
-            </a:pPr>
-            <a:r>
-              <a:rPr lang="en-US" sz="3200" dirty="0">
-                <a:effectLst>
-                  <a:outerShdw blurRad="63500" dist="63500" dir="2700000" algn="tl" rotWithShape="0">
-                    <a:srgbClr val="4C1960">
-                      <a:alpha val="40000"/>
-                    </a:srgbClr>
-                  </a:outerShdw>
-                </a:effectLst>
-              </a:rPr>
-              <a:t>Web-based Injury Statistics Query and Reporting System</a:t>
-            </a:r>
-          </a:p>
-          <a:p>
-            <a:pPr marL="1371600" lvl="3" indent="0">
-              <a:lnSpc>
-                <a:spcPct val="100000"/>
-              </a:lnSpc>
-              <a:spcBef>
-                <a:spcPts val="0"/>
-              </a:spcBef>
-              <a:buNone/>
-            </a:pPr>
-            <a:endParaRPr lang="en-US" sz="2800" dirty="0">
+            <a:r>
+              <a:rPr lang="en-US" sz="3200" dirty="0" err="1">
+                <a:effectLst>
+                  <a:outerShdw blurRad="63500" dist="50800" dir="2700000" algn="tl" rotWithShape="0">
+                    <a:srgbClr val="4C1960">
+                      <a:alpha val="65000"/>
+                    </a:srgbClr>
+                  </a:outerShdw>
+                </a:effectLst>
+              </a:rPr>
+              <a:t>Master.csv</a:t>
+            </a:r>
+            <a:endParaRPr lang="en-US" sz="3200" dirty="0">
               <a:effectLst>
-                <a:outerShdw blurRad="63500" dist="63500" dir="2700000" algn="tl" rotWithShape="0">
+                <a:outerShdw blurRad="63500" dist="50800" dir="2700000" algn="tl" rotWithShape="0">
                   <a:srgbClr val="4C1960">
-                    <a:alpha val="40000"/>
+                    <a:alpha val="65000"/>
                   </a:srgbClr>
                 </a:outerShdw>
               </a:effectLst>
-            </a:endParaRPr>
-          </a:p>
-          <a:p>
-            <a:pPr marL="0" indent="0">
-              <a:lnSpc>
-                <a:spcPct val="100000"/>
-              </a:lnSpc>
-              <a:spcBef>
-                <a:spcPts val="0"/>
-              </a:spcBef>
-              <a:buNone/>
-            </a:pPr>
-            <a:r>
-              <a:rPr lang="en-US" dirty="0">
-                <a:effectLst>
-                  <a:outerShdw blurRad="63500" dist="63500" dir="2700000" algn="tl" rotWithShape="0">
-                    <a:srgbClr val="4C1960">
-                      <a:alpha val="40000"/>
-                    </a:srgbClr>
-                  </a:outerShdw>
-                </a:effectLst>
-              </a:rPr>
-              <a:t>last updated </a:t>
-            </a:r>
-            <a:r>
-              <a:rPr lang="en-US" dirty="0" err="1">
-                <a:effectLst>
-                  <a:outerShdw blurRad="63500" dist="63500" dir="2700000" algn="tl" rotWithShape="0">
-                    <a:srgbClr val="4C1960">
-                      <a:alpha val="40000"/>
-                    </a:srgbClr>
-                  </a:outerShdw>
-                </a:effectLst>
-              </a:rPr>
-              <a:t>Januaray</a:t>
-            </a:r>
-            <a:r>
-              <a:rPr lang="en-US" dirty="0">
-                <a:effectLst>
-                  <a:outerShdw blurRad="63500" dist="63500" dir="2700000" algn="tl" rotWithShape="0">
-                    <a:srgbClr val="4C1960">
-                      <a:alpha val="40000"/>
-                    </a:srgbClr>
-                  </a:outerShdw>
-                </a:effectLst>
-              </a:rPr>
-              <a:t> 18, 2019; accessed at  </a:t>
-            </a:r>
-            <a:r>
-              <a:rPr lang="en-US" u="sng" dirty="0">
-                <a:effectLst>
-                  <a:outerShdw blurRad="63500" dist="63500" dir="2700000" algn="tl" rotWithShape="0">
-                    <a:srgbClr val="4C1960">
-                      <a:alpha val="40000"/>
-                    </a:srgbClr>
-                  </a:outerShdw>
-                </a:effectLst>
-                <a:hlinkClick r:id="rId2">
-                  <a:extLst>
-                    <a:ext uri="{A12FA001-AC4F-418D-AE19-62706E023703}">
-                      <ahyp:hlinkClr xmlns:ahyp="http://schemas.microsoft.com/office/drawing/2018/hyperlinkcolor" val="tx"/>
-                    </a:ext>
-                  </a:extLst>
-                </a:hlinkClick>
-              </a:rPr>
-              <a:t>https://webappa.cdc.gov/sasweb/ncipc/leadcause.html</a:t>
-            </a:r>
-            <a:endParaRPr lang="en-US" dirty="0">
-              <a:effectLst>
-                <a:outerShdw blurRad="63500" dist="63500" dir="2700000" algn="tl" rotWithShape="0">
-                  <a:srgbClr val="4C1960">
-                    <a:alpha val="40000"/>
-                  </a:srgbClr>
-                </a:outerShdw>
-              </a:effectLst>
-            </a:endParaRPr>
-          </a:p>
-          <a:p>
-            <a:pPr marL="0" indent="0">
-              <a:lnSpc>
-                <a:spcPct val="100000"/>
-              </a:lnSpc>
-              <a:spcBef>
-                <a:spcPts val="0"/>
-              </a:spcBef>
-              <a:buNone/>
-            </a:pPr>
-            <a:endParaRPr lang="en-US" dirty="0">
-              <a:effectLst>
-                <a:outerShdw blurRad="63500" dist="63500" dir="2700000" algn="tl" rotWithShape="0">
-                  <a:srgbClr val="4C1960">
-                    <a:alpha val="40000"/>
-                  </a:srgbClr>
-                </a:outerShdw>
-              </a:effectLst>
-            </a:endParaRPr>
-          </a:p>
-        </p:txBody>
-      </p:sp>
-      <p:sp>
-        <p:nvSpPr>
-          <p:cNvPr id="4" name="Right Arrow 3">
-            <a:extLst>
-              <a:ext uri="{FF2B5EF4-FFF2-40B4-BE49-F238E27FC236}">
-                <a16:creationId xmlns:a16="http://schemas.microsoft.com/office/drawing/2014/main" id="{70FFCF1D-638A-D04A-9856-60BCF7C98604}"/>
-              </a:ext>
-            </a:extLst>
-          </p:cNvPr>
-          <p:cNvSpPr/>
-          <p:nvPr/>
-        </p:nvSpPr>
-        <p:spPr>
-          <a:xfrm>
-            <a:off x="1467852" y="3525028"/>
-            <a:ext cx="577516" cy="336884"/>
-          </a:xfrm>
-          <a:prstGeom prst="rightArrow">
-            <a:avLst/>
-          </a:prstGeom>
-          <a:solidFill>
-            <a:schemeClr val="tx2">
-              <a:lumMod val="50000"/>
-            </a:schemeClr>
-          </a:solidFill>
-          <a:ln w="38100">
-            <a:solidFill>
-              <a:srgbClr val="4C1960"/>
-            </a:solidFill>
-          </a:ln>
-          <a:effectLst>
-            <a:outerShdw blurRad="50800" dist="38100" dir="2700000" algn="tl" rotWithShape="0">
-              <a:prstClr val="black">
-                <a:alpha val="40000"/>
-              </a:prstClr>
-            </a:outerShdw>
-          </a:effectLst>
-        </p:spPr>
-        <p:style>
-          <a:lnRef idx="2">
-            <a:schemeClr val="accent1">
-              <a:shade val="50000"/>
-            </a:schemeClr>
-          </a:lnRef>
-          <a:fillRef idx="1">
-            <a:schemeClr val="accent1"/>
-          </a:fillRef>
-          <a:effectRef idx="0">
-            <a:schemeClr val="accent1"/>
-          </a:effectRef>
-          <a:fontRef idx="minor">
-            <a:schemeClr val="lt1"/>
-          </a:fontRef>
-        </p:style>
-        <p:txBody>
-          <a:bodyPr rtlCol="0" anchor="ctr"/>
-          <a:lstStyle/>
-          <a:p>
-            <a:pPr algn="ctr"/>
-            <a:endParaRPr lang="en-US">
-              <a:solidFill>
-                <a:srgbClr val="4C1960"/>
-              </a:solidFill>
-            </a:endParaRPr>
-          </a:p>
-        </p:txBody>
-      </p:sp>
-      <p:sp>
-        <p:nvSpPr>
-          <p:cNvPr id="5" name="Right Arrow 4">
-            <a:extLst>
-              <a:ext uri="{FF2B5EF4-FFF2-40B4-BE49-F238E27FC236}">
-                <a16:creationId xmlns:a16="http://schemas.microsoft.com/office/drawing/2014/main" id="{2D527F66-1832-844C-A4C5-20F32A2F82E2}"/>
-              </a:ext>
-            </a:extLst>
-          </p:cNvPr>
-          <p:cNvSpPr/>
-          <p:nvPr/>
-        </p:nvSpPr>
-        <p:spPr>
-          <a:xfrm>
-            <a:off x="1467852" y="4034589"/>
-            <a:ext cx="577516" cy="336884"/>
-          </a:xfrm>
-          <a:prstGeom prst="rightArrow">
-            <a:avLst/>
-          </a:prstGeom>
-          <a:solidFill>
-            <a:schemeClr val="tx2">
-              <a:lumMod val="50000"/>
-            </a:schemeClr>
-          </a:solidFill>
-          <a:ln w="38100">
-            <a:solidFill>
-              <a:srgbClr val="4C1960"/>
-            </a:solidFill>
-          </a:ln>
-          <a:effectLst>
-            <a:outerShdw blurRad="50800" dist="38100" dir="2700000" algn="tl" rotWithShape="0">
-              <a:prstClr val="black">
-                <a:alpha val="40000"/>
-              </a:prstClr>
-            </a:outerShdw>
-          </a:effectLst>
-        </p:spPr>
-        <p:style>
-          <a:lnRef idx="2">
-            <a:schemeClr val="accent1">
-              <a:shade val="50000"/>
-            </a:schemeClr>
-          </a:lnRef>
-          <a:fillRef idx="1">
-            <a:schemeClr val="accent1"/>
-          </a:fillRef>
-          <a:effectRef idx="0">
-            <a:schemeClr val="accent1"/>
-          </a:effectRef>
-          <a:fontRef idx="minor">
-            <a:schemeClr val="lt1"/>
-          </a:fontRef>
-        </p:style>
-        <p:txBody>
-          <a:bodyPr rtlCol="0" anchor="ctr"/>
-          <a:lstStyle/>
-          <a:p>
-            <a:pPr algn="ctr"/>
-            <a:endParaRPr lang="en-US">
-              <a:solidFill>
-                <a:srgbClr val="4C1960"/>
-              </a:solidFill>
-            </a:endParaRPr>
-          </a:p>
-        </p:txBody>
-      </p:sp>
-      <p:sp>
-        <p:nvSpPr>
-          <p:cNvPr id="6" name="Right Arrow 5">
-            <a:extLst>
-              <a:ext uri="{FF2B5EF4-FFF2-40B4-BE49-F238E27FC236}">
-                <a16:creationId xmlns:a16="http://schemas.microsoft.com/office/drawing/2014/main" id="{4BCCB981-AC8E-9243-8265-1F270A3130DF}"/>
-              </a:ext>
-            </a:extLst>
-          </p:cNvPr>
-          <p:cNvSpPr/>
-          <p:nvPr/>
-        </p:nvSpPr>
-        <p:spPr>
-          <a:xfrm>
-            <a:off x="1467852" y="4507575"/>
-            <a:ext cx="577516" cy="336884"/>
-          </a:xfrm>
-          <a:prstGeom prst="rightArrow">
-            <a:avLst/>
-          </a:prstGeom>
-          <a:solidFill>
-            <a:schemeClr val="tx2">
-              <a:lumMod val="50000"/>
-            </a:schemeClr>
-          </a:solidFill>
-          <a:ln w="38100">
-            <a:solidFill>
-              <a:srgbClr val="4C1960"/>
-            </a:solidFill>
-          </a:ln>
-          <a:effectLst>
-            <a:outerShdw blurRad="50800" dist="38100" dir="2700000" algn="tl" rotWithShape="0">
-              <a:prstClr val="black">
-                <a:alpha val="40000"/>
-              </a:prstClr>
-            </a:outerShdw>
-          </a:effectLst>
-        </p:spPr>
-        <p:style>
-          <a:lnRef idx="2">
-            <a:schemeClr val="accent1">
-              <a:shade val="50000"/>
-            </a:schemeClr>
-          </a:lnRef>
-          <a:fillRef idx="1">
-            <a:schemeClr val="accent1"/>
-          </a:fillRef>
-          <a:effectRef idx="0">
-            <a:schemeClr val="accent1"/>
-          </a:effectRef>
-          <a:fontRef idx="minor">
-            <a:schemeClr val="lt1"/>
-          </a:fontRef>
-        </p:style>
-        <p:txBody>
-          <a:bodyPr rtlCol="0" anchor="ctr"/>
-          <a:lstStyle/>
-          <a:p>
-            <a:pPr algn="ctr"/>
-            <a:endParaRPr lang="en-US">
-              <a:solidFill>
-                <a:srgbClr val="4C1960"/>
-              </a:solidFill>
             </a:endParaRPr>
           </a:p>
         </p:txBody>
@@ -16864,7 +18887,7 @@
     </p:spTree>
     <p:extLst>
       <p:ext uri="{BB962C8B-B14F-4D97-AF65-F5344CB8AC3E}">
-        <p14:creationId xmlns:p14="http://schemas.microsoft.com/office/powerpoint/2010/main" val="2140407893"/>
+        <p14:creationId xmlns:p14="http://schemas.microsoft.com/office/powerpoint/2010/main" val="3917661175"/>
       </p:ext>
     </p:extLst>
   </p:cSld>
@@ -16891,373 +18914,194 @@
           <a:chExt cx="0" cy="0"/>
         </a:xfrm>
       </p:grpSpPr>
-      <p:sp>
-        <p:nvSpPr>
-          <p:cNvPr id="2" name="Title 1">
+      <p:grpSp>
+        <p:nvGrpSpPr>
+          <p:cNvPr id="10" name="Group 9">
             <a:extLst>
               <a:ext uri="{FF2B5EF4-FFF2-40B4-BE49-F238E27FC236}">
-                <a16:creationId xmlns:a16="http://schemas.microsoft.com/office/drawing/2014/main" id="{E555962B-106D-AB4A-ABC5-A69D52AAC7C6}"/>
+                <a16:creationId xmlns:a16="http://schemas.microsoft.com/office/drawing/2014/main" id="{22DA3D81-E183-B34A-8810-F487BBA8AEE5}"/>
               </a:ext>
             </a:extLst>
           </p:cNvPr>
-          <p:cNvSpPr>
-            <a:spLocks noGrp="1"/>
-          </p:cNvSpPr>
-          <p:nvPr>
-            <p:ph type="title"/>
-          </p:nvPr>
-        </p:nvSpPr>
-        <p:spPr/>
-        <p:txBody>
-          <a:bodyPr>
-            <a:normAutofit/>
-          </a:bodyPr>
-          <a:lstStyle/>
-          <a:p>
-            <a:r>
-              <a:rPr lang="en-US" sz="4000" dirty="0">
-                <a:effectLst>
-                  <a:outerShdw blurRad="63500" dist="63500" dir="2700000" algn="tl" rotWithShape="0">
-                    <a:srgbClr val="4C1960">
-                      <a:alpha val="40000"/>
-                    </a:srgbClr>
-                  </a:outerShdw>
-                </a:effectLst>
-              </a:rPr>
-              <a:t>CDC  –  WONDER </a:t>
-            </a:r>
-          </a:p>
-        </p:txBody>
-      </p:sp>
-      <p:sp>
-        <p:nvSpPr>
-          <p:cNvPr id="3" name="Content Placeholder 2">
+          <p:cNvGrpSpPr/>
+          <p:nvPr/>
+        </p:nvGrpSpPr>
+        <p:grpSpPr>
+          <a:xfrm>
+            <a:off x="1600199" y="1788555"/>
+            <a:ext cx="8991601" cy="4275502"/>
+            <a:chOff x="1499600" y="1291249"/>
+            <a:chExt cx="8991601" cy="4275502"/>
+          </a:xfrm>
+        </p:grpSpPr>
+        <p:pic>
+          <p:nvPicPr>
+            <p:cNvPr id="3" name="Picture 2">
+              <a:extLst>
+                <a:ext uri="{FF2B5EF4-FFF2-40B4-BE49-F238E27FC236}">
+                  <a16:creationId xmlns:a16="http://schemas.microsoft.com/office/drawing/2014/main" id="{3EC91F10-6158-CF4A-8AAE-F304237991DB}"/>
+                </a:ext>
+              </a:extLst>
+            </p:cNvPr>
+            <p:cNvPicPr>
+              <a:picLocks noChangeAspect="1"/>
+            </p:cNvPicPr>
+            <p:nvPr/>
+          </p:nvPicPr>
+          <p:blipFill>
+            <a:blip r:embed="rId2"/>
+            <a:stretch>
+              <a:fillRect/>
+            </a:stretch>
+          </p:blipFill>
+          <p:spPr>
+            <a:xfrm>
+              <a:off x="1499600" y="1291249"/>
+              <a:ext cx="5776031" cy="3919885"/>
+            </a:xfrm>
+            <a:prstGeom prst="rect">
+              <a:avLst/>
+            </a:prstGeom>
+          </p:spPr>
+        </p:pic>
+        <p:pic>
+          <p:nvPicPr>
+            <p:cNvPr id="5" name="Picture 4">
+              <a:extLst>
+                <a:ext uri="{FF2B5EF4-FFF2-40B4-BE49-F238E27FC236}">
+                  <a16:creationId xmlns:a16="http://schemas.microsoft.com/office/drawing/2014/main" id="{755D39B7-03D6-8C41-8394-D5CC3D4A051E}"/>
+                </a:ext>
+              </a:extLst>
+            </p:cNvPr>
+            <p:cNvPicPr>
+              <a:picLocks noChangeAspect="1"/>
+            </p:cNvPicPr>
+            <p:nvPr/>
+          </p:nvPicPr>
+          <p:blipFill>
+            <a:blip r:embed="rId3"/>
+            <a:stretch>
+              <a:fillRect/>
+            </a:stretch>
+          </p:blipFill>
+          <p:spPr>
+            <a:xfrm>
+              <a:off x="7149704" y="1291249"/>
+              <a:ext cx="3341497" cy="3869102"/>
+            </a:xfrm>
+            <a:prstGeom prst="rect">
+              <a:avLst/>
+            </a:prstGeom>
+          </p:spPr>
+        </p:pic>
+        <p:pic>
+          <p:nvPicPr>
+            <p:cNvPr id="7" name="Picture 6">
+              <a:extLst>
+                <a:ext uri="{FF2B5EF4-FFF2-40B4-BE49-F238E27FC236}">
+                  <a16:creationId xmlns:a16="http://schemas.microsoft.com/office/drawing/2014/main" id="{B92C9944-C4C3-224F-9A15-BC1E204341D3}"/>
+                </a:ext>
+              </a:extLst>
+            </p:cNvPr>
+            <p:cNvPicPr>
+              <a:picLocks noChangeAspect="1"/>
+            </p:cNvPicPr>
+            <p:nvPr/>
+          </p:nvPicPr>
+          <p:blipFill>
+            <a:blip r:embed="rId4"/>
+            <a:stretch>
+              <a:fillRect/>
+            </a:stretch>
+          </p:blipFill>
+          <p:spPr>
+            <a:xfrm>
+              <a:off x="1499601" y="5160351"/>
+              <a:ext cx="8991600" cy="406400"/>
+            </a:xfrm>
+            <a:prstGeom prst="rect">
+              <a:avLst/>
+            </a:prstGeom>
+          </p:spPr>
+        </p:pic>
+      </p:grpSp>
+      <p:pic>
+        <p:nvPicPr>
+          <p:cNvPr id="9" name="Picture 8">
             <a:extLst>
               <a:ext uri="{FF2B5EF4-FFF2-40B4-BE49-F238E27FC236}">
-                <a16:creationId xmlns:a16="http://schemas.microsoft.com/office/drawing/2014/main" id="{FD472CA1-E836-BF4A-9D06-8A9F2BD4AF1E}"/>
+                <a16:creationId xmlns:a16="http://schemas.microsoft.com/office/drawing/2014/main" id="{133D30B4-0AFD-4543-89C7-70BDE0B4227C}"/>
               </a:ext>
             </a:extLst>
           </p:cNvPr>
-          <p:cNvSpPr>
-            <a:spLocks noGrp="1"/>
-          </p:cNvSpPr>
-          <p:nvPr>
-            <p:ph idx="1"/>
-          </p:nvPr>
-        </p:nvSpPr>
+          <p:cNvPicPr>
+            <a:picLocks noChangeAspect="1"/>
+          </p:cNvPicPr>
+          <p:nvPr/>
+        </p:nvPicPr>
+        <p:blipFill>
+          <a:blip r:embed="rId5"/>
+          <a:stretch>
+            <a:fillRect/>
+          </a:stretch>
+        </p:blipFill>
         <p:spPr>
           <a:xfrm>
-            <a:off x="1796339" y="1742367"/>
-            <a:ext cx="8596145" cy="4556856"/>
+            <a:off x="1600199" y="283853"/>
+            <a:ext cx="3674111" cy="1277266"/>
           </a:xfrm>
+          <a:prstGeom prst="rect">
+            <a:avLst/>
+          </a:prstGeom>
         </p:spPr>
-        <p:txBody>
-          <a:bodyPr>
-            <a:noAutofit/>
-          </a:bodyPr>
-          <a:lstStyle/>
-          <a:p>
-            <a:pPr marL="0" indent="0">
-              <a:buNone/>
-            </a:pPr>
-            <a:r>
-              <a:rPr lang="en-US" sz="3200" dirty="0">
-                <a:effectLst>
-                  <a:outerShdw blurRad="63500" dist="63500" dir="2700000" algn="tl" rotWithShape="0">
-                    <a:srgbClr val="4C1960">
-                      <a:alpha val="40000"/>
-                    </a:srgbClr>
-                  </a:outerShdw>
-                </a:effectLst>
-              </a:rPr>
-              <a:t>US Department of Health and Human Services, </a:t>
-            </a:r>
-          </a:p>
-          <a:p>
-            <a:pPr marL="457200" lvl="1" indent="0">
-              <a:buNone/>
-            </a:pPr>
-            <a:r>
-              <a:rPr lang="en-US" sz="3200" dirty="0">
-                <a:effectLst>
-                  <a:outerShdw blurRad="63500" dist="63500" dir="2700000" algn="tl" rotWithShape="0">
-                    <a:srgbClr val="4C1960">
-                      <a:alpha val="40000"/>
-                    </a:srgbClr>
-                  </a:outerShdw>
-                </a:effectLst>
-              </a:rPr>
-              <a:t>	Centers for Disease Control and Prevention, </a:t>
-            </a:r>
-          </a:p>
-          <a:p>
-            <a:pPr marL="914400" lvl="2" indent="0">
-              <a:buNone/>
-            </a:pPr>
-            <a:r>
-              <a:rPr lang="en-US" sz="3200" dirty="0">
-                <a:effectLst>
-                  <a:outerShdw blurRad="63500" dist="63500" dir="2700000" algn="tl" rotWithShape="0">
-                    <a:srgbClr val="4C1960">
-                      <a:alpha val="40000"/>
-                    </a:srgbClr>
-                  </a:outerShdw>
-                </a:effectLst>
-              </a:rPr>
-              <a:t>	CDC Wide-ranging </a:t>
-            </a:r>
-            <a:r>
-              <a:rPr lang="en-US" sz="3200" dirty="0" err="1">
-                <a:effectLst>
-                  <a:outerShdw blurRad="63500" dist="63500" dir="2700000" algn="tl" rotWithShape="0">
-                    <a:srgbClr val="4C1960">
-                      <a:alpha val="40000"/>
-                    </a:srgbClr>
-                  </a:outerShdw>
-                </a:effectLst>
-              </a:rPr>
-              <a:t>ONline</a:t>
-            </a:r>
-            <a:r>
-              <a:rPr lang="en-US" sz="3200" dirty="0">
-                <a:effectLst>
-                  <a:outerShdw blurRad="63500" dist="63500" dir="2700000" algn="tl" rotWithShape="0">
-                    <a:srgbClr val="4C1960">
-                      <a:alpha val="40000"/>
-                    </a:srgbClr>
-                  </a:outerShdw>
-                </a:effectLst>
-              </a:rPr>
-              <a:t> Data for 	Epidemiologic Research</a:t>
-            </a:r>
-          </a:p>
-          <a:p>
-            <a:pPr marL="914400" lvl="2" indent="0">
-              <a:buNone/>
-            </a:pPr>
-            <a:endParaRPr lang="en-US" dirty="0">
-              <a:effectLst>
-                <a:outerShdw blurRad="63500" dist="63500" dir="2700000" algn="tl" rotWithShape="0">
-                  <a:srgbClr val="4C1960">
-                    <a:alpha val="40000"/>
-                  </a:srgbClr>
-                </a:outerShdw>
-              </a:effectLst>
-            </a:endParaRPr>
-          </a:p>
-          <a:p>
-            <a:r>
-              <a:rPr lang="en-US" sz="2000" dirty="0">
-                <a:effectLst>
-                  <a:outerShdw blurRad="63500" dist="63500" dir="2700000" algn="tl" rotWithShape="0">
-                    <a:srgbClr val="4C1960">
-                      <a:alpha val="40000"/>
-                    </a:srgbClr>
-                  </a:outerShdw>
-                </a:effectLst>
-              </a:rPr>
-              <a:t>last reviewed December 18, 2018, accessed at https://</a:t>
-            </a:r>
-            <a:r>
-              <a:rPr lang="en-US" sz="2000" dirty="0" err="1">
-                <a:effectLst>
-                  <a:outerShdw blurRad="63500" dist="63500" dir="2700000" algn="tl" rotWithShape="0">
-                    <a:srgbClr val="4C1960">
-                      <a:alpha val="40000"/>
-                    </a:srgbClr>
-                  </a:outerShdw>
-                </a:effectLst>
-              </a:rPr>
-              <a:t>wonder.cdc.gov</a:t>
-            </a:r>
-            <a:r>
-              <a:rPr lang="en-US" sz="2000" dirty="0">
-                <a:effectLst>
-                  <a:outerShdw blurRad="63500" dist="63500" dir="2700000" algn="tl" rotWithShape="0">
-                    <a:srgbClr val="4C1960">
-                      <a:alpha val="40000"/>
-                    </a:srgbClr>
-                  </a:outerShdw>
-                </a:effectLst>
-              </a:rPr>
-              <a:t>/controller/</a:t>
-            </a:r>
-            <a:r>
-              <a:rPr lang="en-US" sz="2000" dirty="0" err="1">
-                <a:effectLst>
-                  <a:outerShdw blurRad="63500" dist="63500" dir="2700000" algn="tl" rotWithShape="0">
-                    <a:srgbClr val="4C1960">
-                      <a:alpha val="40000"/>
-                    </a:srgbClr>
-                  </a:outerShdw>
-                </a:effectLst>
-              </a:rPr>
-              <a:t>datarequest</a:t>
-            </a:r>
-            <a:r>
-              <a:rPr lang="en-US" sz="2000" dirty="0">
-                <a:effectLst>
-                  <a:outerShdw blurRad="63500" dist="63500" dir="2700000" algn="tl" rotWithShape="0">
-                    <a:srgbClr val="4C1960">
-                      <a:alpha val="40000"/>
-                    </a:srgbClr>
-                  </a:outerShdw>
-                </a:effectLst>
-              </a:rPr>
-              <a:t>/D76;jsessionid=E5FCE4EAF6848EBA89A050D538B446A0</a:t>
-            </a:r>
-          </a:p>
-          <a:p>
-            <a:endParaRPr lang="en-US" dirty="0">
-              <a:effectLst>
-                <a:outerShdw blurRad="63500" dist="63500" dir="2700000" algn="tl" rotWithShape="0">
-                  <a:srgbClr val="4C1960">
-                    <a:alpha val="40000"/>
-                  </a:srgbClr>
-                </a:outerShdw>
-              </a:effectLst>
-            </a:endParaRPr>
-          </a:p>
-        </p:txBody>
-      </p:sp>
+      </p:pic>
       <p:sp>
         <p:nvSpPr>
-          <p:cNvPr id="4" name="Right Arrow 3">
+          <p:cNvPr id="2" name="TextBox 1">
             <a:extLst>
               <a:ext uri="{FF2B5EF4-FFF2-40B4-BE49-F238E27FC236}">
-                <a16:creationId xmlns:a16="http://schemas.microsoft.com/office/drawing/2014/main" id="{32514254-8384-BF40-A67D-4560B85EC227}"/>
+                <a16:creationId xmlns:a16="http://schemas.microsoft.com/office/drawing/2014/main" id="{A6E661F4-1C1A-FB4A-BCFB-4FDD90E05E89}"/>
               </a:ext>
             </a:extLst>
           </p:cNvPr>
-          <p:cNvSpPr/>
+          <p:cNvSpPr txBox="1"/>
           <p:nvPr/>
         </p:nvSpPr>
         <p:spPr>
           <a:xfrm>
-            <a:off x="2085474" y="2566737"/>
-            <a:ext cx="577516" cy="336884"/>
+            <a:off x="6858000" y="584200"/>
+            <a:ext cx="3886200" cy="400110"/>
           </a:xfrm>
-          <a:prstGeom prst="rightArrow">
+          <a:prstGeom prst="rect">
             <a:avLst/>
           </a:prstGeom>
-          <a:solidFill>
-            <a:schemeClr val="tx2">
-              <a:lumMod val="50000"/>
-            </a:schemeClr>
-          </a:solidFill>
-          <a:ln w="38100">
-            <a:solidFill>
-              <a:srgbClr val="4C1960"/>
-            </a:solidFill>
-          </a:ln>
-          <a:effectLst>
-            <a:outerShdw blurRad="50800" dist="38100" dir="2700000" algn="tl" rotWithShape="0">
-              <a:prstClr val="black">
-                <a:alpha val="40000"/>
-              </a:prstClr>
-            </a:outerShdw>
-          </a:effectLst>
+          <a:noFill/>
         </p:spPr>
-        <p:style>
-          <a:lnRef idx="2">
-            <a:schemeClr val="accent1">
-              <a:shade val="50000"/>
-            </a:schemeClr>
-          </a:lnRef>
-          <a:fillRef idx="1">
-            <a:schemeClr val="accent1"/>
-          </a:fillRef>
-          <a:effectRef idx="0">
-            <a:schemeClr val="accent1"/>
-          </a:effectRef>
-          <a:fontRef idx="minor">
-            <a:schemeClr val="lt1"/>
-          </a:fontRef>
-        </p:style>
         <p:txBody>
-          <a:bodyPr rtlCol="0" anchor="ctr"/>
+          <a:bodyPr wrap="square" rtlCol="0">
+            <a:spAutoFit/>
+          </a:bodyPr>
           <a:lstStyle/>
           <a:p>
-            <a:pPr algn="ctr"/>
-            <a:endParaRPr lang="en-US">
-              <a:solidFill>
-                <a:srgbClr val="4C1960"/>
-              </a:solidFill>
-            </a:endParaRPr>
-          </a:p>
-        </p:txBody>
-      </p:sp>
-      <p:sp>
-        <p:nvSpPr>
-          <p:cNvPr id="5" name="Right Arrow 4">
-            <a:extLst>
-              <a:ext uri="{FF2B5EF4-FFF2-40B4-BE49-F238E27FC236}">
-                <a16:creationId xmlns:a16="http://schemas.microsoft.com/office/drawing/2014/main" id="{C631EAB2-F844-5246-BE66-C48B0B662C50}"/>
-              </a:ext>
-            </a:extLst>
-          </p:cNvPr>
-          <p:cNvSpPr/>
-          <p:nvPr/>
-        </p:nvSpPr>
-        <p:spPr>
-          <a:xfrm>
-            <a:off x="2991853" y="3204895"/>
-            <a:ext cx="577516" cy="336884"/>
-          </a:xfrm>
-          <a:prstGeom prst="rightArrow">
-            <a:avLst/>
-          </a:prstGeom>
-          <a:solidFill>
-            <a:schemeClr val="tx2">
-              <a:lumMod val="50000"/>
-            </a:schemeClr>
-          </a:solidFill>
-          <a:ln w="38100">
-            <a:solidFill>
-              <a:srgbClr val="4C1960"/>
-            </a:solidFill>
-          </a:ln>
-          <a:effectLst>
-            <a:outerShdw blurRad="50800" dist="38100" dir="2700000" algn="tl" rotWithShape="0">
-              <a:prstClr val="black">
-                <a:alpha val="40000"/>
-              </a:prstClr>
-            </a:outerShdw>
-          </a:effectLst>
-        </p:spPr>
-        <p:style>
-          <a:lnRef idx="2">
-            <a:schemeClr val="accent1">
-              <a:shade val="50000"/>
-            </a:schemeClr>
-          </a:lnRef>
-          <a:fillRef idx="1">
-            <a:schemeClr val="accent1"/>
-          </a:fillRef>
-          <a:effectRef idx="0">
-            <a:schemeClr val="accent1"/>
-          </a:effectRef>
-          <a:fontRef idx="minor">
-            <a:schemeClr val="lt1"/>
-          </a:fontRef>
-        </p:style>
-        <p:txBody>
-          <a:bodyPr rtlCol="0" anchor="ctr"/>
-          <a:lstStyle/>
-          <a:p>
-            <a:pPr algn="ctr"/>
-            <a:endParaRPr lang="en-US">
-              <a:solidFill>
-                <a:srgbClr val="4C1960"/>
-              </a:solidFill>
-            </a:endParaRPr>
+            <a:r>
+              <a:rPr lang="en-US" sz="2000" b="1" dirty="0">
+                <a:effectLst>
+                  <a:outerShdw blurRad="63500" dist="50800" dir="2700000" algn="tl" rotWithShape="0">
+                    <a:srgbClr val="4C1960">
+                      <a:alpha val="65000"/>
+                    </a:srgbClr>
+                  </a:outerShdw>
+                </a:effectLst>
+              </a:rPr>
+              <a:t>“like” World Health Organization</a:t>
+            </a:r>
           </a:p>
         </p:txBody>
       </p:sp>
     </p:spTree>
     <p:extLst>
       <p:ext uri="{BB962C8B-B14F-4D97-AF65-F5344CB8AC3E}">
-        <p14:creationId xmlns:p14="http://schemas.microsoft.com/office/powerpoint/2010/main" val="651015184"/>
+        <p14:creationId xmlns:p14="http://schemas.microsoft.com/office/powerpoint/2010/main" val="3886328153"/>
       </p:ext>
     </p:extLst>
   </p:cSld>

--- a/reports/SUICnotes.pptx
+++ b/reports/SUICnotes.pptx
@@ -16,23 +16,25 @@
     <p:sldId id="263" r:id="rId10"/>
     <p:sldId id="280" r:id="rId11"/>
     <p:sldId id="269" r:id="rId12"/>
-    <p:sldId id="281" r:id="rId13"/>
-    <p:sldId id="270" r:id="rId14"/>
-    <p:sldId id="283" r:id="rId15"/>
-    <p:sldId id="271" r:id="rId16"/>
-    <p:sldId id="272" r:id="rId17"/>
-    <p:sldId id="286" r:id="rId18"/>
-    <p:sldId id="287" r:id="rId19"/>
-    <p:sldId id="273" r:id="rId20"/>
-    <p:sldId id="284" r:id="rId21"/>
-    <p:sldId id="267" r:id="rId22"/>
-    <p:sldId id="288" r:id="rId23"/>
-    <p:sldId id="275" r:id="rId24"/>
-    <p:sldId id="278" r:id="rId25"/>
-    <p:sldId id="285" r:id="rId26"/>
-    <p:sldId id="257" r:id="rId27"/>
-    <p:sldId id="277" r:id="rId28"/>
-    <p:sldId id="276" r:id="rId29"/>
+    <p:sldId id="289" r:id="rId13"/>
+    <p:sldId id="290" r:id="rId14"/>
+    <p:sldId id="281" r:id="rId15"/>
+    <p:sldId id="270" r:id="rId16"/>
+    <p:sldId id="283" r:id="rId17"/>
+    <p:sldId id="271" r:id="rId18"/>
+    <p:sldId id="272" r:id="rId19"/>
+    <p:sldId id="286" r:id="rId20"/>
+    <p:sldId id="287" r:id="rId21"/>
+    <p:sldId id="273" r:id="rId22"/>
+    <p:sldId id="284" r:id="rId23"/>
+    <p:sldId id="267" r:id="rId24"/>
+    <p:sldId id="288" r:id="rId25"/>
+    <p:sldId id="275" r:id="rId26"/>
+    <p:sldId id="278" r:id="rId27"/>
+    <p:sldId id="285" r:id="rId28"/>
+    <p:sldId id="257" r:id="rId29"/>
+    <p:sldId id="277" r:id="rId30"/>
+    <p:sldId id="276" r:id="rId31"/>
   </p:sldIdLst>
   <p:sldSz cx="12192000" cy="6858000"/>
   <p:notesSz cx="6858000" cy="9144000"/>
@@ -189,7 +191,7 @@
           <a:noFill/>
           <a:extLst>
             <a:ext uri="{909E8E84-426E-40dd-AFC4-6F175D3DCCD1}">
-              <a14:hiddenFill xmlns="" xmlns:a14="http://schemas.microsoft.com/office/drawing/2010/main">
+              <a14:hiddenFill xmlns:a14="http://schemas.microsoft.com/office/drawing/2010/main" xmlns="">
                 <a:solidFill>
                   <a:srgbClr val="FFFFFF"/>
                 </a:solidFill>
@@ -249,7 +251,7 @@
             </a:ln>
             <a:extLst>
               <a:ext uri="{91240B29-F687-4f45-9708-019B960494DF}">
-                <a14:hiddenLine xmlns="" xmlns:a14="http://schemas.microsoft.com/office/drawing/2010/main" w="9525">
+                <a14:hiddenLine xmlns:a14="http://schemas.microsoft.com/office/drawing/2010/main" xmlns="" w="9525">
                   <a:solidFill>
                     <a:srgbClr val="000000"/>
                   </a:solidFill>
@@ -339,7 +341,7 @@
             </a:ln>
             <a:extLst>
               <a:ext uri="{91240B29-F687-4f45-9708-019B960494DF}">
-                <a14:hiddenLine xmlns="" xmlns:a14="http://schemas.microsoft.com/office/drawing/2010/main" w="9525">
+                <a14:hiddenLine xmlns:a14="http://schemas.microsoft.com/office/drawing/2010/main" xmlns="" w="9525">
                   <a:solidFill>
                     <a:srgbClr val="000000"/>
                   </a:solidFill>
@@ -429,7 +431,7 @@
             </a:ln>
             <a:extLst>
               <a:ext uri="{91240B29-F687-4f45-9708-019B960494DF}">
-                <a14:hiddenLine xmlns="" xmlns:a14="http://schemas.microsoft.com/office/drawing/2010/main" w="9525">
+                <a14:hiddenLine xmlns:a14="http://schemas.microsoft.com/office/drawing/2010/main" xmlns="" w="9525">
                   <a:solidFill>
                     <a:srgbClr val="000000"/>
                   </a:solidFill>
@@ -463,7 +465,7 @@
             </a:ln>
             <a:extLst>
               <a:ext uri="{91240B29-F687-4f45-9708-019B960494DF}">
-                <a14:hiddenLine xmlns="" xmlns:a14="http://schemas.microsoft.com/office/drawing/2010/main" w="9525">
+                <a14:hiddenLine xmlns:a14="http://schemas.microsoft.com/office/drawing/2010/main" xmlns="" w="9525">
                   <a:solidFill>
                     <a:srgbClr val="000000"/>
                   </a:solidFill>
@@ -553,7 +555,7 @@
             </a:ln>
             <a:extLst>
               <a:ext uri="{91240B29-F687-4f45-9708-019B960494DF}">
-                <a14:hiddenLine xmlns="" xmlns:a14="http://schemas.microsoft.com/office/drawing/2010/main" w="9525">
+                <a14:hiddenLine xmlns:a14="http://schemas.microsoft.com/office/drawing/2010/main" xmlns="" w="9525">
                   <a:solidFill>
                     <a:srgbClr val="000000"/>
                   </a:solidFill>
@@ -615,7 +617,7 @@
             </a:ln>
             <a:extLst>
               <a:ext uri="{91240B29-F687-4f45-9708-019B960494DF}">
-                <a14:hiddenLine xmlns="" xmlns:a14="http://schemas.microsoft.com/office/drawing/2010/main" w="9525">
+                <a14:hiddenLine xmlns:a14="http://schemas.microsoft.com/office/drawing/2010/main" xmlns="" w="9525">
                   <a:solidFill>
                     <a:srgbClr val="000000"/>
                   </a:solidFill>
@@ -677,7 +679,7 @@
             </a:ln>
             <a:extLst>
               <a:ext uri="{91240B29-F687-4f45-9708-019B960494DF}">
-                <a14:hiddenLine xmlns="" xmlns:a14="http://schemas.microsoft.com/office/drawing/2010/main" w="9525">
+                <a14:hiddenLine xmlns:a14="http://schemas.microsoft.com/office/drawing/2010/main" xmlns="" w="9525">
                   <a:solidFill>
                     <a:srgbClr val="000000"/>
                   </a:solidFill>
@@ -767,7 +769,7 @@
             </a:ln>
             <a:extLst>
               <a:ext uri="{91240B29-F687-4f45-9708-019B960494DF}">
-                <a14:hiddenLine xmlns="" xmlns:a14="http://schemas.microsoft.com/office/drawing/2010/main" w="9525">
+                <a14:hiddenLine xmlns:a14="http://schemas.microsoft.com/office/drawing/2010/main" xmlns="" w="9525">
                   <a:solidFill>
                     <a:srgbClr val="000000"/>
                   </a:solidFill>
@@ -829,7 +831,7 @@
             </a:ln>
             <a:extLst>
               <a:ext uri="{91240B29-F687-4f45-9708-019B960494DF}">
-                <a14:hiddenLine xmlns="" xmlns:a14="http://schemas.microsoft.com/office/drawing/2010/main" w="9525">
+                <a14:hiddenLine xmlns:a14="http://schemas.microsoft.com/office/drawing/2010/main" xmlns="" w="9525">
                   <a:solidFill>
                     <a:srgbClr val="000000"/>
                   </a:solidFill>
@@ -891,7 +893,7 @@
             </a:ln>
             <a:extLst>
               <a:ext uri="{91240B29-F687-4f45-9708-019B960494DF}">
-                <a14:hiddenLine xmlns="" xmlns:a14="http://schemas.microsoft.com/office/drawing/2010/main" w="9525">
+                <a14:hiddenLine xmlns:a14="http://schemas.microsoft.com/office/drawing/2010/main" xmlns="" w="9525">
                   <a:solidFill>
                     <a:srgbClr val="000000"/>
                   </a:solidFill>
@@ -981,7 +983,7 @@
             </a:ln>
             <a:extLst>
               <a:ext uri="{91240B29-F687-4f45-9708-019B960494DF}">
-                <a14:hiddenLine xmlns="" xmlns:a14="http://schemas.microsoft.com/office/drawing/2010/main" w="9525">
+                <a14:hiddenLine xmlns:a14="http://schemas.microsoft.com/office/drawing/2010/main" xmlns="" w="9525">
                   <a:solidFill>
                     <a:srgbClr val="000000"/>
                   </a:solidFill>
@@ -1071,7 +1073,7 @@
             </a:ln>
             <a:extLst>
               <a:ext uri="{91240B29-F687-4f45-9708-019B960494DF}">
-                <a14:hiddenLine xmlns="" xmlns:a14="http://schemas.microsoft.com/office/drawing/2010/main" w="9525">
+                <a14:hiddenLine xmlns:a14="http://schemas.microsoft.com/office/drawing/2010/main" xmlns="" w="9525">
                   <a:solidFill>
                     <a:srgbClr val="000000"/>
                   </a:solidFill>
@@ -1133,7 +1135,7 @@
             </a:ln>
             <a:extLst>
               <a:ext uri="{91240B29-F687-4f45-9708-019B960494DF}">
-                <a14:hiddenLine xmlns="" xmlns:a14="http://schemas.microsoft.com/office/drawing/2010/main" w="9525">
+                <a14:hiddenLine xmlns:a14="http://schemas.microsoft.com/office/drawing/2010/main" xmlns="" w="9525">
                   <a:solidFill>
                     <a:srgbClr val="000000"/>
                   </a:solidFill>
@@ -1243,7 +1245,7 @@
             </a:ln>
             <a:extLst>
               <a:ext uri="{91240B29-F687-4f45-9708-019B960494DF}">
-                <a14:hiddenLine xmlns="" xmlns:a14="http://schemas.microsoft.com/office/drawing/2010/main" w="9525">
+                <a14:hiddenLine xmlns:a14="http://schemas.microsoft.com/office/drawing/2010/main" xmlns="" w="9525">
                   <a:solidFill>
                     <a:srgbClr val="000000"/>
                   </a:solidFill>
@@ -1305,7 +1307,7 @@
             </a:ln>
             <a:extLst>
               <a:ext uri="{91240B29-F687-4f45-9708-019B960494DF}">
-                <a14:hiddenLine xmlns="" xmlns:a14="http://schemas.microsoft.com/office/drawing/2010/main" w="9525">
+                <a14:hiddenLine xmlns:a14="http://schemas.microsoft.com/office/drawing/2010/main" xmlns="" w="9525">
                   <a:solidFill>
                     <a:srgbClr val="000000"/>
                   </a:solidFill>
@@ -1395,7 +1397,7 @@
             </a:ln>
             <a:extLst>
               <a:ext uri="{91240B29-F687-4f45-9708-019B960494DF}">
-                <a14:hiddenLine xmlns="" xmlns:a14="http://schemas.microsoft.com/office/drawing/2010/main" w="9525">
+                <a14:hiddenLine xmlns:a14="http://schemas.microsoft.com/office/drawing/2010/main" xmlns="" w="9525">
                   <a:solidFill>
                     <a:srgbClr val="000000"/>
                   </a:solidFill>
@@ -1485,7 +1487,7 @@
             </a:ln>
             <a:extLst>
               <a:ext uri="{91240B29-F687-4f45-9708-019B960494DF}">
-                <a14:hiddenLine xmlns="" xmlns:a14="http://schemas.microsoft.com/office/drawing/2010/main" w="9525">
+                <a14:hiddenLine xmlns:a14="http://schemas.microsoft.com/office/drawing/2010/main" xmlns="" w="9525">
                   <a:solidFill>
                     <a:srgbClr val="000000"/>
                   </a:solidFill>
@@ -1547,7 +1549,7 @@
             </a:ln>
             <a:extLst>
               <a:ext uri="{91240B29-F687-4f45-9708-019B960494DF}">
-                <a14:hiddenLine xmlns="" xmlns:a14="http://schemas.microsoft.com/office/drawing/2010/main" w="9525">
+                <a14:hiddenLine xmlns:a14="http://schemas.microsoft.com/office/drawing/2010/main" xmlns="" w="9525">
                   <a:solidFill>
                     <a:srgbClr val="000000"/>
                   </a:solidFill>
@@ -1637,7 +1639,7 @@
             </a:ln>
             <a:extLst>
               <a:ext uri="{91240B29-F687-4f45-9708-019B960494DF}">
-                <a14:hiddenLine xmlns="" xmlns:a14="http://schemas.microsoft.com/office/drawing/2010/main" w="9525">
+                <a14:hiddenLine xmlns:a14="http://schemas.microsoft.com/office/drawing/2010/main" xmlns="" w="9525">
                   <a:solidFill>
                     <a:srgbClr val="000000"/>
                   </a:solidFill>
@@ -1727,7 +1729,7 @@
             </a:ln>
             <a:extLst>
               <a:ext uri="{91240B29-F687-4f45-9708-019B960494DF}">
-                <a14:hiddenLine xmlns="" xmlns:a14="http://schemas.microsoft.com/office/drawing/2010/main" w="9525">
+                <a14:hiddenLine xmlns:a14="http://schemas.microsoft.com/office/drawing/2010/main" xmlns="" w="9525">
                   <a:solidFill>
                     <a:srgbClr val="000000"/>
                   </a:solidFill>
@@ -1783,7 +1785,7 @@
             </a:ln>
             <a:extLst>
               <a:ext uri="{91240B29-F687-4f45-9708-019B960494DF}">
-                <a14:hiddenLine xmlns="" xmlns:a14="http://schemas.microsoft.com/office/drawing/2010/main" w="9525">
+                <a14:hiddenLine xmlns:a14="http://schemas.microsoft.com/office/drawing/2010/main" xmlns="" w="9525">
                   <a:solidFill>
                     <a:srgbClr val="000000"/>
                   </a:solidFill>
@@ -1873,7 +1875,7 @@
             </a:ln>
             <a:extLst>
               <a:ext uri="{91240B29-F687-4f45-9708-019B960494DF}">
-                <a14:hiddenLine xmlns="" xmlns:a14="http://schemas.microsoft.com/office/drawing/2010/main" w="9525">
+                <a14:hiddenLine xmlns:a14="http://schemas.microsoft.com/office/drawing/2010/main" xmlns="" w="9525">
                   <a:solidFill>
                     <a:srgbClr val="000000"/>
                   </a:solidFill>
@@ -1929,7 +1931,7 @@
             </a:ln>
             <a:extLst>
               <a:ext uri="{91240B29-F687-4f45-9708-019B960494DF}">
-                <a14:hiddenLine xmlns="" xmlns:a14="http://schemas.microsoft.com/office/drawing/2010/main" w="9525">
+                <a14:hiddenLine xmlns:a14="http://schemas.microsoft.com/office/drawing/2010/main" xmlns="" w="9525">
                   <a:solidFill>
                     <a:srgbClr val="000000"/>
                   </a:solidFill>
@@ -2019,7 +2021,7 @@
             </a:ln>
             <a:extLst>
               <a:ext uri="{91240B29-F687-4f45-9708-019B960494DF}">
-                <a14:hiddenLine xmlns="" xmlns:a14="http://schemas.microsoft.com/office/drawing/2010/main" w="9525">
+                <a14:hiddenLine xmlns:a14="http://schemas.microsoft.com/office/drawing/2010/main" xmlns="" w="9525">
                   <a:solidFill>
                     <a:srgbClr val="000000"/>
                   </a:solidFill>
@@ -2087,7 +2089,7 @@
             </a:ln>
             <a:extLst>
               <a:ext uri="{91240B29-F687-4f45-9708-019B960494DF}">
-                <a14:hiddenLine xmlns="" xmlns:a14="http://schemas.microsoft.com/office/drawing/2010/main" w="9525">
+                <a14:hiddenLine xmlns:a14="http://schemas.microsoft.com/office/drawing/2010/main" xmlns="" w="9525">
                   <a:solidFill>
                     <a:srgbClr val="000000"/>
                   </a:solidFill>
@@ -2177,7 +2179,7 @@
             </a:ln>
             <a:extLst>
               <a:ext uri="{91240B29-F687-4f45-9708-019B960494DF}">
-                <a14:hiddenLine xmlns="" xmlns:a14="http://schemas.microsoft.com/office/drawing/2010/main" w="9525">
+                <a14:hiddenLine xmlns:a14="http://schemas.microsoft.com/office/drawing/2010/main" xmlns="" w="9525">
                   <a:solidFill>
                     <a:srgbClr val="000000"/>
                   </a:solidFill>
@@ -2245,7 +2247,7 @@
             </a:ln>
             <a:extLst>
               <a:ext uri="{91240B29-F687-4f45-9708-019B960494DF}">
-                <a14:hiddenLine xmlns="" xmlns:a14="http://schemas.microsoft.com/office/drawing/2010/main" w="9525">
+                <a14:hiddenLine xmlns:a14="http://schemas.microsoft.com/office/drawing/2010/main" xmlns="" w="9525">
                   <a:solidFill>
                     <a:srgbClr val="000000"/>
                   </a:solidFill>
@@ -2335,7 +2337,7 @@
             </a:ln>
             <a:extLst>
               <a:ext uri="{91240B29-F687-4f45-9708-019B960494DF}">
-                <a14:hiddenLine xmlns="" xmlns:a14="http://schemas.microsoft.com/office/drawing/2010/main" w="9525">
+                <a14:hiddenLine xmlns:a14="http://schemas.microsoft.com/office/drawing/2010/main" xmlns="" w="9525">
                   <a:solidFill>
                     <a:srgbClr val="000000"/>
                   </a:solidFill>
@@ -2369,7 +2371,7 @@
             </a:ln>
             <a:extLst>
               <a:ext uri="{91240B29-F687-4f45-9708-019B960494DF}">
-                <a14:hiddenLine xmlns="" xmlns:a14="http://schemas.microsoft.com/office/drawing/2010/main" w="9525">
+                <a14:hiddenLine xmlns:a14="http://schemas.microsoft.com/office/drawing/2010/main" xmlns="" w="9525">
                   <a:solidFill>
                     <a:srgbClr val="000000"/>
                   </a:solidFill>
@@ -2459,7 +2461,7 @@
             </a:ln>
             <a:extLst>
               <a:ext uri="{91240B29-F687-4f45-9708-019B960494DF}">
-                <a14:hiddenLine xmlns="" xmlns:a14="http://schemas.microsoft.com/office/drawing/2010/main" w="9525">
+                <a14:hiddenLine xmlns:a14="http://schemas.microsoft.com/office/drawing/2010/main" xmlns="" w="9525">
                   <a:solidFill>
                     <a:srgbClr val="000000"/>
                   </a:solidFill>
@@ -2521,7 +2523,7 @@
             </a:ln>
             <a:extLst>
               <a:ext uri="{91240B29-F687-4f45-9708-019B960494DF}">
-                <a14:hiddenLine xmlns="" xmlns:a14="http://schemas.microsoft.com/office/drawing/2010/main" w="9525">
+                <a14:hiddenLine xmlns:a14="http://schemas.microsoft.com/office/drawing/2010/main" xmlns="" w="9525">
                   <a:solidFill>
                     <a:srgbClr val="000000"/>
                   </a:solidFill>
@@ -2583,7 +2585,7 @@
             </a:ln>
             <a:extLst>
               <a:ext uri="{91240B29-F687-4f45-9708-019B960494DF}">
-                <a14:hiddenLine xmlns="" xmlns:a14="http://schemas.microsoft.com/office/drawing/2010/main" w="9525">
+                <a14:hiddenLine xmlns:a14="http://schemas.microsoft.com/office/drawing/2010/main" xmlns="" w="9525">
                   <a:solidFill>
                     <a:srgbClr val="000000"/>
                   </a:solidFill>
@@ -2673,7 +2675,7 @@
             </a:ln>
             <a:extLst>
               <a:ext uri="{91240B29-F687-4f45-9708-019B960494DF}">
-                <a14:hiddenLine xmlns="" xmlns:a14="http://schemas.microsoft.com/office/drawing/2010/main" w="9525">
+                <a14:hiddenLine xmlns:a14="http://schemas.microsoft.com/office/drawing/2010/main" xmlns="" w="9525">
                   <a:solidFill>
                     <a:srgbClr val="000000"/>
                   </a:solidFill>
@@ -2741,7 +2743,7 @@
             </a:ln>
             <a:extLst>
               <a:ext uri="{91240B29-F687-4f45-9708-019B960494DF}">
-                <a14:hiddenLine xmlns="" xmlns:a14="http://schemas.microsoft.com/office/drawing/2010/main" w="9525">
+                <a14:hiddenLine xmlns:a14="http://schemas.microsoft.com/office/drawing/2010/main" xmlns="" w="9525">
                   <a:solidFill>
                     <a:srgbClr val="000000"/>
                   </a:solidFill>
@@ -2803,7 +2805,7 @@
             </a:ln>
             <a:extLst>
               <a:ext uri="{91240B29-F687-4f45-9708-019B960494DF}">
-                <a14:hiddenLine xmlns="" xmlns:a14="http://schemas.microsoft.com/office/drawing/2010/main" w="9525">
+                <a14:hiddenLine xmlns:a14="http://schemas.microsoft.com/office/drawing/2010/main" xmlns="" w="9525">
                   <a:solidFill>
                     <a:srgbClr val="000000"/>
                   </a:solidFill>
@@ -2893,7 +2895,7 @@
             </a:ln>
             <a:extLst>
               <a:ext uri="{91240B29-F687-4f45-9708-019B960494DF}">
-                <a14:hiddenLine xmlns="" xmlns:a14="http://schemas.microsoft.com/office/drawing/2010/main" w="9525">
+                <a14:hiddenLine xmlns:a14="http://schemas.microsoft.com/office/drawing/2010/main" xmlns="" w="9525">
                   <a:solidFill>
                     <a:srgbClr val="000000"/>
                   </a:solidFill>
@@ -2955,7 +2957,7 @@
             </a:ln>
             <a:extLst>
               <a:ext uri="{91240B29-F687-4f45-9708-019B960494DF}">
-                <a14:hiddenLine xmlns="" xmlns:a14="http://schemas.microsoft.com/office/drawing/2010/main" w="9525">
+                <a14:hiddenLine xmlns:a14="http://schemas.microsoft.com/office/drawing/2010/main" xmlns="" w="9525">
                   <a:solidFill>
                     <a:srgbClr val="000000"/>
                   </a:solidFill>
@@ -3045,7 +3047,7 @@
             </a:ln>
             <a:extLst>
               <a:ext uri="{91240B29-F687-4f45-9708-019B960494DF}">
-                <a14:hiddenLine xmlns="" xmlns:a14="http://schemas.microsoft.com/office/drawing/2010/main" w="9525">
+                <a14:hiddenLine xmlns:a14="http://schemas.microsoft.com/office/drawing/2010/main" xmlns="" w="9525">
                   <a:solidFill>
                     <a:srgbClr val="000000"/>
                   </a:solidFill>
@@ -3107,7 +3109,7 @@
             </a:ln>
             <a:extLst>
               <a:ext uri="{91240B29-F687-4f45-9708-019B960494DF}">
-                <a14:hiddenLine xmlns="" xmlns:a14="http://schemas.microsoft.com/office/drawing/2010/main" w="9525">
+                <a14:hiddenLine xmlns:a14="http://schemas.microsoft.com/office/drawing/2010/main" xmlns="" w="9525">
                   <a:solidFill>
                     <a:srgbClr val="000000"/>
                   </a:solidFill>
@@ -3197,7 +3199,7 @@
             </a:ln>
             <a:extLst>
               <a:ext uri="{91240B29-F687-4f45-9708-019B960494DF}">
-                <a14:hiddenLine xmlns="" xmlns:a14="http://schemas.microsoft.com/office/drawing/2010/main" w="9525">
+                <a14:hiddenLine xmlns:a14="http://schemas.microsoft.com/office/drawing/2010/main" xmlns="" w="9525">
                   <a:solidFill>
                     <a:srgbClr val="000000"/>
                   </a:solidFill>
@@ -3231,7 +3233,7 @@
             </a:ln>
             <a:extLst>
               <a:ext uri="{91240B29-F687-4f45-9708-019B960494DF}">
-                <a14:hiddenLine xmlns="" xmlns:a14="http://schemas.microsoft.com/office/drawing/2010/main" w="9525">
+                <a14:hiddenLine xmlns:a14="http://schemas.microsoft.com/office/drawing/2010/main" xmlns="" w="9525">
                   <a:solidFill>
                     <a:srgbClr val="000000"/>
                   </a:solidFill>
@@ -3296,7 +3298,7 @@
             </a:ln>
             <a:extLst>
               <a:ext uri="{91240B29-F687-4f45-9708-019B960494DF}">
-                <a14:hiddenLine xmlns="" xmlns:a14="http://schemas.microsoft.com/office/drawing/2010/main" w="9525">
+                <a14:hiddenLine xmlns:a14="http://schemas.microsoft.com/office/drawing/2010/main" xmlns="" w="9525">
                   <a:solidFill>
                     <a:srgbClr val="000000"/>
                   </a:solidFill>
@@ -3386,7 +3388,7 @@
             </a:ln>
             <a:extLst>
               <a:ext uri="{91240B29-F687-4f45-9708-019B960494DF}">
-                <a14:hiddenLine xmlns="" xmlns:a14="http://schemas.microsoft.com/office/drawing/2010/main" w="9525">
+                <a14:hiddenLine xmlns:a14="http://schemas.microsoft.com/office/drawing/2010/main" xmlns="" w="9525">
                   <a:solidFill>
                     <a:srgbClr val="000000"/>
                   </a:solidFill>
@@ -3448,7 +3450,7 @@
             </a:ln>
             <a:extLst>
               <a:ext uri="{91240B29-F687-4f45-9708-019B960494DF}">
-                <a14:hiddenLine xmlns="" xmlns:a14="http://schemas.microsoft.com/office/drawing/2010/main" w="9525">
+                <a14:hiddenLine xmlns:a14="http://schemas.microsoft.com/office/drawing/2010/main" xmlns="" w="9525">
                   <a:solidFill>
                     <a:srgbClr val="000000"/>
                   </a:solidFill>
@@ -3538,7 +3540,7 @@
             </a:ln>
             <a:extLst>
               <a:ext uri="{91240B29-F687-4f45-9708-019B960494DF}">
-                <a14:hiddenLine xmlns="" xmlns:a14="http://schemas.microsoft.com/office/drawing/2010/main" w="9525">
+                <a14:hiddenLine xmlns:a14="http://schemas.microsoft.com/office/drawing/2010/main" xmlns="" w="9525">
                   <a:solidFill>
                     <a:srgbClr val="000000"/>
                   </a:solidFill>
@@ -3628,7 +3630,7 @@
             </a:ln>
             <a:extLst>
               <a:ext uri="{91240B29-F687-4f45-9708-019B960494DF}">
-                <a14:hiddenLine xmlns="" xmlns:a14="http://schemas.microsoft.com/office/drawing/2010/main" w="9525">
+                <a14:hiddenLine xmlns:a14="http://schemas.microsoft.com/office/drawing/2010/main" xmlns="" w="9525">
                   <a:solidFill>
                     <a:srgbClr val="000000"/>
                   </a:solidFill>
@@ -3693,7 +3695,7 @@
             </a:ln>
             <a:extLst>
               <a:ext uri="{91240B29-F687-4f45-9708-019B960494DF}">
-                <a14:hiddenLine xmlns="" xmlns:a14="http://schemas.microsoft.com/office/drawing/2010/main" w="9525">
+                <a14:hiddenLine xmlns:a14="http://schemas.microsoft.com/office/drawing/2010/main" xmlns="" w="9525">
                   <a:solidFill>
                     <a:srgbClr val="000000"/>
                   </a:solidFill>
@@ -3755,7 +3757,7 @@
             </a:ln>
             <a:extLst>
               <a:ext uri="{91240B29-F687-4f45-9708-019B960494DF}">
-                <a14:hiddenLine xmlns="" xmlns:a14="http://schemas.microsoft.com/office/drawing/2010/main" w="9525">
+                <a14:hiddenLine xmlns:a14="http://schemas.microsoft.com/office/drawing/2010/main" xmlns="" w="9525">
                   <a:solidFill>
                     <a:srgbClr val="000000"/>
                   </a:solidFill>
@@ -3845,7 +3847,7 @@
             </a:ln>
             <a:extLst>
               <a:ext uri="{91240B29-F687-4f45-9708-019B960494DF}">
-                <a14:hiddenLine xmlns="" xmlns:a14="http://schemas.microsoft.com/office/drawing/2010/main" w="9525">
+                <a14:hiddenLine xmlns:a14="http://schemas.microsoft.com/office/drawing/2010/main" xmlns="" w="9525">
                   <a:solidFill>
                     <a:srgbClr val="000000"/>
                   </a:solidFill>
@@ -3935,7 +3937,7 @@
             </a:ln>
             <a:extLst>
               <a:ext uri="{91240B29-F687-4f45-9708-019B960494DF}">
-                <a14:hiddenLine xmlns="" xmlns:a14="http://schemas.microsoft.com/office/drawing/2010/main" w="9525">
+                <a14:hiddenLine xmlns:a14="http://schemas.microsoft.com/office/drawing/2010/main" xmlns="" w="9525">
                   <a:solidFill>
                     <a:srgbClr val="000000"/>
                   </a:solidFill>
@@ -3997,7 +3999,7 @@
             </a:ln>
             <a:extLst>
               <a:ext uri="{91240B29-F687-4f45-9708-019B960494DF}">
-                <a14:hiddenLine xmlns="" xmlns:a14="http://schemas.microsoft.com/office/drawing/2010/main" w="9525">
+                <a14:hiddenLine xmlns:a14="http://schemas.microsoft.com/office/drawing/2010/main" xmlns="" w="9525">
                   <a:solidFill>
                     <a:srgbClr val="000000"/>
                   </a:solidFill>
@@ -4117,7 +4119,7 @@
             </a:ln>
             <a:extLst>
               <a:ext uri="{91240B29-F687-4f45-9708-019B960494DF}">
-                <a14:hiddenLine xmlns="" xmlns:a14="http://schemas.microsoft.com/office/drawing/2010/main" w="9525">
+                <a14:hiddenLine xmlns:a14="http://schemas.microsoft.com/office/drawing/2010/main" xmlns="" w="9525">
                   <a:solidFill>
                     <a:srgbClr val="000000"/>
                   </a:solidFill>
@@ -4185,7 +4187,7 @@
             </a:ln>
             <a:extLst>
               <a:ext uri="{91240B29-F687-4f45-9708-019B960494DF}">
-                <a14:hiddenLine xmlns="" xmlns:a14="http://schemas.microsoft.com/office/drawing/2010/main" w="9525">
+                <a14:hiddenLine xmlns:a14="http://schemas.microsoft.com/office/drawing/2010/main" xmlns="" w="9525">
                   <a:solidFill>
                     <a:srgbClr val="000000"/>
                   </a:solidFill>
@@ -4275,7 +4277,7 @@
             </a:ln>
             <a:extLst>
               <a:ext uri="{91240B29-F687-4f45-9708-019B960494DF}">
-                <a14:hiddenLine xmlns="" xmlns:a14="http://schemas.microsoft.com/office/drawing/2010/main" w="9525">
+                <a14:hiddenLine xmlns:a14="http://schemas.microsoft.com/office/drawing/2010/main" xmlns="" w="9525">
                   <a:solidFill>
                     <a:srgbClr val="000000"/>
                   </a:solidFill>
@@ -4415,7 +4417,7 @@
           <a:p>
             <a:fld id="{48A87A34-81AB-432B-8DAE-1953F412C126}" type="datetimeFigureOut">
               <a:rPr lang="en-US" dirty="0"/>
-              <a:t>3/28/19</a:t>
+              <a:t>3/29/19</a:t>
             </a:fld>
             <a:endParaRPr lang="en-US" dirty="0"/>
           </a:p>
@@ -4677,7 +4679,7 @@
           <a:p>
             <a:fld id="{48A87A34-81AB-432B-8DAE-1953F412C126}" type="datetimeFigureOut">
               <a:rPr lang="en-US" dirty="0"/>
-              <a:t>3/28/19</a:t>
+              <a:t>3/29/19</a:t>
             </a:fld>
             <a:endParaRPr lang="en-US" dirty="0"/>
           </a:p>
@@ -4868,7 +4870,7 @@
           <a:p>
             <a:fld id="{48A87A34-81AB-432B-8DAE-1953F412C126}" type="datetimeFigureOut">
               <a:rPr lang="en-US" dirty="0"/>
-              <a:t>3/28/19</a:t>
+              <a:t>3/29/19</a:t>
             </a:fld>
             <a:endParaRPr lang="en-US" dirty="0"/>
           </a:p>
@@ -5126,7 +5128,7 @@
           <a:p>
             <a:fld id="{48A87A34-81AB-432B-8DAE-1953F412C126}" type="datetimeFigureOut">
               <a:rPr lang="en-US" dirty="0"/>
-              <a:t>3/28/19</a:t>
+              <a:t>3/29/19</a:t>
             </a:fld>
             <a:endParaRPr lang="en-US" dirty="0"/>
           </a:p>
@@ -5555,7 +5557,7 @@
           <a:p>
             <a:fld id="{48A87A34-81AB-432B-8DAE-1953F412C126}" type="datetimeFigureOut">
               <a:rPr lang="en-US" dirty="0"/>
-              <a:t>3/28/19</a:t>
+              <a:t>3/29/19</a:t>
             </a:fld>
             <a:endParaRPr lang="en-US" dirty="0"/>
           </a:p>
@@ -6096,7 +6098,7 @@
           <a:p>
             <a:fld id="{48A87A34-81AB-432B-8DAE-1953F412C126}" type="datetimeFigureOut">
               <a:rPr lang="en-US" dirty="0"/>
-              <a:t>3/28/19</a:t>
+              <a:t>3/29/19</a:t>
             </a:fld>
             <a:endParaRPr lang="en-US" dirty="0"/>
           </a:p>
@@ -6811,7 +6813,7 @@
           <a:p>
             <a:fld id="{48A87A34-81AB-432B-8DAE-1953F412C126}" type="datetimeFigureOut">
               <a:rPr lang="en-US" dirty="0"/>
-              <a:t>3/28/19</a:t>
+              <a:t>3/29/19</a:t>
             </a:fld>
             <a:endParaRPr lang="en-US" dirty="0"/>
           </a:p>
@@ -6976,7 +6978,7 @@
           <a:p>
             <a:fld id="{48A87A34-81AB-432B-8DAE-1953F412C126}" type="datetimeFigureOut">
               <a:rPr lang="en-US" dirty="0"/>
-              <a:t>3/28/19</a:t>
+              <a:t>3/29/19</a:t>
             </a:fld>
             <a:endParaRPr lang="en-US" dirty="0"/>
           </a:p>
@@ -7151,7 +7153,7 @@
           <a:p>
             <a:fld id="{48A87A34-81AB-432B-8DAE-1953F412C126}" type="datetimeFigureOut">
               <a:rPr lang="en-US" dirty="0"/>
-              <a:t>3/28/19</a:t>
+              <a:t>3/29/19</a:t>
             </a:fld>
             <a:endParaRPr lang="en-US" dirty="0"/>
           </a:p>
@@ -7316,7 +7318,7 @@
           <a:p>
             <a:fld id="{48A87A34-81AB-432B-8DAE-1953F412C126}" type="datetimeFigureOut">
               <a:rPr lang="en-US" dirty="0"/>
-              <a:t>3/28/19</a:t>
+              <a:t>3/29/19</a:t>
             </a:fld>
             <a:endParaRPr lang="en-US" dirty="0"/>
           </a:p>
@@ -7561,7 +7563,7 @@
           <a:p>
             <a:fld id="{48A87A34-81AB-432B-8DAE-1953F412C126}" type="datetimeFigureOut">
               <a:rPr lang="en-US" dirty="0"/>
-              <a:t>3/28/19</a:t>
+              <a:t>3/29/19</a:t>
             </a:fld>
             <a:endParaRPr lang="en-US" dirty="0"/>
           </a:p>
@@ -7788,7 +7790,7 @@
           <a:p>
             <a:fld id="{48A87A34-81AB-432B-8DAE-1953F412C126}" type="datetimeFigureOut">
               <a:rPr lang="en-US" dirty="0"/>
-              <a:t>3/28/19</a:t>
+              <a:t>3/29/19</a:t>
             </a:fld>
             <a:endParaRPr lang="en-US" dirty="0"/>
           </a:p>
@@ -8164,7 +8166,7 @@
           <a:p>
             <a:fld id="{48A87A34-81AB-432B-8DAE-1953F412C126}" type="datetimeFigureOut">
               <a:rPr lang="en-US" dirty="0"/>
-              <a:t>3/28/19</a:t>
+              <a:t>3/29/19</a:t>
             </a:fld>
             <a:endParaRPr lang="en-US" dirty="0"/>
           </a:p>
@@ -8277,7 +8279,7 @@
           <a:p>
             <a:fld id="{48A87A34-81AB-432B-8DAE-1953F412C126}" type="datetimeFigureOut">
               <a:rPr lang="en-US" dirty="0"/>
-              <a:t>3/28/19</a:t>
+              <a:t>3/29/19</a:t>
             </a:fld>
             <a:endParaRPr lang="en-US" dirty="0"/>
           </a:p>
@@ -8367,7 +8369,7 @@
           <a:p>
             <a:fld id="{48A87A34-81AB-432B-8DAE-1953F412C126}" type="datetimeFigureOut">
               <a:rPr lang="en-US" dirty="0"/>
-              <a:t>3/28/19</a:t>
+              <a:t>3/29/19</a:t>
             </a:fld>
             <a:endParaRPr lang="en-US" dirty="0"/>
           </a:p>
@@ -8611,7 +8613,7 @@
           <a:p>
             <a:fld id="{48A87A34-81AB-432B-8DAE-1953F412C126}" type="datetimeFigureOut">
               <a:rPr lang="en-US" dirty="0"/>
-              <a:t>3/28/19</a:t>
+              <a:t>3/29/19</a:t>
             </a:fld>
             <a:endParaRPr lang="en-US" dirty="0"/>
           </a:p>
@@ -8886,7 +8888,7 @@
           <a:p>
             <a:fld id="{48A87A34-81AB-432B-8DAE-1953F412C126}" type="datetimeFigureOut">
               <a:rPr lang="en-US" dirty="0"/>
-              <a:t>3/28/19</a:t>
+              <a:t>3/29/19</a:t>
             </a:fld>
             <a:endParaRPr lang="en-US" dirty="0"/>
           </a:p>
@@ -8997,7 +8999,7 @@
           <a:noFill/>
           <a:extLst>
             <a:ext uri="{909E8E84-426E-40dd-AFC4-6F175D3DCCD1}">
-              <a14:hiddenFill xmlns="" xmlns:a14="http://schemas.microsoft.com/office/drawing/2010/main">
+              <a14:hiddenFill xmlns:a14="http://schemas.microsoft.com/office/drawing/2010/main" xmlns="">
                 <a:solidFill>
                   <a:srgbClr val="FFFFFF"/>
                 </a:solidFill>
@@ -9071,7 +9073,7 @@
               </a:ln>
               <a:extLst>
                 <a:ext uri="{91240B29-F687-4f45-9708-019B960494DF}">
-                  <a14:hiddenLine xmlns="" xmlns:a14="http://schemas.microsoft.com/office/drawing/2010/main" w="9525">
+                  <a14:hiddenLine xmlns:a14="http://schemas.microsoft.com/office/drawing/2010/main" xmlns="" w="9525">
                     <a:solidFill>
                       <a:srgbClr val="000000"/>
                     </a:solidFill>
@@ -9161,7 +9163,7 @@
               </a:ln>
               <a:extLst>
                 <a:ext uri="{91240B29-F687-4f45-9708-019B960494DF}">
-                  <a14:hiddenLine xmlns="" xmlns:a14="http://schemas.microsoft.com/office/drawing/2010/main" w="9525">
+                  <a14:hiddenLine xmlns:a14="http://schemas.microsoft.com/office/drawing/2010/main" xmlns="" w="9525">
                     <a:solidFill>
                       <a:srgbClr val="000000"/>
                     </a:solidFill>
@@ -9251,7 +9253,7 @@
               </a:ln>
               <a:extLst>
                 <a:ext uri="{91240B29-F687-4f45-9708-019B960494DF}">
-                  <a14:hiddenLine xmlns="" xmlns:a14="http://schemas.microsoft.com/office/drawing/2010/main" w="9525">
+                  <a14:hiddenLine xmlns:a14="http://schemas.microsoft.com/office/drawing/2010/main" xmlns="" w="9525">
                     <a:solidFill>
                       <a:srgbClr val="000000"/>
                     </a:solidFill>
@@ -9313,7 +9315,7 @@
               </a:ln>
               <a:extLst>
                 <a:ext uri="{91240B29-F687-4f45-9708-019B960494DF}">
-                  <a14:hiddenLine xmlns="" xmlns:a14="http://schemas.microsoft.com/office/drawing/2010/main" w="9525">
+                  <a14:hiddenLine xmlns:a14="http://schemas.microsoft.com/office/drawing/2010/main" xmlns="" w="9525">
                     <a:solidFill>
                       <a:srgbClr val="000000"/>
                     </a:solidFill>
@@ -9403,7 +9405,7 @@
               </a:ln>
               <a:extLst>
                 <a:ext uri="{91240B29-F687-4f45-9708-019B960494DF}">
-                  <a14:hiddenLine xmlns="" xmlns:a14="http://schemas.microsoft.com/office/drawing/2010/main" w="9525">
+                  <a14:hiddenLine xmlns:a14="http://schemas.microsoft.com/office/drawing/2010/main" xmlns="" w="9525">
                     <a:solidFill>
                       <a:srgbClr val="000000"/>
                     </a:solidFill>
@@ -9465,7 +9467,7 @@
               </a:ln>
               <a:extLst>
                 <a:ext uri="{91240B29-F687-4f45-9708-019B960494DF}">
-                  <a14:hiddenLine xmlns="" xmlns:a14="http://schemas.microsoft.com/office/drawing/2010/main" w="9525">
+                  <a14:hiddenLine xmlns:a14="http://schemas.microsoft.com/office/drawing/2010/main" xmlns="" w="9525">
                     <a:solidFill>
                       <a:srgbClr val="000000"/>
                     </a:solidFill>
@@ -9527,7 +9529,7 @@
               </a:ln>
               <a:extLst>
                 <a:ext uri="{91240B29-F687-4f45-9708-019B960494DF}">
-                  <a14:hiddenLine xmlns="" xmlns:a14="http://schemas.microsoft.com/office/drawing/2010/main" w="9525">
+                  <a14:hiddenLine xmlns:a14="http://schemas.microsoft.com/office/drawing/2010/main" xmlns="" w="9525">
                     <a:solidFill>
                       <a:srgbClr val="000000"/>
                     </a:solidFill>
@@ -9617,7 +9619,7 @@
               </a:ln>
               <a:extLst>
                 <a:ext uri="{91240B29-F687-4f45-9708-019B960494DF}">
-                  <a14:hiddenLine xmlns="" xmlns:a14="http://schemas.microsoft.com/office/drawing/2010/main" w="9525">
+                  <a14:hiddenLine xmlns:a14="http://schemas.microsoft.com/office/drawing/2010/main" xmlns="" w="9525">
                     <a:solidFill>
                       <a:srgbClr val="000000"/>
                     </a:solidFill>
@@ -9707,7 +9709,7 @@
               </a:ln>
               <a:extLst>
                 <a:ext uri="{91240B29-F687-4f45-9708-019B960494DF}">
-                  <a14:hiddenLine xmlns="" xmlns:a14="http://schemas.microsoft.com/office/drawing/2010/main" w="9525">
+                  <a14:hiddenLine xmlns:a14="http://schemas.microsoft.com/office/drawing/2010/main" xmlns="" w="9525">
                     <a:solidFill>
                       <a:srgbClr val="000000"/>
                     </a:solidFill>
@@ -9769,7 +9771,7 @@
               </a:ln>
               <a:extLst>
                 <a:ext uri="{91240B29-F687-4f45-9708-019B960494DF}">
-                  <a14:hiddenLine xmlns="" xmlns:a14="http://schemas.microsoft.com/office/drawing/2010/main" w="9525">
+                  <a14:hiddenLine xmlns:a14="http://schemas.microsoft.com/office/drawing/2010/main" xmlns="" w="9525">
                     <a:solidFill>
                       <a:srgbClr val="000000"/>
                     </a:solidFill>
@@ -9879,7 +9881,7 @@
               </a:ln>
               <a:extLst>
                 <a:ext uri="{91240B29-F687-4f45-9708-019B960494DF}">
-                  <a14:hiddenLine xmlns="" xmlns:a14="http://schemas.microsoft.com/office/drawing/2010/main" w="9525">
+                  <a14:hiddenLine xmlns:a14="http://schemas.microsoft.com/office/drawing/2010/main" xmlns="" w="9525">
                     <a:solidFill>
                       <a:srgbClr val="000000"/>
                     </a:solidFill>
@@ -9963,7 +9965,7 @@
               </a:ln>
               <a:extLst>
                 <a:ext uri="{91240B29-F687-4f45-9708-019B960494DF}">
-                  <a14:hiddenLine xmlns="" xmlns:a14="http://schemas.microsoft.com/office/drawing/2010/main" w="9525">
+                  <a14:hiddenLine xmlns:a14="http://schemas.microsoft.com/office/drawing/2010/main" xmlns="" w="9525">
                     <a:solidFill>
                       <a:srgbClr val="000000"/>
                     </a:solidFill>
@@ -10025,7 +10027,7 @@
               </a:ln>
               <a:extLst>
                 <a:ext uri="{91240B29-F687-4f45-9708-019B960494DF}">
-                  <a14:hiddenLine xmlns="" xmlns:a14="http://schemas.microsoft.com/office/drawing/2010/main" w="9525">
+                  <a14:hiddenLine xmlns:a14="http://schemas.microsoft.com/office/drawing/2010/main" xmlns="" w="9525">
                     <a:solidFill>
                       <a:srgbClr val="000000"/>
                     </a:solidFill>
@@ -10087,7 +10089,7 @@
               </a:ln>
               <a:extLst>
                 <a:ext uri="{91240B29-F687-4f45-9708-019B960494DF}">
-                  <a14:hiddenLine xmlns="" xmlns:a14="http://schemas.microsoft.com/office/drawing/2010/main" w="9525">
+                  <a14:hiddenLine xmlns:a14="http://schemas.microsoft.com/office/drawing/2010/main" xmlns="" w="9525">
                     <a:solidFill>
                       <a:srgbClr val="000000"/>
                     </a:solidFill>
@@ -10177,7 +10179,7 @@
               </a:ln>
               <a:extLst>
                 <a:ext uri="{91240B29-F687-4f45-9708-019B960494DF}">
-                  <a14:hiddenLine xmlns="" xmlns:a14="http://schemas.microsoft.com/office/drawing/2010/main" w="9525">
+                  <a14:hiddenLine xmlns:a14="http://schemas.microsoft.com/office/drawing/2010/main" xmlns="" w="9525">
                     <a:solidFill>
                       <a:srgbClr val="000000"/>
                     </a:solidFill>
@@ -10211,7 +10213,7 @@
               </a:ln>
               <a:extLst>
                 <a:ext uri="{91240B29-F687-4f45-9708-019B960494DF}">
-                  <a14:hiddenLine xmlns="" xmlns:a14="http://schemas.microsoft.com/office/drawing/2010/main" w="9525">
+                  <a14:hiddenLine xmlns:a14="http://schemas.microsoft.com/office/drawing/2010/main" xmlns="" w="9525">
                     <a:solidFill>
                       <a:srgbClr val="000000"/>
                     </a:solidFill>
@@ -10276,7 +10278,7 @@
               </a:ln>
               <a:extLst>
                 <a:ext uri="{91240B29-F687-4f45-9708-019B960494DF}">
-                  <a14:hiddenLine xmlns="" xmlns:a14="http://schemas.microsoft.com/office/drawing/2010/main" w="9525">
+                  <a14:hiddenLine xmlns:a14="http://schemas.microsoft.com/office/drawing/2010/main" xmlns="" w="9525">
                     <a:solidFill>
                       <a:srgbClr val="000000"/>
                     </a:solidFill>
@@ -10366,7 +10368,7 @@
               </a:ln>
               <a:extLst>
                 <a:ext uri="{91240B29-F687-4f45-9708-019B960494DF}">
-                  <a14:hiddenLine xmlns="" xmlns:a14="http://schemas.microsoft.com/office/drawing/2010/main" w="9525">
+                  <a14:hiddenLine xmlns:a14="http://schemas.microsoft.com/office/drawing/2010/main" xmlns="" w="9525">
                     <a:solidFill>
                       <a:srgbClr val="000000"/>
                     </a:solidFill>
@@ -10428,7 +10430,7 @@
               </a:ln>
               <a:extLst>
                 <a:ext uri="{91240B29-F687-4f45-9708-019B960494DF}">
-                  <a14:hiddenLine xmlns="" xmlns:a14="http://schemas.microsoft.com/office/drawing/2010/main" w="9525">
+                  <a14:hiddenLine xmlns:a14="http://schemas.microsoft.com/office/drawing/2010/main" xmlns="" w="9525">
                     <a:solidFill>
                       <a:srgbClr val="000000"/>
                     </a:solidFill>
@@ -10518,7 +10520,7 @@
               </a:ln>
               <a:extLst>
                 <a:ext uri="{91240B29-F687-4f45-9708-019B960494DF}">
-                  <a14:hiddenLine xmlns="" xmlns:a14="http://schemas.microsoft.com/office/drawing/2010/main" w="9525">
+                  <a14:hiddenLine xmlns:a14="http://schemas.microsoft.com/office/drawing/2010/main" xmlns="" w="9525">
                     <a:solidFill>
                       <a:srgbClr val="000000"/>
                     </a:solidFill>
@@ -10583,7 +10585,7 @@
               </a:ln>
               <a:extLst>
                 <a:ext uri="{91240B29-F687-4f45-9708-019B960494DF}">
-                  <a14:hiddenLine xmlns="" xmlns:a14="http://schemas.microsoft.com/office/drawing/2010/main" w="9525">
+                  <a14:hiddenLine xmlns:a14="http://schemas.microsoft.com/office/drawing/2010/main" xmlns="" w="9525">
                     <a:solidFill>
                       <a:srgbClr val="000000"/>
                     </a:solidFill>
@@ -10645,7 +10647,7 @@
               </a:ln>
               <a:extLst>
                 <a:ext uri="{91240B29-F687-4f45-9708-019B960494DF}">
-                  <a14:hiddenLine xmlns="" xmlns:a14="http://schemas.microsoft.com/office/drawing/2010/main" w="9525">
+                  <a14:hiddenLine xmlns:a14="http://schemas.microsoft.com/office/drawing/2010/main" xmlns="" w="9525">
                     <a:solidFill>
                       <a:srgbClr val="000000"/>
                     </a:solidFill>
@@ -10735,7 +10737,7 @@
               </a:ln>
               <a:extLst>
                 <a:ext uri="{91240B29-F687-4f45-9708-019B960494DF}">
-                  <a14:hiddenLine xmlns="" xmlns:a14="http://schemas.microsoft.com/office/drawing/2010/main" w="9525">
+                  <a14:hiddenLine xmlns:a14="http://schemas.microsoft.com/office/drawing/2010/main" xmlns="" w="9525">
                     <a:solidFill>
                       <a:srgbClr val="000000"/>
                     </a:solidFill>
@@ -10825,7 +10827,7 @@
               </a:ln>
               <a:extLst>
                 <a:ext uri="{91240B29-F687-4f45-9708-019B960494DF}">
-                  <a14:hiddenLine xmlns="" xmlns:a14="http://schemas.microsoft.com/office/drawing/2010/main" w="9525">
+                  <a14:hiddenLine xmlns:a14="http://schemas.microsoft.com/office/drawing/2010/main" xmlns="" w="9525">
                     <a:solidFill>
                       <a:srgbClr val="000000"/>
                     </a:solidFill>
@@ -10890,7 +10892,7 @@
               </a:ln>
               <a:extLst>
                 <a:ext uri="{91240B29-F687-4f45-9708-019B960494DF}">
-                  <a14:hiddenLine xmlns="" xmlns:a14="http://schemas.microsoft.com/office/drawing/2010/main" w="9525">
+                  <a14:hiddenLine xmlns:a14="http://schemas.microsoft.com/office/drawing/2010/main" xmlns="" w="9525">
                     <a:solidFill>
                       <a:srgbClr val="000000"/>
                     </a:solidFill>
@@ -11010,7 +11012,7 @@
               </a:ln>
               <a:extLst>
                 <a:ext uri="{91240B29-F687-4f45-9708-019B960494DF}">
-                  <a14:hiddenLine xmlns="" xmlns:a14="http://schemas.microsoft.com/office/drawing/2010/main" w="9525">
+                  <a14:hiddenLine xmlns:a14="http://schemas.microsoft.com/office/drawing/2010/main" xmlns="" w="9525">
                     <a:solidFill>
                       <a:srgbClr val="000000"/>
                     </a:solidFill>
@@ -11108,7 +11110,7 @@
               </a:ln>
               <a:extLst>
                 <a:ext uri="{91240B29-F687-4f45-9708-019B960494DF}">
-                  <a14:hiddenLine xmlns="" xmlns:a14="http://schemas.microsoft.com/office/drawing/2010/main" w="9525">
+                  <a14:hiddenLine xmlns:a14="http://schemas.microsoft.com/office/drawing/2010/main" xmlns="" w="9525">
                     <a:solidFill>
                       <a:srgbClr val="000000"/>
                     </a:solidFill>
@@ -11223,7 +11225,7 @@
               </a:ln>
               <a:extLst>
                 <a:ext uri="{91240B29-F687-4f45-9708-019B960494DF}">
-                  <a14:hiddenLine xmlns="" xmlns:a14="http://schemas.microsoft.com/office/drawing/2010/main" w="9525">
+                  <a14:hiddenLine xmlns:a14="http://schemas.microsoft.com/office/drawing/2010/main" xmlns="" w="9525">
                     <a:solidFill>
                       <a:srgbClr val="000000"/>
                     </a:solidFill>
@@ -11313,7 +11315,7 @@
               </a:ln>
               <a:extLst>
                 <a:ext uri="{91240B29-F687-4f45-9708-019B960494DF}">
-                  <a14:hiddenLine xmlns="" xmlns:a14="http://schemas.microsoft.com/office/drawing/2010/main" w="9525">
+                  <a14:hiddenLine xmlns:a14="http://schemas.microsoft.com/office/drawing/2010/main" xmlns="" w="9525">
                     <a:solidFill>
                       <a:srgbClr val="000000"/>
                     </a:solidFill>
@@ -11378,7 +11380,7 @@
               </a:ln>
               <a:extLst>
                 <a:ext uri="{91240B29-F687-4f45-9708-019B960494DF}">
-                  <a14:hiddenLine xmlns="" xmlns:a14="http://schemas.microsoft.com/office/drawing/2010/main" w="9525">
+                  <a14:hiddenLine xmlns:a14="http://schemas.microsoft.com/office/drawing/2010/main" xmlns="" w="9525">
                     <a:solidFill>
                       <a:srgbClr val="000000"/>
                     </a:solidFill>
@@ -11468,7 +11470,7 @@
               </a:ln>
               <a:extLst>
                 <a:ext uri="{91240B29-F687-4f45-9708-019B960494DF}">
-                  <a14:hiddenLine xmlns="" xmlns:a14="http://schemas.microsoft.com/office/drawing/2010/main" w="9525">
+                  <a14:hiddenLine xmlns:a14="http://schemas.microsoft.com/office/drawing/2010/main" xmlns="" w="9525">
                     <a:solidFill>
                       <a:srgbClr val="000000"/>
                     </a:solidFill>
@@ -11536,7 +11538,7 @@
               </a:ln>
               <a:extLst>
                 <a:ext uri="{91240B29-F687-4f45-9708-019B960494DF}">
-                  <a14:hiddenLine xmlns="" xmlns:a14="http://schemas.microsoft.com/office/drawing/2010/main" w="9525">
+                  <a14:hiddenLine xmlns:a14="http://schemas.microsoft.com/office/drawing/2010/main" xmlns="" w="9525">
                     <a:solidFill>
                       <a:srgbClr val="000000"/>
                     </a:solidFill>
@@ -11626,7 +11628,7 @@
               </a:ln>
               <a:extLst>
                 <a:ext uri="{91240B29-F687-4f45-9708-019B960494DF}">
-                  <a14:hiddenLine xmlns="" xmlns:a14="http://schemas.microsoft.com/office/drawing/2010/main" w="9525">
+                  <a14:hiddenLine xmlns:a14="http://schemas.microsoft.com/office/drawing/2010/main" xmlns="" w="9525">
                     <a:solidFill>
                       <a:srgbClr val="000000"/>
                     </a:solidFill>
@@ -11694,7 +11696,7 @@
               </a:ln>
               <a:extLst>
                 <a:ext uri="{91240B29-F687-4f45-9708-019B960494DF}">
-                  <a14:hiddenLine xmlns="" xmlns:a14="http://schemas.microsoft.com/office/drawing/2010/main" w="9525">
+                  <a14:hiddenLine xmlns:a14="http://schemas.microsoft.com/office/drawing/2010/main" xmlns="" w="9525">
                     <a:solidFill>
                       <a:srgbClr val="000000"/>
                     </a:solidFill>
@@ -11784,7 +11786,7 @@
               </a:ln>
               <a:extLst>
                 <a:ext uri="{91240B29-F687-4f45-9708-019B960494DF}">
-                  <a14:hiddenLine xmlns="" xmlns:a14="http://schemas.microsoft.com/office/drawing/2010/main" w="9525">
+                  <a14:hiddenLine xmlns:a14="http://schemas.microsoft.com/office/drawing/2010/main" xmlns="" w="9525">
                     <a:solidFill>
                       <a:srgbClr val="000000"/>
                     </a:solidFill>
@@ -11818,7 +11820,7 @@
               </a:ln>
               <a:extLst>
                 <a:ext uri="{91240B29-F687-4f45-9708-019B960494DF}">
-                  <a14:hiddenLine xmlns="" xmlns:a14="http://schemas.microsoft.com/office/drawing/2010/main" w="9525">
+                  <a14:hiddenLine xmlns:a14="http://schemas.microsoft.com/office/drawing/2010/main" xmlns="" w="9525">
                     <a:solidFill>
                       <a:srgbClr val="000000"/>
                     </a:solidFill>
@@ -11959,7 +11961,7 @@
             <a:fld id="{48A87A34-81AB-432B-8DAE-1953F412C126}" type="datetimeFigureOut">
               <a:rPr lang="en-US" dirty="0"/>
               <a:pPr/>
-              <a:t>3/28/19</a:t>
+              <a:t>3/29/19</a:t>
             </a:fld>
             <a:endParaRPr lang="en-US" dirty="0"/>
           </a:p>
@@ -12934,7 +12936,7 @@
         </p:nvSpPr>
         <p:spPr>
           <a:xfrm>
-            <a:off x="1143001" y="0"/>
+            <a:off x="1346201" y="-153071"/>
             <a:ext cx="9905998" cy="1659461"/>
           </a:xfrm>
         </p:spPr>
@@ -12959,7 +12961,7 @@
                   </a:outerShdw>
                 </a:effectLst>
               </a:rPr>
-              <a:t>US vs. World Suicide Rates, 1985-2015</a:t>
+              <a:t>US Suicides by Age, Gender:1985 &amp; 2015</a:t>
             </a:r>
           </a:p>
         </p:txBody>
@@ -12969,7 +12971,7 @@
           <p:cNvPr id="5" name="Picture 4">
             <a:extLst>
               <a:ext uri="{FF2B5EF4-FFF2-40B4-BE49-F238E27FC236}">
-                <a16:creationId xmlns:a16="http://schemas.microsoft.com/office/drawing/2014/main" id="{778B41A6-8C9E-2E43-8DDD-194D1C5E5B6F}"/>
+                <a16:creationId xmlns:a16="http://schemas.microsoft.com/office/drawing/2014/main" id="{36E089A7-5DAF-5643-A68D-AF34BCF845D0}"/>
               </a:ext>
             </a:extLst>
           </p:cNvPr>
@@ -12986,8 +12988,98 @@
         </p:blipFill>
         <p:spPr>
           <a:xfrm>
-            <a:off x="289268" y="1876372"/>
-            <a:ext cx="11613463" cy="3484039"/>
+            <a:off x="6239826" y="1250545"/>
+            <a:ext cx="5678713" cy="2665101"/>
+          </a:xfrm>
+          <a:prstGeom prst="rect">
+            <a:avLst/>
+          </a:prstGeom>
+        </p:spPr>
+      </p:pic>
+      <p:pic>
+        <p:nvPicPr>
+          <p:cNvPr id="9" name="Picture 8">
+            <a:extLst>
+              <a:ext uri="{FF2B5EF4-FFF2-40B4-BE49-F238E27FC236}">
+                <a16:creationId xmlns:a16="http://schemas.microsoft.com/office/drawing/2014/main" id="{510C6B67-4AC5-7C42-8C8E-D7C77D1F06E8}"/>
+              </a:ext>
+            </a:extLst>
+          </p:cNvPr>
+          <p:cNvPicPr>
+            <a:picLocks noChangeAspect="1"/>
+          </p:cNvPicPr>
+          <p:nvPr/>
+        </p:nvPicPr>
+        <p:blipFill>
+          <a:blip r:embed="rId3"/>
+          <a:stretch>
+            <a:fillRect/>
+          </a:stretch>
+        </p:blipFill>
+        <p:spPr>
+          <a:xfrm>
+            <a:off x="377979" y="4009783"/>
+            <a:ext cx="5767005" cy="2672765"/>
+          </a:xfrm>
+          <a:prstGeom prst="rect">
+            <a:avLst/>
+          </a:prstGeom>
+        </p:spPr>
+      </p:pic>
+      <p:pic>
+        <p:nvPicPr>
+          <p:cNvPr id="11" name="Picture 10">
+            <a:extLst>
+              <a:ext uri="{FF2B5EF4-FFF2-40B4-BE49-F238E27FC236}">
+                <a16:creationId xmlns:a16="http://schemas.microsoft.com/office/drawing/2014/main" id="{E06F98AF-AF5A-9E42-8796-224F28F57BE0}"/>
+              </a:ext>
+            </a:extLst>
+          </p:cNvPr>
+          <p:cNvPicPr>
+            <a:picLocks noChangeAspect="1"/>
+          </p:cNvPicPr>
+          <p:nvPr/>
+        </p:nvPicPr>
+        <p:blipFill>
+          <a:blip r:embed="rId4"/>
+          <a:stretch>
+            <a:fillRect/>
+          </a:stretch>
+        </p:blipFill>
+        <p:spPr>
+          <a:xfrm>
+            <a:off x="6256155" y="4009783"/>
+            <a:ext cx="5662383" cy="2662242"/>
+          </a:xfrm>
+          <a:prstGeom prst="rect">
+            <a:avLst/>
+          </a:prstGeom>
+        </p:spPr>
+      </p:pic>
+      <p:pic>
+        <p:nvPicPr>
+          <p:cNvPr id="13" name="Picture 12">
+            <a:extLst>
+              <a:ext uri="{FF2B5EF4-FFF2-40B4-BE49-F238E27FC236}">
+                <a16:creationId xmlns:a16="http://schemas.microsoft.com/office/drawing/2014/main" id="{D785418C-453C-5641-8D53-26AFFC5E5D04}"/>
+              </a:ext>
+            </a:extLst>
+          </p:cNvPr>
+          <p:cNvPicPr>
+            <a:picLocks noChangeAspect="1"/>
+          </p:cNvPicPr>
+          <p:nvPr/>
+        </p:nvPicPr>
+        <p:blipFill>
+          <a:blip r:embed="rId5"/>
+          <a:stretch>
+            <a:fillRect/>
+          </a:stretch>
+        </p:blipFill>
+        <p:spPr>
+          <a:xfrm>
+            <a:off x="385938" y="1249884"/>
+            <a:ext cx="5756726" cy="2672765"/>
           </a:xfrm>
           <a:prstGeom prst="rect">
             <a:avLst/>
@@ -12997,7 +13089,7 @@
     </p:spTree>
     <p:extLst>
       <p:ext uri="{BB962C8B-B14F-4D97-AF65-F5344CB8AC3E}">
-        <p14:creationId xmlns:p14="http://schemas.microsoft.com/office/powerpoint/2010/main" val="2366337929"/>
+        <p14:creationId xmlns:p14="http://schemas.microsoft.com/office/powerpoint/2010/main" val="1283352636"/>
       </p:ext>
     </p:extLst>
   </p:cSld>
@@ -13042,7 +13134,7 @@
         </p:nvSpPr>
         <p:spPr>
           <a:xfrm>
-            <a:off x="1143001" y="0"/>
+            <a:off x="1143001" y="240629"/>
             <a:ext cx="9905998" cy="1659461"/>
           </a:xfrm>
         </p:spPr>
@@ -13058,16 +13150,16 @@
               </a:spcAft>
             </a:pPr>
             <a:r>
-              <a:rPr lang="en-US" sz="4000" cap="none" dirty="0">
-                <a:effectLst>
-                  <a:outerShdw blurRad="63500" dist="50800" dir="2700000" algn="tl" rotWithShape="0">
-                    <a:srgbClr val="4C1960">
-                      <a:alpha val="65000"/>
-                    </a:srgbClr>
-                  </a:outerShdw>
-                </a:effectLst>
-              </a:rPr>
-              <a:t>US vs. World Suicide Rates, 1985-2015</a:t>
+              <a:rPr lang="en-US" sz="4200" cap="none" dirty="0">
+                <a:effectLst>
+                  <a:outerShdw blurRad="63500" dist="50800" dir="2700000" algn="tl" rotWithShape="0">
+                    <a:srgbClr val="4C1960">
+                      <a:alpha val="65000"/>
+                    </a:srgbClr>
+                  </a:outerShdw>
+                </a:effectLst>
+              </a:rPr>
+              <a:t>US Suicides by Age, Gender:1985 &amp; 2015</a:t>
             </a:r>
           </a:p>
         </p:txBody>
@@ -13088,7 +13180,7 @@
         </p:nvSpPr>
         <p:spPr>
           <a:xfrm>
-            <a:off x="1320801" y="1846620"/>
+            <a:off x="1567544" y="2128694"/>
             <a:ext cx="9905998" cy="4260077"/>
           </a:xfrm>
           <a:prstGeom prst="rect">
@@ -13120,6 +13212,9 @@
           </a:lstStyle>
           <a:p>
             <a:pPr marL="571500" indent="-571500">
+              <a:spcAft>
+                <a:spcPts val="1800"/>
+              </a:spcAft>
               <a:buFont typeface="Arial" panose="020B0604020202020204" pitchFamily="34" charset="0"/>
               <a:buChar char="•"/>
             </a:pPr>
@@ -13133,13 +13228,33 @@
                   </a:outerShdw>
                 </a:effectLst>
               </a:rPr>
-              <a:t>Orig. impression: US more suicides. Well, Japan...</a:t>
-            </a:r>
-          </a:p>
-          <a:p>
-            <a:pPr marL="571500" indent="-571500">
-              <a:buFont typeface="Arial" panose="020B0604020202020204" pitchFamily="34" charset="0"/>
-              <a:buChar char="•"/>
+              <a:t>Orig. impression: young males, teens/20s.</a:t>
+            </a:r>
+          </a:p>
+          <a:p>
+            <a:pPr>
+              <a:spcAft>
+                <a:spcPts val="1200"/>
+              </a:spcAft>
+            </a:pPr>
+            <a:r>
+              <a:rPr lang="en-US" cap="none" dirty="0">
+                <a:effectLst>
+                  <a:outerShdw blurRad="63500" dist="50800" dir="2700000" algn="tl" rotWithShape="0">
+                    <a:srgbClr val="4C1960">
+                      <a:alpha val="65000"/>
+                    </a:srgbClr>
+                  </a:outerShdw>
+                </a:effectLst>
+              </a:rPr>
+              <a:t>	Looks like efforts were effective.</a:t>
+            </a:r>
+          </a:p>
+          <a:p>
+            <a:pPr>
+              <a:spcAft>
+                <a:spcPts val="1200"/>
+              </a:spcAft>
             </a:pPr>
             <a:endParaRPr lang="en-US" cap="none" dirty="0">
               <a:effectLst>
@@ -13153,6 +13268,9 @@
           </a:p>
           <a:p>
             <a:pPr marL="571500" indent="-571500">
+              <a:spcAft>
+                <a:spcPts val="1200"/>
+              </a:spcAft>
               <a:buFont typeface="Arial" panose="020B0604020202020204" pitchFamily="34" charset="0"/>
               <a:buChar char="•"/>
             </a:pPr>
@@ -13166,11 +13284,14 @@
                   </a:outerShdw>
                 </a:effectLst>
               </a:rPr>
-              <a:t>US dropping since 1995, climbing 2005 on</a:t>
+              <a:t>Now MIDDLE age groups have most suicides.</a:t>
             </a:r>
           </a:p>
           <a:p>
             <a:pPr marL="571500" indent="-571500">
+              <a:spcAft>
+                <a:spcPts val="1200"/>
+              </a:spcAft>
               <a:buFont typeface="Arial" panose="020B0604020202020204" pitchFamily="34" charset="0"/>
               <a:buChar char="•"/>
             </a:pPr>
@@ -13184,40 +13305,7 @@
                   </a:outerShdw>
                 </a:effectLst>
               </a:rPr>
-              <a:t>World rising ’TIL 1995, dropping since then.</a:t>
-            </a:r>
-          </a:p>
-          <a:p>
-            <a:pPr marL="571500" indent="-571500">
-              <a:buFont typeface="Arial" panose="020B0604020202020204" pitchFamily="34" charset="0"/>
-              <a:buChar char="•"/>
-            </a:pPr>
-            <a:endParaRPr lang="en-US" cap="none" dirty="0">
-              <a:effectLst>
-                <a:outerShdw blurRad="63500" dist="50800" dir="2700000" algn="tl" rotWithShape="0">
-                  <a:srgbClr val="4C1960">
-                    <a:alpha val="65000"/>
-                  </a:srgbClr>
-                </a:outerShdw>
-              </a:effectLst>
-            </a:endParaRPr>
-          </a:p>
-          <a:p>
-            <a:pPr marL="571500" indent="-571500">
-              <a:buFont typeface="Arial" panose="020B0604020202020204" pitchFamily="34" charset="0"/>
-              <a:buChar char="•"/>
-            </a:pPr>
-            <a:r>
-              <a:rPr lang="en-US" cap="none" dirty="0">
-                <a:effectLst>
-                  <a:outerShdw blurRad="63500" dist="50800" dir="2700000" algn="tl" rotWithShape="0">
-                    <a:srgbClr val="4C1960">
-                      <a:alpha val="65000"/>
-                    </a:srgbClr>
-                  </a:outerShdw>
-                </a:effectLst>
-              </a:rPr>
-              <a:t>Sort of an inverse relationship… more questions!</a:t>
+              <a:t>Males over 75y/o more likely than women.</a:t>
             </a:r>
           </a:p>
           <a:p>
@@ -13239,7 +13327,7 @@
     </p:spTree>
     <p:extLst>
       <p:ext uri="{BB962C8B-B14F-4D97-AF65-F5344CB8AC3E}">
-        <p14:creationId xmlns:p14="http://schemas.microsoft.com/office/powerpoint/2010/main" val="2549842762"/>
+        <p14:creationId xmlns:p14="http://schemas.microsoft.com/office/powerpoint/2010/main" val="1576862505"/>
       </p:ext>
     </p:extLst>
   </p:cSld>
@@ -13284,8 +13372,8 @@
         </p:nvSpPr>
         <p:spPr>
           <a:xfrm>
-            <a:off x="7959435" y="101600"/>
-            <a:ext cx="4045953" cy="6477000"/>
+            <a:off x="1143001" y="0"/>
+            <a:ext cx="9905998" cy="1659461"/>
           </a:xfrm>
         </p:spPr>
         <p:txBody>
@@ -13300,118 +13388,26 @@
               </a:spcAft>
             </a:pPr>
             <a:r>
-              <a:rPr lang="en-US" sz="4800" cap="none" dirty="0">
-                <a:effectLst>
-                  <a:outerShdw blurRad="63500" dist="50800" dir="2700000" algn="tl" rotWithShape="0">
-                    <a:srgbClr val="4C1960">
-                      <a:alpha val="65000"/>
-                    </a:srgbClr>
-                  </a:outerShdw>
-                </a:effectLst>
-              </a:rPr>
-              <a:t>World </a:t>
-            </a:r>
-            <a:br>
-              <a:rPr lang="en-US" sz="4800" cap="none" dirty="0">
-                <a:effectLst>
-                  <a:outerShdw blurRad="63500" dist="50800" dir="2700000" algn="tl" rotWithShape="0">
-                    <a:srgbClr val="4C1960">
-                      <a:alpha val="65000"/>
-                    </a:srgbClr>
-                  </a:outerShdw>
-                </a:effectLst>
-              </a:rPr>
-            </a:br>
-            <a:r>
-              <a:rPr lang="en-US" sz="4800" cap="none" dirty="0">
-                <a:effectLst>
-                  <a:outerShdw blurRad="63500" dist="50800" dir="2700000" algn="tl" rotWithShape="0">
-                    <a:srgbClr val="4C1960">
-                      <a:alpha val="65000"/>
-                    </a:srgbClr>
-                  </a:outerShdw>
-                </a:effectLst>
-              </a:rPr>
-              <a:t>Suicide Rates, </a:t>
-            </a:r>
-            <a:br>
-              <a:rPr lang="en-US" sz="4800" cap="none" dirty="0">
-                <a:effectLst>
-                  <a:outerShdw blurRad="63500" dist="50800" dir="2700000" algn="tl" rotWithShape="0">
-                    <a:srgbClr val="4C1960">
-                      <a:alpha val="65000"/>
-                    </a:srgbClr>
-                  </a:outerShdw>
-                </a:effectLst>
-              </a:rPr>
-            </a:br>
-            <a:r>
-              <a:rPr lang="en-US" sz="4800" cap="none" dirty="0">
-                <a:effectLst>
-                  <a:outerShdw blurRad="63500" dist="50800" dir="2700000" algn="tl" rotWithShape="0">
-                    <a:srgbClr val="4C1960">
-                      <a:alpha val="65000"/>
-                    </a:srgbClr>
-                  </a:outerShdw>
-                </a:effectLst>
-              </a:rPr>
-              <a:t>2014, </a:t>
-            </a:r>
-            <a:br>
-              <a:rPr lang="en-US" sz="4800" cap="none" dirty="0">
-                <a:effectLst>
-                  <a:outerShdw blurRad="63500" dist="50800" dir="2700000" algn="tl" rotWithShape="0">
-                    <a:srgbClr val="4C1960">
-                      <a:alpha val="65000"/>
-                    </a:srgbClr>
-                  </a:outerShdw>
-                </a:effectLst>
-              </a:rPr>
-            </a:br>
-            <a:r>
-              <a:rPr lang="en-US" sz="4800" cap="none" dirty="0">
-                <a:effectLst>
-                  <a:outerShdw blurRad="63500" dist="50800" dir="2700000" algn="tl" rotWithShape="0">
-                    <a:srgbClr val="4C1960">
-                      <a:alpha val="65000"/>
-                    </a:srgbClr>
-                  </a:outerShdw>
-                </a:effectLst>
-              </a:rPr>
-              <a:t>by country </a:t>
-            </a:r>
-            <a:br>
-              <a:rPr lang="en-US" sz="4800" cap="none" dirty="0">
-                <a:effectLst>
-                  <a:outerShdw blurRad="63500" dist="50800" dir="2700000" algn="tl" rotWithShape="0">
-                    <a:srgbClr val="4C1960">
-                      <a:alpha val="65000"/>
-                    </a:srgbClr>
-                  </a:outerShdw>
-                </a:effectLst>
-              </a:rPr>
-            </a:br>
-            <a:r>
-              <a:rPr lang="en-US" sz="4800" cap="none" dirty="0">
-                <a:effectLst>
-                  <a:outerShdw blurRad="63500" dist="50800" dir="2700000" algn="tl" rotWithShape="0">
-                    <a:srgbClr val="4C1960">
-                      <a:alpha val="65000"/>
-                    </a:srgbClr>
-                  </a:outerShdw>
-                </a:effectLst>
-              </a:rPr>
-              <a:t>(EURO)</a:t>
+              <a:rPr lang="en-US" sz="4000" cap="none" dirty="0">
+                <a:effectLst>
+                  <a:outerShdw blurRad="63500" dist="50800" dir="2700000" algn="tl" rotWithShape="0">
+                    <a:srgbClr val="4C1960">
+                      <a:alpha val="65000"/>
+                    </a:srgbClr>
+                  </a:outerShdw>
+                </a:effectLst>
+              </a:rPr>
+              <a:t>US vs. World Suicide Rates, 1985-2015</a:t>
             </a:r>
           </a:p>
         </p:txBody>
       </p:sp>
       <p:pic>
         <p:nvPicPr>
-          <p:cNvPr id="6" name="Picture 5">
+          <p:cNvPr id="5" name="Picture 4">
             <a:extLst>
               <a:ext uri="{FF2B5EF4-FFF2-40B4-BE49-F238E27FC236}">
-                <a16:creationId xmlns:a16="http://schemas.microsoft.com/office/drawing/2014/main" id="{1FE1EB8E-92EB-C44D-8605-2B9827FE0BB2}"/>
+                <a16:creationId xmlns:a16="http://schemas.microsoft.com/office/drawing/2014/main" id="{778B41A6-8C9E-2E43-8DDD-194D1C5E5B6F}"/>
               </a:ext>
             </a:extLst>
           </p:cNvPr>
@@ -13428,8 +13424,8 @@
         </p:blipFill>
         <p:spPr>
           <a:xfrm>
-            <a:off x="1754155" y="87122"/>
-            <a:ext cx="5747657" cy="6692108"/>
+            <a:off x="289268" y="1876372"/>
+            <a:ext cx="11613463" cy="3484039"/>
           </a:xfrm>
           <a:prstGeom prst="rect">
             <a:avLst/>
@@ -13439,7 +13435,7 @@
     </p:spTree>
     <p:extLst>
       <p:ext uri="{BB962C8B-B14F-4D97-AF65-F5344CB8AC3E}">
-        <p14:creationId xmlns:p14="http://schemas.microsoft.com/office/powerpoint/2010/main" val="3583820420"/>
+        <p14:creationId xmlns:p14="http://schemas.microsoft.com/office/powerpoint/2010/main" val="2366337929"/>
       </p:ext>
     </p:extLst>
   </p:cSld>
@@ -13509,7 +13505,7 @@
                   </a:outerShdw>
                 </a:effectLst>
               </a:rPr>
-              <a:t>World Suicide Rates, 2014, by country (EURO)</a:t>
+              <a:t>US vs. World Suicide Rates, 1985-2015</a:t>
             </a:r>
           </a:p>
         </p:txBody>
@@ -13530,7 +13526,7 @@
         </p:nvSpPr>
         <p:spPr>
           <a:xfrm>
-            <a:off x="1143001" y="1783120"/>
+            <a:off x="1320801" y="1846620"/>
             <a:ext cx="9905998" cy="4260077"/>
           </a:xfrm>
           <a:prstGeom prst="rect">
@@ -13608,31 +13604,7 @@
                   </a:outerShdw>
                 </a:effectLst>
               </a:rPr>
-              <a:t>US  upper 1/3</a:t>
-            </a:r>
-            <a:r>
-              <a:rPr lang="en-US" cap="none" baseline="30000" dirty="0">
-                <a:effectLst>
-                  <a:outerShdw blurRad="63500" dist="50800" dir="2700000" algn="tl" rotWithShape="0">
-                    <a:srgbClr val="4C1960">
-                      <a:alpha val="65000"/>
-                    </a:srgbClr>
-                  </a:outerShdw>
-                </a:effectLst>
-              </a:rPr>
-              <a:t>rd</a:t>
-            </a:r>
-            <a:r>
-              <a:rPr lang="en-US" cap="none" dirty="0">
-                <a:effectLst>
-                  <a:outerShdw blurRad="63500" dist="50800" dir="2700000" algn="tl" rotWithShape="0">
-                    <a:srgbClr val="4C1960">
-                      <a:alpha val="65000"/>
-                    </a:srgbClr>
-                  </a:outerShdw>
-                </a:effectLst>
-              </a:rPr>
-              <a:t>,  out of 38 Euro-centric countries</a:t>
+              <a:t>US dropping since 1995, climbing 2005 on</a:t>
             </a:r>
           </a:p>
           <a:p>
@@ -13650,49 +13622,7 @@
                   </a:outerShdw>
                 </a:effectLst>
               </a:rPr>
-              <a:t>[</a:t>
-            </a:r>
-            <a:r>
-              <a:rPr lang="en-US" cap="none" dirty="0" err="1">
-                <a:effectLst>
-                  <a:outerShdw blurRad="63500" dist="50800" dir="2700000" algn="tl" rotWithShape="0">
-                    <a:srgbClr val="4C1960">
-                      <a:alpha val="65000"/>
-                    </a:srgbClr>
-                  </a:outerShdw>
-                </a:effectLst>
-              </a:rPr>
-              <a:t>Prev</a:t>
-            </a:r>
-            <a:r>
-              <a:rPr lang="en-US" cap="none" dirty="0">
-                <a:effectLst>
-                  <a:outerShdw blurRad="63500" dist="50800" dir="2700000" algn="tl" rotWithShape="0">
-                    <a:srgbClr val="4C1960">
-                      <a:alpha val="65000"/>
-                    </a:srgbClr>
-                  </a:outerShdw>
-                </a:effectLst>
-              </a:rPr>
-              <a:t>] was 101 countries, wider range of GDPs;    Implication: Eurocentric countries higher than Non.</a:t>
-            </a:r>
-          </a:p>
-          <a:p>
-            <a:pPr marL="571500" indent="-571500">
-              <a:buFont typeface="Arial" panose="020B0604020202020204" pitchFamily="34" charset="0"/>
-              <a:buChar char="•"/>
-            </a:pPr>
-            <a:r>
-              <a:rPr lang="en-US" cap="none" dirty="0">
-                <a:effectLst>
-                  <a:outerShdw blurRad="63500" dist="50800" dir="2700000" algn="tl" rotWithShape="0">
-                    <a:srgbClr val="4C1960">
-                      <a:alpha val="65000"/>
-                    </a:srgbClr>
-                  </a:outerShdw>
-                </a:effectLst>
-              </a:rPr>
-              <a:t>Japan up there, but not highest.</a:t>
+              <a:t>World rising ’TIL 1995, dropping since then.</a:t>
             </a:r>
           </a:p>
           <a:p>
@@ -13725,15 +13655,29 @@
                   </a:outerShdw>
                 </a:effectLst>
               </a:rPr>
-              <a:t>Lowest rates: is it culture? Not reporting?</a:t>
-            </a:r>
+              <a:t>Sort of an inverse relationship… more questions!</a:t>
+            </a:r>
+          </a:p>
+          <a:p>
+            <a:pPr marL="742950" indent="-742950">
+              <a:buAutoNum type="arabicPeriod"/>
+            </a:pPr>
+            <a:endParaRPr lang="en-US" cap="none" dirty="0">
+              <a:effectLst>
+                <a:outerShdw blurRad="63500" dist="50800" dir="2700000" algn="tl" rotWithShape="0">
+                  <a:srgbClr val="4C1960">
+                    <a:alpha val="65000"/>
+                  </a:srgbClr>
+                </a:outerShdw>
+              </a:effectLst>
+            </a:endParaRPr>
           </a:p>
         </p:txBody>
       </p:sp>
     </p:spTree>
     <p:extLst>
       <p:ext uri="{BB962C8B-B14F-4D97-AF65-F5344CB8AC3E}">
-        <p14:creationId xmlns:p14="http://schemas.microsoft.com/office/powerpoint/2010/main" val="1433740258"/>
+        <p14:creationId xmlns:p14="http://schemas.microsoft.com/office/powerpoint/2010/main" val="2549842762"/>
       </p:ext>
     </p:extLst>
   </p:cSld>
@@ -13778,12 +13722,14 @@
         </p:nvSpPr>
         <p:spPr>
           <a:xfrm>
-            <a:off x="1143001" y="0"/>
-            <a:ext cx="9905998" cy="1659461"/>
+            <a:off x="7959435" y="101600"/>
+            <a:ext cx="4045953" cy="6477000"/>
           </a:xfrm>
         </p:spPr>
         <p:txBody>
-          <a:bodyPr/>
+          <a:bodyPr>
+            <a:normAutofit/>
+          </a:bodyPr>
           <a:lstStyle/>
           <a:p>
             <a:pPr>
@@ -13792,16 +13738,108 @@
               </a:spcAft>
             </a:pPr>
             <a:r>
-              <a:rPr lang="en-US" cap="none" dirty="0">
-                <a:effectLst>
-                  <a:outerShdw blurRad="63500" dist="50800" dir="2700000" algn="tl" rotWithShape="0">
-                    <a:srgbClr val="4C1960">
-                      <a:alpha val="65000"/>
-                    </a:srgbClr>
-                  </a:outerShdw>
-                </a:effectLst>
-              </a:rPr>
-              <a:t>US suicide rates, by State, 2017</a:t>
+              <a:rPr lang="en-US" sz="4800" cap="none" dirty="0">
+                <a:effectLst>
+                  <a:outerShdw blurRad="63500" dist="50800" dir="2700000" algn="tl" rotWithShape="0">
+                    <a:srgbClr val="4C1960">
+                      <a:alpha val="65000"/>
+                    </a:srgbClr>
+                  </a:outerShdw>
+                </a:effectLst>
+              </a:rPr>
+              <a:t>World </a:t>
+            </a:r>
+            <a:br>
+              <a:rPr lang="en-US" sz="4800" cap="none" dirty="0">
+                <a:effectLst>
+                  <a:outerShdw blurRad="63500" dist="50800" dir="2700000" algn="tl" rotWithShape="0">
+                    <a:srgbClr val="4C1960">
+                      <a:alpha val="65000"/>
+                    </a:srgbClr>
+                  </a:outerShdw>
+                </a:effectLst>
+              </a:rPr>
+            </a:br>
+            <a:r>
+              <a:rPr lang="en-US" sz="4800" cap="none" dirty="0">
+                <a:effectLst>
+                  <a:outerShdw blurRad="63500" dist="50800" dir="2700000" algn="tl" rotWithShape="0">
+                    <a:srgbClr val="4C1960">
+                      <a:alpha val="65000"/>
+                    </a:srgbClr>
+                  </a:outerShdw>
+                </a:effectLst>
+              </a:rPr>
+              <a:t>Suicide Rates, </a:t>
+            </a:r>
+            <a:br>
+              <a:rPr lang="en-US" sz="4800" cap="none" dirty="0">
+                <a:effectLst>
+                  <a:outerShdw blurRad="63500" dist="50800" dir="2700000" algn="tl" rotWithShape="0">
+                    <a:srgbClr val="4C1960">
+                      <a:alpha val="65000"/>
+                    </a:srgbClr>
+                  </a:outerShdw>
+                </a:effectLst>
+              </a:rPr>
+            </a:br>
+            <a:r>
+              <a:rPr lang="en-US" sz="4800" cap="none" dirty="0">
+                <a:effectLst>
+                  <a:outerShdw blurRad="63500" dist="50800" dir="2700000" algn="tl" rotWithShape="0">
+                    <a:srgbClr val="4C1960">
+                      <a:alpha val="65000"/>
+                    </a:srgbClr>
+                  </a:outerShdw>
+                </a:effectLst>
+              </a:rPr>
+              <a:t>2014, </a:t>
+            </a:r>
+            <a:br>
+              <a:rPr lang="en-US" sz="4800" cap="none" dirty="0">
+                <a:effectLst>
+                  <a:outerShdw blurRad="63500" dist="50800" dir="2700000" algn="tl" rotWithShape="0">
+                    <a:srgbClr val="4C1960">
+                      <a:alpha val="65000"/>
+                    </a:srgbClr>
+                  </a:outerShdw>
+                </a:effectLst>
+              </a:rPr>
+            </a:br>
+            <a:r>
+              <a:rPr lang="en-US" sz="4800" cap="none" dirty="0">
+                <a:effectLst>
+                  <a:outerShdw blurRad="63500" dist="50800" dir="2700000" algn="tl" rotWithShape="0">
+                    <a:srgbClr val="4C1960">
+                      <a:alpha val="65000"/>
+                    </a:srgbClr>
+                  </a:outerShdw>
+                </a:effectLst>
+              </a:rPr>
+              <a:t>by country </a:t>
+            </a:r>
+            <a:br>
+              <a:rPr lang="en-US" sz="4800" cap="none" dirty="0">
+                <a:effectLst>
+                  <a:outerShdw blurRad="63500" dist="50800" dir="2700000" algn="tl" rotWithShape="0">
+                    <a:srgbClr val="4C1960">
+                      <a:alpha val="65000"/>
+                    </a:srgbClr>
+                  </a:outerShdw>
+                </a:effectLst>
+              </a:rPr>
+            </a:br>
+            <a:r>
+              <a:rPr lang="en-US" sz="4800" cap="none" dirty="0">
+                <a:effectLst>
+                  <a:outerShdw blurRad="63500" dist="50800" dir="2700000" algn="tl" rotWithShape="0">
+                    <a:srgbClr val="4C1960">
+                      <a:alpha val="65000"/>
+                    </a:srgbClr>
+                  </a:outerShdw>
+                </a:effectLst>
+              </a:rPr>
+              <a:t>(EURO)</a:t>
             </a:r>
           </a:p>
         </p:txBody>
@@ -13811,7 +13849,7 @@
           <p:cNvPr id="6" name="Picture 5">
             <a:extLst>
               <a:ext uri="{FF2B5EF4-FFF2-40B4-BE49-F238E27FC236}">
-                <a16:creationId xmlns:a16="http://schemas.microsoft.com/office/drawing/2014/main" id="{470F6E47-1647-9843-A55E-B9DAC97C99F8}"/>
+                <a16:creationId xmlns:a16="http://schemas.microsoft.com/office/drawing/2014/main" id="{1FE1EB8E-92EB-C44D-8605-2B9827FE0BB2}"/>
               </a:ext>
             </a:extLst>
           </p:cNvPr>
@@ -13828,8 +13866,8 @@
         </p:blipFill>
         <p:spPr>
           <a:xfrm>
-            <a:off x="576015" y="1309137"/>
-            <a:ext cx="11105912" cy="5242388"/>
+            <a:off x="1754155" y="87122"/>
+            <a:ext cx="5747657" cy="6692108"/>
           </a:xfrm>
           <a:prstGeom prst="rect">
             <a:avLst/>
@@ -13839,7 +13877,7 @@
     </p:spTree>
     <p:extLst>
       <p:ext uri="{BB962C8B-B14F-4D97-AF65-F5344CB8AC3E}">
-        <p14:creationId xmlns:p14="http://schemas.microsoft.com/office/powerpoint/2010/main" val="2811172670"/>
+        <p14:creationId xmlns:p14="http://schemas.microsoft.com/office/powerpoint/2010/main" val="3583820420"/>
       </p:ext>
     </p:extLst>
   </p:cSld>
@@ -13889,7 +13927,9 @@
           </a:xfrm>
         </p:spPr>
         <p:txBody>
-          <a:bodyPr/>
+          <a:bodyPr>
+            <a:normAutofit/>
+          </a:bodyPr>
           <a:lstStyle/>
           <a:p>
             <a:pPr>
@@ -13898,16 +13938,16 @@
               </a:spcAft>
             </a:pPr>
             <a:r>
-              <a:rPr lang="en-US" cap="none" dirty="0">
-                <a:effectLst>
-                  <a:outerShdw blurRad="63500" dist="50800" dir="2700000" algn="tl" rotWithShape="0">
-                    <a:srgbClr val="4C1960">
-                      <a:alpha val="65000"/>
-                    </a:srgbClr>
-                  </a:outerShdw>
-                </a:effectLst>
-              </a:rPr>
-              <a:t>US suicide rates, by State, 2017</a:t>
+              <a:rPr lang="en-US" sz="4000" cap="none" dirty="0">
+                <a:effectLst>
+                  <a:outerShdw blurRad="63500" dist="50800" dir="2700000" algn="tl" rotWithShape="0">
+                    <a:srgbClr val="4C1960">
+                      <a:alpha val="65000"/>
+                    </a:srgbClr>
+                  </a:outerShdw>
+                </a:effectLst>
+              </a:rPr>
+              <a:t>World Suicide Rates, 2014, by country (EURO)</a:t>
             </a:r>
           </a:p>
         </p:txBody>
@@ -13928,7 +13968,7 @@
         </p:nvSpPr>
         <p:spPr>
           <a:xfrm>
-            <a:off x="1422401" y="1659461"/>
+            <a:off x="1143001" y="1783120"/>
             <a:ext cx="9905998" cy="4260077"/>
           </a:xfrm>
           <a:prstGeom prst="rect">
@@ -13973,7 +14013,7 @@
                   </a:outerShdw>
                 </a:effectLst>
               </a:rPr>
-              <a:t>Smooth distribution, gradual trend across states</a:t>
+              <a:t>Orig. impression: US more suicides. Well, Japan...</a:t>
             </a:r>
           </a:p>
           <a:p>
@@ -14006,7 +14046,31 @@
                   </a:outerShdw>
                 </a:effectLst>
               </a:rPr>
-              <a:t>NY, CA, Hawaii, TX lowest  -- </a:t>
+              <a:t>US  upper 1/3</a:t>
+            </a:r>
+            <a:r>
+              <a:rPr lang="en-US" cap="none" baseline="30000" dirty="0">
+                <a:effectLst>
+                  <a:outerShdw blurRad="63500" dist="50800" dir="2700000" algn="tl" rotWithShape="0">
+                    <a:srgbClr val="4C1960">
+                      <a:alpha val="65000"/>
+                    </a:srgbClr>
+                  </a:outerShdw>
+                </a:effectLst>
+              </a:rPr>
+              <a:t>rd</a:t>
+            </a:r>
+            <a:r>
+              <a:rPr lang="en-US" cap="none" dirty="0">
+                <a:effectLst>
+                  <a:outerShdw blurRad="63500" dist="50800" dir="2700000" algn="tl" rotWithShape="0">
+                    <a:srgbClr val="4C1960">
+                      <a:alpha val="65000"/>
+                    </a:srgbClr>
+                  </a:outerShdw>
+                </a:effectLst>
+              </a:rPr>
+              <a:t>,  out of 38 Euro-centric countries</a:t>
             </a:r>
           </a:p>
           <a:p>
@@ -14024,7 +14088,49 @@
                   </a:outerShdw>
                 </a:effectLst>
               </a:rPr>
-              <a:t>WV, Alaska, New Mexico, Kentucky highest</a:t>
+              <a:t>[</a:t>
+            </a:r>
+            <a:r>
+              <a:rPr lang="en-US" cap="none" dirty="0" err="1">
+                <a:effectLst>
+                  <a:outerShdw blurRad="63500" dist="50800" dir="2700000" algn="tl" rotWithShape="0">
+                    <a:srgbClr val="4C1960">
+                      <a:alpha val="65000"/>
+                    </a:srgbClr>
+                  </a:outerShdw>
+                </a:effectLst>
+              </a:rPr>
+              <a:t>Prev</a:t>
+            </a:r>
+            <a:r>
+              <a:rPr lang="en-US" cap="none" dirty="0">
+                <a:effectLst>
+                  <a:outerShdw blurRad="63500" dist="50800" dir="2700000" algn="tl" rotWithShape="0">
+                    <a:srgbClr val="4C1960">
+                      <a:alpha val="65000"/>
+                    </a:srgbClr>
+                  </a:outerShdw>
+                </a:effectLst>
+              </a:rPr>
+              <a:t>] was 101 countries, wider range of GDPs;    Implication: Eurocentric countries higher than Non.</a:t>
+            </a:r>
+          </a:p>
+          <a:p>
+            <a:pPr marL="571500" indent="-571500">
+              <a:buFont typeface="Arial" panose="020B0604020202020204" pitchFamily="34" charset="0"/>
+              <a:buChar char="•"/>
+            </a:pPr>
+            <a:r>
+              <a:rPr lang="en-US" cap="none" dirty="0">
+                <a:effectLst>
+                  <a:outerShdw blurRad="63500" dist="50800" dir="2700000" algn="tl" rotWithShape="0">
+                    <a:srgbClr val="4C1960">
+                      <a:alpha val="65000"/>
+                    </a:srgbClr>
+                  </a:outerShdw>
+                </a:effectLst>
+              </a:rPr>
+              <a:t>Japan up there, but not highest.</a:t>
             </a:r>
           </a:p>
           <a:p>
@@ -14057,7 +14163,7 @@
                   </a:outerShdw>
                 </a:effectLst>
               </a:rPr>
-              <a:t>Economic? Geographic? Access?</a:t>
+              <a:t>Lowest rates: is it culture? Not reporting?</a:t>
             </a:r>
           </a:p>
         </p:txBody>
@@ -14065,7 +14171,7 @@
     </p:spTree>
     <p:extLst>
       <p:ext uri="{BB962C8B-B14F-4D97-AF65-F5344CB8AC3E}">
-        <p14:creationId xmlns:p14="http://schemas.microsoft.com/office/powerpoint/2010/main" val="2892515415"/>
+        <p14:creationId xmlns:p14="http://schemas.microsoft.com/office/powerpoint/2010/main" val="1433740258"/>
       </p:ext>
     </p:extLst>
   </p:cSld>
@@ -14133,17 +14239,17 @@
                   </a:outerShdw>
                 </a:effectLst>
               </a:rPr>
-              <a:t>#US Mental Health Facilities / state, vs. Population</a:t>
+              <a:t>US suicide rates, by State, 2017</a:t>
             </a:r>
           </a:p>
         </p:txBody>
       </p:sp>
       <p:pic>
         <p:nvPicPr>
-          <p:cNvPr id="5" name="Picture 4">
+          <p:cNvPr id="6" name="Picture 5">
             <a:extLst>
               <a:ext uri="{FF2B5EF4-FFF2-40B4-BE49-F238E27FC236}">
-                <a16:creationId xmlns:a16="http://schemas.microsoft.com/office/drawing/2014/main" id="{0BE80E73-235A-1540-8511-AD5CF8CF654D}"/>
+                <a16:creationId xmlns:a16="http://schemas.microsoft.com/office/drawing/2014/main" id="{470F6E47-1647-9843-A55E-B9DAC97C99F8}"/>
               </a:ext>
             </a:extLst>
           </p:cNvPr>
@@ -14160,8 +14266,8 @@
         </p:blipFill>
         <p:spPr>
           <a:xfrm>
-            <a:off x="0" y="1659461"/>
-            <a:ext cx="12192000" cy="3725339"/>
+            <a:off x="576015" y="1309137"/>
+            <a:ext cx="11105912" cy="5242388"/>
           </a:xfrm>
           <a:prstGeom prst="rect">
             <a:avLst/>
@@ -14171,7 +14277,7 @@
     </p:spTree>
     <p:extLst>
       <p:ext uri="{BB962C8B-B14F-4D97-AF65-F5344CB8AC3E}">
-        <p14:creationId xmlns:p14="http://schemas.microsoft.com/office/powerpoint/2010/main" val="203764542"/>
+        <p14:creationId xmlns:p14="http://schemas.microsoft.com/office/powerpoint/2010/main" val="2811172670"/>
       </p:ext>
     </p:extLst>
   </p:cSld>
@@ -14239,7 +14345,7 @@
                   </a:outerShdw>
                 </a:effectLst>
               </a:rPr>
-              <a:t> #US Mental Health Facilities / state, vs. Population</a:t>
+              <a:t>US suicide rates, by State, 2017</a:t>
             </a:r>
           </a:p>
         </p:txBody>
@@ -14260,7 +14366,7 @@
         </p:nvSpPr>
         <p:spPr>
           <a:xfrm>
-            <a:off x="1308101" y="1880041"/>
+            <a:off x="1422401" y="1659461"/>
             <a:ext cx="9905998" cy="4260077"/>
           </a:xfrm>
           <a:prstGeom prst="rect">
@@ -14269,7 +14375,7 @@
         </p:spPr>
         <p:txBody>
           <a:bodyPr vert="horz" lIns="91440" tIns="45720" rIns="91440" bIns="45720" rtlCol="0" anchor="ctr">
-            <a:normAutofit lnSpcReduction="10000"/>
+            <a:normAutofit/>
           </a:bodyPr>
           <a:lstStyle>
             <a:lvl1pPr algn="l" defTabSz="914400" rtl="0" eaLnBrk="1" latinLnBrk="0" hangingPunct="1">
@@ -14305,31 +14411,7 @@
                   </a:outerShdw>
                 </a:effectLst>
               </a:rPr>
-              <a:t>Surprise, </a:t>
-            </a:r>
-            <a:r>
-              <a:rPr lang="en-US" cap="none" dirty="0" err="1">
-                <a:effectLst>
-                  <a:outerShdw blurRad="63500" dist="50800" dir="2700000" algn="tl" rotWithShape="0">
-                    <a:srgbClr val="4C1960">
-                      <a:alpha val="65000"/>
-                    </a:srgbClr>
-                  </a:outerShdw>
-                </a:effectLst>
-              </a:rPr>
-              <a:t>lotsa</a:t>
-            </a:r>
-            <a:r>
-              <a:rPr lang="en-US" cap="none" dirty="0">
-                <a:effectLst>
-                  <a:outerShdw blurRad="63500" dist="50800" dir="2700000" algn="tl" rotWithShape="0">
-                    <a:srgbClr val="4C1960">
-                      <a:alpha val="65000"/>
-                    </a:srgbClr>
-                  </a:outerShdw>
-                </a:effectLst>
-              </a:rPr>
-              <a:t> variation. </a:t>
+              <a:t>Smooth distribution, gradual trend across states</a:t>
             </a:r>
           </a:p>
           <a:p>
@@ -14362,31 +14444,7 @@
                   </a:outerShdw>
                 </a:effectLst>
               </a:rPr>
-              <a:t>NY has </a:t>
-            </a:r>
-            <a:r>
-              <a:rPr lang="en-US" cap="none" dirty="0" err="1">
-                <a:effectLst>
-                  <a:outerShdw blurRad="63500" dist="50800" dir="2700000" algn="tl" rotWithShape="0">
-                    <a:srgbClr val="4C1960">
-                      <a:alpha val="65000"/>
-                    </a:srgbClr>
-                  </a:outerShdw>
-                </a:effectLst>
-              </a:rPr>
-              <a:t>LOTsa</a:t>
-            </a:r>
-            <a:r>
-              <a:rPr lang="en-US" cap="none" dirty="0">
-                <a:effectLst>
-                  <a:outerShdw blurRad="63500" dist="50800" dir="2700000" algn="tl" rotWithShape="0">
-                    <a:srgbClr val="4C1960">
-                      <a:alpha val="65000"/>
-                    </a:srgbClr>
-                  </a:outerShdw>
-                </a:effectLst>
-              </a:rPr>
-              <a:t> facilities and LOW Pop. </a:t>
+              <a:t>NY, CA, Hawaii, TX lowest  -- </a:t>
             </a:r>
           </a:p>
           <a:p>
@@ -14404,67 +14462,7 @@
                   </a:outerShdw>
                 </a:effectLst>
               </a:rPr>
-              <a:t>CA has </a:t>
-            </a:r>
-            <a:r>
-              <a:rPr lang="en-US" cap="none" dirty="0" err="1">
-                <a:effectLst>
-                  <a:outerShdw blurRad="63500" dist="50800" dir="2700000" algn="tl" rotWithShape="0">
-                    <a:srgbClr val="4C1960">
-                      <a:alpha val="65000"/>
-                    </a:srgbClr>
-                  </a:outerShdw>
-                </a:effectLst>
-              </a:rPr>
-              <a:t>LOTsa</a:t>
-            </a:r>
-            <a:r>
-              <a:rPr lang="en-US" cap="none" dirty="0">
-                <a:effectLst>
-                  <a:outerShdw blurRad="63500" dist="50800" dir="2700000" algn="tl" rotWithShape="0">
-                    <a:srgbClr val="4C1960">
-                      <a:alpha val="65000"/>
-                    </a:srgbClr>
-                  </a:outerShdw>
-                </a:effectLst>
-              </a:rPr>
-              <a:t> facilities, and HIGH Pop.</a:t>
-            </a:r>
-          </a:p>
-          <a:p>
-            <a:pPr marL="571500" indent="-571500">
-              <a:buFont typeface="Arial" panose="020B0604020202020204" pitchFamily="34" charset="0"/>
-              <a:buChar char="•"/>
-            </a:pPr>
-            <a:r>
-              <a:rPr lang="en-US" cap="none" dirty="0">
-                <a:effectLst>
-                  <a:outerShdw blurRad="63500" dist="50800" dir="2700000" algn="tl" rotWithShape="0">
-                    <a:srgbClr val="4C1960">
-                      <a:alpha val="65000"/>
-                    </a:srgbClr>
-                  </a:outerShdw>
-                </a:effectLst>
-              </a:rPr>
-              <a:t> </a:t>
-            </a:r>
-          </a:p>
-          <a:p>
-            <a:pPr marL="571500" indent="-571500">
-              <a:buFont typeface="Arial" panose="020B0604020202020204" pitchFamily="34" charset="0"/>
-              <a:buChar char="•"/>
-            </a:pPr>
-            <a:r>
-              <a:rPr lang="en-US" cap="none" dirty="0">
-                <a:effectLst>
-                  <a:outerShdw blurRad="63500" dist="50800" dir="2700000" algn="tl" rotWithShape="0">
-                    <a:srgbClr val="4C1960">
-                      <a:alpha val="65000"/>
-                    </a:srgbClr>
-                  </a:outerShdw>
-                </a:effectLst>
-              </a:rPr>
-              <a:t>Generally, low pop with low facilities,  BUT the ONLY state FEW facilities and HIGH Pop: Texas.</a:t>
+              <a:t>WV, Alaska, New Mexico, Kentucky highest</a:t>
             </a:r>
           </a:p>
           <a:p>
@@ -14488,18 +14486,6 @@
               <a:buChar char="•"/>
             </a:pPr>
             <a:r>
-              <a:rPr lang="en-US" cap="none" dirty="0" err="1">
-                <a:effectLst>
-                  <a:outerShdw blurRad="63500" dist="50800" dir="2700000" algn="tl" rotWithShape="0">
-                    <a:srgbClr val="4C1960">
-                      <a:alpha val="65000"/>
-                    </a:srgbClr>
-                  </a:outerShdw>
-                </a:effectLst>
-              </a:rPr>
-              <a:t>Add’l</a:t>
-            </a:r>
-            <a:r>
               <a:rPr lang="en-US" cap="none" dirty="0">
                 <a:effectLst>
                   <a:outerShdw blurRad="63500" dist="50800" dir="2700000" algn="tl" rotWithShape="0">
@@ -14509,30 +14495,15 @@
                   </a:outerShdw>
                 </a:effectLst>
               </a:rPr>
-              <a:t> ques: overlay suicide rates, </a:t>
-            </a:r>
-          </a:p>
-          <a:p>
-            <a:pPr marL="571500" indent="-571500">
-              <a:buFont typeface="Arial" panose="020B0604020202020204" pitchFamily="34" charset="0"/>
-              <a:buChar char="•"/>
-            </a:pPr>
-            <a:endParaRPr lang="en-US" cap="none" dirty="0">
-              <a:effectLst>
-                <a:outerShdw blurRad="63500" dist="50800" dir="2700000" algn="tl" rotWithShape="0">
-                  <a:srgbClr val="4C1960">
-                    <a:alpha val="65000"/>
-                  </a:srgbClr>
-                </a:outerShdw>
-              </a:effectLst>
-            </a:endParaRPr>
+              <a:t>Economic? Geographic? Access?</a:t>
+            </a:r>
           </a:p>
         </p:txBody>
       </p:sp>
     </p:spTree>
     <p:extLst>
       <p:ext uri="{BB962C8B-B14F-4D97-AF65-F5344CB8AC3E}">
-        <p14:creationId xmlns:p14="http://schemas.microsoft.com/office/powerpoint/2010/main" val="641378108"/>
+        <p14:creationId xmlns:p14="http://schemas.microsoft.com/office/powerpoint/2010/main" val="2892515415"/>
       </p:ext>
     </p:extLst>
   </p:cSld>
@@ -14870,6 +14841,473 @@
         </p:nvSpPr>
         <p:spPr>
           <a:xfrm>
+            <a:off x="1143001" y="0"/>
+            <a:ext cx="9905998" cy="1659461"/>
+          </a:xfrm>
+        </p:spPr>
+        <p:txBody>
+          <a:bodyPr/>
+          <a:lstStyle/>
+          <a:p>
+            <a:pPr>
+              <a:spcAft>
+                <a:spcPts val="1800"/>
+              </a:spcAft>
+            </a:pPr>
+            <a:r>
+              <a:rPr lang="en-US" cap="none" dirty="0">
+                <a:effectLst>
+                  <a:outerShdw blurRad="63500" dist="50800" dir="2700000" algn="tl" rotWithShape="0">
+                    <a:srgbClr val="4C1960">
+                      <a:alpha val="65000"/>
+                    </a:srgbClr>
+                  </a:outerShdw>
+                </a:effectLst>
+              </a:rPr>
+              <a:t>#US Mental Health Facilities / state, vs. Population</a:t>
+            </a:r>
+          </a:p>
+        </p:txBody>
+      </p:sp>
+      <p:pic>
+        <p:nvPicPr>
+          <p:cNvPr id="5" name="Picture 4">
+            <a:extLst>
+              <a:ext uri="{FF2B5EF4-FFF2-40B4-BE49-F238E27FC236}">
+                <a16:creationId xmlns:a16="http://schemas.microsoft.com/office/drawing/2014/main" id="{0BE80E73-235A-1540-8511-AD5CF8CF654D}"/>
+              </a:ext>
+            </a:extLst>
+          </p:cNvPr>
+          <p:cNvPicPr>
+            <a:picLocks noChangeAspect="1"/>
+          </p:cNvPicPr>
+          <p:nvPr/>
+        </p:nvPicPr>
+        <p:blipFill>
+          <a:blip r:embed="rId2"/>
+          <a:stretch>
+            <a:fillRect/>
+          </a:stretch>
+        </p:blipFill>
+        <p:spPr>
+          <a:xfrm>
+            <a:off x="0" y="1659461"/>
+            <a:ext cx="12192000" cy="3725339"/>
+          </a:xfrm>
+          <a:prstGeom prst="rect">
+            <a:avLst/>
+          </a:prstGeom>
+        </p:spPr>
+      </p:pic>
+    </p:spTree>
+    <p:extLst>
+      <p:ext uri="{BB962C8B-B14F-4D97-AF65-F5344CB8AC3E}">
+        <p14:creationId xmlns:p14="http://schemas.microsoft.com/office/powerpoint/2010/main" val="203764542"/>
+      </p:ext>
+    </p:extLst>
+  </p:cSld>
+  <p:clrMapOvr>
+    <a:masterClrMapping/>
+  </p:clrMapOvr>
+</p:sld>
+</file>
+
+<file path=ppt/slides/slide21.xml><?xml version="1.0" encoding="utf-8"?>
+<p:sld xmlns:a="http://schemas.openxmlformats.org/drawingml/2006/main" xmlns:r="http://schemas.openxmlformats.org/officeDocument/2006/relationships" xmlns:p="http://schemas.openxmlformats.org/presentationml/2006/main">
+  <p:cSld>
+    <p:spTree>
+      <p:nvGrpSpPr>
+        <p:cNvPr id="1" name=""/>
+        <p:cNvGrpSpPr/>
+        <p:nvPr/>
+      </p:nvGrpSpPr>
+      <p:grpSpPr>
+        <a:xfrm>
+          <a:off x="0" y="0"/>
+          <a:ext cx="0" cy="0"/>
+          <a:chOff x="0" y="0"/>
+          <a:chExt cx="0" cy="0"/>
+        </a:xfrm>
+      </p:grpSpPr>
+      <p:sp>
+        <p:nvSpPr>
+          <p:cNvPr id="2" name="Title 1">
+            <a:extLst>
+              <a:ext uri="{FF2B5EF4-FFF2-40B4-BE49-F238E27FC236}">
+                <a16:creationId xmlns:a16="http://schemas.microsoft.com/office/drawing/2014/main" id="{E9764EEB-23E1-1149-8DA2-7C33C0261F3A}"/>
+              </a:ext>
+            </a:extLst>
+          </p:cNvPr>
+          <p:cNvSpPr>
+            <a:spLocks noGrp="1"/>
+          </p:cNvSpPr>
+          <p:nvPr>
+            <p:ph type="title"/>
+          </p:nvPr>
+        </p:nvSpPr>
+        <p:spPr>
+          <a:xfrm>
+            <a:off x="1143001" y="0"/>
+            <a:ext cx="9905998" cy="1659461"/>
+          </a:xfrm>
+        </p:spPr>
+        <p:txBody>
+          <a:bodyPr/>
+          <a:lstStyle/>
+          <a:p>
+            <a:pPr>
+              <a:spcAft>
+                <a:spcPts val="1800"/>
+              </a:spcAft>
+            </a:pPr>
+            <a:r>
+              <a:rPr lang="en-US" cap="none" dirty="0">
+                <a:effectLst>
+                  <a:outerShdw blurRad="63500" dist="50800" dir="2700000" algn="tl" rotWithShape="0">
+                    <a:srgbClr val="4C1960">
+                      <a:alpha val="65000"/>
+                    </a:srgbClr>
+                  </a:outerShdw>
+                </a:effectLst>
+              </a:rPr>
+              <a:t> #US Mental Health Facilities / state, vs. Population</a:t>
+            </a:r>
+          </a:p>
+        </p:txBody>
+      </p:sp>
+      <p:sp>
+        <p:nvSpPr>
+          <p:cNvPr id="3" name="Title 1">
+            <a:extLst>
+              <a:ext uri="{FF2B5EF4-FFF2-40B4-BE49-F238E27FC236}">
+                <a16:creationId xmlns:a16="http://schemas.microsoft.com/office/drawing/2014/main" id="{0F16C06A-AB36-7C45-B032-B30371572B30}"/>
+              </a:ext>
+            </a:extLst>
+          </p:cNvPr>
+          <p:cNvSpPr txBox="1">
+            <a:spLocks/>
+          </p:cNvSpPr>
+          <p:nvPr/>
+        </p:nvSpPr>
+        <p:spPr>
+          <a:xfrm>
+            <a:off x="1308101" y="1880041"/>
+            <a:ext cx="9905998" cy="4260077"/>
+          </a:xfrm>
+          <a:prstGeom prst="rect">
+            <a:avLst/>
+          </a:prstGeom>
+        </p:spPr>
+        <p:txBody>
+          <a:bodyPr vert="horz" lIns="91440" tIns="45720" rIns="91440" bIns="45720" rtlCol="0" anchor="ctr">
+            <a:normAutofit lnSpcReduction="10000"/>
+          </a:bodyPr>
+          <a:lstStyle>
+            <a:lvl1pPr algn="l" defTabSz="914400" rtl="0" eaLnBrk="1" latinLnBrk="0" hangingPunct="1">
+              <a:lnSpc>
+                <a:spcPct val="90000"/>
+              </a:lnSpc>
+              <a:spcBef>
+                <a:spcPct val="0"/>
+              </a:spcBef>
+              <a:buNone/>
+              <a:defRPr sz="3600" kern="1200" cap="all" baseline="0">
+                <a:solidFill>
+                  <a:schemeClr val="tx1"/>
+                </a:solidFill>
+                <a:latin typeface="+mj-lt"/>
+                <a:ea typeface="+mj-ea"/>
+                <a:cs typeface="+mj-cs"/>
+              </a:defRPr>
+            </a:lvl1pPr>
+          </a:lstStyle>
+          <a:p>
+            <a:pPr marL="571500" indent="-571500">
+              <a:buFont typeface="Arial" panose="020B0604020202020204" pitchFamily="34" charset="0"/>
+              <a:buChar char="•"/>
+            </a:pPr>
+            <a:r>
+              <a:rPr lang="en-US" cap="none" dirty="0">
+                <a:effectLst>
+                  <a:outerShdw blurRad="63500" dist="50800" dir="2700000" algn="tl" rotWithShape="0">
+                    <a:srgbClr val="4C1960">
+                      <a:alpha val="65000"/>
+                    </a:srgbClr>
+                  </a:outerShdw>
+                </a:effectLst>
+              </a:rPr>
+              <a:t>Surprise, </a:t>
+            </a:r>
+            <a:r>
+              <a:rPr lang="en-US" cap="none" dirty="0" err="1">
+                <a:effectLst>
+                  <a:outerShdw blurRad="63500" dist="50800" dir="2700000" algn="tl" rotWithShape="0">
+                    <a:srgbClr val="4C1960">
+                      <a:alpha val="65000"/>
+                    </a:srgbClr>
+                  </a:outerShdw>
+                </a:effectLst>
+              </a:rPr>
+              <a:t>lotsa</a:t>
+            </a:r>
+            <a:r>
+              <a:rPr lang="en-US" cap="none" dirty="0">
+                <a:effectLst>
+                  <a:outerShdw blurRad="63500" dist="50800" dir="2700000" algn="tl" rotWithShape="0">
+                    <a:srgbClr val="4C1960">
+                      <a:alpha val="65000"/>
+                    </a:srgbClr>
+                  </a:outerShdw>
+                </a:effectLst>
+              </a:rPr>
+              <a:t> variation. </a:t>
+            </a:r>
+          </a:p>
+          <a:p>
+            <a:pPr marL="571500" indent="-571500">
+              <a:buFont typeface="Arial" panose="020B0604020202020204" pitchFamily="34" charset="0"/>
+              <a:buChar char="•"/>
+            </a:pPr>
+            <a:endParaRPr lang="en-US" cap="none" dirty="0">
+              <a:effectLst>
+                <a:outerShdw blurRad="63500" dist="50800" dir="2700000" algn="tl" rotWithShape="0">
+                  <a:srgbClr val="4C1960">
+                    <a:alpha val="65000"/>
+                  </a:srgbClr>
+                </a:outerShdw>
+              </a:effectLst>
+            </a:endParaRPr>
+          </a:p>
+          <a:p>
+            <a:pPr marL="571500" indent="-571500">
+              <a:buFont typeface="Arial" panose="020B0604020202020204" pitchFamily="34" charset="0"/>
+              <a:buChar char="•"/>
+            </a:pPr>
+            <a:r>
+              <a:rPr lang="en-US" cap="none" dirty="0">
+                <a:effectLst>
+                  <a:outerShdw blurRad="63500" dist="50800" dir="2700000" algn="tl" rotWithShape="0">
+                    <a:srgbClr val="4C1960">
+                      <a:alpha val="65000"/>
+                    </a:srgbClr>
+                  </a:outerShdw>
+                </a:effectLst>
+              </a:rPr>
+              <a:t>NY has </a:t>
+            </a:r>
+            <a:r>
+              <a:rPr lang="en-US" cap="none" dirty="0" err="1">
+                <a:effectLst>
+                  <a:outerShdw blurRad="63500" dist="50800" dir="2700000" algn="tl" rotWithShape="0">
+                    <a:srgbClr val="4C1960">
+                      <a:alpha val="65000"/>
+                    </a:srgbClr>
+                  </a:outerShdw>
+                </a:effectLst>
+              </a:rPr>
+              <a:t>LOTsa</a:t>
+            </a:r>
+            <a:r>
+              <a:rPr lang="en-US" cap="none" dirty="0">
+                <a:effectLst>
+                  <a:outerShdw blurRad="63500" dist="50800" dir="2700000" algn="tl" rotWithShape="0">
+                    <a:srgbClr val="4C1960">
+                      <a:alpha val="65000"/>
+                    </a:srgbClr>
+                  </a:outerShdw>
+                </a:effectLst>
+              </a:rPr>
+              <a:t> facilities and LOW Pop. </a:t>
+            </a:r>
+          </a:p>
+          <a:p>
+            <a:pPr marL="571500" indent="-571500">
+              <a:buFont typeface="Arial" panose="020B0604020202020204" pitchFamily="34" charset="0"/>
+              <a:buChar char="•"/>
+            </a:pPr>
+            <a:r>
+              <a:rPr lang="en-US" cap="none" dirty="0">
+                <a:effectLst>
+                  <a:outerShdw blurRad="63500" dist="50800" dir="2700000" algn="tl" rotWithShape="0">
+                    <a:srgbClr val="4C1960">
+                      <a:alpha val="65000"/>
+                    </a:srgbClr>
+                  </a:outerShdw>
+                </a:effectLst>
+              </a:rPr>
+              <a:t>CA has </a:t>
+            </a:r>
+            <a:r>
+              <a:rPr lang="en-US" cap="none" dirty="0" err="1">
+                <a:effectLst>
+                  <a:outerShdw blurRad="63500" dist="50800" dir="2700000" algn="tl" rotWithShape="0">
+                    <a:srgbClr val="4C1960">
+                      <a:alpha val="65000"/>
+                    </a:srgbClr>
+                  </a:outerShdw>
+                </a:effectLst>
+              </a:rPr>
+              <a:t>LOTsa</a:t>
+            </a:r>
+            <a:r>
+              <a:rPr lang="en-US" cap="none" dirty="0">
+                <a:effectLst>
+                  <a:outerShdw blurRad="63500" dist="50800" dir="2700000" algn="tl" rotWithShape="0">
+                    <a:srgbClr val="4C1960">
+                      <a:alpha val="65000"/>
+                    </a:srgbClr>
+                  </a:outerShdw>
+                </a:effectLst>
+              </a:rPr>
+              <a:t> facilities, and HIGH Pop.</a:t>
+            </a:r>
+          </a:p>
+          <a:p>
+            <a:pPr marL="571500" indent="-571500">
+              <a:buFont typeface="Arial" panose="020B0604020202020204" pitchFamily="34" charset="0"/>
+              <a:buChar char="•"/>
+            </a:pPr>
+            <a:r>
+              <a:rPr lang="en-US" cap="none" dirty="0">
+                <a:effectLst>
+                  <a:outerShdw blurRad="63500" dist="50800" dir="2700000" algn="tl" rotWithShape="0">
+                    <a:srgbClr val="4C1960">
+                      <a:alpha val="65000"/>
+                    </a:srgbClr>
+                  </a:outerShdw>
+                </a:effectLst>
+              </a:rPr>
+              <a:t> </a:t>
+            </a:r>
+          </a:p>
+          <a:p>
+            <a:pPr marL="571500" indent="-571500">
+              <a:buFont typeface="Arial" panose="020B0604020202020204" pitchFamily="34" charset="0"/>
+              <a:buChar char="•"/>
+            </a:pPr>
+            <a:r>
+              <a:rPr lang="en-US" cap="none" dirty="0">
+                <a:effectLst>
+                  <a:outerShdw blurRad="63500" dist="50800" dir="2700000" algn="tl" rotWithShape="0">
+                    <a:srgbClr val="4C1960">
+                      <a:alpha val="65000"/>
+                    </a:srgbClr>
+                  </a:outerShdw>
+                </a:effectLst>
+              </a:rPr>
+              <a:t>Generally, low pop with low facilities,  BUT the ONLY state FEW facilities and HIGH Pop: Texas.</a:t>
+            </a:r>
+          </a:p>
+          <a:p>
+            <a:pPr marL="571500" indent="-571500">
+              <a:buFont typeface="Arial" panose="020B0604020202020204" pitchFamily="34" charset="0"/>
+              <a:buChar char="•"/>
+            </a:pPr>
+            <a:endParaRPr lang="en-US" cap="none" dirty="0">
+              <a:effectLst>
+                <a:outerShdw blurRad="63500" dist="50800" dir="2700000" algn="tl" rotWithShape="0">
+                  <a:srgbClr val="4C1960">
+                    <a:alpha val="65000"/>
+                  </a:srgbClr>
+                </a:outerShdw>
+              </a:effectLst>
+            </a:endParaRPr>
+          </a:p>
+          <a:p>
+            <a:pPr marL="571500" indent="-571500">
+              <a:buFont typeface="Arial" panose="020B0604020202020204" pitchFamily="34" charset="0"/>
+              <a:buChar char="•"/>
+            </a:pPr>
+            <a:r>
+              <a:rPr lang="en-US" cap="none" dirty="0" err="1">
+                <a:effectLst>
+                  <a:outerShdw blurRad="63500" dist="50800" dir="2700000" algn="tl" rotWithShape="0">
+                    <a:srgbClr val="4C1960">
+                      <a:alpha val="65000"/>
+                    </a:srgbClr>
+                  </a:outerShdw>
+                </a:effectLst>
+              </a:rPr>
+              <a:t>Add’l</a:t>
+            </a:r>
+            <a:r>
+              <a:rPr lang="en-US" cap="none" dirty="0">
+                <a:effectLst>
+                  <a:outerShdw blurRad="63500" dist="50800" dir="2700000" algn="tl" rotWithShape="0">
+                    <a:srgbClr val="4C1960">
+                      <a:alpha val="65000"/>
+                    </a:srgbClr>
+                  </a:outerShdw>
+                </a:effectLst>
+              </a:rPr>
+              <a:t> ques: overlay suicide rates, </a:t>
+            </a:r>
+          </a:p>
+          <a:p>
+            <a:pPr marL="571500" indent="-571500">
+              <a:buFont typeface="Arial" panose="020B0604020202020204" pitchFamily="34" charset="0"/>
+              <a:buChar char="•"/>
+            </a:pPr>
+            <a:endParaRPr lang="en-US" cap="none" dirty="0">
+              <a:effectLst>
+                <a:outerShdw blurRad="63500" dist="50800" dir="2700000" algn="tl" rotWithShape="0">
+                  <a:srgbClr val="4C1960">
+                    <a:alpha val="65000"/>
+                  </a:srgbClr>
+                </a:outerShdw>
+              </a:effectLst>
+            </a:endParaRPr>
+          </a:p>
+        </p:txBody>
+      </p:sp>
+    </p:spTree>
+    <p:extLst>
+      <p:ext uri="{BB962C8B-B14F-4D97-AF65-F5344CB8AC3E}">
+        <p14:creationId xmlns:p14="http://schemas.microsoft.com/office/powerpoint/2010/main" val="641378108"/>
+      </p:ext>
+    </p:extLst>
+  </p:cSld>
+  <p:clrMapOvr>
+    <a:masterClrMapping/>
+  </p:clrMapOvr>
+</p:sld>
+</file>
+
+<file path=ppt/slides/slide22.xml><?xml version="1.0" encoding="utf-8"?>
+<p:sld xmlns:a="http://schemas.openxmlformats.org/drawingml/2006/main" xmlns:r="http://schemas.openxmlformats.org/officeDocument/2006/relationships" xmlns:p="http://schemas.openxmlformats.org/presentationml/2006/main">
+  <p:cSld>
+    <p:spTree>
+      <p:nvGrpSpPr>
+        <p:cNvPr id="1" name=""/>
+        <p:cNvGrpSpPr/>
+        <p:nvPr/>
+      </p:nvGrpSpPr>
+      <p:grpSpPr>
+        <a:xfrm>
+          <a:off x="0" y="0"/>
+          <a:ext cx="0" cy="0"/>
+          <a:chOff x="0" y="0"/>
+          <a:chExt cx="0" cy="0"/>
+        </a:xfrm>
+      </p:grpSpPr>
+      <p:sp>
+        <p:nvSpPr>
+          <p:cNvPr id="2" name="Title 1">
+            <a:extLst>
+              <a:ext uri="{FF2B5EF4-FFF2-40B4-BE49-F238E27FC236}">
+                <a16:creationId xmlns:a16="http://schemas.microsoft.com/office/drawing/2014/main" id="{E9764EEB-23E1-1149-8DA2-7C33C0261F3A}"/>
+              </a:ext>
+            </a:extLst>
+          </p:cNvPr>
+          <p:cNvSpPr>
+            <a:spLocks noGrp="1"/>
+          </p:cNvSpPr>
+          <p:nvPr>
+            <p:ph type="title"/>
+          </p:nvPr>
+        </p:nvSpPr>
+        <p:spPr>
+          <a:xfrm>
             <a:off x="8572500" y="992604"/>
             <a:ext cx="2451100" cy="4100096"/>
           </a:xfrm>
@@ -14965,7 +15403,7 @@
 </p:sld>
 </file>
 
-<file path=ppt/slides/slide21.xml><?xml version="1.0" encoding="utf-8"?>
+<file path=ppt/slides/slide23.xml><?xml version="1.0" encoding="utf-8"?>
 <p:sld xmlns:a="http://schemas.openxmlformats.org/drawingml/2006/main" xmlns:r="http://schemas.openxmlformats.org/officeDocument/2006/relationships" xmlns:p="http://schemas.openxmlformats.org/presentationml/2006/main">
   <p:cSld>
     <p:spTree>
@@ -15225,7 +15663,7 @@
 </p:sld>
 </file>
 
-<file path=ppt/slides/slide22.xml><?xml version="1.0" encoding="utf-8"?>
+<file path=ppt/slides/slide24.xml><?xml version="1.0" encoding="utf-8"?>
 <p:sld xmlns:a="http://schemas.openxmlformats.org/drawingml/2006/main" xmlns:r="http://schemas.openxmlformats.org/officeDocument/2006/relationships" xmlns:p="http://schemas.openxmlformats.org/presentationml/2006/main">
   <p:cSld>
     <p:spTree>
@@ -15380,7 +15818,7 @@
 </p:sld>
 </file>
 
-<file path=ppt/slides/slide23.xml><?xml version="1.0" encoding="utf-8"?>
+<file path=ppt/slides/slide25.xml><?xml version="1.0" encoding="utf-8"?>
 <p:sld xmlns:a="http://schemas.openxmlformats.org/drawingml/2006/main" xmlns:r="http://schemas.openxmlformats.org/officeDocument/2006/relationships" xmlns:p="http://schemas.openxmlformats.org/presentationml/2006/main">
   <p:cSld>
     <p:spTree>
@@ -15656,7 +16094,7 @@
 </p:sld>
 </file>
 
-<file path=ppt/slides/slide24.xml><?xml version="1.0" encoding="utf-8"?>
+<file path=ppt/slides/slide26.xml><?xml version="1.0" encoding="utf-8"?>
 <p:sld xmlns:a="http://schemas.openxmlformats.org/drawingml/2006/main" xmlns:r="http://schemas.openxmlformats.org/officeDocument/2006/relationships" xmlns:p="http://schemas.openxmlformats.org/presentationml/2006/main">
   <p:cSld>
     <p:spTree>
@@ -15731,7 +16169,7 @@
 </p:sld>
 </file>
 
-<file path=ppt/slides/slide25.xml><?xml version="1.0" encoding="utf-8"?>
+<file path=ppt/slides/slide27.xml><?xml version="1.0" encoding="utf-8"?>
 <p:sld xmlns:a="http://schemas.openxmlformats.org/drawingml/2006/main" xmlns:r="http://schemas.openxmlformats.org/officeDocument/2006/relationships" xmlns:p="http://schemas.openxmlformats.org/presentationml/2006/main">
   <p:cSld>
     <p:spTree>
@@ -15969,7 +16407,7 @@
 </p:sld>
 </file>
 
-<file path=ppt/slides/slide26.xml><?xml version="1.0" encoding="utf-8"?>
+<file path=ppt/slides/slide28.xml><?xml version="1.0" encoding="utf-8"?>
 <p:sld xmlns:a="http://schemas.openxmlformats.org/drawingml/2006/main" xmlns:r="http://schemas.openxmlformats.org/officeDocument/2006/relationships" xmlns:p="http://schemas.openxmlformats.org/presentationml/2006/main">
   <p:cSld>
     <p:spTree>
@@ -16293,7 +16731,7 @@
 </p:sld>
 </file>
 
-<file path=ppt/slides/slide27.xml><?xml version="1.0" encoding="utf-8"?>
+<file path=ppt/slides/slide29.xml><?xml version="1.0" encoding="utf-8"?>
 <p:sld xmlns:a="http://schemas.openxmlformats.org/drawingml/2006/main" xmlns:r="http://schemas.openxmlformats.org/officeDocument/2006/relationships" xmlns:p="http://schemas.openxmlformats.org/presentationml/2006/main">
   <p:cSld>
     <p:spTree>
@@ -16592,390 +17030,6 @@
     <p:extLst>
       <p:ext uri="{BB962C8B-B14F-4D97-AF65-F5344CB8AC3E}">
         <p14:creationId xmlns:p14="http://schemas.microsoft.com/office/powerpoint/2010/main" val="1869149682"/>
-      </p:ext>
-    </p:extLst>
-  </p:cSld>
-  <p:clrMapOvr>
-    <a:masterClrMapping/>
-  </p:clrMapOvr>
-</p:sld>
-</file>
-
-<file path=ppt/slides/slide28.xml><?xml version="1.0" encoding="utf-8"?>
-<p:sld xmlns:a="http://schemas.openxmlformats.org/drawingml/2006/main" xmlns:r="http://schemas.openxmlformats.org/officeDocument/2006/relationships" xmlns:p="http://schemas.openxmlformats.org/presentationml/2006/main">
-  <p:cSld>
-    <p:spTree>
-      <p:nvGrpSpPr>
-        <p:cNvPr id="1" name=""/>
-        <p:cNvGrpSpPr/>
-        <p:nvPr/>
-      </p:nvGrpSpPr>
-      <p:grpSpPr>
-        <a:xfrm>
-          <a:off x="0" y="0"/>
-          <a:ext cx="0" cy="0"/>
-          <a:chOff x="0" y="0"/>
-          <a:chExt cx="0" cy="0"/>
-        </a:xfrm>
-      </p:grpSpPr>
-      <p:sp>
-        <p:nvSpPr>
-          <p:cNvPr id="2" name="Title 1">
-            <a:extLst>
-              <a:ext uri="{FF2B5EF4-FFF2-40B4-BE49-F238E27FC236}">
-                <a16:creationId xmlns:a16="http://schemas.microsoft.com/office/drawing/2014/main" id="{473BC2F7-7CCF-8343-9F10-18D07017B60F}"/>
-              </a:ext>
-            </a:extLst>
-          </p:cNvPr>
-          <p:cNvSpPr>
-            <a:spLocks noGrp="1"/>
-          </p:cNvSpPr>
-          <p:nvPr>
-            <p:ph type="title"/>
-          </p:nvPr>
-        </p:nvSpPr>
-        <p:spPr>
-          <a:xfrm>
-            <a:off x="1141456" y="609599"/>
-            <a:ext cx="9905955" cy="5879434"/>
-          </a:xfrm>
-        </p:spPr>
-        <p:txBody>
-          <a:bodyPr>
-            <a:normAutofit fontScale="90000"/>
-          </a:bodyPr>
-          <a:lstStyle/>
-          <a:p>
-            <a:pPr fontAlgn="base"/>
-            <a:r>
-              <a:rPr lang="en-US" sz="5300" cap="none" dirty="0">
-                <a:effectLst>
-                  <a:outerShdw blurRad="63500" dist="50800" dir="2700000" algn="tl" rotWithShape="0">
-                    <a:srgbClr val="4C1960">
-                      <a:alpha val="65000"/>
-                    </a:srgbClr>
-                  </a:outerShdw>
-                </a:effectLst>
-              </a:rPr>
-              <a:t>Suicide trivia: </a:t>
-            </a:r>
-            <a:br>
-              <a:rPr lang="en-US" cap="none" dirty="0">
-                <a:effectLst>
-                  <a:outerShdw blurRad="63500" dist="50800" dir="2700000" algn="tl" rotWithShape="0">
-                    <a:srgbClr val="4C1960">
-                      <a:alpha val="65000"/>
-                    </a:srgbClr>
-                  </a:outerShdw>
-                </a:effectLst>
-              </a:rPr>
-            </a:br>
-            <a:r>
-              <a:rPr lang="en-US" cap="none" dirty="0">
-                <a:effectLst>
-                  <a:outerShdw blurRad="63500" dist="50800" dir="2700000" algn="tl" rotWithShape="0">
-                    <a:srgbClr val="4C1960">
-                      <a:alpha val="65000"/>
-                    </a:srgbClr>
-                  </a:outerShdw>
-                </a:effectLst>
-              </a:rPr>
-              <a:t>Reason not got help?     28% “didn’t know where.”</a:t>
-            </a:r>
-            <a:r>
-              <a:rPr lang="en-US" cap="none" baseline="30000" dirty="0">
-                <a:effectLst>
-                  <a:outerShdw blurRad="63500" dist="50800" dir="2700000" algn="tl" rotWithShape="0">
-                    <a:srgbClr val="4C1960">
-                      <a:alpha val="65000"/>
-                    </a:srgbClr>
-                  </a:outerShdw>
-                </a:effectLst>
-              </a:rPr>
-              <a:t>2017</a:t>
-            </a:r>
-            <a:r>
-              <a:rPr lang="en-US" cap="none" dirty="0">
-                <a:effectLst>
-                  <a:outerShdw blurRad="63500" dist="50800" dir="2700000" algn="tl" rotWithShape="0">
-                    <a:srgbClr val="4C1960">
-                      <a:alpha val="65000"/>
-                    </a:srgbClr>
-                  </a:outerShdw>
-                </a:effectLst>
-              </a:rPr>
-              <a:t> </a:t>
-            </a:r>
-            <a:br>
-              <a:rPr lang="en-US" cap="none" dirty="0">
-                <a:effectLst>
-                  <a:outerShdw blurRad="63500" dist="50800" dir="2700000" algn="tl" rotWithShape="0">
-                    <a:srgbClr val="4C1960">
-                      <a:alpha val="65000"/>
-                    </a:srgbClr>
-                  </a:outerShdw>
-                </a:effectLst>
-              </a:rPr>
-            </a:br>
-            <a:br>
-              <a:rPr lang="en-US" cap="none" dirty="0">
-                <a:effectLst>
-                  <a:outerShdw blurRad="63500" dist="50800" dir="2700000" algn="tl" rotWithShape="0">
-                    <a:srgbClr val="4C1960">
-                      <a:alpha val="65000"/>
-                    </a:srgbClr>
-                  </a:outerShdw>
-                </a:effectLst>
-              </a:rPr>
-            </a:br>
-            <a:r>
-              <a:rPr lang="en-US" cap="none" dirty="0">
-                <a:effectLst>
-                  <a:outerShdw blurRad="63500" dist="50800" dir="2700000" algn="tl" rotWithShape="0">
-                    <a:srgbClr val="4C1960">
-                      <a:alpha val="65000"/>
-                    </a:srgbClr>
-                  </a:outerShdw>
-                </a:effectLst>
-              </a:rPr>
-              <a:t>3 times as many males &amp; </a:t>
-            </a:r>
-            <a:r>
-              <a:rPr lang="en-US" cap="none" dirty="0" err="1">
-                <a:effectLst>
-                  <a:outerShdw blurRad="63500" dist="50800" dir="2700000" algn="tl" rotWithShape="0">
-                    <a:srgbClr val="4C1960">
-                      <a:alpha val="65000"/>
-                    </a:srgbClr>
-                  </a:outerShdw>
-                </a:effectLst>
-              </a:rPr>
-              <a:t>caucasions</a:t>
-            </a:r>
-            <a:r>
-              <a:rPr lang="en-US" cap="none" dirty="0">
-                <a:effectLst>
-                  <a:outerShdw blurRad="63500" dist="50800" dir="2700000" algn="tl" rotWithShape="0">
-                    <a:srgbClr val="4C1960">
-                      <a:alpha val="65000"/>
-                    </a:srgbClr>
-                  </a:outerShdw>
-                </a:effectLst>
-              </a:rPr>
-              <a:t> </a:t>
-            </a:r>
-            <a:r>
-              <a:rPr lang="en-US" cap="none" baseline="30000" dirty="0">
-                <a:effectLst>
-                  <a:outerShdw blurRad="63500" dist="50800" dir="2700000" algn="tl" rotWithShape="0">
-                    <a:srgbClr val="4C1960">
-                      <a:alpha val="65000"/>
-                    </a:srgbClr>
-                  </a:outerShdw>
-                </a:effectLst>
-              </a:rPr>
-              <a:t>2015:  37k M: 12k F</a:t>
-            </a:r>
-            <a:br>
-              <a:rPr lang="en-US" cap="none" baseline="30000" dirty="0">
-                <a:effectLst>
-                  <a:outerShdw blurRad="63500" dist="50800" dir="2700000" algn="tl" rotWithShape="0">
-                    <a:srgbClr val="4C1960">
-                      <a:alpha val="65000"/>
-                    </a:srgbClr>
-                  </a:outerShdw>
-                </a:effectLst>
-              </a:rPr>
-            </a:br>
-            <a:br>
-              <a:rPr lang="en-US" cap="none" dirty="0">
-                <a:effectLst>
-                  <a:outerShdw blurRad="63500" dist="50800" dir="2700000" algn="tl" rotWithShape="0">
-                    <a:srgbClr val="4C1960">
-                      <a:alpha val="65000"/>
-                    </a:srgbClr>
-                  </a:outerShdw>
-                </a:effectLst>
-              </a:rPr>
-            </a:br>
-            <a:r>
-              <a:rPr lang="en-US" cap="none" dirty="0">
-                <a:effectLst>
-                  <a:outerShdw blurRad="63500" dist="50800" dir="2700000" algn="tl" rotWithShape="0">
-                    <a:srgbClr val="4C1960">
-                      <a:alpha val="65000"/>
-                    </a:srgbClr>
-                  </a:outerShdw>
-                </a:effectLst>
-              </a:rPr>
-              <a:t>US spends 18% of GDP ($19trillion) on healthcare.</a:t>
-            </a:r>
-            <a:br>
-              <a:rPr lang="en-US" cap="none" dirty="0">
-                <a:effectLst>
-                  <a:outerShdw blurRad="63500" dist="50800" dir="2700000" algn="tl" rotWithShape="0">
-                    <a:srgbClr val="4C1960">
-                      <a:alpha val="65000"/>
-                    </a:srgbClr>
-                  </a:outerShdw>
-                </a:effectLst>
-              </a:rPr>
-            </a:br>
-            <a:r>
-              <a:rPr lang="en-US" cap="none" dirty="0">
-                <a:effectLst>
-                  <a:outerShdw blurRad="63500" dist="50800" dir="2700000" algn="tl" rotWithShape="0">
-                    <a:srgbClr val="4C1960">
-                      <a:alpha val="65000"/>
-                    </a:srgbClr>
-                  </a:outerShdw>
-                </a:effectLst>
-              </a:rPr>
-              <a:t>   incl. $200billion on mental health, grows 4-6%/</a:t>
-            </a:r>
-            <a:r>
-              <a:rPr lang="en-US" cap="none" dirty="0" err="1">
-                <a:effectLst>
-                  <a:outerShdw blurRad="63500" dist="50800" dir="2700000" algn="tl" rotWithShape="0">
-                    <a:srgbClr val="4C1960">
-                      <a:alpha val="65000"/>
-                    </a:srgbClr>
-                  </a:outerShdw>
-                </a:effectLst>
-              </a:rPr>
-              <a:t>yr</a:t>
-            </a:r>
-            <a:br>
-              <a:rPr lang="en-US" cap="none" dirty="0">
-                <a:effectLst>
-                  <a:outerShdw blurRad="63500" dist="50800" dir="2700000" algn="tl" rotWithShape="0">
-                    <a:srgbClr val="4C1960">
-                      <a:alpha val="65000"/>
-                    </a:srgbClr>
-                  </a:outerShdw>
-                </a:effectLst>
-              </a:rPr>
-            </a:br>
-            <a:br>
-              <a:rPr lang="en-US" cap="none" dirty="0">
-                <a:effectLst>
-                  <a:outerShdw blurRad="63500" dist="50800" dir="2700000" algn="tl" rotWithShape="0">
-                    <a:srgbClr val="4C1960">
-                      <a:alpha val="65000"/>
-                    </a:srgbClr>
-                  </a:outerShdw>
-                </a:effectLst>
-              </a:rPr>
-            </a:br>
-            <a:r>
-              <a:rPr lang="en-US" cap="none" dirty="0">
-                <a:effectLst>
-                  <a:outerShdw blurRad="63500" dist="50800" dir="2700000" algn="tl" rotWithShape="0">
-                    <a:srgbClr val="4C1960">
-                      <a:alpha val="65000"/>
-                    </a:srgbClr>
-                  </a:outerShdw>
-                </a:effectLst>
-              </a:rPr>
-              <a:t>25 attempts for every suicide: attempts INCRs risk, </a:t>
-            </a:r>
-            <a:br>
-              <a:rPr lang="en-US" cap="none" dirty="0">
-                <a:effectLst>
-                  <a:outerShdw blurRad="63500" dist="50800" dir="2700000" algn="tl" rotWithShape="0">
-                    <a:srgbClr val="4C1960">
-                      <a:alpha val="65000"/>
-                    </a:srgbClr>
-                  </a:outerShdw>
-                </a:effectLst>
-              </a:rPr>
-            </a:br>
-            <a:r>
-              <a:rPr lang="en-US" cap="none" dirty="0">
-                <a:effectLst>
-                  <a:outerShdw blurRad="63500" dist="50800" dir="2700000" algn="tl" rotWithShape="0">
-                    <a:srgbClr val="4C1960">
-                      <a:alpha val="65000"/>
-                    </a:srgbClr>
-                  </a:outerShdw>
-                </a:effectLst>
-              </a:rPr>
-              <a:t>   but surviving an attempt DECRs risk (1/10)</a:t>
-            </a:r>
-            <a:br>
-              <a:rPr lang="en-US" cap="none" dirty="0">
-                <a:effectLst>
-                  <a:outerShdw blurRad="63500" dist="50800" dir="2700000" algn="tl" rotWithShape="0">
-                    <a:srgbClr val="4C1960">
-                      <a:alpha val="65000"/>
-                    </a:srgbClr>
-                  </a:outerShdw>
-                </a:effectLst>
-              </a:rPr>
-            </a:br>
-            <a:br>
-              <a:rPr lang="en-US" cap="none" dirty="0">
-                <a:effectLst>
-                  <a:outerShdw blurRad="63500" dist="50800" dir="2700000" algn="tl" rotWithShape="0">
-                    <a:srgbClr val="4C1960">
-                      <a:alpha val="65000"/>
-                    </a:srgbClr>
-                  </a:outerShdw>
-                </a:effectLst>
-              </a:rPr>
-            </a:br>
-            <a:r>
-              <a:rPr lang="en-US" cap="none" dirty="0">
-                <a:effectLst>
-                  <a:outerShdw blurRad="63500" dist="50800" dir="2700000" algn="tl" rotWithShape="0">
-                    <a:srgbClr val="4C1960">
-                      <a:alpha val="65000"/>
-                    </a:srgbClr>
-                  </a:outerShdw>
-                </a:effectLst>
-              </a:rPr>
-              <a:t>Years-of-life lost &gt; all except heart </a:t>
-            </a:r>
-            <a:r>
-              <a:rPr lang="en-US" cap="none" dirty="0" err="1">
-                <a:effectLst>
-                  <a:outerShdw blurRad="63500" dist="50800" dir="2700000" algn="tl" rotWithShape="0">
-                    <a:srgbClr val="4C1960">
-                      <a:alpha val="65000"/>
-                    </a:srgbClr>
-                  </a:outerShdw>
-                </a:effectLst>
-              </a:rPr>
-              <a:t>dz</a:t>
-            </a:r>
-            <a:r>
-              <a:rPr lang="en-US" cap="none" dirty="0">
-                <a:effectLst>
-                  <a:outerShdw blurRad="63500" dist="50800" dir="2700000" algn="tl" rotWithShape="0">
-                    <a:srgbClr val="4C1960">
-                      <a:alpha val="65000"/>
-                    </a:srgbClr>
-                  </a:outerShdw>
-                </a:effectLst>
-              </a:rPr>
-              <a:t>, cancer.</a:t>
-            </a:r>
-            <a:endParaRPr lang="en-US" sz="1800" cap="none" dirty="0">
-              <a:effectLst>
-                <a:outerShdw blurRad="63500" dist="50800" dir="2700000" algn="tl" rotWithShape="0">
-                  <a:srgbClr val="4C1960">
-                    <a:alpha val="65000"/>
-                  </a:srgbClr>
-                </a:outerShdw>
-              </a:effectLst>
-            </a:endParaRPr>
-          </a:p>
-        </p:txBody>
-      </p:sp>
-    </p:spTree>
-    <p:extLst>
-      <p:ext uri="{BB962C8B-B14F-4D97-AF65-F5344CB8AC3E}">
-        <p14:creationId xmlns:p14="http://schemas.microsoft.com/office/powerpoint/2010/main" val="90747523"/>
       </p:ext>
     </p:extLst>
   </p:cSld>
@@ -17035,6 +17089,390 @@
     <p:extLst>
       <p:ext uri="{BB962C8B-B14F-4D97-AF65-F5344CB8AC3E}">
         <p14:creationId xmlns:p14="http://schemas.microsoft.com/office/powerpoint/2010/main" val="1458032452"/>
+      </p:ext>
+    </p:extLst>
+  </p:cSld>
+  <p:clrMapOvr>
+    <a:masterClrMapping/>
+  </p:clrMapOvr>
+</p:sld>
+</file>
+
+<file path=ppt/slides/slide30.xml><?xml version="1.0" encoding="utf-8"?>
+<p:sld xmlns:a="http://schemas.openxmlformats.org/drawingml/2006/main" xmlns:r="http://schemas.openxmlformats.org/officeDocument/2006/relationships" xmlns:p="http://schemas.openxmlformats.org/presentationml/2006/main">
+  <p:cSld>
+    <p:spTree>
+      <p:nvGrpSpPr>
+        <p:cNvPr id="1" name=""/>
+        <p:cNvGrpSpPr/>
+        <p:nvPr/>
+      </p:nvGrpSpPr>
+      <p:grpSpPr>
+        <a:xfrm>
+          <a:off x="0" y="0"/>
+          <a:ext cx="0" cy="0"/>
+          <a:chOff x="0" y="0"/>
+          <a:chExt cx="0" cy="0"/>
+        </a:xfrm>
+      </p:grpSpPr>
+      <p:sp>
+        <p:nvSpPr>
+          <p:cNvPr id="2" name="Title 1">
+            <a:extLst>
+              <a:ext uri="{FF2B5EF4-FFF2-40B4-BE49-F238E27FC236}">
+                <a16:creationId xmlns:a16="http://schemas.microsoft.com/office/drawing/2014/main" id="{473BC2F7-7CCF-8343-9F10-18D07017B60F}"/>
+              </a:ext>
+            </a:extLst>
+          </p:cNvPr>
+          <p:cNvSpPr>
+            <a:spLocks noGrp="1"/>
+          </p:cNvSpPr>
+          <p:nvPr>
+            <p:ph type="title"/>
+          </p:nvPr>
+        </p:nvSpPr>
+        <p:spPr>
+          <a:xfrm>
+            <a:off x="1141456" y="609599"/>
+            <a:ext cx="9905955" cy="5879434"/>
+          </a:xfrm>
+        </p:spPr>
+        <p:txBody>
+          <a:bodyPr>
+            <a:normAutofit fontScale="90000"/>
+          </a:bodyPr>
+          <a:lstStyle/>
+          <a:p>
+            <a:pPr fontAlgn="base"/>
+            <a:r>
+              <a:rPr lang="en-US" sz="5300" cap="none" dirty="0">
+                <a:effectLst>
+                  <a:outerShdw blurRad="63500" dist="50800" dir="2700000" algn="tl" rotWithShape="0">
+                    <a:srgbClr val="4C1960">
+                      <a:alpha val="65000"/>
+                    </a:srgbClr>
+                  </a:outerShdw>
+                </a:effectLst>
+              </a:rPr>
+              <a:t>Suicide trivia: </a:t>
+            </a:r>
+            <a:br>
+              <a:rPr lang="en-US" cap="none" dirty="0">
+                <a:effectLst>
+                  <a:outerShdw blurRad="63500" dist="50800" dir="2700000" algn="tl" rotWithShape="0">
+                    <a:srgbClr val="4C1960">
+                      <a:alpha val="65000"/>
+                    </a:srgbClr>
+                  </a:outerShdw>
+                </a:effectLst>
+              </a:rPr>
+            </a:br>
+            <a:r>
+              <a:rPr lang="en-US" cap="none" dirty="0">
+                <a:effectLst>
+                  <a:outerShdw blurRad="63500" dist="50800" dir="2700000" algn="tl" rotWithShape="0">
+                    <a:srgbClr val="4C1960">
+                      <a:alpha val="65000"/>
+                    </a:srgbClr>
+                  </a:outerShdw>
+                </a:effectLst>
+              </a:rPr>
+              <a:t>Reason not got help?     28% “didn’t know where.”</a:t>
+            </a:r>
+            <a:r>
+              <a:rPr lang="en-US" cap="none" baseline="30000" dirty="0">
+                <a:effectLst>
+                  <a:outerShdw blurRad="63500" dist="50800" dir="2700000" algn="tl" rotWithShape="0">
+                    <a:srgbClr val="4C1960">
+                      <a:alpha val="65000"/>
+                    </a:srgbClr>
+                  </a:outerShdw>
+                </a:effectLst>
+              </a:rPr>
+              <a:t>2017</a:t>
+            </a:r>
+            <a:r>
+              <a:rPr lang="en-US" cap="none" dirty="0">
+                <a:effectLst>
+                  <a:outerShdw blurRad="63500" dist="50800" dir="2700000" algn="tl" rotWithShape="0">
+                    <a:srgbClr val="4C1960">
+                      <a:alpha val="65000"/>
+                    </a:srgbClr>
+                  </a:outerShdw>
+                </a:effectLst>
+              </a:rPr>
+              <a:t> </a:t>
+            </a:r>
+            <a:br>
+              <a:rPr lang="en-US" cap="none" dirty="0">
+                <a:effectLst>
+                  <a:outerShdw blurRad="63500" dist="50800" dir="2700000" algn="tl" rotWithShape="0">
+                    <a:srgbClr val="4C1960">
+                      <a:alpha val="65000"/>
+                    </a:srgbClr>
+                  </a:outerShdw>
+                </a:effectLst>
+              </a:rPr>
+            </a:br>
+            <a:br>
+              <a:rPr lang="en-US" cap="none" dirty="0">
+                <a:effectLst>
+                  <a:outerShdw blurRad="63500" dist="50800" dir="2700000" algn="tl" rotWithShape="0">
+                    <a:srgbClr val="4C1960">
+                      <a:alpha val="65000"/>
+                    </a:srgbClr>
+                  </a:outerShdw>
+                </a:effectLst>
+              </a:rPr>
+            </a:br>
+            <a:r>
+              <a:rPr lang="en-US" cap="none" dirty="0">
+                <a:effectLst>
+                  <a:outerShdw blurRad="63500" dist="50800" dir="2700000" algn="tl" rotWithShape="0">
+                    <a:srgbClr val="4C1960">
+                      <a:alpha val="65000"/>
+                    </a:srgbClr>
+                  </a:outerShdw>
+                </a:effectLst>
+              </a:rPr>
+              <a:t>3 times as many males &amp; </a:t>
+            </a:r>
+            <a:r>
+              <a:rPr lang="en-US" cap="none" dirty="0" err="1">
+                <a:effectLst>
+                  <a:outerShdw blurRad="63500" dist="50800" dir="2700000" algn="tl" rotWithShape="0">
+                    <a:srgbClr val="4C1960">
+                      <a:alpha val="65000"/>
+                    </a:srgbClr>
+                  </a:outerShdw>
+                </a:effectLst>
+              </a:rPr>
+              <a:t>caucasions</a:t>
+            </a:r>
+            <a:r>
+              <a:rPr lang="en-US" cap="none" dirty="0">
+                <a:effectLst>
+                  <a:outerShdw blurRad="63500" dist="50800" dir="2700000" algn="tl" rotWithShape="0">
+                    <a:srgbClr val="4C1960">
+                      <a:alpha val="65000"/>
+                    </a:srgbClr>
+                  </a:outerShdw>
+                </a:effectLst>
+              </a:rPr>
+              <a:t> </a:t>
+            </a:r>
+            <a:r>
+              <a:rPr lang="en-US" cap="none" baseline="30000" dirty="0">
+                <a:effectLst>
+                  <a:outerShdw blurRad="63500" dist="50800" dir="2700000" algn="tl" rotWithShape="0">
+                    <a:srgbClr val="4C1960">
+                      <a:alpha val="65000"/>
+                    </a:srgbClr>
+                  </a:outerShdw>
+                </a:effectLst>
+              </a:rPr>
+              <a:t>2015:  37k M: 12k F</a:t>
+            </a:r>
+            <a:br>
+              <a:rPr lang="en-US" cap="none" baseline="30000" dirty="0">
+                <a:effectLst>
+                  <a:outerShdw blurRad="63500" dist="50800" dir="2700000" algn="tl" rotWithShape="0">
+                    <a:srgbClr val="4C1960">
+                      <a:alpha val="65000"/>
+                    </a:srgbClr>
+                  </a:outerShdw>
+                </a:effectLst>
+              </a:rPr>
+            </a:br>
+            <a:br>
+              <a:rPr lang="en-US" cap="none" dirty="0">
+                <a:effectLst>
+                  <a:outerShdw blurRad="63500" dist="50800" dir="2700000" algn="tl" rotWithShape="0">
+                    <a:srgbClr val="4C1960">
+                      <a:alpha val="65000"/>
+                    </a:srgbClr>
+                  </a:outerShdw>
+                </a:effectLst>
+              </a:rPr>
+            </a:br>
+            <a:r>
+              <a:rPr lang="en-US" cap="none" dirty="0">
+                <a:effectLst>
+                  <a:outerShdw blurRad="63500" dist="50800" dir="2700000" algn="tl" rotWithShape="0">
+                    <a:srgbClr val="4C1960">
+                      <a:alpha val="65000"/>
+                    </a:srgbClr>
+                  </a:outerShdw>
+                </a:effectLst>
+              </a:rPr>
+              <a:t>US spends 18% of GDP ($19trillion) on healthcare.</a:t>
+            </a:r>
+            <a:br>
+              <a:rPr lang="en-US" cap="none" dirty="0">
+                <a:effectLst>
+                  <a:outerShdw blurRad="63500" dist="50800" dir="2700000" algn="tl" rotWithShape="0">
+                    <a:srgbClr val="4C1960">
+                      <a:alpha val="65000"/>
+                    </a:srgbClr>
+                  </a:outerShdw>
+                </a:effectLst>
+              </a:rPr>
+            </a:br>
+            <a:r>
+              <a:rPr lang="en-US" cap="none" dirty="0">
+                <a:effectLst>
+                  <a:outerShdw blurRad="63500" dist="50800" dir="2700000" algn="tl" rotWithShape="0">
+                    <a:srgbClr val="4C1960">
+                      <a:alpha val="65000"/>
+                    </a:srgbClr>
+                  </a:outerShdw>
+                </a:effectLst>
+              </a:rPr>
+              <a:t>   incl. $200billion on mental health, grows 4-6%/</a:t>
+            </a:r>
+            <a:r>
+              <a:rPr lang="en-US" cap="none" dirty="0" err="1">
+                <a:effectLst>
+                  <a:outerShdw blurRad="63500" dist="50800" dir="2700000" algn="tl" rotWithShape="0">
+                    <a:srgbClr val="4C1960">
+                      <a:alpha val="65000"/>
+                    </a:srgbClr>
+                  </a:outerShdw>
+                </a:effectLst>
+              </a:rPr>
+              <a:t>yr</a:t>
+            </a:r>
+            <a:br>
+              <a:rPr lang="en-US" cap="none" dirty="0">
+                <a:effectLst>
+                  <a:outerShdw blurRad="63500" dist="50800" dir="2700000" algn="tl" rotWithShape="0">
+                    <a:srgbClr val="4C1960">
+                      <a:alpha val="65000"/>
+                    </a:srgbClr>
+                  </a:outerShdw>
+                </a:effectLst>
+              </a:rPr>
+            </a:br>
+            <a:br>
+              <a:rPr lang="en-US" cap="none" dirty="0">
+                <a:effectLst>
+                  <a:outerShdw blurRad="63500" dist="50800" dir="2700000" algn="tl" rotWithShape="0">
+                    <a:srgbClr val="4C1960">
+                      <a:alpha val="65000"/>
+                    </a:srgbClr>
+                  </a:outerShdw>
+                </a:effectLst>
+              </a:rPr>
+            </a:br>
+            <a:r>
+              <a:rPr lang="en-US" cap="none" dirty="0">
+                <a:effectLst>
+                  <a:outerShdw blurRad="63500" dist="50800" dir="2700000" algn="tl" rotWithShape="0">
+                    <a:srgbClr val="4C1960">
+                      <a:alpha val="65000"/>
+                    </a:srgbClr>
+                  </a:outerShdw>
+                </a:effectLst>
+              </a:rPr>
+              <a:t>25 attempts for every suicide: attempts INCRs risk, </a:t>
+            </a:r>
+            <a:br>
+              <a:rPr lang="en-US" cap="none" dirty="0">
+                <a:effectLst>
+                  <a:outerShdw blurRad="63500" dist="50800" dir="2700000" algn="tl" rotWithShape="0">
+                    <a:srgbClr val="4C1960">
+                      <a:alpha val="65000"/>
+                    </a:srgbClr>
+                  </a:outerShdw>
+                </a:effectLst>
+              </a:rPr>
+            </a:br>
+            <a:r>
+              <a:rPr lang="en-US" cap="none" dirty="0">
+                <a:effectLst>
+                  <a:outerShdw blurRad="63500" dist="50800" dir="2700000" algn="tl" rotWithShape="0">
+                    <a:srgbClr val="4C1960">
+                      <a:alpha val="65000"/>
+                    </a:srgbClr>
+                  </a:outerShdw>
+                </a:effectLst>
+              </a:rPr>
+              <a:t>   but surviving an attempt DECRs risk (1/10)</a:t>
+            </a:r>
+            <a:br>
+              <a:rPr lang="en-US" cap="none" dirty="0">
+                <a:effectLst>
+                  <a:outerShdw blurRad="63500" dist="50800" dir="2700000" algn="tl" rotWithShape="0">
+                    <a:srgbClr val="4C1960">
+                      <a:alpha val="65000"/>
+                    </a:srgbClr>
+                  </a:outerShdw>
+                </a:effectLst>
+              </a:rPr>
+            </a:br>
+            <a:br>
+              <a:rPr lang="en-US" cap="none" dirty="0">
+                <a:effectLst>
+                  <a:outerShdw blurRad="63500" dist="50800" dir="2700000" algn="tl" rotWithShape="0">
+                    <a:srgbClr val="4C1960">
+                      <a:alpha val="65000"/>
+                    </a:srgbClr>
+                  </a:outerShdw>
+                </a:effectLst>
+              </a:rPr>
+            </a:br>
+            <a:r>
+              <a:rPr lang="en-US" cap="none" dirty="0">
+                <a:effectLst>
+                  <a:outerShdw blurRad="63500" dist="50800" dir="2700000" algn="tl" rotWithShape="0">
+                    <a:srgbClr val="4C1960">
+                      <a:alpha val="65000"/>
+                    </a:srgbClr>
+                  </a:outerShdw>
+                </a:effectLst>
+              </a:rPr>
+              <a:t>Years-of-life lost &gt; all except heart </a:t>
+            </a:r>
+            <a:r>
+              <a:rPr lang="en-US" cap="none" dirty="0" err="1">
+                <a:effectLst>
+                  <a:outerShdw blurRad="63500" dist="50800" dir="2700000" algn="tl" rotWithShape="0">
+                    <a:srgbClr val="4C1960">
+                      <a:alpha val="65000"/>
+                    </a:srgbClr>
+                  </a:outerShdw>
+                </a:effectLst>
+              </a:rPr>
+              <a:t>dz</a:t>
+            </a:r>
+            <a:r>
+              <a:rPr lang="en-US" cap="none" dirty="0">
+                <a:effectLst>
+                  <a:outerShdw blurRad="63500" dist="50800" dir="2700000" algn="tl" rotWithShape="0">
+                    <a:srgbClr val="4C1960">
+                      <a:alpha val="65000"/>
+                    </a:srgbClr>
+                  </a:outerShdw>
+                </a:effectLst>
+              </a:rPr>
+              <a:t>, cancer.</a:t>
+            </a:r>
+            <a:endParaRPr lang="en-US" sz="1800" cap="none" dirty="0">
+              <a:effectLst>
+                <a:outerShdw blurRad="63500" dist="50800" dir="2700000" algn="tl" rotWithShape="0">
+                  <a:srgbClr val="4C1960">
+                    <a:alpha val="65000"/>
+                  </a:srgbClr>
+                </a:outerShdw>
+              </a:effectLst>
+            </a:endParaRPr>
+          </a:p>
+        </p:txBody>
+      </p:sp>
+    </p:spTree>
+    <p:extLst>
+      <p:ext uri="{BB962C8B-B14F-4D97-AF65-F5344CB8AC3E}">
+        <p14:creationId xmlns:p14="http://schemas.microsoft.com/office/powerpoint/2010/main" val="90747523"/>
       </p:ext>
     </p:extLst>
   </p:cSld>

--- a/reports/SUICnotes.pptx
+++ b/reports/SUICnotes.pptx
@@ -191,7 +191,7 @@
           <a:noFill/>
           <a:extLst>
             <a:ext uri="{909E8E84-426E-40dd-AFC4-6F175D3DCCD1}">
-              <a14:hiddenFill xmlns:a14="http://schemas.microsoft.com/office/drawing/2010/main" xmlns="">
+              <a14:hiddenFill xmlns="" xmlns:a14="http://schemas.microsoft.com/office/drawing/2010/main">
                 <a:solidFill>
                   <a:srgbClr val="FFFFFF"/>
                 </a:solidFill>
@@ -251,7 +251,7 @@
             </a:ln>
             <a:extLst>
               <a:ext uri="{91240B29-F687-4f45-9708-019B960494DF}">
-                <a14:hiddenLine xmlns:a14="http://schemas.microsoft.com/office/drawing/2010/main" xmlns="" w="9525">
+                <a14:hiddenLine xmlns="" xmlns:a14="http://schemas.microsoft.com/office/drawing/2010/main" w="9525">
                   <a:solidFill>
                     <a:srgbClr val="000000"/>
                   </a:solidFill>
@@ -341,7 +341,7 @@
             </a:ln>
             <a:extLst>
               <a:ext uri="{91240B29-F687-4f45-9708-019B960494DF}">
-                <a14:hiddenLine xmlns:a14="http://schemas.microsoft.com/office/drawing/2010/main" xmlns="" w="9525">
+                <a14:hiddenLine xmlns="" xmlns:a14="http://schemas.microsoft.com/office/drawing/2010/main" w="9525">
                   <a:solidFill>
                     <a:srgbClr val="000000"/>
                   </a:solidFill>
@@ -431,7 +431,7 @@
             </a:ln>
             <a:extLst>
               <a:ext uri="{91240B29-F687-4f45-9708-019B960494DF}">
-                <a14:hiddenLine xmlns:a14="http://schemas.microsoft.com/office/drawing/2010/main" xmlns="" w="9525">
+                <a14:hiddenLine xmlns="" xmlns:a14="http://schemas.microsoft.com/office/drawing/2010/main" w="9525">
                   <a:solidFill>
                     <a:srgbClr val="000000"/>
                   </a:solidFill>
@@ -465,7 +465,7 @@
             </a:ln>
             <a:extLst>
               <a:ext uri="{91240B29-F687-4f45-9708-019B960494DF}">
-                <a14:hiddenLine xmlns:a14="http://schemas.microsoft.com/office/drawing/2010/main" xmlns="" w="9525">
+                <a14:hiddenLine xmlns="" xmlns:a14="http://schemas.microsoft.com/office/drawing/2010/main" w="9525">
                   <a:solidFill>
                     <a:srgbClr val="000000"/>
                   </a:solidFill>
@@ -555,7 +555,7 @@
             </a:ln>
             <a:extLst>
               <a:ext uri="{91240B29-F687-4f45-9708-019B960494DF}">
-                <a14:hiddenLine xmlns:a14="http://schemas.microsoft.com/office/drawing/2010/main" xmlns="" w="9525">
+                <a14:hiddenLine xmlns="" xmlns:a14="http://schemas.microsoft.com/office/drawing/2010/main" w="9525">
                   <a:solidFill>
                     <a:srgbClr val="000000"/>
                   </a:solidFill>
@@ -617,7 +617,7 @@
             </a:ln>
             <a:extLst>
               <a:ext uri="{91240B29-F687-4f45-9708-019B960494DF}">
-                <a14:hiddenLine xmlns:a14="http://schemas.microsoft.com/office/drawing/2010/main" xmlns="" w="9525">
+                <a14:hiddenLine xmlns="" xmlns:a14="http://schemas.microsoft.com/office/drawing/2010/main" w="9525">
                   <a:solidFill>
                     <a:srgbClr val="000000"/>
                   </a:solidFill>
@@ -679,7 +679,7 @@
             </a:ln>
             <a:extLst>
               <a:ext uri="{91240B29-F687-4f45-9708-019B960494DF}">
-                <a14:hiddenLine xmlns:a14="http://schemas.microsoft.com/office/drawing/2010/main" xmlns="" w="9525">
+                <a14:hiddenLine xmlns="" xmlns:a14="http://schemas.microsoft.com/office/drawing/2010/main" w="9525">
                   <a:solidFill>
                     <a:srgbClr val="000000"/>
                   </a:solidFill>
@@ -769,7 +769,7 @@
             </a:ln>
             <a:extLst>
               <a:ext uri="{91240B29-F687-4f45-9708-019B960494DF}">
-                <a14:hiddenLine xmlns:a14="http://schemas.microsoft.com/office/drawing/2010/main" xmlns="" w="9525">
+                <a14:hiddenLine xmlns="" xmlns:a14="http://schemas.microsoft.com/office/drawing/2010/main" w="9525">
                   <a:solidFill>
                     <a:srgbClr val="000000"/>
                   </a:solidFill>
@@ -831,7 +831,7 @@
             </a:ln>
             <a:extLst>
               <a:ext uri="{91240B29-F687-4f45-9708-019B960494DF}">
-                <a14:hiddenLine xmlns:a14="http://schemas.microsoft.com/office/drawing/2010/main" xmlns="" w="9525">
+                <a14:hiddenLine xmlns="" xmlns:a14="http://schemas.microsoft.com/office/drawing/2010/main" w="9525">
                   <a:solidFill>
                     <a:srgbClr val="000000"/>
                   </a:solidFill>
@@ -893,7 +893,7 @@
             </a:ln>
             <a:extLst>
               <a:ext uri="{91240B29-F687-4f45-9708-019B960494DF}">
-                <a14:hiddenLine xmlns:a14="http://schemas.microsoft.com/office/drawing/2010/main" xmlns="" w="9525">
+                <a14:hiddenLine xmlns="" xmlns:a14="http://schemas.microsoft.com/office/drawing/2010/main" w="9525">
                   <a:solidFill>
                     <a:srgbClr val="000000"/>
                   </a:solidFill>
@@ -983,7 +983,7 @@
             </a:ln>
             <a:extLst>
               <a:ext uri="{91240B29-F687-4f45-9708-019B960494DF}">
-                <a14:hiddenLine xmlns:a14="http://schemas.microsoft.com/office/drawing/2010/main" xmlns="" w="9525">
+                <a14:hiddenLine xmlns="" xmlns:a14="http://schemas.microsoft.com/office/drawing/2010/main" w="9525">
                   <a:solidFill>
                     <a:srgbClr val="000000"/>
                   </a:solidFill>
@@ -1073,7 +1073,7 @@
             </a:ln>
             <a:extLst>
               <a:ext uri="{91240B29-F687-4f45-9708-019B960494DF}">
-                <a14:hiddenLine xmlns:a14="http://schemas.microsoft.com/office/drawing/2010/main" xmlns="" w="9525">
+                <a14:hiddenLine xmlns="" xmlns:a14="http://schemas.microsoft.com/office/drawing/2010/main" w="9525">
                   <a:solidFill>
                     <a:srgbClr val="000000"/>
                   </a:solidFill>
@@ -1135,7 +1135,7 @@
             </a:ln>
             <a:extLst>
               <a:ext uri="{91240B29-F687-4f45-9708-019B960494DF}">
-                <a14:hiddenLine xmlns:a14="http://schemas.microsoft.com/office/drawing/2010/main" xmlns="" w="9525">
+                <a14:hiddenLine xmlns="" xmlns:a14="http://schemas.microsoft.com/office/drawing/2010/main" w="9525">
                   <a:solidFill>
                     <a:srgbClr val="000000"/>
                   </a:solidFill>
@@ -1245,7 +1245,7 @@
             </a:ln>
             <a:extLst>
               <a:ext uri="{91240B29-F687-4f45-9708-019B960494DF}">
-                <a14:hiddenLine xmlns:a14="http://schemas.microsoft.com/office/drawing/2010/main" xmlns="" w="9525">
+                <a14:hiddenLine xmlns="" xmlns:a14="http://schemas.microsoft.com/office/drawing/2010/main" w="9525">
                   <a:solidFill>
                     <a:srgbClr val="000000"/>
                   </a:solidFill>
@@ -1307,7 +1307,7 @@
             </a:ln>
             <a:extLst>
               <a:ext uri="{91240B29-F687-4f45-9708-019B960494DF}">
-                <a14:hiddenLine xmlns:a14="http://schemas.microsoft.com/office/drawing/2010/main" xmlns="" w="9525">
+                <a14:hiddenLine xmlns="" xmlns:a14="http://schemas.microsoft.com/office/drawing/2010/main" w="9525">
                   <a:solidFill>
                     <a:srgbClr val="000000"/>
                   </a:solidFill>
@@ -1397,7 +1397,7 @@
             </a:ln>
             <a:extLst>
               <a:ext uri="{91240B29-F687-4f45-9708-019B960494DF}">
-                <a14:hiddenLine xmlns:a14="http://schemas.microsoft.com/office/drawing/2010/main" xmlns="" w="9525">
+                <a14:hiddenLine xmlns="" xmlns:a14="http://schemas.microsoft.com/office/drawing/2010/main" w="9525">
                   <a:solidFill>
                     <a:srgbClr val="000000"/>
                   </a:solidFill>
@@ -1487,7 +1487,7 @@
             </a:ln>
             <a:extLst>
               <a:ext uri="{91240B29-F687-4f45-9708-019B960494DF}">
-                <a14:hiddenLine xmlns:a14="http://schemas.microsoft.com/office/drawing/2010/main" xmlns="" w="9525">
+                <a14:hiddenLine xmlns="" xmlns:a14="http://schemas.microsoft.com/office/drawing/2010/main" w="9525">
                   <a:solidFill>
                     <a:srgbClr val="000000"/>
                   </a:solidFill>
@@ -1549,7 +1549,7 @@
             </a:ln>
             <a:extLst>
               <a:ext uri="{91240B29-F687-4f45-9708-019B960494DF}">
-                <a14:hiddenLine xmlns:a14="http://schemas.microsoft.com/office/drawing/2010/main" xmlns="" w="9525">
+                <a14:hiddenLine xmlns="" xmlns:a14="http://schemas.microsoft.com/office/drawing/2010/main" w="9525">
                   <a:solidFill>
                     <a:srgbClr val="000000"/>
                   </a:solidFill>
@@ -1639,7 +1639,7 @@
             </a:ln>
             <a:extLst>
               <a:ext uri="{91240B29-F687-4f45-9708-019B960494DF}">
-                <a14:hiddenLine xmlns:a14="http://schemas.microsoft.com/office/drawing/2010/main" xmlns="" w="9525">
+                <a14:hiddenLine xmlns="" xmlns:a14="http://schemas.microsoft.com/office/drawing/2010/main" w="9525">
                   <a:solidFill>
                     <a:srgbClr val="000000"/>
                   </a:solidFill>
@@ -1729,7 +1729,7 @@
             </a:ln>
             <a:extLst>
               <a:ext uri="{91240B29-F687-4f45-9708-019B960494DF}">
-                <a14:hiddenLine xmlns:a14="http://schemas.microsoft.com/office/drawing/2010/main" xmlns="" w="9525">
+                <a14:hiddenLine xmlns="" xmlns:a14="http://schemas.microsoft.com/office/drawing/2010/main" w="9525">
                   <a:solidFill>
                     <a:srgbClr val="000000"/>
                   </a:solidFill>
@@ -1785,7 +1785,7 @@
             </a:ln>
             <a:extLst>
               <a:ext uri="{91240B29-F687-4f45-9708-019B960494DF}">
-                <a14:hiddenLine xmlns:a14="http://schemas.microsoft.com/office/drawing/2010/main" xmlns="" w="9525">
+                <a14:hiddenLine xmlns="" xmlns:a14="http://schemas.microsoft.com/office/drawing/2010/main" w="9525">
                   <a:solidFill>
                     <a:srgbClr val="000000"/>
                   </a:solidFill>
@@ -1875,7 +1875,7 @@
             </a:ln>
             <a:extLst>
               <a:ext uri="{91240B29-F687-4f45-9708-019B960494DF}">
-                <a14:hiddenLine xmlns:a14="http://schemas.microsoft.com/office/drawing/2010/main" xmlns="" w="9525">
+                <a14:hiddenLine xmlns="" xmlns:a14="http://schemas.microsoft.com/office/drawing/2010/main" w="9525">
                   <a:solidFill>
                     <a:srgbClr val="000000"/>
                   </a:solidFill>
@@ -1931,7 +1931,7 @@
             </a:ln>
             <a:extLst>
               <a:ext uri="{91240B29-F687-4f45-9708-019B960494DF}">
-                <a14:hiddenLine xmlns:a14="http://schemas.microsoft.com/office/drawing/2010/main" xmlns="" w="9525">
+                <a14:hiddenLine xmlns="" xmlns:a14="http://schemas.microsoft.com/office/drawing/2010/main" w="9525">
                   <a:solidFill>
                     <a:srgbClr val="000000"/>
                   </a:solidFill>
@@ -2021,7 +2021,7 @@
             </a:ln>
             <a:extLst>
               <a:ext uri="{91240B29-F687-4f45-9708-019B960494DF}">
-                <a14:hiddenLine xmlns:a14="http://schemas.microsoft.com/office/drawing/2010/main" xmlns="" w="9525">
+                <a14:hiddenLine xmlns="" xmlns:a14="http://schemas.microsoft.com/office/drawing/2010/main" w="9525">
                   <a:solidFill>
                     <a:srgbClr val="000000"/>
                   </a:solidFill>
@@ -2089,7 +2089,7 @@
             </a:ln>
             <a:extLst>
               <a:ext uri="{91240B29-F687-4f45-9708-019B960494DF}">
-                <a14:hiddenLine xmlns:a14="http://schemas.microsoft.com/office/drawing/2010/main" xmlns="" w="9525">
+                <a14:hiddenLine xmlns="" xmlns:a14="http://schemas.microsoft.com/office/drawing/2010/main" w="9525">
                   <a:solidFill>
                     <a:srgbClr val="000000"/>
                   </a:solidFill>
@@ -2179,7 +2179,7 @@
             </a:ln>
             <a:extLst>
               <a:ext uri="{91240B29-F687-4f45-9708-019B960494DF}">
-                <a14:hiddenLine xmlns:a14="http://schemas.microsoft.com/office/drawing/2010/main" xmlns="" w="9525">
+                <a14:hiddenLine xmlns="" xmlns:a14="http://schemas.microsoft.com/office/drawing/2010/main" w="9525">
                   <a:solidFill>
                     <a:srgbClr val="000000"/>
                   </a:solidFill>
@@ -2247,7 +2247,7 @@
             </a:ln>
             <a:extLst>
               <a:ext uri="{91240B29-F687-4f45-9708-019B960494DF}">
-                <a14:hiddenLine xmlns:a14="http://schemas.microsoft.com/office/drawing/2010/main" xmlns="" w="9525">
+                <a14:hiddenLine xmlns="" xmlns:a14="http://schemas.microsoft.com/office/drawing/2010/main" w="9525">
                   <a:solidFill>
                     <a:srgbClr val="000000"/>
                   </a:solidFill>
@@ -2337,7 +2337,7 @@
             </a:ln>
             <a:extLst>
               <a:ext uri="{91240B29-F687-4f45-9708-019B960494DF}">
-                <a14:hiddenLine xmlns:a14="http://schemas.microsoft.com/office/drawing/2010/main" xmlns="" w="9525">
+                <a14:hiddenLine xmlns="" xmlns:a14="http://schemas.microsoft.com/office/drawing/2010/main" w="9525">
                   <a:solidFill>
                     <a:srgbClr val="000000"/>
                   </a:solidFill>
@@ -2371,7 +2371,7 @@
             </a:ln>
             <a:extLst>
               <a:ext uri="{91240B29-F687-4f45-9708-019B960494DF}">
-                <a14:hiddenLine xmlns:a14="http://schemas.microsoft.com/office/drawing/2010/main" xmlns="" w="9525">
+                <a14:hiddenLine xmlns="" xmlns:a14="http://schemas.microsoft.com/office/drawing/2010/main" w="9525">
                   <a:solidFill>
                     <a:srgbClr val="000000"/>
                   </a:solidFill>
@@ -2461,7 +2461,7 @@
             </a:ln>
             <a:extLst>
               <a:ext uri="{91240B29-F687-4f45-9708-019B960494DF}">
-                <a14:hiddenLine xmlns:a14="http://schemas.microsoft.com/office/drawing/2010/main" xmlns="" w="9525">
+                <a14:hiddenLine xmlns="" xmlns:a14="http://schemas.microsoft.com/office/drawing/2010/main" w="9525">
                   <a:solidFill>
                     <a:srgbClr val="000000"/>
                   </a:solidFill>
@@ -2523,7 +2523,7 @@
             </a:ln>
             <a:extLst>
               <a:ext uri="{91240B29-F687-4f45-9708-019B960494DF}">
-                <a14:hiddenLine xmlns:a14="http://schemas.microsoft.com/office/drawing/2010/main" xmlns="" w="9525">
+                <a14:hiddenLine xmlns="" xmlns:a14="http://schemas.microsoft.com/office/drawing/2010/main" w="9525">
                   <a:solidFill>
                     <a:srgbClr val="000000"/>
                   </a:solidFill>
@@ -2585,7 +2585,7 @@
             </a:ln>
             <a:extLst>
               <a:ext uri="{91240B29-F687-4f45-9708-019B960494DF}">
-                <a14:hiddenLine xmlns:a14="http://schemas.microsoft.com/office/drawing/2010/main" xmlns="" w="9525">
+                <a14:hiddenLine xmlns="" xmlns:a14="http://schemas.microsoft.com/office/drawing/2010/main" w="9525">
                   <a:solidFill>
                     <a:srgbClr val="000000"/>
                   </a:solidFill>
@@ -2675,7 +2675,7 @@
             </a:ln>
             <a:extLst>
               <a:ext uri="{91240B29-F687-4f45-9708-019B960494DF}">
-                <a14:hiddenLine xmlns:a14="http://schemas.microsoft.com/office/drawing/2010/main" xmlns="" w="9525">
+                <a14:hiddenLine xmlns="" xmlns:a14="http://schemas.microsoft.com/office/drawing/2010/main" w="9525">
                   <a:solidFill>
                     <a:srgbClr val="000000"/>
                   </a:solidFill>
@@ -2743,7 +2743,7 @@
             </a:ln>
             <a:extLst>
               <a:ext uri="{91240B29-F687-4f45-9708-019B960494DF}">
-                <a14:hiddenLine xmlns:a14="http://schemas.microsoft.com/office/drawing/2010/main" xmlns="" w="9525">
+                <a14:hiddenLine xmlns="" xmlns:a14="http://schemas.microsoft.com/office/drawing/2010/main" w="9525">
                   <a:solidFill>
                     <a:srgbClr val="000000"/>
                   </a:solidFill>
@@ -2805,7 +2805,7 @@
             </a:ln>
             <a:extLst>
               <a:ext uri="{91240B29-F687-4f45-9708-019B960494DF}">
-                <a14:hiddenLine xmlns:a14="http://schemas.microsoft.com/office/drawing/2010/main" xmlns="" w="9525">
+                <a14:hiddenLine xmlns="" xmlns:a14="http://schemas.microsoft.com/office/drawing/2010/main" w="9525">
                   <a:solidFill>
                     <a:srgbClr val="000000"/>
                   </a:solidFill>
@@ -2895,7 +2895,7 @@
             </a:ln>
             <a:extLst>
               <a:ext uri="{91240B29-F687-4f45-9708-019B960494DF}">
-                <a14:hiddenLine xmlns:a14="http://schemas.microsoft.com/office/drawing/2010/main" xmlns="" w="9525">
+                <a14:hiddenLine xmlns="" xmlns:a14="http://schemas.microsoft.com/office/drawing/2010/main" w="9525">
                   <a:solidFill>
                     <a:srgbClr val="000000"/>
                   </a:solidFill>
@@ -2957,7 +2957,7 @@
             </a:ln>
             <a:extLst>
               <a:ext uri="{91240B29-F687-4f45-9708-019B960494DF}">
-                <a14:hiddenLine xmlns:a14="http://schemas.microsoft.com/office/drawing/2010/main" xmlns="" w="9525">
+                <a14:hiddenLine xmlns="" xmlns:a14="http://schemas.microsoft.com/office/drawing/2010/main" w="9525">
                   <a:solidFill>
                     <a:srgbClr val="000000"/>
                   </a:solidFill>
@@ -3047,7 +3047,7 @@
             </a:ln>
             <a:extLst>
               <a:ext uri="{91240B29-F687-4f45-9708-019B960494DF}">
-                <a14:hiddenLine xmlns:a14="http://schemas.microsoft.com/office/drawing/2010/main" xmlns="" w="9525">
+                <a14:hiddenLine xmlns="" xmlns:a14="http://schemas.microsoft.com/office/drawing/2010/main" w="9525">
                   <a:solidFill>
                     <a:srgbClr val="000000"/>
                   </a:solidFill>
@@ -3109,7 +3109,7 @@
             </a:ln>
             <a:extLst>
               <a:ext uri="{91240B29-F687-4f45-9708-019B960494DF}">
-                <a14:hiddenLine xmlns:a14="http://schemas.microsoft.com/office/drawing/2010/main" xmlns="" w="9525">
+                <a14:hiddenLine xmlns="" xmlns:a14="http://schemas.microsoft.com/office/drawing/2010/main" w="9525">
                   <a:solidFill>
                     <a:srgbClr val="000000"/>
                   </a:solidFill>
@@ -3199,7 +3199,7 @@
             </a:ln>
             <a:extLst>
               <a:ext uri="{91240B29-F687-4f45-9708-019B960494DF}">
-                <a14:hiddenLine xmlns:a14="http://schemas.microsoft.com/office/drawing/2010/main" xmlns="" w="9525">
+                <a14:hiddenLine xmlns="" xmlns:a14="http://schemas.microsoft.com/office/drawing/2010/main" w="9525">
                   <a:solidFill>
                     <a:srgbClr val="000000"/>
                   </a:solidFill>
@@ -3233,7 +3233,7 @@
             </a:ln>
             <a:extLst>
               <a:ext uri="{91240B29-F687-4f45-9708-019B960494DF}">
-                <a14:hiddenLine xmlns:a14="http://schemas.microsoft.com/office/drawing/2010/main" xmlns="" w="9525">
+                <a14:hiddenLine xmlns="" xmlns:a14="http://schemas.microsoft.com/office/drawing/2010/main" w="9525">
                   <a:solidFill>
                     <a:srgbClr val="000000"/>
                   </a:solidFill>
@@ -3298,7 +3298,7 @@
             </a:ln>
             <a:extLst>
               <a:ext uri="{91240B29-F687-4f45-9708-019B960494DF}">
-                <a14:hiddenLine xmlns:a14="http://schemas.microsoft.com/office/drawing/2010/main" xmlns="" w="9525">
+                <a14:hiddenLine xmlns="" xmlns:a14="http://schemas.microsoft.com/office/drawing/2010/main" w="9525">
                   <a:solidFill>
                     <a:srgbClr val="000000"/>
                   </a:solidFill>
@@ -3388,7 +3388,7 @@
             </a:ln>
             <a:extLst>
               <a:ext uri="{91240B29-F687-4f45-9708-019B960494DF}">
-                <a14:hiddenLine xmlns:a14="http://schemas.microsoft.com/office/drawing/2010/main" xmlns="" w="9525">
+                <a14:hiddenLine xmlns="" xmlns:a14="http://schemas.microsoft.com/office/drawing/2010/main" w="9525">
                   <a:solidFill>
                     <a:srgbClr val="000000"/>
                   </a:solidFill>
@@ -3450,7 +3450,7 @@
             </a:ln>
             <a:extLst>
               <a:ext uri="{91240B29-F687-4f45-9708-019B960494DF}">
-                <a14:hiddenLine xmlns:a14="http://schemas.microsoft.com/office/drawing/2010/main" xmlns="" w="9525">
+                <a14:hiddenLine xmlns="" xmlns:a14="http://schemas.microsoft.com/office/drawing/2010/main" w="9525">
                   <a:solidFill>
                     <a:srgbClr val="000000"/>
                   </a:solidFill>
@@ -3540,7 +3540,7 @@
             </a:ln>
             <a:extLst>
               <a:ext uri="{91240B29-F687-4f45-9708-019B960494DF}">
-                <a14:hiddenLine xmlns:a14="http://schemas.microsoft.com/office/drawing/2010/main" xmlns="" w="9525">
+                <a14:hiddenLine xmlns="" xmlns:a14="http://schemas.microsoft.com/office/drawing/2010/main" w="9525">
                   <a:solidFill>
                     <a:srgbClr val="000000"/>
                   </a:solidFill>
@@ -3630,7 +3630,7 @@
             </a:ln>
             <a:extLst>
               <a:ext uri="{91240B29-F687-4f45-9708-019B960494DF}">
-                <a14:hiddenLine xmlns:a14="http://schemas.microsoft.com/office/drawing/2010/main" xmlns="" w="9525">
+                <a14:hiddenLine xmlns="" xmlns:a14="http://schemas.microsoft.com/office/drawing/2010/main" w="9525">
                   <a:solidFill>
                     <a:srgbClr val="000000"/>
                   </a:solidFill>
@@ -3695,7 +3695,7 @@
             </a:ln>
             <a:extLst>
               <a:ext uri="{91240B29-F687-4f45-9708-019B960494DF}">
-                <a14:hiddenLine xmlns:a14="http://schemas.microsoft.com/office/drawing/2010/main" xmlns="" w="9525">
+                <a14:hiddenLine xmlns="" xmlns:a14="http://schemas.microsoft.com/office/drawing/2010/main" w="9525">
                   <a:solidFill>
                     <a:srgbClr val="000000"/>
                   </a:solidFill>
@@ -3757,7 +3757,7 @@
             </a:ln>
             <a:extLst>
               <a:ext uri="{91240B29-F687-4f45-9708-019B960494DF}">
-                <a14:hiddenLine xmlns:a14="http://schemas.microsoft.com/office/drawing/2010/main" xmlns="" w="9525">
+                <a14:hiddenLine xmlns="" xmlns:a14="http://schemas.microsoft.com/office/drawing/2010/main" w="9525">
                   <a:solidFill>
                     <a:srgbClr val="000000"/>
                   </a:solidFill>
@@ -3847,7 +3847,7 @@
             </a:ln>
             <a:extLst>
               <a:ext uri="{91240B29-F687-4f45-9708-019B960494DF}">
-                <a14:hiddenLine xmlns:a14="http://schemas.microsoft.com/office/drawing/2010/main" xmlns="" w="9525">
+                <a14:hiddenLine xmlns="" xmlns:a14="http://schemas.microsoft.com/office/drawing/2010/main" w="9525">
                   <a:solidFill>
                     <a:srgbClr val="000000"/>
                   </a:solidFill>
@@ -3937,7 +3937,7 @@
             </a:ln>
             <a:extLst>
               <a:ext uri="{91240B29-F687-4f45-9708-019B960494DF}">
-                <a14:hiddenLine xmlns:a14="http://schemas.microsoft.com/office/drawing/2010/main" xmlns="" w="9525">
+                <a14:hiddenLine xmlns="" xmlns:a14="http://schemas.microsoft.com/office/drawing/2010/main" w="9525">
                   <a:solidFill>
                     <a:srgbClr val="000000"/>
                   </a:solidFill>
@@ -3999,7 +3999,7 @@
             </a:ln>
             <a:extLst>
               <a:ext uri="{91240B29-F687-4f45-9708-019B960494DF}">
-                <a14:hiddenLine xmlns:a14="http://schemas.microsoft.com/office/drawing/2010/main" xmlns="" w="9525">
+                <a14:hiddenLine xmlns="" xmlns:a14="http://schemas.microsoft.com/office/drawing/2010/main" w="9525">
                   <a:solidFill>
                     <a:srgbClr val="000000"/>
                   </a:solidFill>
@@ -4119,7 +4119,7 @@
             </a:ln>
             <a:extLst>
               <a:ext uri="{91240B29-F687-4f45-9708-019B960494DF}">
-                <a14:hiddenLine xmlns:a14="http://schemas.microsoft.com/office/drawing/2010/main" xmlns="" w="9525">
+                <a14:hiddenLine xmlns="" xmlns:a14="http://schemas.microsoft.com/office/drawing/2010/main" w="9525">
                   <a:solidFill>
                     <a:srgbClr val="000000"/>
                   </a:solidFill>
@@ -4187,7 +4187,7 @@
             </a:ln>
             <a:extLst>
               <a:ext uri="{91240B29-F687-4f45-9708-019B960494DF}">
-                <a14:hiddenLine xmlns:a14="http://schemas.microsoft.com/office/drawing/2010/main" xmlns="" w="9525">
+                <a14:hiddenLine xmlns="" xmlns:a14="http://schemas.microsoft.com/office/drawing/2010/main" w="9525">
                   <a:solidFill>
                     <a:srgbClr val="000000"/>
                   </a:solidFill>
@@ -4277,7 +4277,7 @@
             </a:ln>
             <a:extLst>
               <a:ext uri="{91240B29-F687-4f45-9708-019B960494DF}">
-                <a14:hiddenLine xmlns:a14="http://schemas.microsoft.com/office/drawing/2010/main" xmlns="" w="9525">
+                <a14:hiddenLine xmlns="" xmlns:a14="http://schemas.microsoft.com/office/drawing/2010/main" w="9525">
                   <a:solidFill>
                     <a:srgbClr val="000000"/>
                   </a:solidFill>
@@ -8999,7 +8999,7 @@
           <a:noFill/>
           <a:extLst>
             <a:ext uri="{909E8E84-426E-40dd-AFC4-6F175D3DCCD1}">
-              <a14:hiddenFill xmlns:a14="http://schemas.microsoft.com/office/drawing/2010/main" xmlns="">
+              <a14:hiddenFill xmlns="" xmlns:a14="http://schemas.microsoft.com/office/drawing/2010/main">
                 <a:solidFill>
                   <a:srgbClr val="FFFFFF"/>
                 </a:solidFill>
@@ -9073,7 +9073,7 @@
               </a:ln>
               <a:extLst>
                 <a:ext uri="{91240B29-F687-4f45-9708-019B960494DF}">
-                  <a14:hiddenLine xmlns:a14="http://schemas.microsoft.com/office/drawing/2010/main" xmlns="" w="9525">
+                  <a14:hiddenLine xmlns="" xmlns:a14="http://schemas.microsoft.com/office/drawing/2010/main" w="9525">
                     <a:solidFill>
                       <a:srgbClr val="000000"/>
                     </a:solidFill>
@@ -9163,7 +9163,7 @@
               </a:ln>
               <a:extLst>
                 <a:ext uri="{91240B29-F687-4f45-9708-019B960494DF}">
-                  <a14:hiddenLine xmlns:a14="http://schemas.microsoft.com/office/drawing/2010/main" xmlns="" w="9525">
+                  <a14:hiddenLine xmlns="" xmlns:a14="http://schemas.microsoft.com/office/drawing/2010/main" w="9525">
                     <a:solidFill>
                       <a:srgbClr val="000000"/>
                     </a:solidFill>
@@ -9253,7 +9253,7 @@
               </a:ln>
               <a:extLst>
                 <a:ext uri="{91240B29-F687-4f45-9708-019B960494DF}">
-                  <a14:hiddenLine xmlns:a14="http://schemas.microsoft.com/office/drawing/2010/main" xmlns="" w="9525">
+                  <a14:hiddenLine xmlns="" xmlns:a14="http://schemas.microsoft.com/office/drawing/2010/main" w="9525">
                     <a:solidFill>
                       <a:srgbClr val="000000"/>
                     </a:solidFill>
@@ -9315,7 +9315,7 @@
               </a:ln>
               <a:extLst>
                 <a:ext uri="{91240B29-F687-4f45-9708-019B960494DF}">
-                  <a14:hiddenLine xmlns:a14="http://schemas.microsoft.com/office/drawing/2010/main" xmlns="" w="9525">
+                  <a14:hiddenLine xmlns="" xmlns:a14="http://schemas.microsoft.com/office/drawing/2010/main" w="9525">
                     <a:solidFill>
                       <a:srgbClr val="000000"/>
                     </a:solidFill>
@@ -9405,7 +9405,7 @@
               </a:ln>
               <a:extLst>
                 <a:ext uri="{91240B29-F687-4f45-9708-019B960494DF}">
-                  <a14:hiddenLine xmlns:a14="http://schemas.microsoft.com/office/drawing/2010/main" xmlns="" w="9525">
+                  <a14:hiddenLine xmlns="" xmlns:a14="http://schemas.microsoft.com/office/drawing/2010/main" w="9525">
                     <a:solidFill>
                       <a:srgbClr val="000000"/>
                     </a:solidFill>
@@ -9467,7 +9467,7 @@
               </a:ln>
               <a:extLst>
                 <a:ext uri="{91240B29-F687-4f45-9708-019B960494DF}">
-                  <a14:hiddenLine xmlns:a14="http://schemas.microsoft.com/office/drawing/2010/main" xmlns="" w="9525">
+                  <a14:hiddenLine xmlns="" xmlns:a14="http://schemas.microsoft.com/office/drawing/2010/main" w="9525">
                     <a:solidFill>
                       <a:srgbClr val="000000"/>
                     </a:solidFill>
@@ -9529,7 +9529,7 @@
               </a:ln>
               <a:extLst>
                 <a:ext uri="{91240B29-F687-4f45-9708-019B960494DF}">
-                  <a14:hiddenLine xmlns:a14="http://schemas.microsoft.com/office/drawing/2010/main" xmlns="" w="9525">
+                  <a14:hiddenLine xmlns="" xmlns:a14="http://schemas.microsoft.com/office/drawing/2010/main" w="9525">
                     <a:solidFill>
                       <a:srgbClr val="000000"/>
                     </a:solidFill>
@@ -9619,7 +9619,7 @@
               </a:ln>
               <a:extLst>
                 <a:ext uri="{91240B29-F687-4f45-9708-019B960494DF}">
-                  <a14:hiddenLine xmlns:a14="http://schemas.microsoft.com/office/drawing/2010/main" xmlns="" w="9525">
+                  <a14:hiddenLine xmlns="" xmlns:a14="http://schemas.microsoft.com/office/drawing/2010/main" w="9525">
                     <a:solidFill>
                       <a:srgbClr val="000000"/>
                     </a:solidFill>
@@ -9709,7 +9709,7 @@
               </a:ln>
               <a:extLst>
                 <a:ext uri="{91240B29-F687-4f45-9708-019B960494DF}">
-                  <a14:hiddenLine xmlns:a14="http://schemas.microsoft.com/office/drawing/2010/main" xmlns="" w="9525">
+                  <a14:hiddenLine xmlns="" xmlns:a14="http://schemas.microsoft.com/office/drawing/2010/main" w="9525">
                     <a:solidFill>
                       <a:srgbClr val="000000"/>
                     </a:solidFill>
@@ -9771,7 +9771,7 @@
               </a:ln>
               <a:extLst>
                 <a:ext uri="{91240B29-F687-4f45-9708-019B960494DF}">
-                  <a14:hiddenLine xmlns:a14="http://schemas.microsoft.com/office/drawing/2010/main" xmlns="" w="9525">
+                  <a14:hiddenLine xmlns="" xmlns:a14="http://schemas.microsoft.com/office/drawing/2010/main" w="9525">
                     <a:solidFill>
                       <a:srgbClr val="000000"/>
                     </a:solidFill>
@@ -9881,7 +9881,7 @@
               </a:ln>
               <a:extLst>
                 <a:ext uri="{91240B29-F687-4f45-9708-019B960494DF}">
-                  <a14:hiddenLine xmlns:a14="http://schemas.microsoft.com/office/drawing/2010/main" xmlns="" w="9525">
+                  <a14:hiddenLine xmlns="" xmlns:a14="http://schemas.microsoft.com/office/drawing/2010/main" w="9525">
                     <a:solidFill>
                       <a:srgbClr val="000000"/>
                     </a:solidFill>
@@ -9965,7 +9965,7 @@
               </a:ln>
               <a:extLst>
                 <a:ext uri="{91240B29-F687-4f45-9708-019B960494DF}">
-                  <a14:hiddenLine xmlns:a14="http://schemas.microsoft.com/office/drawing/2010/main" xmlns="" w="9525">
+                  <a14:hiddenLine xmlns="" xmlns:a14="http://schemas.microsoft.com/office/drawing/2010/main" w="9525">
                     <a:solidFill>
                       <a:srgbClr val="000000"/>
                     </a:solidFill>
@@ -10027,7 +10027,7 @@
               </a:ln>
               <a:extLst>
                 <a:ext uri="{91240B29-F687-4f45-9708-019B960494DF}">
-                  <a14:hiddenLine xmlns:a14="http://schemas.microsoft.com/office/drawing/2010/main" xmlns="" w="9525">
+                  <a14:hiddenLine xmlns="" xmlns:a14="http://schemas.microsoft.com/office/drawing/2010/main" w="9525">
                     <a:solidFill>
                       <a:srgbClr val="000000"/>
                     </a:solidFill>
@@ -10089,7 +10089,7 @@
               </a:ln>
               <a:extLst>
                 <a:ext uri="{91240B29-F687-4f45-9708-019B960494DF}">
-                  <a14:hiddenLine xmlns:a14="http://schemas.microsoft.com/office/drawing/2010/main" xmlns="" w="9525">
+                  <a14:hiddenLine xmlns="" xmlns:a14="http://schemas.microsoft.com/office/drawing/2010/main" w="9525">
                     <a:solidFill>
                       <a:srgbClr val="000000"/>
                     </a:solidFill>
@@ -10179,7 +10179,7 @@
               </a:ln>
               <a:extLst>
                 <a:ext uri="{91240B29-F687-4f45-9708-019B960494DF}">
-                  <a14:hiddenLine xmlns:a14="http://schemas.microsoft.com/office/drawing/2010/main" xmlns="" w="9525">
+                  <a14:hiddenLine xmlns="" xmlns:a14="http://schemas.microsoft.com/office/drawing/2010/main" w="9525">
                     <a:solidFill>
                       <a:srgbClr val="000000"/>
                     </a:solidFill>
@@ -10213,7 +10213,7 @@
               </a:ln>
               <a:extLst>
                 <a:ext uri="{91240B29-F687-4f45-9708-019B960494DF}">
-                  <a14:hiddenLine xmlns:a14="http://schemas.microsoft.com/office/drawing/2010/main" xmlns="" w="9525">
+                  <a14:hiddenLine xmlns="" xmlns:a14="http://schemas.microsoft.com/office/drawing/2010/main" w="9525">
                     <a:solidFill>
                       <a:srgbClr val="000000"/>
                     </a:solidFill>
@@ -10278,7 +10278,7 @@
               </a:ln>
               <a:extLst>
                 <a:ext uri="{91240B29-F687-4f45-9708-019B960494DF}">
-                  <a14:hiddenLine xmlns:a14="http://schemas.microsoft.com/office/drawing/2010/main" xmlns="" w="9525">
+                  <a14:hiddenLine xmlns="" xmlns:a14="http://schemas.microsoft.com/office/drawing/2010/main" w="9525">
                     <a:solidFill>
                       <a:srgbClr val="000000"/>
                     </a:solidFill>
@@ -10368,7 +10368,7 @@
               </a:ln>
               <a:extLst>
                 <a:ext uri="{91240B29-F687-4f45-9708-019B960494DF}">
-                  <a14:hiddenLine xmlns:a14="http://schemas.microsoft.com/office/drawing/2010/main" xmlns="" w="9525">
+                  <a14:hiddenLine xmlns="" xmlns:a14="http://schemas.microsoft.com/office/drawing/2010/main" w="9525">
                     <a:solidFill>
                       <a:srgbClr val="000000"/>
                     </a:solidFill>
@@ -10430,7 +10430,7 @@
               </a:ln>
               <a:extLst>
                 <a:ext uri="{91240B29-F687-4f45-9708-019B960494DF}">
-                  <a14:hiddenLine xmlns:a14="http://schemas.microsoft.com/office/drawing/2010/main" xmlns="" w="9525">
+                  <a14:hiddenLine xmlns="" xmlns:a14="http://schemas.microsoft.com/office/drawing/2010/main" w="9525">
                     <a:solidFill>
                       <a:srgbClr val="000000"/>
                     </a:solidFill>
@@ -10520,7 +10520,7 @@
               </a:ln>
               <a:extLst>
                 <a:ext uri="{91240B29-F687-4f45-9708-019B960494DF}">
-                  <a14:hiddenLine xmlns:a14="http://schemas.microsoft.com/office/drawing/2010/main" xmlns="" w="9525">
+                  <a14:hiddenLine xmlns="" xmlns:a14="http://schemas.microsoft.com/office/drawing/2010/main" w="9525">
                     <a:solidFill>
                       <a:srgbClr val="000000"/>
                     </a:solidFill>
@@ -10585,7 +10585,7 @@
               </a:ln>
               <a:extLst>
                 <a:ext uri="{91240B29-F687-4f45-9708-019B960494DF}">
-                  <a14:hiddenLine xmlns:a14="http://schemas.microsoft.com/office/drawing/2010/main" xmlns="" w="9525">
+                  <a14:hiddenLine xmlns="" xmlns:a14="http://schemas.microsoft.com/office/drawing/2010/main" w="9525">
                     <a:solidFill>
                       <a:srgbClr val="000000"/>
                     </a:solidFill>
@@ -10647,7 +10647,7 @@
               </a:ln>
               <a:extLst>
                 <a:ext uri="{91240B29-F687-4f45-9708-019B960494DF}">
-                  <a14:hiddenLine xmlns:a14="http://schemas.microsoft.com/office/drawing/2010/main" xmlns="" w="9525">
+                  <a14:hiddenLine xmlns="" xmlns:a14="http://schemas.microsoft.com/office/drawing/2010/main" w="9525">
                     <a:solidFill>
                       <a:srgbClr val="000000"/>
                     </a:solidFill>
@@ -10737,7 +10737,7 @@
               </a:ln>
               <a:extLst>
                 <a:ext uri="{91240B29-F687-4f45-9708-019B960494DF}">
-                  <a14:hiddenLine xmlns:a14="http://schemas.microsoft.com/office/drawing/2010/main" xmlns="" w="9525">
+                  <a14:hiddenLine xmlns="" xmlns:a14="http://schemas.microsoft.com/office/drawing/2010/main" w="9525">
                     <a:solidFill>
                       <a:srgbClr val="000000"/>
                     </a:solidFill>
@@ -10827,7 +10827,7 @@
               </a:ln>
               <a:extLst>
                 <a:ext uri="{91240B29-F687-4f45-9708-019B960494DF}">
-                  <a14:hiddenLine xmlns:a14="http://schemas.microsoft.com/office/drawing/2010/main" xmlns="" w="9525">
+                  <a14:hiddenLine xmlns="" xmlns:a14="http://schemas.microsoft.com/office/drawing/2010/main" w="9525">
                     <a:solidFill>
                       <a:srgbClr val="000000"/>
                     </a:solidFill>
@@ -10892,7 +10892,7 @@
               </a:ln>
               <a:extLst>
                 <a:ext uri="{91240B29-F687-4f45-9708-019B960494DF}">
-                  <a14:hiddenLine xmlns:a14="http://schemas.microsoft.com/office/drawing/2010/main" xmlns="" w="9525">
+                  <a14:hiddenLine xmlns="" xmlns:a14="http://schemas.microsoft.com/office/drawing/2010/main" w="9525">
                     <a:solidFill>
                       <a:srgbClr val="000000"/>
                     </a:solidFill>
@@ -11012,7 +11012,7 @@
               </a:ln>
               <a:extLst>
                 <a:ext uri="{91240B29-F687-4f45-9708-019B960494DF}">
-                  <a14:hiddenLine xmlns:a14="http://schemas.microsoft.com/office/drawing/2010/main" xmlns="" w="9525">
+                  <a14:hiddenLine xmlns="" xmlns:a14="http://schemas.microsoft.com/office/drawing/2010/main" w="9525">
                     <a:solidFill>
                       <a:srgbClr val="000000"/>
                     </a:solidFill>
@@ -11110,7 +11110,7 @@
               </a:ln>
               <a:extLst>
                 <a:ext uri="{91240B29-F687-4f45-9708-019B960494DF}">
-                  <a14:hiddenLine xmlns:a14="http://schemas.microsoft.com/office/drawing/2010/main" xmlns="" w="9525">
+                  <a14:hiddenLine xmlns="" xmlns:a14="http://schemas.microsoft.com/office/drawing/2010/main" w="9525">
                     <a:solidFill>
                       <a:srgbClr val="000000"/>
                     </a:solidFill>
@@ -11225,7 +11225,7 @@
               </a:ln>
               <a:extLst>
                 <a:ext uri="{91240B29-F687-4f45-9708-019B960494DF}">
-                  <a14:hiddenLine xmlns:a14="http://schemas.microsoft.com/office/drawing/2010/main" xmlns="" w="9525">
+                  <a14:hiddenLine xmlns="" xmlns:a14="http://schemas.microsoft.com/office/drawing/2010/main" w="9525">
                     <a:solidFill>
                       <a:srgbClr val="000000"/>
                     </a:solidFill>
@@ -11315,7 +11315,7 @@
               </a:ln>
               <a:extLst>
                 <a:ext uri="{91240B29-F687-4f45-9708-019B960494DF}">
-                  <a14:hiddenLine xmlns:a14="http://schemas.microsoft.com/office/drawing/2010/main" xmlns="" w="9525">
+                  <a14:hiddenLine xmlns="" xmlns:a14="http://schemas.microsoft.com/office/drawing/2010/main" w="9525">
                     <a:solidFill>
                       <a:srgbClr val="000000"/>
                     </a:solidFill>
@@ -11380,7 +11380,7 @@
               </a:ln>
               <a:extLst>
                 <a:ext uri="{91240B29-F687-4f45-9708-019B960494DF}">
-                  <a14:hiddenLine xmlns:a14="http://schemas.microsoft.com/office/drawing/2010/main" xmlns="" w="9525">
+                  <a14:hiddenLine xmlns="" xmlns:a14="http://schemas.microsoft.com/office/drawing/2010/main" w="9525">
                     <a:solidFill>
                       <a:srgbClr val="000000"/>
                     </a:solidFill>
@@ -11470,7 +11470,7 @@
               </a:ln>
               <a:extLst>
                 <a:ext uri="{91240B29-F687-4f45-9708-019B960494DF}">
-                  <a14:hiddenLine xmlns:a14="http://schemas.microsoft.com/office/drawing/2010/main" xmlns="" w="9525">
+                  <a14:hiddenLine xmlns="" xmlns:a14="http://schemas.microsoft.com/office/drawing/2010/main" w="9525">
                     <a:solidFill>
                       <a:srgbClr val="000000"/>
                     </a:solidFill>
@@ -11538,7 +11538,7 @@
               </a:ln>
               <a:extLst>
                 <a:ext uri="{91240B29-F687-4f45-9708-019B960494DF}">
-                  <a14:hiddenLine xmlns:a14="http://schemas.microsoft.com/office/drawing/2010/main" xmlns="" w="9525">
+                  <a14:hiddenLine xmlns="" xmlns:a14="http://schemas.microsoft.com/office/drawing/2010/main" w="9525">
                     <a:solidFill>
                       <a:srgbClr val="000000"/>
                     </a:solidFill>
@@ -11628,7 +11628,7 @@
               </a:ln>
               <a:extLst>
                 <a:ext uri="{91240B29-F687-4f45-9708-019B960494DF}">
-                  <a14:hiddenLine xmlns:a14="http://schemas.microsoft.com/office/drawing/2010/main" xmlns="" w="9525">
+                  <a14:hiddenLine xmlns="" xmlns:a14="http://schemas.microsoft.com/office/drawing/2010/main" w="9525">
                     <a:solidFill>
                       <a:srgbClr val="000000"/>
                     </a:solidFill>
@@ -11696,7 +11696,7 @@
               </a:ln>
               <a:extLst>
                 <a:ext uri="{91240B29-F687-4f45-9708-019B960494DF}">
-                  <a14:hiddenLine xmlns:a14="http://schemas.microsoft.com/office/drawing/2010/main" xmlns="" w="9525">
+                  <a14:hiddenLine xmlns="" xmlns:a14="http://schemas.microsoft.com/office/drawing/2010/main" w="9525">
                     <a:solidFill>
                       <a:srgbClr val="000000"/>
                     </a:solidFill>
@@ -11786,7 +11786,7 @@
               </a:ln>
               <a:extLst>
                 <a:ext uri="{91240B29-F687-4f45-9708-019B960494DF}">
-                  <a14:hiddenLine xmlns:a14="http://schemas.microsoft.com/office/drawing/2010/main" xmlns="" w="9525">
+                  <a14:hiddenLine xmlns="" xmlns:a14="http://schemas.microsoft.com/office/drawing/2010/main" w="9525">
                     <a:solidFill>
                       <a:srgbClr val="000000"/>
                     </a:solidFill>
@@ -11820,7 +11820,7 @@
               </a:ln>
               <a:extLst>
                 <a:ext uri="{91240B29-F687-4f45-9708-019B960494DF}">
-                  <a14:hiddenLine xmlns:a14="http://schemas.microsoft.com/office/drawing/2010/main" xmlns="" w="9525">
+                  <a14:hiddenLine xmlns="" xmlns:a14="http://schemas.microsoft.com/office/drawing/2010/main" w="9525">
                     <a:solidFill>
                       <a:srgbClr val="000000"/>
                     </a:solidFill>
@@ -15308,8 +15308,8 @@
         </p:nvSpPr>
         <p:spPr>
           <a:xfrm>
-            <a:off x="8572500" y="992604"/>
-            <a:ext cx="2451100" cy="4100096"/>
+            <a:off x="8833756" y="1057918"/>
+            <a:ext cx="3069771" cy="4100096"/>
           </a:xfrm>
         </p:spPr>
         <p:txBody>
@@ -15363,10 +15363,10 @@
       </p:sp>
       <p:pic>
         <p:nvPicPr>
-          <p:cNvPr id="7" name="Picture 6">
+          <p:cNvPr id="4" name="Picture 3">
             <a:extLst>
               <a:ext uri="{FF2B5EF4-FFF2-40B4-BE49-F238E27FC236}">
-                <a16:creationId xmlns:a16="http://schemas.microsoft.com/office/drawing/2014/main" id="{A5801730-EBE5-1E40-9C27-E2E940087AB7}"/>
+                <a16:creationId xmlns:a16="http://schemas.microsoft.com/office/drawing/2014/main" id="{BE864591-EAF0-FC42-A19A-D8E6E013C781}"/>
               </a:ext>
             </a:extLst>
           </p:cNvPr>
@@ -15375,15 +15375,16 @@
           </p:cNvPicPr>
           <p:nvPr/>
         </p:nvPicPr>
-        <p:blipFill rotWithShape="1">
+        <p:blipFill>
           <a:blip r:embed="rId2"/>
-          <a:srcRect l="4074" t="5740" r="3333" b="5556"/>
-          <a:stretch/>
+          <a:stretch>
+            <a:fillRect/>
+          </a:stretch>
         </p:blipFill>
         <p:spPr>
           <a:xfrm>
-            <a:off x="1346200" y="182549"/>
-            <a:ext cx="6756400" cy="6472632"/>
+            <a:off x="1012371" y="-388258"/>
+            <a:ext cx="7634515" cy="7634515"/>
           </a:xfrm>
           <a:prstGeom prst="rect">
             <a:avLst/>
@@ -15792,13 +15793,13 @@
         </p:nvPicPr>
         <p:blipFill rotWithShape="1">
           <a:blip r:embed="rId2"/>
-          <a:srcRect l="22868" t="30925" r="19043" b="35740"/>
+          <a:srcRect l="24724" t="33179" r="18476" b="35740"/>
           <a:stretch/>
         </p:blipFill>
         <p:spPr>
           <a:xfrm>
-            <a:off x="1079500" y="1291161"/>
-            <a:ext cx="9652000" cy="5446270"/>
+            <a:off x="1076896" y="1306283"/>
+            <a:ext cx="9912237" cy="5333174"/>
           </a:xfrm>
           <a:prstGeom prst="rect">
             <a:avLst/>
